--- a/Code Smell.pptx
+++ b/Code Smell.pptx
@@ -117,6 +117,11 @@
       </a:defRPr>
     </a:lvl9pPr>
   </p:defaultTextStyle>
+  <p:extLst>
+    <p:ext uri="{EFAFB233-063F-42B5-8137-9DF3F51BA10A}">
+      <p15:sldGuideLst xmlns:p15="http://schemas.microsoft.com/office/powerpoint/2012/main"/>
+    </p:ext>
+  </p:extLst>
 </p:presentation>
 </file>
 
@@ -202,7 +207,7 @@
           <a:p>
             <a:fld id="{E548DB74-2314-4E87-853B-A0EF234CA4E0}" type="datetimeFigureOut">
               <a:rPr lang="zh-TW" altLang="en-US" smtClean="0"/>
-              <a:t>2019/8/22</a:t>
+              <a:t>2019/8/23</a:t>
             </a:fld>
             <a:endParaRPr lang="zh-TW" altLang="en-US"/>
           </a:p>
@@ -811,7 +816,7 @@
           <a:p>
             <a:fld id="{5477C6D2-20F5-4E0D-B8A6-636396ED1FD7}" type="datetimeFigureOut">
               <a:rPr lang="zh-TW" altLang="en-US" smtClean="0"/>
-              <a:t>2019/8/22</a:t>
+              <a:t>2019/8/23</a:t>
             </a:fld>
             <a:endParaRPr lang="zh-TW" altLang="en-US"/>
           </a:p>
@@ -981,7 +986,7 @@
           <a:p>
             <a:fld id="{5477C6D2-20F5-4E0D-B8A6-636396ED1FD7}" type="datetimeFigureOut">
               <a:rPr lang="zh-TW" altLang="en-US" smtClean="0"/>
-              <a:t>2019/8/22</a:t>
+              <a:t>2019/8/23</a:t>
             </a:fld>
             <a:endParaRPr lang="zh-TW" altLang="en-US"/>
           </a:p>
@@ -1161,7 +1166,7 @@
           <a:p>
             <a:fld id="{5477C6D2-20F5-4E0D-B8A6-636396ED1FD7}" type="datetimeFigureOut">
               <a:rPr lang="zh-TW" altLang="en-US" smtClean="0"/>
-              <a:t>2019/8/22</a:t>
+              <a:t>2019/8/23</a:t>
             </a:fld>
             <a:endParaRPr lang="zh-TW" altLang="en-US"/>
           </a:p>
@@ -1336,7 +1341,7 @@
           <a:p>
             <a:fld id="{5477C6D2-20F5-4E0D-B8A6-636396ED1FD7}" type="datetimeFigureOut">
               <a:rPr lang="zh-TW" altLang="en-US" smtClean="0"/>
-              <a:t>2019/8/22</a:t>
+              <a:t>2019/8/23</a:t>
             </a:fld>
             <a:endParaRPr lang="zh-TW" altLang="en-US"/>
           </a:p>
@@ -1587,7 +1592,7 @@
           <a:p>
             <a:fld id="{5477C6D2-20F5-4E0D-B8A6-636396ED1FD7}" type="datetimeFigureOut">
               <a:rPr lang="zh-TW" altLang="en-US" smtClean="0"/>
-              <a:t>2019/8/22</a:t>
+              <a:t>2019/8/23</a:t>
             </a:fld>
             <a:endParaRPr lang="zh-TW" altLang="en-US"/>
           </a:p>
@@ -1824,7 +1829,7 @@
           <a:p>
             <a:fld id="{5477C6D2-20F5-4E0D-B8A6-636396ED1FD7}" type="datetimeFigureOut">
               <a:rPr lang="zh-TW" altLang="en-US" smtClean="0"/>
-              <a:t>2019/8/22</a:t>
+              <a:t>2019/8/23</a:t>
             </a:fld>
             <a:endParaRPr lang="zh-TW" altLang="en-US"/>
           </a:p>
@@ -2196,7 +2201,7 @@
           <a:p>
             <a:fld id="{5477C6D2-20F5-4E0D-B8A6-636396ED1FD7}" type="datetimeFigureOut">
               <a:rPr lang="zh-TW" altLang="en-US" smtClean="0"/>
-              <a:t>2019/8/22</a:t>
+              <a:t>2019/8/23</a:t>
             </a:fld>
             <a:endParaRPr lang="zh-TW" altLang="en-US"/>
           </a:p>
@@ -2319,7 +2324,7 @@
           <a:p>
             <a:fld id="{5477C6D2-20F5-4E0D-B8A6-636396ED1FD7}" type="datetimeFigureOut">
               <a:rPr lang="zh-TW" altLang="en-US" smtClean="0"/>
-              <a:t>2019/8/22</a:t>
+              <a:t>2019/8/23</a:t>
             </a:fld>
             <a:endParaRPr lang="zh-TW" altLang="en-US"/>
           </a:p>
@@ -2414,7 +2419,7 @@
           <a:p>
             <a:fld id="{5477C6D2-20F5-4E0D-B8A6-636396ED1FD7}" type="datetimeFigureOut">
               <a:rPr lang="zh-TW" altLang="en-US" smtClean="0"/>
-              <a:t>2019/8/22</a:t>
+              <a:t>2019/8/23</a:t>
             </a:fld>
             <a:endParaRPr lang="zh-TW" altLang="en-US"/>
           </a:p>
@@ -2691,7 +2696,7 @@
           <a:p>
             <a:fld id="{5477C6D2-20F5-4E0D-B8A6-636396ED1FD7}" type="datetimeFigureOut">
               <a:rPr lang="zh-TW" altLang="en-US" smtClean="0"/>
-              <a:t>2019/8/22</a:t>
+              <a:t>2019/8/23</a:t>
             </a:fld>
             <a:endParaRPr lang="zh-TW" altLang="en-US"/>
           </a:p>
@@ -2944,7 +2949,7 @@
           <a:p>
             <a:fld id="{5477C6D2-20F5-4E0D-B8A6-636396ED1FD7}" type="datetimeFigureOut">
               <a:rPr lang="zh-TW" altLang="en-US" smtClean="0"/>
-              <a:t>2019/8/22</a:t>
+              <a:t>2019/8/23</a:t>
             </a:fld>
             <a:endParaRPr lang="zh-TW" altLang="en-US"/>
           </a:p>
@@ -3157,7 +3162,7 @@
           <a:p>
             <a:fld id="{5477C6D2-20F5-4E0D-B8A6-636396ED1FD7}" type="datetimeFigureOut">
               <a:rPr lang="zh-TW" altLang="en-US" smtClean="0"/>
-              <a:t>2019/8/22</a:t>
+              <a:t>2019/8/23</a:t>
             </a:fld>
             <a:endParaRPr lang="zh-TW" altLang="en-US"/>
           </a:p>
@@ -3838,25 +3843,875 @@
           </a:p>
         </p:txBody>
       </p:sp>
-      <p:sp>
-        <p:nvSpPr>
-          <p:cNvPr id="3" name="內容版面配置區 2"/>
-          <p:cNvSpPr>
-            <a:spLocks noGrp="1"/>
-          </p:cNvSpPr>
+      <p:graphicFrame>
+        <p:nvGraphicFramePr>
+          <p:cNvPr id="6" name="內容版面配置區 5"/>
+          <p:cNvGraphicFramePr>
+            <a:graphicFrameLocks noGrp="1"/>
+          </p:cNvGraphicFramePr>
           <p:nvPr>
             <p:ph idx="1"/>
-          </p:nvPr>
-        </p:nvSpPr>
-        <p:spPr/>
-        <p:txBody>
-          <a:bodyPr/>
-          <a:lstStyle/>
-          <a:p>
-            <a:endParaRPr lang="zh-TW" altLang="en-US"/>
-          </a:p>
-        </p:txBody>
-      </p:sp>
+            <p:extLst>
+              <p:ext uri="{D42A27DB-BD31-4B8C-83A1-F6EECF244321}">
+                <p14:modId xmlns:p14="http://schemas.microsoft.com/office/powerpoint/2010/main" val="2613770366"/>
+              </p:ext>
+            </p:extLst>
+          </p:nvPr>
+        </p:nvGraphicFramePr>
+        <p:xfrm>
+          <a:off x="1361983" y="2716565"/>
+          <a:ext cx="4062274" cy="1462432"/>
+        </p:xfrm>
+        <a:graphic>
+          <a:graphicData uri="http://schemas.openxmlformats.org/drawingml/2006/table">
+            <a:tbl>
+              <a:tblPr firstRow="1" bandRow="1">
+                <a:tableStyleId>{5C22544A-7EE6-4342-B048-85BDC9FD1C3A}</a:tableStyleId>
+              </a:tblPr>
+              <a:tblGrid>
+                <a:gridCol w="351408">
+                  <a:extLst>
+                    <a:ext uri="{9D8B030D-6E8A-4147-A177-3AD203B41FA5}">
+                      <a16:colId xmlns:a16="http://schemas.microsoft.com/office/drawing/2014/main" val="2993779396"/>
+                    </a:ext>
+                  </a:extLst>
+                </a:gridCol>
+                <a:gridCol w="3710866">
+                  <a:extLst>
+                    <a:ext uri="{9D8B030D-6E8A-4147-A177-3AD203B41FA5}">
+                      <a16:colId xmlns:a16="http://schemas.microsoft.com/office/drawing/2014/main" val="4109739251"/>
+                    </a:ext>
+                  </a:extLst>
+                </a:gridCol>
+              </a:tblGrid>
+              <a:tr h="365608">
+                <a:tc>
+                  <a:txBody>
+                    <a:bodyPr/>
+                    <a:lstStyle/>
+                    <a:p>
+                      <a:r>
+                        <a:rPr lang="en-US" altLang="zh-TW" sz="1400" b="0" dirty="0" smtClean="0">
+                          <a:solidFill>
+                            <a:schemeClr val="bg1"/>
+                          </a:solidFill>
+                          <a:latin typeface="Times New Roman" panose="02020603050405020304" pitchFamily="18" charset="0"/>
+                          <a:cs typeface="Times New Roman" panose="02020603050405020304" pitchFamily="18" charset="0"/>
+                        </a:rPr>
+                        <a:t>1</a:t>
+                      </a:r>
+                      <a:endParaRPr lang="zh-TW" altLang="en-US" sz="1400" b="0" dirty="0">
+                        <a:solidFill>
+                          <a:schemeClr val="bg1"/>
+                        </a:solidFill>
+                        <a:latin typeface="Times New Roman" panose="02020603050405020304" pitchFamily="18" charset="0"/>
+                        <a:cs typeface="Times New Roman" panose="02020603050405020304" pitchFamily="18" charset="0"/>
+                      </a:endParaRPr>
+                    </a:p>
+                  </a:txBody>
+                  <a:tcPr>
+                    <a:lnL w="12700" cmpd="sng">
+                      <a:noFill/>
+                    </a:lnL>
+                    <a:lnR w="12700" cmpd="sng">
+                      <a:noFill/>
+                    </a:lnR>
+                    <a:lnT w="12700" cmpd="sng">
+                      <a:noFill/>
+                    </a:lnT>
+                    <a:lnB w="38100" cmpd="sng">
+                      <a:noFill/>
+                    </a:lnB>
+                    <a:lnTlToBr w="12700" cmpd="sng">
+                      <a:noFill/>
+                      <a:prstDash val="solid"/>
+                    </a:lnTlToBr>
+                    <a:lnBlToTr w="12700" cmpd="sng">
+                      <a:noFill/>
+                      <a:prstDash val="solid"/>
+                    </a:lnBlToTr>
+                    <a:solidFill>
+                      <a:srgbClr val="B9CDE5"/>
+                    </a:solidFill>
+                  </a:tcPr>
+                </a:tc>
+                <a:tc>
+                  <a:txBody>
+                    <a:bodyPr/>
+                    <a:lstStyle/>
+                    <a:p>
+                      <a:r>
+                        <a:rPr lang="en-US" altLang="zh-TW" sz="1400" b="0" dirty="0" smtClean="0">
+                          <a:solidFill>
+                            <a:schemeClr val="bg1"/>
+                          </a:solidFill>
+                          <a:latin typeface="Times New Roman" panose="02020603050405020304" pitchFamily="18" charset="0"/>
+                          <a:cs typeface="Times New Roman" panose="02020603050405020304" pitchFamily="18" charset="0"/>
+                        </a:rPr>
+                        <a:t>double </a:t>
+                      </a:r>
+                      <a:r>
+                        <a:rPr lang="en-US" altLang="zh-TW" sz="1400" b="0" dirty="0" smtClean="0">
+                          <a:solidFill>
+                            <a:srgbClr val="FF0000"/>
+                          </a:solidFill>
+                          <a:latin typeface="Times New Roman" panose="02020603050405020304" pitchFamily="18" charset="0"/>
+                          <a:cs typeface="Times New Roman" panose="02020603050405020304" pitchFamily="18" charset="0"/>
+                        </a:rPr>
+                        <a:t>temp = 2 * (_height + _width);</a:t>
+                      </a:r>
+                      <a:endParaRPr lang="zh-TW" altLang="en-US" sz="1400" b="0" dirty="0">
+                        <a:solidFill>
+                          <a:srgbClr val="FF0000"/>
+                        </a:solidFill>
+                        <a:latin typeface="Times New Roman" panose="02020603050405020304" pitchFamily="18" charset="0"/>
+                        <a:cs typeface="Times New Roman" panose="02020603050405020304" pitchFamily="18" charset="0"/>
+                      </a:endParaRPr>
+                    </a:p>
+                  </a:txBody>
+                  <a:tcPr>
+                    <a:lnL w="12700" cmpd="sng">
+                      <a:noFill/>
+                    </a:lnL>
+                    <a:solidFill>
+                      <a:schemeClr val="tx1"/>
+                    </a:solidFill>
+                  </a:tcPr>
+                </a:tc>
+                <a:extLst>
+                  <a:ext uri="{0D108BD9-81ED-4DB2-BD59-A6C34878D82A}">
+                    <a16:rowId xmlns:a16="http://schemas.microsoft.com/office/drawing/2014/main" val="3135532648"/>
+                  </a:ext>
+                </a:extLst>
+              </a:tr>
+              <a:tr h="365608">
+                <a:tc>
+                  <a:txBody>
+                    <a:bodyPr/>
+                    <a:lstStyle/>
+                    <a:p>
+                      <a:r>
+                        <a:rPr lang="en-US" altLang="zh-TW" sz="1400" b="0" dirty="0" smtClean="0">
+                          <a:solidFill>
+                            <a:schemeClr val="bg1"/>
+                          </a:solidFill>
+                          <a:latin typeface="Times New Roman" panose="02020603050405020304" pitchFamily="18" charset="0"/>
+                          <a:cs typeface="Times New Roman" panose="02020603050405020304" pitchFamily="18" charset="0"/>
+                        </a:rPr>
+                        <a:t>2</a:t>
+                      </a:r>
+                      <a:endParaRPr lang="zh-TW" altLang="en-US" sz="1400" b="0" dirty="0">
+                        <a:solidFill>
+                          <a:schemeClr val="bg1"/>
+                        </a:solidFill>
+                        <a:latin typeface="Times New Roman" panose="02020603050405020304" pitchFamily="18" charset="0"/>
+                        <a:cs typeface="Times New Roman" panose="02020603050405020304" pitchFamily="18" charset="0"/>
+                      </a:endParaRPr>
+                    </a:p>
+                  </a:txBody>
+                  <a:tcPr>
+                    <a:lnL w="12700" cmpd="sng">
+                      <a:noFill/>
+                    </a:lnL>
+                    <a:lnR w="12700" cmpd="sng">
+                      <a:noFill/>
+                    </a:lnR>
+                    <a:lnT w="38100" cmpd="sng">
+                      <a:noFill/>
+                    </a:lnT>
+                    <a:lnB w="12700" cmpd="sng">
+                      <a:noFill/>
+                    </a:lnB>
+                    <a:lnTlToBr w="12700" cmpd="sng">
+                      <a:noFill/>
+                      <a:prstDash val="solid"/>
+                    </a:lnTlToBr>
+                    <a:lnBlToTr w="12700" cmpd="sng">
+                      <a:noFill/>
+                      <a:prstDash val="solid"/>
+                    </a:lnBlToTr>
+                    <a:solidFill>
+                      <a:srgbClr val="B9CDE5"/>
+                    </a:solidFill>
+                  </a:tcPr>
+                </a:tc>
+                <a:tc>
+                  <a:txBody>
+                    <a:bodyPr/>
+                    <a:lstStyle/>
+                    <a:p>
+                      <a:r>
+                        <a:rPr lang="en-US" altLang="zh-TW" sz="1400" b="0" dirty="0" smtClean="0">
+                          <a:solidFill>
+                            <a:schemeClr val="bg1"/>
+                          </a:solidFill>
+                          <a:latin typeface="Times New Roman" panose="02020603050405020304" pitchFamily="18" charset="0"/>
+                          <a:cs typeface="Times New Roman" panose="02020603050405020304" pitchFamily="18" charset="0"/>
+                        </a:rPr>
+                        <a:t>System.out.println(temp);</a:t>
+                      </a:r>
+                      <a:endParaRPr lang="zh-TW" altLang="en-US" sz="1400" b="0" dirty="0">
+                        <a:solidFill>
+                          <a:schemeClr val="bg1"/>
+                        </a:solidFill>
+                        <a:latin typeface="Times New Roman" panose="02020603050405020304" pitchFamily="18" charset="0"/>
+                        <a:cs typeface="Times New Roman" panose="02020603050405020304" pitchFamily="18" charset="0"/>
+                      </a:endParaRPr>
+                    </a:p>
+                  </a:txBody>
+                  <a:tcPr>
+                    <a:lnL w="12700" cmpd="sng">
+                      <a:noFill/>
+                    </a:lnL>
+                    <a:solidFill>
+                      <a:schemeClr val="tx1"/>
+                    </a:solidFill>
+                  </a:tcPr>
+                </a:tc>
+                <a:extLst>
+                  <a:ext uri="{0D108BD9-81ED-4DB2-BD59-A6C34878D82A}">
+                    <a16:rowId xmlns:a16="http://schemas.microsoft.com/office/drawing/2014/main" val="3719993895"/>
+                  </a:ext>
+                </a:extLst>
+              </a:tr>
+              <a:tr h="365608">
+                <a:tc>
+                  <a:txBody>
+                    <a:bodyPr/>
+                    <a:lstStyle/>
+                    <a:p>
+                      <a:r>
+                        <a:rPr lang="en-US" altLang="zh-TW" sz="1400" b="0" dirty="0" smtClean="0">
+                          <a:solidFill>
+                            <a:schemeClr val="bg1"/>
+                          </a:solidFill>
+                          <a:latin typeface="Times New Roman" panose="02020603050405020304" pitchFamily="18" charset="0"/>
+                          <a:cs typeface="Times New Roman" panose="02020603050405020304" pitchFamily="18" charset="0"/>
+                        </a:rPr>
+                        <a:t>3</a:t>
+                      </a:r>
+                      <a:endParaRPr lang="zh-TW" altLang="en-US" sz="1400" b="0" dirty="0">
+                        <a:solidFill>
+                          <a:schemeClr val="bg1"/>
+                        </a:solidFill>
+                        <a:latin typeface="Times New Roman" panose="02020603050405020304" pitchFamily="18" charset="0"/>
+                        <a:cs typeface="Times New Roman" panose="02020603050405020304" pitchFamily="18" charset="0"/>
+                      </a:endParaRPr>
+                    </a:p>
+                  </a:txBody>
+                  <a:tcPr>
+                    <a:lnL w="12700" cmpd="sng">
+                      <a:noFill/>
+                    </a:lnL>
+                    <a:lnR w="12700" cmpd="sng">
+                      <a:noFill/>
+                    </a:lnR>
+                    <a:lnT w="12700" cmpd="sng">
+                      <a:noFill/>
+                    </a:lnT>
+                    <a:lnB w="12700" cmpd="sng">
+                      <a:noFill/>
+                    </a:lnB>
+                    <a:lnTlToBr w="12700" cmpd="sng">
+                      <a:noFill/>
+                      <a:prstDash val="solid"/>
+                    </a:lnTlToBr>
+                    <a:lnBlToTr w="12700" cmpd="sng">
+                      <a:noFill/>
+                      <a:prstDash val="solid"/>
+                    </a:lnBlToTr>
+                    <a:solidFill>
+                      <a:srgbClr val="B9CDE5"/>
+                    </a:solidFill>
+                  </a:tcPr>
+                </a:tc>
+                <a:tc>
+                  <a:txBody>
+                    <a:bodyPr/>
+                    <a:lstStyle/>
+                    <a:p>
+                      <a:r>
+                        <a:rPr lang="en-US" altLang="zh-TW" sz="1400" b="0" dirty="0" smtClean="0">
+                          <a:solidFill>
+                            <a:srgbClr val="FF0000"/>
+                          </a:solidFill>
+                          <a:latin typeface="Times New Roman" panose="02020603050405020304" pitchFamily="18" charset="0"/>
+                          <a:cs typeface="Times New Roman" panose="02020603050405020304" pitchFamily="18" charset="0"/>
+                        </a:rPr>
+                        <a:t>temp = _height * _width;</a:t>
+                      </a:r>
+                      <a:endParaRPr lang="zh-TW" altLang="en-US" sz="1400" b="0" dirty="0">
+                        <a:solidFill>
+                          <a:srgbClr val="FF0000"/>
+                        </a:solidFill>
+                        <a:latin typeface="Times New Roman" panose="02020603050405020304" pitchFamily="18" charset="0"/>
+                        <a:cs typeface="Times New Roman" panose="02020603050405020304" pitchFamily="18" charset="0"/>
+                      </a:endParaRPr>
+                    </a:p>
+                  </a:txBody>
+                  <a:tcPr>
+                    <a:lnL w="12700" cmpd="sng">
+                      <a:noFill/>
+                    </a:lnL>
+                    <a:solidFill>
+                      <a:schemeClr val="tx1"/>
+                    </a:solidFill>
+                  </a:tcPr>
+                </a:tc>
+                <a:extLst>
+                  <a:ext uri="{0D108BD9-81ED-4DB2-BD59-A6C34878D82A}">
+                    <a16:rowId xmlns:a16="http://schemas.microsoft.com/office/drawing/2014/main" val="4064051309"/>
+                  </a:ext>
+                </a:extLst>
+              </a:tr>
+              <a:tr h="365608">
+                <a:tc>
+                  <a:txBody>
+                    <a:bodyPr/>
+                    <a:lstStyle/>
+                    <a:p>
+                      <a:r>
+                        <a:rPr lang="en-US" altLang="zh-TW" sz="1400" b="0" dirty="0" smtClean="0">
+                          <a:solidFill>
+                            <a:schemeClr val="bg1"/>
+                          </a:solidFill>
+                          <a:latin typeface="Times New Roman" panose="02020603050405020304" pitchFamily="18" charset="0"/>
+                          <a:cs typeface="Times New Roman" panose="02020603050405020304" pitchFamily="18" charset="0"/>
+                        </a:rPr>
+                        <a:t>4</a:t>
+                      </a:r>
+                      <a:endParaRPr lang="zh-TW" altLang="en-US" sz="1400" b="0" dirty="0">
+                        <a:solidFill>
+                          <a:schemeClr val="bg1"/>
+                        </a:solidFill>
+                        <a:latin typeface="Times New Roman" panose="02020603050405020304" pitchFamily="18" charset="0"/>
+                        <a:cs typeface="Times New Roman" panose="02020603050405020304" pitchFamily="18" charset="0"/>
+                      </a:endParaRPr>
+                    </a:p>
+                  </a:txBody>
+                  <a:tcPr>
+                    <a:lnL w="12700" cmpd="sng">
+                      <a:noFill/>
+                    </a:lnL>
+                    <a:lnR w="12700" cmpd="sng">
+                      <a:noFill/>
+                    </a:lnR>
+                    <a:lnT w="12700" cmpd="sng">
+                      <a:noFill/>
+                    </a:lnT>
+                    <a:lnB w="12700" cmpd="sng">
+                      <a:noFill/>
+                    </a:lnB>
+                    <a:lnTlToBr w="12700" cmpd="sng">
+                      <a:noFill/>
+                      <a:prstDash val="solid"/>
+                    </a:lnTlToBr>
+                    <a:lnBlToTr w="12700" cmpd="sng">
+                      <a:noFill/>
+                      <a:prstDash val="solid"/>
+                    </a:lnBlToTr>
+                    <a:solidFill>
+                      <a:srgbClr val="B9CDE5"/>
+                    </a:solidFill>
+                  </a:tcPr>
+                </a:tc>
+                <a:tc>
+                  <a:txBody>
+                    <a:bodyPr/>
+                    <a:lstStyle/>
+                    <a:p>
+                      <a:r>
+                        <a:rPr lang="en-US" altLang="zh-TW" sz="1400" b="0" dirty="0" smtClean="0">
+                          <a:solidFill>
+                            <a:schemeClr val="bg1"/>
+                          </a:solidFill>
+                          <a:latin typeface="Times New Roman" panose="02020603050405020304" pitchFamily="18" charset="0"/>
+                          <a:cs typeface="Times New Roman" panose="02020603050405020304" pitchFamily="18" charset="0"/>
+                        </a:rPr>
+                        <a:t>System.out.println(temp);</a:t>
+                      </a:r>
+                      <a:endParaRPr lang="zh-TW" altLang="en-US" sz="1400" b="0" dirty="0">
+                        <a:solidFill>
+                          <a:schemeClr val="bg1"/>
+                        </a:solidFill>
+                        <a:latin typeface="Times New Roman" panose="02020603050405020304" pitchFamily="18" charset="0"/>
+                        <a:cs typeface="Times New Roman" panose="02020603050405020304" pitchFamily="18" charset="0"/>
+                      </a:endParaRPr>
+                    </a:p>
+                  </a:txBody>
+                  <a:tcPr>
+                    <a:lnL w="12700" cmpd="sng">
+                      <a:noFill/>
+                    </a:lnL>
+                    <a:solidFill>
+                      <a:schemeClr val="tx1"/>
+                    </a:solidFill>
+                  </a:tcPr>
+                </a:tc>
+                <a:extLst>
+                  <a:ext uri="{0D108BD9-81ED-4DB2-BD59-A6C34878D82A}">
+                    <a16:rowId xmlns:a16="http://schemas.microsoft.com/office/drawing/2014/main" val="3750301826"/>
+                  </a:ext>
+                </a:extLst>
+              </a:tr>
+            </a:tbl>
+          </a:graphicData>
+        </a:graphic>
+      </p:graphicFrame>
+      <p:graphicFrame>
+        <p:nvGraphicFramePr>
+          <p:cNvPr id="7" name="內容版面配置區 5"/>
+          <p:cNvGraphicFramePr>
+            <a:graphicFrameLocks/>
+          </p:cNvGraphicFramePr>
+          <p:nvPr>
+            <p:extLst>
+              <p:ext uri="{D42A27DB-BD31-4B8C-83A1-F6EECF244321}">
+                <p14:modId xmlns:p14="http://schemas.microsoft.com/office/powerpoint/2010/main" val="230165576"/>
+              </p:ext>
+            </p:extLst>
+          </p:nvPr>
+        </p:nvGraphicFramePr>
+        <p:xfrm>
+          <a:off x="6334957" y="2716565"/>
+          <a:ext cx="4062274" cy="1462432"/>
+        </p:xfrm>
+        <a:graphic>
+          <a:graphicData uri="http://schemas.openxmlformats.org/drawingml/2006/table">
+            <a:tbl>
+              <a:tblPr firstRow="1" bandRow="1">
+                <a:tableStyleId>{5C22544A-7EE6-4342-B048-85BDC9FD1C3A}</a:tableStyleId>
+              </a:tblPr>
+              <a:tblGrid>
+                <a:gridCol w="351408">
+                  <a:extLst>
+                    <a:ext uri="{9D8B030D-6E8A-4147-A177-3AD203B41FA5}">
+                      <a16:colId xmlns:a16="http://schemas.microsoft.com/office/drawing/2014/main" val="2993779396"/>
+                    </a:ext>
+                  </a:extLst>
+                </a:gridCol>
+                <a:gridCol w="3710866">
+                  <a:extLst>
+                    <a:ext uri="{9D8B030D-6E8A-4147-A177-3AD203B41FA5}">
+                      <a16:colId xmlns:a16="http://schemas.microsoft.com/office/drawing/2014/main" val="4109739251"/>
+                    </a:ext>
+                  </a:extLst>
+                </a:gridCol>
+              </a:tblGrid>
+              <a:tr h="365608">
+                <a:tc>
+                  <a:txBody>
+                    <a:bodyPr/>
+                    <a:lstStyle/>
+                    <a:p>
+                      <a:r>
+                        <a:rPr lang="en-US" altLang="zh-TW" sz="1400" b="0" dirty="0" smtClean="0">
+                          <a:solidFill>
+                            <a:schemeClr val="bg1"/>
+                          </a:solidFill>
+                          <a:latin typeface="Times New Roman" panose="02020603050405020304" pitchFamily="18" charset="0"/>
+                          <a:cs typeface="Times New Roman" panose="02020603050405020304" pitchFamily="18" charset="0"/>
+                        </a:rPr>
+                        <a:t>1</a:t>
+                      </a:r>
+                      <a:endParaRPr lang="zh-TW" altLang="en-US" sz="1400" b="0" dirty="0">
+                        <a:solidFill>
+                          <a:schemeClr val="bg1"/>
+                        </a:solidFill>
+                        <a:latin typeface="Times New Roman" panose="02020603050405020304" pitchFamily="18" charset="0"/>
+                        <a:cs typeface="Times New Roman" panose="02020603050405020304" pitchFamily="18" charset="0"/>
+                      </a:endParaRPr>
+                    </a:p>
+                  </a:txBody>
+                  <a:tcPr>
+                    <a:lnL w="12700" cmpd="sng">
+                      <a:noFill/>
+                    </a:lnL>
+                    <a:lnR w="12700" cmpd="sng">
+                      <a:noFill/>
+                    </a:lnR>
+                    <a:lnT w="12700" cmpd="sng">
+                      <a:noFill/>
+                    </a:lnT>
+                    <a:lnB w="38100" cmpd="sng">
+                      <a:noFill/>
+                    </a:lnB>
+                    <a:lnTlToBr w="12700" cmpd="sng">
+                      <a:noFill/>
+                      <a:prstDash val="solid"/>
+                    </a:lnTlToBr>
+                    <a:lnBlToTr w="12700" cmpd="sng">
+                      <a:noFill/>
+                      <a:prstDash val="solid"/>
+                    </a:lnBlToTr>
+                    <a:solidFill>
+                      <a:srgbClr val="B9CDE5"/>
+                    </a:solidFill>
+                  </a:tcPr>
+                </a:tc>
+                <a:tc>
+                  <a:txBody>
+                    <a:bodyPr/>
+                    <a:lstStyle/>
+                    <a:p>
+                      <a:r>
+                        <a:rPr lang="en-US" altLang="zh-TW" sz="1400" b="0" dirty="0" smtClean="0">
+                          <a:solidFill>
+                            <a:schemeClr val="bg1"/>
+                          </a:solidFill>
+                          <a:latin typeface="Times New Roman" panose="02020603050405020304" pitchFamily="18" charset="0"/>
+                          <a:cs typeface="Times New Roman" panose="02020603050405020304" pitchFamily="18" charset="0"/>
+                        </a:rPr>
+                        <a:t>final double </a:t>
+                      </a:r>
+                      <a:r>
+                        <a:rPr lang="en-US" altLang="zh-TW" sz="1400" b="0" dirty="0" smtClean="0">
+                          <a:solidFill>
+                            <a:srgbClr val="FF0000"/>
+                          </a:solidFill>
+                          <a:latin typeface="Times New Roman" panose="02020603050405020304" pitchFamily="18" charset="0"/>
+                          <a:cs typeface="Times New Roman" panose="02020603050405020304" pitchFamily="18" charset="0"/>
+                        </a:rPr>
+                        <a:t>perimeter = 2 * (_height + _width);</a:t>
+                      </a:r>
+                      <a:endParaRPr lang="zh-TW" altLang="en-US" sz="1400" b="0" dirty="0">
+                        <a:solidFill>
+                          <a:srgbClr val="FF0000"/>
+                        </a:solidFill>
+                        <a:latin typeface="Times New Roman" panose="02020603050405020304" pitchFamily="18" charset="0"/>
+                        <a:cs typeface="Times New Roman" panose="02020603050405020304" pitchFamily="18" charset="0"/>
+                      </a:endParaRPr>
+                    </a:p>
+                  </a:txBody>
+                  <a:tcPr>
+                    <a:lnL w="12700" cmpd="sng">
+                      <a:noFill/>
+                    </a:lnL>
+                    <a:solidFill>
+                      <a:schemeClr val="tx1"/>
+                    </a:solidFill>
+                  </a:tcPr>
+                </a:tc>
+                <a:extLst>
+                  <a:ext uri="{0D108BD9-81ED-4DB2-BD59-A6C34878D82A}">
+                    <a16:rowId xmlns:a16="http://schemas.microsoft.com/office/drawing/2014/main" val="3135532648"/>
+                  </a:ext>
+                </a:extLst>
+              </a:tr>
+              <a:tr h="365608">
+                <a:tc>
+                  <a:txBody>
+                    <a:bodyPr/>
+                    <a:lstStyle/>
+                    <a:p>
+                      <a:r>
+                        <a:rPr lang="en-US" altLang="zh-TW" sz="1400" b="0" dirty="0" smtClean="0">
+                          <a:solidFill>
+                            <a:schemeClr val="bg1"/>
+                          </a:solidFill>
+                          <a:latin typeface="Times New Roman" panose="02020603050405020304" pitchFamily="18" charset="0"/>
+                          <a:cs typeface="Times New Roman" panose="02020603050405020304" pitchFamily="18" charset="0"/>
+                        </a:rPr>
+                        <a:t>2</a:t>
+                      </a:r>
+                      <a:endParaRPr lang="zh-TW" altLang="en-US" sz="1400" b="0" dirty="0">
+                        <a:solidFill>
+                          <a:schemeClr val="bg1"/>
+                        </a:solidFill>
+                        <a:latin typeface="Times New Roman" panose="02020603050405020304" pitchFamily="18" charset="0"/>
+                        <a:cs typeface="Times New Roman" panose="02020603050405020304" pitchFamily="18" charset="0"/>
+                      </a:endParaRPr>
+                    </a:p>
+                  </a:txBody>
+                  <a:tcPr>
+                    <a:lnL w="12700" cmpd="sng">
+                      <a:noFill/>
+                    </a:lnL>
+                    <a:lnR w="12700" cmpd="sng">
+                      <a:noFill/>
+                    </a:lnR>
+                    <a:lnT w="38100" cmpd="sng">
+                      <a:noFill/>
+                    </a:lnT>
+                    <a:lnB w="12700" cmpd="sng">
+                      <a:noFill/>
+                    </a:lnB>
+                    <a:lnTlToBr w="12700" cmpd="sng">
+                      <a:noFill/>
+                      <a:prstDash val="solid"/>
+                    </a:lnTlToBr>
+                    <a:lnBlToTr w="12700" cmpd="sng">
+                      <a:noFill/>
+                      <a:prstDash val="solid"/>
+                    </a:lnBlToTr>
+                    <a:solidFill>
+                      <a:srgbClr val="B9CDE5"/>
+                    </a:solidFill>
+                  </a:tcPr>
+                </a:tc>
+                <a:tc>
+                  <a:txBody>
+                    <a:bodyPr/>
+                    <a:lstStyle/>
+                    <a:p>
+                      <a:r>
+                        <a:rPr lang="en-US" altLang="zh-TW" sz="1400" b="0" dirty="0" smtClean="0">
+                          <a:solidFill>
+                            <a:schemeClr val="bg1"/>
+                          </a:solidFill>
+                          <a:latin typeface="Times New Roman" panose="02020603050405020304" pitchFamily="18" charset="0"/>
+                          <a:cs typeface="Times New Roman" panose="02020603050405020304" pitchFamily="18" charset="0"/>
+                        </a:rPr>
+                        <a:t>System.out.println(perimeter);</a:t>
+                      </a:r>
+                      <a:endParaRPr lang="zh-TW" altLang="en-US" sz="1400" b="0" dirty="0">
+                        <a:solidFill>
+                          <a:schemeClr val="bg1"/>
+                        </a:solidFill>
+                        <a:latin typeface="Times New Roman" panose="02020603050405020304" pitchFamily="18" charset="0"/>
+                        <a:cs typeface="Times New Roman" panose="02020603050405020304" pitchFamily="18" charset="0"/>
+                      </a:endParaRPr>
+                    </a:p>
+                  </a:txBody>
+                  <a:tcPr>
+                    <a:lnL w="12700" cmpd="sng">
+                      <a:noFill/>
+                    </a:lnL>
+                    <a:solidFill>
+                      <a:schemeClr val="tx1"/>
+                    </a:solidFill>
+                  </a:tcPr>
+                </a:tc>
+                <a:extLst>
+                  <a:ext uri="{0D108BD9-81ED-4DB2-BD59-A6C34878D82A}">
+                    <a16:rowId xmlns:a16="http://schemas.microsoft.com/office/drawing/2014/main" val="3719993895"/>
+                  </a:ext>
+                </a:extLst>
+              </a:tr>
+              <a:tr h="365608">
+                <a:tc>
+                  <a:txBody>
+                    <a:bodyPr/>
+                    <a:lstStyle/>
+                    <a:p>
+                      <a:r>
+                        <a:rPr lang="en-US" altLang="zh-TW" sz="1400" b="0" dirty="0" smtClean="0">
+                          <a:solidFill>
+                            <a:schemeClr val="bg1"/>
+                          </a:solidFill>
+                          <a:latin typeface="Times New Roman" panose="02020603050405020304" pitchFamily="18" charset="0"/>
+                          <a:cs typeface="Times New Roman" panose="02020603050405020304" pitchFamily="18" charset="0"/>
+                        </a:rPr>
+                        <a:t>3</a:t>
+                      </a:r>
+                      <a:endParaRPr lang="zh-TW" altLang="en-US" sz="1400" b="0" dirty="0">
+                        <a:solidFill>
+                          <a:schemeClr val="bg1"/>
+                        </a:solidFill>
+                        <a:latin typeface="Times New Roman" panose="02020603050405020304" pitchFamily="18" charset="0"/>
+                        <a:cs typeface="Times New Roman" panose="02020603050405020304" pitchFamily="18" charset="0"/>
+                      </a:endParaRPr>
+                    </a:p>
+                  </a:txBody>
+                  <a:tcPr>
+                    <a:lnL w="12700" cmpd="sng">
+                      <a:noFill/>
+                    </a:lnL>
+                    <a:lnR w="12700" cmpd="sng">
+                      <a:noFill/>
+                    </a:lnR>
+                    <a:lnT w="12700" cmpd="sng">
+                      <a:noFill/>
+                    </a:lnT>
+                    <a:lnB w="12700" cmpd="sng">
+                      <a:noFill/>
+                    </a:lnB>
+                    <a:lnTlToBr w="12700" cmpd="sng">
+                      <a:noFill/>
+                      <a:prstDash val="solid"/>
+                    </a:lnTlToBr>
+                    <a:lnBlToTr w="12700" cmpd="sng">
+                      <a:noFill/>
+                      <a:prstDash val="solid"/>
+                    </a:lnBlToTr>
+                    <a:solidFill>
+                      <a:srgbClr val="B9CDE5"/>
+                    </a:solidFill>
+                  </a:tcPr>
+                </a:tc>
+                <a:tc>
+                  <a:txBody>
+                    <a:bodyPr/>
+                    <a:lstStyle/>
+                    <a:p>
+                      <a:r>
+                        <a:rPr lang="en-US" altLang="zh-TW" sz="1400" b="0" dirty="0" smtClean="0">
+                          <a:solidFill>
+                            <a:schemeClr val="bg1"/>
+                          </a:solidFill>
+                          <a:latin typeface="Times New Roman" panose="02020603050405020304" pitchFamily="18" charset="0"/>
+                          <a:cs typeface="Times New Roman" panose="02020603050405020304" pitchFamily="18" charset="0"/>
+                        </a:rPr>
+                        <a:t>final double</a:t>
+                      </a:r>
+                      <a:r>
+                        <a:rPr lang="en-US" altLang="zh-TW" sz="1400" b="0" baseline="0" dirty="0" smtClean="0">
+                          <a:solidFill>
+                            <a:schemeClr val="bg1"/>
+                          </a:solidFill>
+                          <a:latin typeface="Times New Roman" panose="02020603050405020304" pitchFamily="18" charset="0"/>
+                          <a:cs typeface="Times New Roman" panose="02020603050405020304" pitchFamily="18" charset="0"/>
+                        </a:rPr>
+                        <a:t> </a:t>
+                      </a:r>
+                      <a:r>
+                        <a:rPr lang="en-US" altLang="zh-TW" sz="1400" b="0" dirty="0" smtClean="0">
+                          <a:solidFill>
+                            <a:srgbClr val="FF0000"/>
+                          </a:solidFill>
+                          <a:latin typeface="Times New Roman" panose="02020603050405020304" pitchFamily="18" charset="0"/>
+                          <a:cs typeface="Times New Roman" panose="02020603050405020304" pitchFamily="18" charset="0"/>
+                        </a:rPr>
+                        <a:t>area</a:t>
+                      </a:r>
+                      <a:r>
+                        <a:rPr lang="en-US" altLang="zh-TW" sz="1400" b="0" baseline="0" dirty="0" smtClean="0">
+                          <a:solidFill>
+                            <a:srgbClr val="FF0000"/>
+                          </a:solidFill>
+                          <a:latin typeface="Times New Roman" panose="02020603050405020304" pitchFamily="18" charset="0"/>
+                          <a:cs typeface="Times New Roman" panose="02020603050405020304" pitchFamily="18" charset="0"/>
+                        </a:rPr>
+                        <a:t> </a:t>
+                      </a:r>
+                      <a:r>
+                        <a:rPr lang="en-US" altLang="zh-TW" sz="1400" b="0" dirty="0" smtClean="0">
+                          <a:solidFill>
+                            <a:srgbClr val="FF0000"/>
+                          </a:solidFill>
+                          <a:latin typeface="Times New Roman" panose="02020603050405020304" pitchFamily="18" charset="0"/>
+                          <a:cs typeface="Times New Roman" panose="02020603050405020304" pitchFamily="18" charset="0"/>
+                        </a:rPr>
+                        <a:t>= _height * _width;</a:t>
+                      </a:r>
+                      <a:endParaRPr lang="zh-TW" altLang="en-US" sz="1400" b="0" dirty="0">
+                        <a:solidFill>
+                          <a:srgbClr val="FF0000"/>
+                        </a:solidFill>
+                        <a:latin typeface="Times New Roman" panose="02020603050405020304" pitchFamily="18" charset="0"/>
+                        <a:cs typeface="Times New Roman" panose="02020603050405020304" pitchFamily="18" charset="0"/>
+                      </a:endParaRPr>
+                    </a:p>
+                  </a:txBody>
+                  <a:tcPr>
+                    <a:lnL w="12700" cmpd="sng">
+                      <a:noFill/>
+                    </a:lnL>
+                    <a:solidFill>
+                      <a:schemeClr val="tx1"/>
+                    </a:solidFill>
+                  </a:tcPr>
+                </a:tc>
+                <a:extLst>
+                  <a:ext uri="{0D108BD9-81ED-4DB2-BD59-A6C34878D82A}">
+                    <a16:rowId xmlns:a16="http://schemas.microsoft.com/office/drawing/2014/main" val="4064051309"/>
+                  </a:ext>
+                </a:extLst>
+              </a:tr>
+              <a:tr h="365608">
+                <a:tc>
+                  <a:txBody>
+                    <a:bodyPr/>
+                    <a:lstStyle/>
+                    <a:p>
+                      <a:r>
+                        <a:rPr lang="en-US" altLang="zh-TW" sz="1400" b="0" dirty="0" smtClean="0">
+                          <a:solidFill>
+                            <a:schemeClr val="bg1"/>
+                          </a:solidFill>
+                          <a:latin typeface="Times New Roman" panose="02020603050405020304" pitchFamily="18" charset="0"/>
+                          <a:cs typeface="Times New Roman" panose="02020603050405020304" pitchFamily="18" charset="0"/>
+                        </a:rPr>
+                        <a:t>4</a:t>
+                      </a:r>
+                      <a:endParaRPr lang="zh-TW" altLang="en-US" sz="1400" b="0" dirty="0">
+                        <a:solidFill>
+                          <a:schemeClr val="bg1"/>
+                        </a:solidFill>
+                        <a:latin typeface="Times New Roman" panose="02020603050405020304" pitchFamily="18" charset="0"/>
+                        <a:cs typeface="Times New Roman" panose="02020603050405020304" pitchFamily="18" charset="0"/>
+                      </a:endParaRPr>
+                    </a:p>
+                  </a:txBody>
+                  <a:tcPr>
+                    <a:lnL w="12700" cmpd="sng">
+                      <a:noFill/>
+                    </a:lnL>
+                    <a:lnR w="12700" cmpd="sng">
+                      <a:noFill/>
+                    </a:lnR>
+                    <a:lnT w="12700" cmpd="sng">
+                      <a:noFill/>
+                    </a:lnT>
+                    <a:lnB w="12700" cmpd="sng">
+                      <a:noFill/>
+                    </a:lnB>
+                    <a:lnTlToBr w="12700" cmpd="sng">
+                      <a:noFill/>
+                      <a:prstDash val="solid"/>
+                    </a:lnTlToBr>
+                    <a:lnBlToTr w="12700" cmpd="sng">
+                      <a:noFill/>
+                      <a:prstDash val="solid"/>
+                    </a:lnBlToTr>
+                    <a:solidFill>
+                      <a:srgbClr val="B9CDE5"/>
+                    </a:solidFill>
+                  </a:tcPr>
+                </a:tc>
+                <a:tc>
+                  <a:txBody>
+                    <a:bodyPr/>
+                    <a:lstStyle/>
+                    <a:p>
+                      <a:r>
+                        <a:rPr lang="en-US" altLang="zh-TW" sz="1400" b="0" dirty="0" smtClean="0">
+                          <a:solidFill>
+                            <a:schemeClr val="bg1"/>
+                          </a:solidFill>
+                          <a:latin typeface="Times New Roman" panose="02020603050405020304" pitchFamily="18" charset="0"/>
+                          <a:cs typeface="Times New Roman" panose="02020603050405020304" pitchFamily="18" charset="0"/>
+                        </a:rPr>
+                        <a:t>System.out.println(area);</a:t>
+                      </a:r>
+                      <a:endParaRPr lang="zh-TW" altLang="en-US" sz="1400" b="0" dirty="0">
+                        <a:solidFill>
+                          <a:schemeClr val="bg1"/>
+                        </a:solidFill>
+                        <a:latin typeface="Times New Roman" panose="02020603050405020304" pitchFamily="18" charset="0"/>
+                        <a:cs typeface="Times New Roman" panose="02020603050405020304" pitchFamily="18" charset="0"/>
+                      </a:endParaRPr>
+                    </a:p>
+                  </a:txBody>
+                  <a:tcPr>
+                    <a:lnL w="12700" cmpd="sng">
+                      <a:noFill/>
+                    </a:lnL>
+                    <a:solidFill>
+                      <a:schemeClr val="tx1"/>
+                    </a:solidFill>
+                  </a:tcPr>
+                </a:tc>
+                <a:extLst>
+                  <a:ext uri="{0D108BD9-81ED-4DB2-BD59-A6C34878D82A}">
+                    <a16:rowId xmlns:a16="http://schemas.microsoft.com/office/drawing/2014/main" val="3750301826"/>
+                  </a:ext>
+                </a:extLst>
+              </a:tr>
+            </a:tbl>
+          </a:graphicData>
+        </a:graphic>
+      </p:graphicFrame>
     </p:spTree>
     <p:extLst>
       <p:ext uri="{BB962C8B-B14F-4D97-AF65-F5344CB8AC3E}">
@@ -4873,6 +5728,11 @@
           <a:prstGeom prst="rect">
             <a:avLst/>
           </a:prstGeom>
+          <a:ln>
+            <a:solidFill>
+              <a:srgbClr val="B9CDE5"/>
+            </a:solidFill>
+          </a:ln>
         </p:spPr>
       </p:pic>
       <p:grpSp>

--- a/Code Smell.pptx
+++ b/Code Smell.pptx
@@ -5,20 +5,23 @@
     <p:sldMasterId id="2147483648" r:id="rId1"/>
   </p:sldMasterIdLst>
   <p:notesMasterIdLst>
-    <p:notesMasterId r:id="rId13"/>
+    <p:notesMasterId r:id="rId16"/>
   </p:notesMasterIdLst>
   <p:sldIdLst>
     <p:sldId id="256" r:id="rId2"/>
     <p:sldId id="266" r:id="rId3"/>
     <p:sldId id="257" r:id="rId4"/>
     <p:sldId id="258" r:id="rId5"/>
-    <p:sldId id="259" r:id="rId6"/>
-    <p:sldId id="260" r:id="rId7"/>
-    <p:sldId id="261" r:id="rId8"/>
-    <p:sldId id="262" r:id="rId9"/>
-    <p:sldId id="263" r:id="rId10"/>
-    <p:sldId id="265" r:id="rId11"/>
-    <p:sldId id="267" r:id="rId12"/>
+    <p:sldId id="268" r:id="rId6"/>
+    <p:sldId id="269" r:id="rId7"/>
+    <p:sldId id="259" r:id="rId8"/>
+    <p:sldId id="270" r:id="rId9"/>
+    <p:sldId id="260" r:id="rId10"/>
+    <p:sldId id="261" r:id="rId11"/>
+    <p:sldId id="262" r:id="rId12"/>
+    <p:sldId id="263" r:id="rId13"/>
+    <p:sldId id="265" r:id="rId14"/>
+    <p:sldId id="267" r:id="rId15"/>
   </p:sldIdLst>
   <p:sldSz cx="12192000" cy="6858000"/>
   <p:notesSz cx="6858000" cy="9144000"/>
@@ -671,6 +674,366 @@
     <p:extLst>
       <p:ext uri="{BB962C8B-B14F-4D97-AF65-F5344CB8AC3E}">
         <p14:creationId xmlns:p14="http://schemas.microsoft.com/office/powerpoint/2010/main" val="1283656173"/>
+      </p:ext>
+    </p:extLst>
+  </p:cSld>
+  <p:clrMapOvr>
+    <a:masterClrMapping/>
+  </p:clrMapOvr>
+</p:notes>
+</file>
+
+<file path=ppt/notesSlides/notesSlide3.xml><?xml version="1.0" encoding="utf-8"?>
+<p:notes xmlns:a="http://schemas.openxmlformats.org/drawingml/2006/main" xmlns:r="http://schemas.openxmlformats.org/officeDocument/2006/relationships" xmlns:p="http://schemas.openxmlformats.org/presentationml/2006/main">
+  <p:cSld>
+    <p:spTree>
+      <p:nvGrpSpPr>
+        <p:cNvPr id="1" name=""/>
+        <p:cNvGrpSpPr/>
+        <p:nvPr/>
+      </p:nvGrpSpPr>
+      <p:grpSpPr>
+        <a:xfrm>
+          <a:off x="0" y="0"/>
+          <a:ext cx="0" cy="0"/>
+          <a:chOff x="0" y="0"/>
+          <a:chExt cx="0" cy="0"/>
+        </a:xfrm>
+      </p:grpSpPr>
+      <p:sp>
+        <p:nvSpPr>
+          <p:cNvPr id="2" name="投影片圖像版面配置區 1"/>
+          <p:cNvSpPr>
+            <a:spLocks noGrp="1" noRot="1" noChangeAspect="1"/>
+          </p:cNvSpPr>
+          <p:nvPr>
+            <p:ph type="sldImg"/>
+          </p:nvPr>
+        </p:nvSpPr>
+        <p:spPr/>
+      </p:sp>
+      <p:sp>
+        <p:nvSpPr>
+          <p:cNvPr id="3" name="備忘稿版面配置區 2"/>
+          <p:cNvSpPr>
+            <a:spLocks noGrp="1"/>
+          </p:cNvSpPr>
+          <p:nvPr>
+            <p:ph type="body" idx="1"/>
+          </p:nvPr>
+        </p:nvSpPr>
+        <p:spPr/>
+        <p:txBody>
+          <a:bodyPr/>
+          <a:lstStyle/>
+          <a:p>
+            <a:r>
+              <a:rPr lang="zh-TW" altLang="en-US" dirty="0" smtClean="0"/>
+              <a:t>重寫</a:t>
+            </a:r>
+            <a:r>
+              <a:rPr lang="en-US" altLang="zh-TW" dirty="0" smtClean="0"/>
+              <a:t>!</a:t>
+            </a:r>
+          </a:p>
+          <a:p>
+            <a:endParaRPr lang="zh-TW" altLang="en-US" dirty="0"/>
+          </a:p>
+        </p:txBody>
+      </p:sp>
+      <p:sp>
+        <p:nvSpPr>
+          <p:cNvPr id="4" name="投影片編號版面配置區 3"/>
+          <p:cNvSpPr>
+            <a:spLocks noGrp="1"/>
+          </p:cNvSpPr>
+          <p:nvPr>
+            <p:ph type="sldNum" sz="quarter" idx="10"/>
+          </p:nvPr>
+        </p:nvSpPr>
+        <p:spPr/>
+        <p:txBody>
+          <a:bodyPr/>
+          <a:lstStyle/>
+          <a:p>
+            <a:fld id="{7AB35483-DF51-4F66-A021-057FB6E8D2BA}" type="slidenum">
+              <a:rPr lang="zh-TW" altLang="en-US" smtClean="0"/>
+              <a:t>5</a:t>
+            </a:fld>
+            <a:endParaRPr lang="zh-TW" altLang="en-US"/>
+          </a:p>
+        </p:txBody>
+      </p:sp>
+    </p:spTree>
+    <p:extLst>
+      <p:ext uri="{BB962C8B-B14F-4D97-AF65-F5344CB8AC3E}">
+        <p14:creationId xmlns:p14="http://schemas.microsoft.com/office/powerpoint/2010/main" val="4026885348"/>
+      </p:ext>
+    </p:extLst>
+  </p:cSld>
+  <p:clrMapOvr>
+    <a:masterClrMapping/>
+  </p:clrMapOvr>
+</p:notes>
+</file>
+
+<file path=ppt/notesSlides/notesSlide4.xml><?xml version="1.0" encoding="utf-8"?>
+<p:notes xmlns:a="http://schemas.openxmlformats.org/drawingml/2006/main" xmlns:r="http://schemas.openxmlformats.org/officeDocument/2006/relationships" xmlns:p="http://schemas.openxmlformats.org/presentationml/2006/main">
+  <p:cSld>
+    <p:spTree>
+      <p:nvGrpSpPr>
+        <p:cNvPr id="1" name=""/>
+        <p:cNvGrpSpPr/>
+        <p:nvPr/>
+      </p:nvGrpSpPr>
+      <p:grpSpPr>
+        <a:xfrm>
+          <a:off x="0" y="0"/>
+          <a:ext cx="0" cy="0"/>
+          <a:chOff x="0" y="0"/>
+          <a:chExt cx="0" cy="0"/>
+        </a:xfrm>
+      </p:grpSpPr>
+      <p:sp>
+        <p:nvSpPr>
+          <p:cNvPr id="2" name="投影片圖像版面配置區 1"/>
+          <p:cNvSpPr>
+            <a:spLocks noGrp="1" noRot="1" noChangeAspect="1"/>
+          </p:cNvSpPr>
+          <p:nvPr>
+            <p:ph type="sldImg"/>
+          </p:nvPr>
+        </p:nvSpPr>
+        <p:spPr/>
+      </p:sp>
+      <p:sp>
+        <p:nvSpPr>
+          <p:cNvPr id="3" name="備忘稿版面配置區 2"/>
+          <p:cNvSpPr>
+            <a:spLocks noGrp="1"/>
+          </p:cNvSpPr>
+          <p:nvPr>
+            <p:ph type="body" idx="1"/>
+          </p:nvPr>
+        </p:nvSpPr>
+        <p:spPr/>
+        <p:txBody>
+          <a:bodyPr/>
+          <a:lstStyle/>
+          <a:p>
+            <a:r>
+              <a:rPr lang="zh-TW" altLang="en-US" dirty="0" smtClean="0"/>
+              <a:t>重寫</a:t>
+            </a:r>
+            <a:r>
+              <a:rPr lang="en-US" altLang="zh-TW" dirty="0" smtClean="0"/>
+              <a:t>!</a:t>
+            </a:r>
+          </a:p>
+          <a:p>
+            <a:endParaRPr lang="zh-TW" altLang="en-US" dirty="0"/>
+          </a:p>
+        </p:txBody>
+      </p:sp>
+      <p:sp>
+        <p:nvSpPr>
+          <p:cNvPr id="4" name="投影片編號版面配置區 3"/>
+          <p:cNvSpPr>
+            <a:spLocks noGrp="1"/>
+          </p:cNvSpPr>
+          <p:nvPr>
+            <p:ph type="sldNum" sz="quarter" idx="10"/>
+          </p:nvPr>
+        </p:nvSpPr>
+        <p:spPr/>
+        <p:txBody>
+          <a:bodyPr/>
+          <a:lstStyle/>
+          <a:p>
+            <a:fld id="{7AB35483-DF51-4F66-A021-057FB6E8D2BA}" type="slidenum">
+              <a:rPr lang="zh-TW" altLang="en-US" smtClean="0"/>
+              <a:t>6</a:t>
+            </a:fld>
+            <a:endParaRPr lang="zh-TW" altLang="en-US"/>
+          </a:p>
+        </p:txBody>
+      </p:sp>
+    </p:spTree>
+    <p:extLst>
+      <p:ext uri="{BB962C8B-B14F-4D97-AF65-F5344CB8AC3E}">
+        <p14:creationId xmlns:p14="http://schemas.microsoft.com/office/powerpoint/2010/main" val="4226180343"/>
+      </p:ext>
+    </p:extLst>
+  </p:cSld>
+  <p:clrMapOvr>
+    <a:masterClrMapping/>
+  </p:clrMapOvr>
+</p:notes>
+</file>
+
+<file path=ppt/notesSlides/notesSlide5.xml><?xml version="1.0" encoding="utf-8"?>
+<p:notes xmlns:a="http://schemas.openxmlformats.org/drawingml/2006/main" xmlns:r="http://schemas.openxmlformats.org/officeDocument/2006/relationships" xmlns:p="http://schemas.openxmlformats.org/presentationml/2006/main">
+  <p:cSld>
+    <p:spTree>
+      <p:nvGrpSpPr>
+        <p:cNvPr id="1" name=""/>
+        <p:cNvGrpSpPr/>
+        <p:nvPr/>
+      </p:nvGrpSpPr>
+      <p:grpSpPr>
+        <a:xfrm>
+          <a:off x="0" y="0"/>
+          <a:ext cx="0" cy="0"/>
+          <a:chOff x="0" y="0"/>
+          <a:chExt cx="0" cy="0"/>
+        </a:xfrm>
+      </p:grpSpPr>
+      <p:sp>
+        <p:nvSpPr>
+          <p:cNvPr id="2" name="投影片圖像版面配置區 1"/>
+          <p:cNvSpPr>
+            <a:spLocks noGrp="1" noRot="1" noChangeAspect="1"/>
+          </p:cNvSpPr>
+          <p:nvPr>
+            <p:ph type="sldImg"/>
+          </p:nvPr>
+        </p:nvSpPr>
+        <p:spPr/>
+      </p:sp>
+      <p:sp>
+        <p:nvSpPr>
+          <p:cNvPr id="3" name="備忘稿版面配置區 2"/>
+          <p:cNvSpPr>
+            <a:spLocks noGrp="1"/>
+          </p:cNvSpPr>
+          <p:nvPr>
+            <p:ph type="body" idx="1"/>
+          </p:nvPr>
+        </p:nvSpPr>
+        <p:spPr/>
+        <p:txBody>
+          <a:bodyPr/>
+          <a:lstStyle/>
+          <a:p>
+            <a:endParaRPr lang="zh-TW" altLang="en-US" dirty="0"/>
+          </a:p>
+        </p:txBody>
+      </p:sp>
+      <p:sp>
+        <p:nvSpPr>
+          <p:cNvPr id="4" name="投影片編號版面配置區 3"/>
+          <p:cNvSpPr>
+            <a:spLocks noGrp="1"/>
+          </p:cNvSpPr>
+          <p:nvPr>
+            <p:ph type="sldNum" sz="quarter" idx="10"/>
+          </p:nvPr>
+        </p:nvSpPr>
+        <p:spPr/>
+        <p:txBody>
+          <a:bodyPr/>
+          <a:lstStyle/>
+          <a:p>
+            <a:fld id="{7AB35483-DF51-4F66-A021-057FB6E8D2BA}" type="slidenum">
+              <a:rPr lang="zh-TW" altLang="en-US" smtClean="0"/>
+              <a:t>7</a:t>
+            </a:fld>
+            <a:endParaRPr lang="zh-TW" altLang="en-US"/>
+          </a:p>
+        </p:txBody>
+      </p:sp>
+    </p:spTree>
+    <p:extLst>
+      <p:ext uri="{BB962C8B-B14F-4D97-AF65-F5344CB8AC3E}">
+        <p14:creationId xmlns:p14="http://schemas.microsoft.com/office/powerpoint/2010/main" val="1847344687"/>
+      </p:ext>
+    </p:extLst>
+  </p:cSld>
+  <p:clrMapOvr>
+    <a:masterClrMapping/>
+  </p:clrMapOvr>
+</p:notes>
+</file>
+
+<file path=ppt/notesSlides/notesSlide6.xml><?xml version="1.0" encoding="utf-8"?>
+<p:notes xmlns:a="http://schemas.openxmlformats.org/drawingml/2006/main" xmlns:r="http://schemas.openxmlformats.org/officeDocument/2006/relationships" xmlns:p="http://schemas.openxmlformats.org/presentationml/2006/main">
+  <p:cSld>
+    <p:spTree>
+      <p:nvGrpSpPr>
+        <p:cNvPr id="1" name=""/>
+        <p:cNvGrpSpPr/>
+        <p:nvPr/>
+      </p:nvGrpSpPr>
+      <p:grpSpPr>
+        <a:xfrm>
+          <a:off x="0" y="0"/>
+          <a:ext cx="0" cy="0"/>
+          <a:chOff x="0" y="0"/>
+          <a:chExt cx="0" cy="0"/>
+        </a:xfrm>
+      </p:grpSpPr>
+      <p:sp>
+        <p:nvSpPr>
+          <p:cNvPr id="2" name="投影片圖像版面配置區 1"/>
+          <p:cNvSpPr>
+            <a:spLocks noGrp="1" noRot="1" noChangeAspect="1"/>
+          </p:cNvSpPr>
+          <p:nvPr>
+            <p:ph type="sldImg"/>
+          </p:nvPr>
+        </p:nvSpPr>
+        <p:spPr/>
+      </p:sp>
+      <p:sp>
+        <p:nvSpPr>
+          <p:cNvPr id="3" name="備忘稿版面配置區 2"/>
+          <p:cNvSpPr>
+            <a:spLocks noGrp="1"/>
+          </p:cNvSpPr>
+          <p:nvPr>
+            <p:ph type="body" idx="1"/>
+          </p:nvPr>
+        </p:nvSpPr>
+        <p:spPr/>
+        <p:txBody>
+          <a:bodyPr/>
+          <a:lstStyle/>
+          <a:p>
+            <a:r>
+              <a:rPr lang="zh-TW" altLang="en-US" dirty="0" smtClean="0"/>
+              <a:t>三次法則 第一次做某件事你就單純去做他  第二次作類似的事會產生反感 但還是做了 第三次在做類似的事 你就應該要重購</a:t>
+            </a:r>
+            <a:endParaRPr lang="zh-TW" altLang="en-US" dirty="0"/>
+          </a:p>
+        </p:txBody>
+      </p:sp>
+      <p:sp>
+        <p:nvSpPr>
+          <p:cNvPr id="4" name="投影片編號版面配置區 3"/>
+          <p:cNvSpPr>
+            <a:spLocks noGrp="1"/>
+          </p:cNvSpPr>
+          <p:nvPr>
+            <p:ph type="sldNum" sz="quarter" idx="10"/>
+          </p:nvPr>
+        </p:nvSpPr>
+        <p:spPr/>
+        <p:txBody>
+          <a:bodyPr/>
+          <a:lstStyle/>
+          <a:p>
+            <a:fld id="{7AB35483-DF51-4F66-A021-057FB6E8D2BA}" type="slidenum">
+              <a:rPr lang="zh-TW" altLang="en-US" smtClean="0"/>
+              <a:t>9</a:t>
+            </a:fld>
+            <a:endParaRPr lang="zh-TW" altLang="en-US"/>
+          </a:p>
+        </p:txBody>
+      </p:sp>
+    </p:spTree>
+    <p:extLst>
+      <p:ext uri="{BB962C8B-B14F-4D97-AF65-F5344CB8AC3E}">
+        <p14:creationId xmlns:p14="http://schemas.microsoft.com/office/powerpoint/2010/main" val="2764117087"/>
       </p:ext>
     </p:extLst>
   </p:cSld>
@@ -3670,6 +4033,489 @@
           <a:p>
             <a:r>
               <a:rPr lang="en-US" altLang="zh-TW" dirty="0" smtClean="0"/>
+              <a:t>Feature Envy</a:t>
+            </a:r>
+            <a:endParaRPr lang="zh-TW" altLang="en-US" dirty="0"/>
+          </a:p>
+        </p:txBody>
+      </p:sp>
+      <p:sp>
+        <p:nvSpPr>
+          <p:cNvPr id="3" name="內容版面配置區 2"/>
+          <p:cNvSpPr>
+            <a:spLocks noGrp="1"/>
+          </p:cNvSpPr>
+          <p:nvPr>
+            <p:ph idx="1"/>
+          </p:nvPr>
+        </p:nvSpPr>
+        <p:spPr/>
+        <p:txBody>
+          <a:bodyPr/>
+          <a:lstStyle/>
+          <a:p>
+            <a:endParaRPr lang="zh-TW" altLang="en-US" dirty="0"/>
+          </a:p>
+        </p:txBody>
+      </p:sp>
+      <p:pic>
+        <p:nvPicPr>
+          <p:cNvPr id="4" name="圖片 3"/>
+          <p:cNvPicPr>
+            <a:picLocks noChangeAspect="1"/>
+          </p:cNvPicPr>
+          <p:nvPr/>
+        </p:nvPicPr>
+        <p:blipFill rotWithShape="1">
+          <a:blip r:embed="rId2"/>
+          <a:srcRect l="997" t="1886" r="1160" b="1944"/>
+          <a:stretch/>
+        </p:blipFill>
+        <p:spPr>
+          <a:xfrm>
+            <a:off x="887767" y="2840854"/>
+            <a:ext cx="4856086" cy="2006354"/>
+          </a:xfrm>
+          <a:prstGeom prst="rect">
+            <a:avLst/>
+          </a:prstGeom>
+        </p:spPr>
+      </p:pic>
+      <p:grpSp>
+        <p:nvGrpSpPr>
+          <p:cNvPr id="7" name="群組 6"/>
+          <p:cNvGrpSpPr/>
+          <p:nvPr/>
+        </p:nvGrpSpPr>
+        <p:grpSpPr>
+          <a:xfrm>
+            <a:off x="6098959" y="3027284"/>
+            <a:ext cx="4927108" cy="1722269"/>
+            <a:chOff x="6098959" y="3027284"/>
+            <a:chExt cx="4927108" cy="1722269"/>
+          </a:xfrm>
+        </p:grpSpPr>
+        <p:pic>
+          <p:nvPicPr>
+            <p:cNvPr id="5" name="圖片 4"/>
+            <p:cNvPicPr>
+              <a:picLocks noChangeAspect="1"/>
+            </p:cNvPicPr>
+            <p:nvPr/>
+          </p:nvPicPr>
+          <p:blipFill rotWithShape="1">
+            <a:blip r:embed="rId3"/>
+            <a:srcRect l="1184" t="14570" r="1778" b="3253"/>
+            <a:stretch/>
+          </p:blipFill>
+          <p:spPr>
+            <a:xfrm>
+              <a:off x="6098959" y="3027284"/>
+              <a:ext cx="4927108" cy="1722269"/>
+            </a:xfrm>
+            <a:prstGeom prst="rect">
+              <a:avLst/>
+            </a:prstGeom>
+          </p:spPr>
+        </p:pic>
+        <p:sp>
+          <p:nvSpPr>
+            <p:cNvPr id="6" name="矩形 5"/>
+            <p:cNvSpPr/>
+            <p:nvPr/>
+          </p:nvSpPr>
+          <p:spPr>
+            <a:xfrm>
+              <a:off x="9028590" y="3027284"/>
+              <a:ext cx="1997477" cy="816746"/>
+            </a:xfrm>
+            <a:prstGeom prst="rect">
+              <a:avLst/>
+            </a:prstGeom>
+            <a:solidFill>
+              <a:schemeClr val="tx1"/>
+            </a:solidFill>
+            <a:ln>
+              <a:noFill/>
+            </a:ln>
+          </p:spPr>
+          <p:style>
+            <a:lnRef idx="2">
+              <a:schemeClr val="accent1">
+                <a:shade val="50000"/>
+              </a:schemeClr>
+            </a:lnRef>
+            <a:fillRef idx="1">
+              <a:schemeClr val="accent1"/>
+            </a:fillRef>
+            <a:effectRef idx="0">
+              <a:schemeClr val="accent1"/>
+            </a:effectRef>
+            <a:fontRef idx="minor">
+              <a:schemeClr val="lt1"/>
+            </a:fontRef>
+          </p:style>
+          <p:txBody>
+            <a:bodyPr rtlCol="0" anchor="ctr"/>
+            <a:lstStyle/>
+            <a:p>
+              <a:pPr algn="ctr"/>
+              <a:endParaRPr lang="zh-TW" altLang="en-US"/>
+            </a:p>
+          </p:txBody>
+        </p:sp>
+      </p:grpSp>
+    </p:spTree>
+    <p:extLst>
+      <p:ext uri="{BB962C8B-B14F-4D97-AF65-F5344CB8AC3E}">
+        <p14:creationId xmlns:p14="http://schemas.microsoft.com/office/powerpoint/2010/main" val="1306448367"/>
+      </p:ext>
+    </p:extLst>
+  </p:cSld>
+  <p:clrMapOvr>
+    <a:masterClrMapping/>
+  </p:clrMapOvr>
+  <p:timing>
+    <p:tnLst>
+      <p:par>
+        <p:cTn id="1" dur="indefinite" restart="never" nodeType="tmRoot"/>
+      </p:par>
+    </p:tnLst>
+  </p:timing>
+</p:sld>
+</file>
+
+<file path=ppt/slides/slide11.xml><?xml version="1.0" encoding="utf-8"?>
+<p:sld xmlns:a="http://schemas.openxmlformats.org/drawingml/2006/main" xmlns:r="http://schemas.openxmlformats.org/officeDocument/2006/relationships" xmlns:p="http://schemas.openxmlformats.org/presentationml/2006/main">
+  <p:cSld>
+    <p:spTree>
+      <p:nvGrpSpPr>
+        <p:cNvPr id="1" name=""/>
+        <p:cNvGrpSpPr/>
+        <p:nvPr/>
+      </p:nvGrpSpPr>
+      <p:grpSpPr>
+        <a:xfrm>
+          <a:off x="0" y="0"/>
+          <a:ext cx="0" cy="0"/>
+          <a:chOff x="0" y="0"/>
+          <a:chExt cx="0" cy="0"/>
+        </a:xfrm>
+      </p:grpSpPr>
+      <p:sp>
+        <p:nvSpPr>
+          <p:cNvPr id="2" name="標題 1"/>
+          <p:cNvSpPr>
+            <a:spLocks noGrp="1"/>
+          </p:cNvSpPr>
+          <p:nvPr>
+            <p:ph type="title"/>
+          </p:nvPr>
+        </p:nvSpPr>
+        <p:spPr/>
+        <p:txBody>
+          <a:bodyPr/>
+          <a:lstStyle/>
+          <a:p>
+            <a:r>
+              <a:rPr lang="en-US" altLang="zh-TW" dirty="0" smtClean="0"/>
+              <a:t>Unsuitable Naming</a:t>
+            </a:r>
+            <a:endParaRPr lang="zh-TW" altLang="en-US" dirty="0"/>
+          </a:p>
+        </p:txBody>
+      </p:sp>
+      <p:sp>
+        <p:nvSpPr>
+          <p:cNvPr id="3" name="內容版面配置區 2"/>
+          <p:cNvSpPr>
+            <a:spLocks noGrp="1"/>
+          </p:cNvSpPr>
+          <p:nvPr>
+            <p:ph idx="1"/>
+          </p:nvPr>
+        </p:nvSpPr>
+        <p:spPr/>
+        <p:txBody>
+          <a:bodyPr/>
+          <a:lstStyle/>
+          <a:p>
+            <a:endParaRPr lang="zh-TW" altLang="en-US" dirty="0"/>
+          </a:p>
+        </p:txBody>
+      </p:sp>
+      <p:pic>
+        <p:nvPicPr>
+          <p:cNvPr id="4" name="圖片 3"/>
+          <p:cNvPicPr>
+            <a:picLocks noChangeAspect="1"/>
+          </p:cNvPicPr>
+          <p:nvPr/>
+        </p:nvPicPr>
+        <p:blipFill rotWithShape="1">
+          <a:blip r:embed="rId2"/>
+          <a:srcRect l="634" t="1942" r="1391" b="1751"/>
+          <a:stretch/>
+        </p:blipFill>
+        <p:spPr>
+          <a:xfrm>
+            <a:off x="870012" y="2459115"/>
+            <a:ext cx="4909351" cy="2743200"/>
+          </a:xfrm>
+          <a:prstGeom prst="rect">
+            <a:avLst/>
+          </a:prstGeom>
+          <a:ln>
+            <a:solidFill>
+              <a:srgbClr val="B9CDE5"/>
+            </a:solidFill>
+          </a:ln>
+        </p:spPr>
+      </p:pic>
+      <p:grpSp>
+        <p:nvGrpSpPr>
+          <p:cNvPr id="9" name="群組 8"/>
+          <p:cNvGrpSpPr/>
+          <p:nvPr/>
+        </p:nvGrpSpPr>
+        <p:grpSpPr>
+          <a:xfrm>
+            <a:off x="6232124" y="2450236"/>
+            <a:ext cx="4909352" cy="2752079"/>
+            <a:chOff x="6232124" y="2450236"/>
+            <a:chExt cx="4909352" cy="2752079"/>
+          </a:xfrm>
+        </p:grpSpPr>
+        <p:pic>
+          <p:nvPicPr>
+            <p:cNvPr id="5" name="圖片 4"/>
+            <p:cNvPicPr>
+              <a:picLocks noChangeAspect="1"/>
+            </p:cNvPicPr>
+            <p:nvPr/>
+          </p:nvPicPr>
+          <p:blipFill rotWithShape="1">
+            <a:blip r:embed="rId3"/>
+            <a:srcRect l="676" t="1640" r="789" b="1090"/>
+            <a:stretch/>
+          </p:blipFill>
+          <p:spPr>
+            <a:xfrm>
+              <a:off x="6232124" y="2450236"/>
+              <a:ext cx="4909352" cy="2752079"/>
+            </a:xfrm>
+            <a:prstGeom prst="rect">
+              <a:avLst/>
+            </a:prstGeom>
+          </p:spPr>
+        </p:pic>
+        <p:sp>
+          <p:nvSpPr>
+            <p:cNvPr id="8" name="矩形 7"/>
+            <p:cNvSpPr/>
+            <p:nvPr/>
+          </p:nvSpPr>
+          <p:spPr>
+            <a:xfrm>
+              <a:off x="9161755" y="2450236"/>
+              <a:ext cx="1979721" cy="648071"/>
+            </a:xfrm>
+            <a:prstGeom prst="rect">
+              <a:avLst/>
+            </a:prstGeom>
+            <a:solidFill>
+              <a:schemeClr val="tx1"/>
+            </a:solidFill>
+            <a:ln>
+              <a:noFill/>
+            </a:ln>
+          </p:spPr>
+          <p:style>
+            <a:lnRef idx="2">
+              <a:schemeClr val="accent1">
+                <a:shade val="50000"/>
+              </a:schemeClr>
+            </a:lnRef>
+            <a:fillRef idx="1">
+              <a:schemeClr val="accent1"/>
+            </a:fillRef>
+            <a:effectRef idx="0">
+              <a:schemeClr val="accent1"/>
+            </a:effectRef>
+            <a:fontRef idx="minor">
+              <a:schemeClr val="lt1"/>
+            </a:fontRef>
+          </p:style>
+          <p:txBody>
+            <a:bodyPr rtlCol="0" anchor="ctr"/>
+            <a:lstStyle/>
+            <a:p>
+              <a:pPr algn="ctr"/>
+              <a:endParaRPr lang="zh-TW" altLang="en-US"/>
+            </a:p>
+          </p:txBody>
+        </p:sp>
+      </p:grpSp>
+    </p:spTree>
+    <p:extLst>
+      <p:ext uri="{BB962C8B-B14F-4D97-AF65-F5344CB8AC3E}">
+        <p14:creationId xmlns:p14="http://schemas.microsoft.com/office/powerpoint/2010/main" val="1855521178"/>
+      </p:ext>
+    </p:extLst>
+  </p:cSld>
+  <p:clrMapOvr>
+    <a:masterClrMapping/>
+  </p:clrMapOvr>
+  <p:timing>
+    <p:tnLst>
+      <p:par>
+        <p:cTn id="1" dur="indefinite" restart="never" nodeType="tmRoot"/>
+      </p:par>
+    </p:tnLst>
+  </p:timing>
+</p:sld>
+</file>
+
+<file path=ppt/slides/slide12.xml><?xml version="1.0" encoding="utf-8"?>
+<p:sld xmlns:a="http://schemas.openxmlformats.org/drawingml/2006/main" xmlns:r="http://schemas.openxmlformats.org/officeDocument/2006/relationships" xmlns:p="http://schemas.openxmlformats.org/presentationml/2006/main">
+  <p:cSld>
+    <p:spTree>
+      <p:nvGrpSpPr>
+        <p:cNvPr id="1" name=""/>
+        <p:cNvGrpSpPr/>
+        <p:nvPr/>
+      </p:nvGrpSpPr>
+      <p:grpSpPr>
+        <a:xfrm>
+          <a:off x="0" y="0"/>
+          <a:ext cx="0" cy="0"/>
+          <a:chOff x="0" y="0"/>
+          <a:chExt cx="0" cy="0"/>
+        </a:xfrm>
+      </p:grpSpPr>
+      <p:sp>
+        <p:nvSpPr>
+          <p:cNvPr id="2" name="標題 1"/>
+          <p:cNvSpPr>
+            <a:spLocks noGrp="1"/>
+          </p:cNvSpPr>
+          <p:nvPr>
+            <p:ph type="title"/>
+          </p:nvPr>
+        </p:nvSpPr>
+        <p:spPr/>
+        <p:txBody>
+          <a:bodyPr/>
+          <a:lstStyle/>
+          <a:p>
+            <a:r>
+              <a:rPr lang="en-US" altLang="zh-TW" dirty="0" smtClean="0"/>
+              <a:t>Literal Constants</a:t>
+            </a:r>
+            <a:endParaRPr lang="zh-TW" altLang="en-US" dirty="0"/>
+          </a:p>
+        </p:txBody>
+      </p:sp>
+      <p:pic>
+        <p:nvPicPr>
+          <p:cNvPr id="4" name="圖片 3"/>
+          <p:cNvPicPr>
+            <a:picLocks noChangeAspect="1"/>
+          </p:cNvPicPr>
+          <p:nvPr/>
+        </p:nvPicPr>
+        <p:blipFill rotWithShape="1">
+          <a:blip r:embed="rId2"/>
+          <a:srcRect l="799" t="4051" r="1472" b="5701"/>
+          <a:stretch/>
+        </p:blipFill>
+        <p:spPr>
+          <a:xfrm>
+            <a:off x="838200" y="3342444"/>
+            <a:ext cx="5133610" cy="843378"/>
+          </a:xfrm>
+          <a:prstGeom prst="rect">
+            <a:avLst/>
+          </a:prstGeom>
+        </p:spPr>
+      </p:pic>
+      <p:pic>
+        <p:nvPicPr>
+          <p:cNvPr id="5" name="圖片 4"/>
+          <p:cNvPicPr>
+            <a:picLocks noChangeAspect="1"/>
+          </p:cNvPicPr>
+          <p:nvPr/>
+        </p:nvPicPr>
+        <p:blipFill rotWithShape="1">
+          <a:blip r:embed="rId3"/>
+          <a:srcRect l="586" t="5419" r="1642" b="3662"/>
+          <a:stretch/>
+        </p:blipFill>
+        <p:spPr>
+          <a:xfrm>
+            <a:off x="6320901" y="3231473"/>
+            <a:ext cx="4927108" cy="1065320"/>
+          </a:xfrm>
+          <a:prstGeom prst="rect">
+            <a:avLst/>
+          </a:prstGeom>
+        </p:spPr>
+      </p:pic>
+    </p:spTree>
+    <p:extLst>
+      <p:ext uri="{BB962C8B-B14F-4D97-AF65-F5344CB8AC3E}">
+        <p14:creationId xmlns:p14="http://schemas.microsoft.com/office/powerpoint/2010/main" val="706653630"/>
+      </p:ext>
+    </p:extLst>
+  </p:cSld>
+  <p:clrMapOvr>
+    <a:masterClrMapping/>
+  </p:clrMapOvr>
+  <p:timing>
+    <p:tnLst>
+      <p:par>
+        <p:cTn id="1" dur="indefinite" restart="never" nodeType="tmRoot"/>
+      </p:par>
+    </p:tnLst>
+  </p:timing>
+</p:sld>
+</file>
+
+<file path=ppt/slides/slide13.xml><?xml version="1.0" encoding="utf-8"?>
+<p:sld xmlns:a="http://schemas.openxmlformats.org/drawingml/2006/main" xmlns:r="http://schemas.openxmlformats.org/officeDocument/2006/relationships" xmlns:p="http://schemas.openxmlformats.org/presentationml/2006/main">
+  <p:cSld>
+    <p:spTree>
+      <p:nvGrpSpPr>
+        <p:cNvPr id="1" name=""/>
+        <p:cNvGrpSpPr/>
+        <p:nvPr/>
+      </p:nvGrpSpPr>
+      <p:grpSpPr>
+        <a:xfrm>
+          <a:off x="0" y="0"/>
+          <a:ext cx="0" cy="0"/>
+          <a:chOff x="0" y="0"/>
+          <a:chExt cx="0" cy="0"/>
+        </a:xfrm>
+      </p:grpSpPr>
+      <p:sp>
+        <p:nvSpPr>
+          <p:cNvPr id="2" name="標題 1"/>
+          <p:cNvSpPr>
+            <a:spLocks noGrp="1"/>
+          </p:cNvSpPr>
+          <p:nvPr>
+            <p:ph type="title"/>
+          </p:nvPr>
+        </p:nvSpPr>
+        <p:spPr/>
+        <p:txBody>
+          <a:bodyPr/>
+          <a:lstStyle/>
+          <a:p>
+            <a:r>
+              <a:rPr lang="en-US" altLang="zh-TW" dirty="0" smtClean="0"/>
               <a:t>Messages Chains</a:t>
             </a:r>
             <a:endParaRPr lang="zh-TW" altLang="en-US" dirty="0"/>
@@ -3803,7 +4649,7 @@
 </p:sld>
 </file>
 
-<file path=ppt/slides/slide11.xml><?xml version="1.0" encoding="utf-8"?>
+<file path=ppt/slides/slide14.xml><?xml version="1.0" encoding="utf-8"?>
 <p:sld xmlns:a="http://schemas.openxmlformats.org/drawingml/2006/main" xmlns:r="http://schemas.openxmlformats.org/officeDocument/2006/relationships" xmlns:p="http://schemas.openxmlformats.org/presentationml/2006/main">
   <p:cSld>
     <p:spTree>
@@ -4987,7 +5833,12 @@
             <p:ph type="title"/>
           </p:nvPr>
         </p:nvSpPr>
-        <p:spPr/>
+        <p:spPr>
+          <a:xfrm>
+            <a:off x="883920" y="355981"/>
+            <a:ext cx="10515600" cy="1325563"/>
+          </a:xfrm>
+        </p:spPr>
         <p:txBody>
           <a:bodyPr/>
           <a:lstStyle/>
@@ -5185,6 +6036,514 @@
           <a:p>
             <a:r>
               <a:rPr lang="en-US" altLang="zh-TW" dirty="0" smtClean="0"/>
+              <a:t>Long Method</a:t>
+            </a:r>
+            <a:endParaRPr lang="zh-TW" altLang="en-US" dirty="0"/>
+          </a:p>
+        </p:txBody>
+      </p:sp>
+      <p:pic>
+        <p:nvPicPr>
+          <p:cNvPr id="3" name="圖片 2"/>
+          <p:cNvPicPr>
+            <a:picLocks noChangeAspect="1"/>
+          </p:cNvPicPr>
+          <p:nvPr/>
+        </p:nvPicPr>
+        <p:blipFill>
+          <a:blip r:embed="rId3"/>
+          <a:stretch>
+            <a:fillRect/>
+          </a:stretch>
+        </p:blipFill>
+        <p:spPr>
+          <a:xfrm>
+            <a:off x="465400" y="1323784"/>
+            <a:ext cx="10214791" cy="5385737"/>
+          </a:xfrm>
+          <a:prstGeom prst="rect">
+            <a:avLst/>
+          </a:prstGeom>
+        </p:spPr>
+      </p:pic>
+      <p:grpSp>
+        <p:nvGrpSpPr>
+          <p:cNvPr id="10" name="群組 9"/>
+          <p:cNvGrpSpPr/>
+          <p:nvPr/>
+        </p:nvGrpSpPr>
+        <p:grpSpPr>
+          <a:xfrm>
+            <a:off x="1386840" y="365125"/>
+            <a:ext cx="10518648" cy="6476634"/>
+            <a:chOff x="1386840" y="365125"/>
+            <a:chExt cx="10518648" cy="6476634"/>
+          </a:xfrm>
+        </p:grpSpPr>
+        <p:pic>
+          <p:nvPicPr>
+            <p:cNvPr id="5" name="圖片 4"/>
+            <p:cNvPicPr>
+              <a:picLocks noChangeAspect="1"/>
+            </p:cNvPicPr>
+            <p:nvPr/>
+          </p:nvPicPr>
+          <p:blipFill>
+            <a:blip r:embed="rId4"/>
+            <a:stretch>
+              <a:fillRect/>
+            </a:stretch>
+          </p:blipFill>
+          <p:spPr>
+            <a:xfrm>
+              <a:off x="5116258" y="365125"/>
+              <a:ext cx="6789230" cy="2809875"/>
+            </a:xfrm>
+            <a:prstGeom prst="rect">
+              <a:avLst/>
+            </a:prstGeom>
+          </p:spPr>
+        </p:pic>
+        <p:pic>
+          <p:nvPicPr>
+            <p:cNvPr id="6" name="圖片 5"/>
+            <p:cNvPicPr>
+              <a:picLocks noChangeAspect="1"/>
+            </p:cNvPicPr>
+            <p:nvPr/>
+          </p:nvPicPr>
+          <p:blipFill>
+            <a:blip r:embed="rId5"/>
+            <a:stretch>
+              <a:fillRect/>
+            </a:stretch>
+          </p:blipFill>
+          <p:spPr>
+            <a:xfrm>
+              <a:off x="1386840" y="3142980"/>
+              <a:ext cx="5505450" cy="1181100"/>
+            </a:xfrm>
+            <a:prstGeom prst="rect">
+              <a:avLst/>
+            </a:prstGeom>
+          </p:spPr>
+        </p:pic>
+        <p:pic>
+          <p:nvPicPr>
+            <p:cNvPr id="8" name="圖片 7"/>
+            <p:cNvPicPr>
+              <a:picLocks noChangeAspect="1"/>
+            </p:cNvPicPr>
+            <p:nvPr/>
+          </p:nvPicPr>
+          <p:blipFill>
+            <a:blip r:embed="rId6"/>
+            <a:stretch>
+              <a:fillRect/>
+            </a:stretch>
+          </p:blipFill>
+          <p:spPr>
+            <a:xfrm>
+              <a:off x="1386840" y="4324080"/>
+              <a:ext cx="6981825" cy="742950"/>
+            </a:xfrm>
+            <a:prstGeom prst="rect">
+              <a:avLst/>
+            </a:prstGeom>
+          </p:spPr>
+        </p:pic>
+        <p:pic>
+          <p:nvPicPr>
+            <p:cNvPr id="9" name="圖片 8"/>
+            <p:cNvPicPr>
+              <a:picLocks noChangeAspect="1"/>
+            </p:cNvPicPr>
+            <p:nvPr/>
+          </p:nvPicPr>
+          <p:blipFill>
+            <a:blip r:embed="rId7"/>
+            <a:stretch>
+              <a:fillRect/>
+            </a:stretch>
+          </p:blipFill>
+          <p:spPr>
+            <a:xfrm>
+              <a:off x="1386840" y="5174884"/>
+              <a:ext cx="9906000" cy="1666875"/>
+            </a:xfrm>
+            <a:prstGeom prst="rect">
+              <a:avLst/>
+            </a:prstGeom>
+          </p:spPr>
+        </p:pic>
+      </p:grpSp>
+    </p:spTree>
+    <p:extLst>
+      <p:ext uri="{BB962C8B-B14F-4D97-AF65-F5344CB8AC3E}">
+        <p14:creationId xmlns:p14="http://schemas.microsoft.com/office/powerpoint/2010/main" val="3200127777"/>
+      </p:ext>
+    </p:extLst>
+  </p:cSld>
+  <p:clrMapOvr>
+    <a:masterClrMapping/>
+  </p:clrMapOvr>
+  <p:timing>
+    <p:tnLst>
+      <p:par>
+        <p:cTn id="1" dur="indefinite" restart="never" nodeType="tmRoot">
+          <p:childTnLst>
+            <p:seq concurrent="1" nextAc="seek">
+              <p:cTn id="2" dur="indefinite" nodeType="mainSeq">
+                <p:childTnLst>
+                  <p:par>
+                    <p:cTn id="3" fill="hold">
+                      <p:stCondLst>
+                        <p:cond delay="indefinite"/>
+                      </p:stCondLst>
+                      <p:childTnLst>
+                        <p:par>
+                          <p:cTn id="4" fill="hold">
+                            <p:stCondLst>
+                              <p:cond delay="0"/>
+                            </p:stCondLst>
+                            <p:childTnLst>
+                              <p:par>
+                                <p:cTn id="5" presetID="10" presetClass="exit" presetSubtype="0" fill="hold" nodeType="clickEffect">
+                                  <p:stCondLst>
+                                    <p:cond delay="0"/>
+                                  </p:stCondLst>
+                                  <p:childTnLst>
+                                    <p:animEffect transition="out" filter="fade">
+                                      <p:cBhvr>
+                                        <p:cTn id="6" dur="500"/>
+                                        <p:tgtEl>
+                                          <p:spTgt spid="3"/>
+                                        </p:tgtEl>
+                                      </p:cBhvr>
+                                    </p:animEffect>
+                                    <p:set>
+                                      <p:cBhvr>
+                                        <p:cTn id="7" dur="1" fill="hold">
+                                          <p:stCondLst>
+                                            <p:cond delay="499"/>
+                                          </p:stCondLst>
+                                        </p:cTn>
+                                        <p:tgtEl>
+                                          <p:spTgt spid="3"/>
+                                        </p:tgtEl>
+                                        <p:attrNameLst>
+                                          <p:attrName>style.visibility</p:attrName>
+                                        </p:attrNameLst>
+                                      </p:cBhvr>
+                                      <p:to>
+                                        <p:strVal val="hidden"/>
+                                      </p:to>
+                                    </p:set>
+                                  </p:childTnLst>
+                                </p:cTn>
+                              </p:par>
+                            </p:childTnLst>
+                          </p:cTn>
+                        </p:par>
+                      </p:childTnLst>
+                    </p:cTn>
+                  </p:par>
+                  <p:par>
+                    <p:cTn id="8" fill="hold">
+                      <p:stCondLst>
+                        <p:cond delay="indefinite"/>
+                      </p:stCondLst>
+                      <p:childTnLst>
+                        <p:par>
+                          <p:cTn id="9" fill="hold">
+                            <p:stCondLst>
+                              <p:cond delay="0"/>
+                            </p:stCondLst>
+                            <p:childTnLst>
+                              <p:par>
+                                <p:cTn id="10" presetID="10" presetClass="entr" presetSubtype="0" fill="hold" nodeType="clickEffect">
+                                  <p:stCondLst>
+                                    <p:cond delay="0"/>
+                                  </p:stCondLst>
+                                  <p:childTnLst>
+                                    <p:set>
+                                      <p:cBhvr>
+                                        <p:cTn id="11" dur="1" fill="hold">
+                                          <p:stCondLst>
+                                            <p:cond delay="0"/>
+                                          </p:stCondLst>
+                                        </p:cTn>
+                                        <p:tgtEl>
+                                          <p:spTgt spid="10"/>
+                                        </p:tgtEl>
+                                        <p:attrNameLst>
+                                          <p:attrName>style.visibility</p:attrName>
+                                        </p:attrNameLst>
+                                      </p:cBhvr>
+                                      <p:to>
+                                        <p:strVal val="visible"/>
+                                      </p:to>
+                                    </p:set>
+                                    <p:animEffect transition="in" filter="fade">
+                                      <p:cBhvr>
+                                        <p:cTn id="12" dur="500"/>
+                                        <p:tgtEl>
+                                          <p:spTgt spid="10"/>
+                                        </p:tgtEl>
+                                      </p:cBhvr>
+                                    </p:animEffect>
+                                  </p:childTnLst>
+                                </p:cTn>
+                              </p:par>
+                            </p:childTnLst>
+                          </p:cTn>
+                        </p:par>
+                      </p:childTnLst>
+                    </p:cTn>
+                  </p:par>
+                </p:childTnLst>
+              </p:cTn>
+              <p:prevCondLst>
+                <p:cond evt="onPrev" delay="0">
+                  <p:tgtEl>
+                    <p:sldTgt/>
+                  </p:tgtEl>
+                </p:cond>
+              </p:prevCondLst>
+              <p:nextCondLst>
+                <p:cond evt="onNext" delay="0">
+                  <p:tgtEl>
+                    <p:sldTgt/>
+                  </p:tgtEl>
+                </p:cond>
+              </p:nextCondLst>
+            </p:seq>
+          </p:childTnLst>
+        </p:cTn>
+      </p:par>
+    </p:tnLst>
+  </p:timing>
+</p:sld>
+</file>
+
+<file path=ppt/slides/slide6.xml><?xml version="1.0" encoding="utf-8"?>
+<p:sld xmlns:a="http://schemas.openxmlformats.org/drawingml/2006/main" xmlns:r="http://schemas.openxmlformats.org/officeDocument/2006/relationships" xmlns:p="http://schemas.openxmlformats.org/presentationml/2006/main">
+  <p:cSld>
+    <p:spTree>
+      <p:nvGrpSpPr>
+        <p:cNvPr id="1" name=""/>
+        <p:cNvGrpSpPr/>
+        <p:nvPr/>
+      </p:nvGrpSpPr>
+      <p:grpSpPr>
+        <a:xfrm>
+          <a:off x="0" y="0"/>
+          <a:ext cx="0" cy="0"/>
+          <a:chOff x="0" y="0"/>
+          <a:chExt cx="0" cy="0"/>
+        </a:xfrm>
+      </p:grpSpPr>
+      <p:sp>
+        <p:nvSpPr>
+          <p:cNvPr id="2" name="標題 1"/>
+          <p:cNvSpPr>
+            <a:spLocks noGrp="1"/>
+          </p:cNvSpPr>
+          <p:nvPr>
+            <p:ph type="title"/>
+          </p:nvPr>
+        </p:nvSpPr>
+        <p:spPr/>
+        <p:txBody>
+          <a:bodyPr/>
+          <a:lstStyle/>
+          <a:p>
+            <a:r>
+              <a:rPr lang="en-US" altLang="zh-TW" dirty="0" smtClean="0"/>
+              <a:t>Long Method</a:t>
+            </a:r>
+            <a:endParaRPr lang="zh-TW" altLang="en-US" dirty="0"/>
+          </a:p>
+        </p:txBody>
+      </p:sp>
+      <p:pic>
+        <p:nvPicPr>
+          <p:cNvPr id="3" name="圖片 2"/>
+          <p:cNvPicPr>
+            <a:picLocks noChangeAspect="1"/>
+          </p:cNvPicPr>
+          <p:nvPr/>
+        </p:nvPicPr>
+        <p:blipFill>
+          <a:blip r:embed="rId3"/>
+          <a:stretch>
+            <a:fillRect/>
+          </a:stretch>
+        </p:blipFill>
+        <p:spPr>
+          <a:xfrm>
+            <a:off x="465400" y="1323784"/>
+            <a:ext cx="10214791" cy="5385737"/>
+          </a:xfrm>
+          <a:prstGeom prst="rect">
+            <a:avLst/>
+          </a:prstGeom>
+        </p:spPr>
+      </p:pic>
+      <p:pic>
+        <p:nvPicPr>
+          <p:cNvPr id="5" name="圖片 4"/>
+          <p:cNvPicPr>
+            <a:picLocks noChangeAspect="1"/>
+          </p:cNvPicPr>
+          <p:nvPr/>
+        </p:nvPicPr>
+        <p:blipFill>
+          <a:blip r:embed="rId4"/>
+          <a:stretch>
+            <a:fillRect/>
+          </a:stretch>
+        </p:blipFill>
+        <p:spPr>
+          <a:xfrm>
+            <a:off x="5189410" y="1323784"/>
+            <a:ext cx="6789230" cy="2809875"/>
+          </a:xfrm>
+          <a:prstGeom prst="rect">
+            <a:avLst/>
+          </a:prstGeom>
+        </p:spPr>
+      </p:pic>
+    </p:spTree>
+    <p:extLst>
+      <p:ext uri="{BB962C8B-B14F-4D97-AF65-F5344CB8AC3E}">
+        <p14:creationId xmlns:p14="http://schemas.microsoft.com/office/powerpoint/2010/main" val="2431679402"/>
+      </p:ext>
+    </p:extLst>
+  </p:cSld>
+  <p:clrMapOvr>
+    <a:masterClrMapping/>
+  </p:clrMapOvr>
+  <p:timing>
+    <p:tnLst>
+      <p:par>
+        <p:cTn id="1" dur="indefinite" restart="never" nodeType="tmRoot">
+          <p:childTnLst>
+            <p:seq concurrent="1" nextAc="seek">
+              <p:cTn id="2" dur="indefinite" nodeType="mainSeq">
+                <p:childTnLst>
+                  <p:par>
+                    <p:cTn id="3" fill="hold">
+                      <p:stCondLst>
+                        <p:cond delay="indefinite"/>
+                      </p:stCondLst>
+                      <p:childTnLst>
+                        <p:par>
+                          <p:cTn id="4" fill="hold">
+                            <p:stCondLst>
+                              <p:cond delay="0"/>
+                            </p:stCondLst>
+                            <p:childTnLst>
+                              <p:par>
+                                <p:cTn id="5" presetID="10" presetClass="exit" presetSubtype="0" fill="hold" nodeType="clickEffect">
+                                  <p:stCondLst>
+                                    <p:cond delay="0"/>
+                                  </p:stCondLst>
+                                  <p:childTnLst>
+                                    <p:animEffect transition="out" filter="fade">
+                                      <p:cBhvr>
+                                        <p:cTn id="6" dur="500"/>
+                                        <p:tgtEl>
+                                          <p:spTgt spid="3"/>
+                                        </p:tgtEl>
+                                      </p:cBhvr>
+                                    </p:animEffect>
+                                    <p:set>
+                                      <p:cBhvr>
+                                        <p:cTn id="7" dur="1" fill="hold">
+                                          <p:stCondLst>
+                                            <p:cond delay="499"/>
+                                          </p:stCondLst>
+                                        </p:cTn>
+                                        <p:tgtEl>
+                                          <p:spTgt spid="3"/>
+                                        </p:tgtEl>
+                                        <p:attrNameLst>
+                                          <p:attrName>style.visibility</p:attrName>
+                                        </p:attrNameLst>
+                                      </p:cBhvr>
+                                      <p:to>
+                                        <p:strVal val="hidden"/>
+                                      </p:to>
+                                    </p:set>
+                                  </p:childTnLst>
+                                </p:cTn>
+                              </p:par>
+                            </p:childTnLst>
+                          </p:cTn>
+                        </p:par>
+                      </p:childTnLst>
+                    </p:cTn>
+                  </p:par>
+                </p:childTnLst>
+              </p:cTn>
+              <p:prevCondLst>
+                <p:cond evt="onPrev" delay="0">
+                  <p:tgtEl>
+                    <p:sldTgt/>
+                  </p:tgtEl>
+                </p:cond>
+              </p:prevCondLst>
+              <p:nextCondLst>
+                <p:cond evt="onNext" delay="0">
+                  <p:tgtEl>
+                    <p:sldTgt/>
+                  </p:tgtEl>
+                </p:cond>
+              </p:nextCondLst>
+            </p:seq>
+          </p:childTnLst>
+        </p:cTn>
+      </p:par>
+    </p:tnLst>
+  </p:timing>
+</p:sld>
+</file>
+
+<file path=ppt/slides/slide7.xml><?xml version="1.0" encoding="utf-8"?>
+<p:sld xmlns:a="http://schemas.openxmlformats.org/drawingml/2006/main" xmlns:r="http://schemas.openxmlformats.org/officeDocument/2006/relationships" xmlns:p="http://schemas.openxmlformats.org/presentationml/2006/main">
+  <p:cSld>
+    <p:spTree>
+      <p:nvGrpSpPr>
+        <p:cNvPr id="1" name=""/>
+        <p:cNvGrpSpPr/>
+        <p:nvPr/>
+      </p:nvGrpSpPr>
+      <p:grpSpPr>
+        <a:xfrm>
+          <a:off x="0" y="0"/>
+          <a:ext cx="0" cy="0"/>
+          <a:chOff x="0" y="0"/>
+          <a:chExt cx="0" cy="0"/>
+        </a:xfrm>
+      </p:grpSpPr>
+      <p:sp>
+        <p:nvSpPr>
+          <p:cNvPr id="2" name="標題 1"/>
+          <p:cNvSpPr>
+            <a:spLocks noGrp="1"/>
+          </p:cNvSpPr>
+          <p:nvPr>
+            <p:ph type="title"/>
+          </p:nvPr>
+        </p:nvSpPr>
+        <p:spPr/>
+        <p:txBody>
+          <a:bodyPr/>
+          <a:lstStyle/>
+          <a:p>
+            <a:r>
+              <a:rPr lang="en-US" altLang="zh-TW" dirty="0" smtClean="0"/>
               <a:t>Large Class</a:t>
             </a:r>
             <a:endParaRPr lang="zh-TW" altLang="en-US" dirty="0"/>
@@ -5219,7 +6578,7 @@
           <p:nvPr/>
         </p:nvPicPr>
         <p:blipFill rotWithShape="1">
-          <a:blip r:embed="rId2"/>
+          <a:blip r:embed="rId3"/>
           <a:srcRect l="1166" t="1587" r="1391" b="1124"/>
           <a:stretch/>
         </p:blipFill>
@@ -5242,7 +6601,7 @@
           <p:nvPr/>
         </p:nvPicPr>
         <p:blipFill rotWithShape="1">
-          <a:blip r:embed="rId3"/>
+          <a:blip r:embed="rId4"/>
           <a:srcRect l="1174" t="861" r="1999" b="735"/>
           <a:stretch/>
         </p:blipFill>
@@ -5276,7 +6635,82 @@
 </p:sld>
 </file>
 
-<file path=ppt/slides/slide6.xml><?xml version="1.0" encoding="utf-8"?>
+<file path=ppt/slides/slide8.xml><?xml version="1.0" encoding="utf-8"?>
+<p:sld xmlns:a="http://schemas.openxmlformats.org/drawingml/2006/main" xmlns:r="http://schemas.openxmlformats.org/officeDocument/2006/relationships" xmlns:p="http://schemas.openxmlformats.org/presentationml/2006/main" show="0">
+  <p:cSld>
+    <p:spTree>
+      <p:nvGrpSpPr>
+        <p:cNvPr id="1" name=""/>
+        <p:cNvGrpSpPr/>
+        <p:nvPr/>
+      </p:nvGrpSpPr>
+      <p:grpSpPr>
+        <a:xfrm>
+          <a:off x="0" y="0"/>
+          <a:ext cx="0" cy="0"/>
+          <a:chOff x="0" y="0"/>
+          <a:chExt cx="0" cy="0"/>
+        </a:xfrm>
+      </p:grpSpPr>
+      <p:pic>
+        <p:nvPicPr>
+          <p:cNvPr id="9" name="圖片 8"/>
+          <p:cNvPicPr>
+            <a:picLocks noChangeAspect="1"/>
+          </p:cNvPicPr>
+          <p:nvPr/>
+        </p:nvPicPr>
+        <p:blipFill>
+          <a:blip r:embed="rId2">
+            <a:extLst>
+              <a:ext uri="{28A0092B-C50C-407E-A947-70E740481C1C}">
+                <a14:useLocalDpi xmlns:a14="http://schemas.microsoft.com/office/drawing/2010/main" val="0"/>
+              </a:ext>
+            </a:extLst>
+          </a:blip>
+          <a:stretch>
+            <a:fillRect/>
+          </a:stretch>
+        </p:blipFill>
+        <p:spPr>
+          <a:xfrm>
+            <a:off x="2366387" y="1604388"/>
+            <a:ext cx="7620000" cy="3810000"/>
+          </a:xfrm>
+          <a:prstGeom prst="rect">
+            <a:avLst/>
+          </a:prstGeom>
+        </p:spPr>
+      </p:pic>
+    </p:spTree>
+    <p:extLst>
+      <p:ext uri="{BB962C8B-B14F-4D97-AF65-F5344CB8AC3E}">
+        <p14:creationId xmlns:p14="http://schemas.microsoft.com/office/powerpoint/2010/main" val="4019935976"/>
+      </p:ext>
+    </p:extLst>
+  </p:cSld>
+  <p:clrMapOvr>
+    <a:masterClrMapping/>
+  </p:clrMapOvr>
+  <mc:AlternateContent xmlns:mc="http://schemas.openxmlformats.org/markup-compatibility/2006">
+    <mc:Choice xmlns:p14="http://schemas.microsoft.com/office/powerpoint/2010/main" Requires="p14">
+      <p:transition spd="slow" p14:dur="2000"/>
+    </mc:Choice>
+    <mc:Fallback>
+      <p:transition spd="slow"/>
+    </mc:Fallback>
+  </mc:AlternateContent>
+  <p:timing>
+    <p:tnLst>
+      <p:par>
+        <p:cTn id="1" dur="indefinite" restart="never" nodeType="tmRoot"/>
+      </p:par>
+    </p:tnLst>
+  </p:timing>
+</p:sld>
+</file>
+
+<file path=ppt/slides/slide9.xml><?xml version="1.0" encoding="utf-8"?>
 <p:sld xmlns:a="http://schemas.openxmlformats.org/drawingml/2006/main" xmlns:r="http://schemas.openxmlformats.org/officeDocument/2006/relationships" xmlns:p="http://schemas.openxmlformats.org/presentationml/2006/main">
   <p:cSld>
     <p:spTree>
@@ -5344,7 +6778,7 @@
           <p:nvPr/>
         </p:nvPicPr>
         <p:blipFill rotWithShape="1">
-          <a:blip r:embed="rId2"/>
+          <a:blip r:embed="rId3"/>
           <a:srcRect l="711" t="1307" r="1" b="443"/>
           <a:stretch/>
         </p:blipFill>
@@ -5381,7 +6815,7 @@
             <p:nvPr/>
           </p:nvPicPr>
           <p:blipFill rotWithShape="1">
-            <a:blip r:embed="rId3"/>
+            <a:blip r:embed="rId4"/>
             <a:srcRect l="1320" t="1936" r="1051" b="2222"/>
             <a:stretch/>
           </p:blipFill>
@@ -5446,489 +6880,6 @@
     <p:extLst>
       <p:ext uri="{BB962C8B-B14F-4D97-AF65-F5344CB8AC3E}">
         <p14:creationId xmlns:p14="http://schemas.microsoft.com/office/powerpoint/2010/main" val="3100645136"/>
-      </p:ext>
-    </p:extLst>
-  </p:cSld>
-  <p:clrMapOvr>
-    <a:masterClrMapping/>
-  </p:clrMapOvr>
-  <p:timing>
-    <p:tnLst>
-      <p:par>
-        <p:cTn id="1" dur="indefinite" restart="never" nodeType="tmRoot"/>
-      </p:par>
-    </p:tnLst>
-  </p:timing>
-</p:sld>
-</file>
-
-<file path=ppt/slides/slide7.xml><?xml version="1.0" encoding="utf-8"?>
-<p:sld xmlns:a="http://schemas.openxmlformats.org/drawingml/2006/main" xmlns:r="http://schemas.openxmlformats.org/officeDocument/2006/relationships" xmlns:p="http://schemas.openxmlformats.org/presentationml/2006/main">
-  <p:cSld>
-    <p:spTree>
-      <p:nvGrpSpPr>
-        <p:cNvPr id="1" name=""/>
-        <p:cNvGrpSpPr/>
-        <p:nvPr/>
-      </p:nvGrpSpPr>
-      <p:grpSpPr>
-        <a:xfrm>
-          <a:off x="0" y="0"/>
-          <a:ext cx="0" cy="0"/>
-          <a:chOff x="0" y="0"/>
-          <a:chExt cx="0" cy="0"/>
-        </a:xfrm>
-      </p:grpSpPr>
-      <p:sp>
-        <p:nvSpPr>
-          <p:cNvPr id="2" name="標題 1"/>
-          <p:cNvSpPr>
-            <a:spLocks noGrp="1"/>
-          </p:cNvSpPr>
-          <p:nvPr>
-            <p:ph type="title"/>
-          </p:nvPr>
-        </p:nvSpPr>
-        <p:spPr/>
-        <p:txBody>
-          <a:bodyPr/>
-          <a:lstStyle/>
-          <a:p>
-            <a:r>
-              <a:rPr lang="en-US" altLang="zh-TW" dirty="0" smtClean="0"/>
-              <a:t>Feature Envy</a:t>
-            </a:r>
-            <a:endParaRPr lang="zh-TW" altLang="en-US" dirty="0"/>
-          </a:p>
-        </p:txBody>
-      </p:sp>
-      <p:sp>
-        <p:nvSpPr>
-          <p:cNvPr id="3" name="內容版面配置區 2"/>
-          <p:cNvSpPr>
-            <a:spLocks noGrp="1"/>
-          </p:cNvSpPr>
-          <p:nvPr>
-            <p:ph idx="1"/>
-          </p:nvPr>
-        </p:nvSpPr>
-        <p:spPr/>
-        <p:txBody>
-          <a:bodyPr/>
-          <a:lstStyle/>
-          <a:p>
-            <a:endParaRPr lang="zh-TW" altLang="en-US" dirty="0"/>
-          </a:p>
-        </p:txBody>
-      </p:sp>
-      <p:pic>
-        <p:nvPicPr>
-          <p:cNvPr id="4" name="圖片 3"/>
-          <p:cNvPicPr>
-            <a:picLocks noChangeAspect="1"/>
-          </p:cNvPicPr>
-          <p:nvPr/>
-        </p:nvPicPr>
-        <p:blipFill rotWithShape="1">
-          <a:blip r:embed="rId2"/>
-          <a:srcRect l="997" t="1886" r="1160" b="1944"/>
-          <a:stretch/>
-        </p:blipFill>
-        <p:spPr>
-          <a:xfrm>
-            <a:off x="887767" y="2840854"/>
-            <a:ext cx="4856086" cy="2006354"/>
-          </a:xfrm>
-          <a:prstGeom prst="rect">
-            <a:avLst/>
-          </a:prstGeom>
-        </p:spPr>
-      </p:pic>
-      <p:grpSp>
-        <p:nvGrpSpPr>
-          <p:cNvPr id="7" name="群組 6"/>
-          <p:cNvGrpSpPr/>
-          <p:nvPr/>
-        </p:nvGrpSpPr>
-        <p:grpSpPr>
-          <a:xfrm>
-            <a:off x="6098959" y="3027284"/>
-            <a:ext cx="4927108" cy="1722269"/>
-            <a:chOff x="6098959" y="3027284"/>
-            <a:chExt cx="4927108" cy="1722269"/>
-          </a:xfrm>
-        </p:grpSpPr>
-        <p:pic>
-          <p:nvPicPr>
-            <p:cNvPr id="5" name="圖片 4"/>
-            <p:cNvPicPr>
-              <a:picLocks noChangeAspect="1"/>
-            </p:cNvPicPr>
-            <p:nvPr/>
-          </p:nvPicPr>
-          <p:blipFill rotWithShape="1">
-            <a:blip r:embed="rId3"/>
-            <a:srcRect l="1184" t="14570" r="1778" b="3253"/>
-            <a:stretch/>
-          </p:blipFill>
-          <p:spPr>
-            <a:xfrm>
-              <a:off x="6098959" y="3027284"/>
-              <a:ext cx="4927108" cy="1722269"/>
-            </a:xfrm>
-            <a:prstGeom prst="rect">
-              <a:avLst/>
-            </a:prstGeom>
-          </p:spPr>
-        </p:pic>
-        <p:sp>
-          <p:nvSpPr>
-            <p:cNvPr id="6" name="矩形 5"/>
-            <p:cNvSpPr/>
-            <p:nvPr/>
-          </p:nvSpPr>
-          <p:spPr>
-            <a:xfrm>
-              <a:off x="9028590" y="3027284"/>
-              <a:ext cx="1997477" cy="816746"/>
-            </a:xfrm>
-            <a:prstGeom prst="rect">
-              <a:avLst/>
-            </a:prstGeom>
-            <a:solidFill>
-              <a:schemeClr val="tx1"/>
-            </a:solidFill>
-            <a:ln>
-              <a:noFill/>
-            </a:ln>
-          </p:spPr>
-          <p:style>
-            <a:lnRef idx="2">
-              <a:schemeClr val="accent1">
-                <a:shade val="50000"/>
-              </a:schemeClr>
-            </a:lnRef>
-            <a:fillRef idx="1">
-              <a:schemeClr val="accent1"/>
-            </a:fillRef>
-            <a:effectRef idx="0">
-              <a:schemeClr val="accent1"/>
-            </a:effectRef>
-            <a:fontRef idx="minor">
-              <a:schemeClr val="lt1"/>
-            </a:fontRef>
-          </p:style>
-          <p:txBody>
-            <a:bodyPr rtlCol="0" anchor="ctr"/>
-            <a:lstStyle/>
-            <a:p>
-              <a:pPr algn="ctr"/>
-              <a:endParaRPr lang="zh-TW" altLang="en-US"/>
-            </a:p>
-          </p:txBody>
-        </p:sp>
-      </p:grpSp>
-    </p:spTree>
-    <p:extLst>
-      <p:ext uri="{BB962C8B-B14F-4D97-AF65-F5344CB8AC3E}">
-        <p14:creationId xmlns:p14="http://schemas.microsoft.com/office/powerpoint/2010/main" val="1306448367"/>
-      </p:ext>
-    </p:extLst>
-  </p:cSld>
-  <p:clrMapOvr>
-    <a:masterClrMapping/>
-  </p:clrMapOvr>
-  <p:timing>
-    <p:tnLst>
-      <p:par>
-        <p:cTn id="1" dur="indefinite" restart="never" nodeType="tmRoot"/>
-      </p:par>
-    </p:tnLst>
-  </p:timing>
-</p:sld>
-</file>
-
-<file path=ppt/slides/slide8.xml><?xml version="1.0" encoding="utf-8"?>
-<p:sld xmlns:a="http://schemas.openxmlformats.org/drawingml/2006/main" xmlns:r="http://schemas.openxmlformats.org/officeDocument/2006/relationships" xmlns:p="http://schemas.openxmlformats.org/presentationml/2006/main">
-  <p:cSld>
-    <p:spTree>
-      <p:nvGrpSpPr>
-        <p:cNvPr id="1" name=""/>
-        <p:cNvGrpSpPr/>
-        <p:nvPr/>
-      </p:nvGrpSpPr>
-      <p:grpSpPr>
-        <a:xfrm>
-          <a:off x="0" y="0"/>
-          <a:ext cx="0" cy="0"/>
-          <a:chOff x="0" y="0"/>
-          <a:chExt cx="0" cy="0"/>
-        </a:xfrm>
-      </p:grpSpPr>
-      <p:sp>
-        <p:nvSpPr>
-          <p:cNvPr id="2" name="標題 1"/>
-          <p:cNvSpPr>
-            <a:spLocks noGrp="1"/>
-          </p:cNvSpPr>
-          <p:nvPr>
-            <p:ph type="title"/>
-          </p:nvPr>
-        </p:nvSpPr>
-        <p:spPr/>
-        <p:txBody>
-          <a:bodyPr/>
-          <a:lstStyle/>
-          <a:p>
-            <a:r>
-              <a:rPr lang="en-US" altLang="zh-TW" dirty="0" smtClean="0"/>
-              <a:t>Unsuitable Naming</a:t>
-            </a:r>
-            <a:endParaRPr lang="zh-TW" altLang="en-US" dirty="0"/>
-          </a:p>
-        </p:txBody>
-      </p:sp>
-      <p:sp>
-        <p:nvSpPr>
-          <p:cNvPr id="3" name="內容版面配置區 2"/>
-          <p:cNvSpPr>
-            <a:spLocks noGrp="1"/>
-          </p:cNvSpPr>
-          <p:nvPr>
-            <p:ph idx="1"/>
-          </p:nvPr>
-        </p:nvSpPr>
-        <p:spPr/>
-        <p:txBody>
-          <a:bodyPr/>
-          <a:lstStyle/>
-          <a:p>
-            <a:endParaRPr lang="zh-TW" altLang="en-US" dirty="0"/>
-          </a:p>
-        </p:txBody>
-      </p:sp>
-      <p:pic>
-        <p:nvPicPr>
-          <p:cNvPr id="4" name="圖片 3"/>
-          <p:cNvPicPr>
-            <a:picLocks noChangeAspect="1"/>
-          </p:cNvPicPr>
-          <p:nvPr/>
-        </p:nvPicPr>
-        <p:blipFill rotWithShape="1">
-          <a:blip r:embed="rId2"/>
-          <a:srcRect l="634" t="1942" r="1391" b="1751"/>
-          <a:stretch/>
-        </p:blipFill>
-        <p:spPr>
-          <a:xfrm>
-            <a:off x="870012" y="2459115"/>
-            <a:ext cx="4909351" cy="2743200"/>
-          </a:xfrm>
-          <a:prstGeom prst="rect">
-            <a:avLst/>
-          </a:prstGeom>
-          <a:ln>
-            <a:solidFill>
-              <a:srgbClr val="B9CDE5"/>
-            </a:solidFill>
-          </a:ln>
-        </p:spPr>
-      </p:pic>
-      <p:grpSp>
-        <p:nvGrpSpPr>
-          <p:cNvPr id="9" name="群組 8"/>
-          <p:cNvGrpSpPr/>
-          <p:nvPr/>
-        </p:nvGrpSpPr>
-        <p:grpSpPr>
-          <a:xfrm>
-            <a:off x="6232124" y="2450236"/>
-            <a:ext cx="4909352" cy="2752079"/>
-            <a:chOff x="6232124" y="2450236"/>
-            <a:chExt cx="4909352" cy="2752079"/>
-          </a:xfrm>
-        </p:grpSpPr>
-        <p:pic>
-          <p:nvPicPr>
-            <p:cNvPr id="5" name="圖片 4"/>
-            <p:cNvPicPr>
-              <a:picLocks noChangeAspect="1"/>
-            </p:cNvPicPr>
-            <p:nvPr/>
-          </p:nvPicPr>
-          <p:blipFill rotWithShape="1">
-            <a:blip r:embed="rId3"/>
-            <a:srcRect l="676" t="1640" r="789" b="1090"/>
-            <a:stretch/>
-          </p:blipFill>
-          <p:spPr>
-            <a:xfrm>
-              <a:off x="6232124" y="2450236"/>
-              <a:ext cx="4909352" cy="2752079"/>
-            </a:xfrm>
-            <a:prstGeom prst="rect">
-              <a:avLst/>
-            </a:prstGeom>
-          </p:spPr>
-        </p:pic>
-        <p:sp>
-          <p:nvSpPr>
-            <p:cNvPr id="8" name="矩形 7"/>
-            <p:cNvSpPr/>
-            <p:nvPr/>
-          </p:nvSpPr>
-          <p:spPr>
-            <a:xfrm>
-              <a:off x="9161755" y="2450236"/>
-              <a:ext cx="1979721" cy="648071"/>
-            </a:xfrm>
-            <a:prstGeom prst="rect">
-              <a:avLst/>
-            </a:prstGeom>
-            <a:solidFill>
-              <a:schemeClr val="tx1"/>
-            </a:solidFill>
-            <a:ln>
-              <a:noFill/>
-            </a:ln>
-          </p:spPr>
-          <p:style>
-            <a:lnRef idx="2">
-              <a:schemeClr val="accent1">
-                <a:shade val="50000"/>
-              </a:schemeClr>
-            </a:lnRef>
-            <a:fillRef idx="1">
-              <a:schemeClr val="accent1"/>
-            </a:fillRef>
-            <a:effectRef idx="0">
-              <a:schemeClr val="accent1"/>
-            </a:effectRef>
-            <a:fontRef idx="minor">
-              <a:schemeClr val="lt1"/>
-            </a:fontRef>
-          </p:style>
-          <p:txBody>
-            <a:bodyPr rtlCol="0" anchor="ctr"/>
-            <a:lstStyle/>
-            <a:p>
-              <a:pPr algn="ctr"/>
-              <a:endParaRPr lang="zh-TW" altLang="en-US"/>
-            </a:p>
-          </p:txBody>
-        </p:sp>
-      </p:grpSp>
-    </p:spTree>
-    <p:extLst>
-      <p:ext uri="{BB962C8B-B14F-4D97-AF65-F5344CB8AC3E}">
-        <p14:creationId xmlns:p14="http://schemas.microsoft.com/office/powerpoint/2010/main" val="1855521178"/>
-      </p:ext>
-    </p:extLst>
-  </p:cSld>
-  <p:clrMapOvr>
-    <a:masterClrMapping/>
-  </p:clrMapOvr>
-  <p:timing>
-    <p:tnLst>
-      <p:par>
-        <p:cTn id="1" dur="indefinite" restart="never" nodeType="tmRoot"/>
-      </p:par>
-    </p:tnLst>
-  </p:timing>
-</p:sld>
-</file>
-
-<file path=ppt/slides/slide9.xml><?xml version="1.0" encoding="utf-8"?>
-<p:sld xmlns:a="http://schemas.openxmlformats.org/drawingml/2006/main" xmlns:r="http://schemas.openxmlformats.org/officeDocument/2006/relationships" xmlns:p="http://schemas.openxmlformats.org/presentationml/2006/main">
-  <p:cSld>
-    <p:spTree>
-      <p:nvGrpSpPr>
-        <p:cNvPr id="1" name=""/>
-        <p:cNvGrpSpPr/>
-        <p:nvPr/>
-      </p:nvGrpSpPr>
-      <p:grpSpPr>
-        <a:xfrm>
-          <a:off x="0" y="0"/>
-          <a:ext cx="0" cy="0"/>
-          <a:chOff x="0" y="0"/>
-          <a:chExt cx="0" cy="0"/>
-        </a:xfrm>
-      </p:grpSpPr>
-      <p:sp>
-        <p:nvSpPr>
-          <p:cNvPr id="2" name="標題 1"/>
-          <p:cNvSpPr>
-            <a:spLocks noGrp="1"/>
-          </p:cNvSpPr>
-          <p:nvPr>
-            <p:ph type="title"/>
-          </p:nvPr>
-        </p:nvSpPr>
-        <p:spPr/>
-        <p:txBody>
-          <a:bodyPr/>
-          <a:lstStyle/>
-          <a:p>
-            <a:r>
-              <a:rPr lang="en-US" altLang="zh-TW" dirty="0" smtClean="0"/>
-              <a:t>Literal Constants</a:t>
-            </a:r>
-            <a:endParaRPr lang="zh-TW" altLang="en-US" dirty="0"/>
-          </a:p>
-        </p:txBody>
-      </p:sp>
-      <p:pic>
-        <p:nvPicPr>
-          <p:cNvPr id="4" name="圖片 3"/>
-          <p:cNvPicPr>
-            <a:picLocks noChangeAspect="1"/>
-          </p:cNvPicPr>
-          <p:nvPr/>
-        </p:nvPicPr>
-        <p:blipFill rotWithShape="1">
-          <a:blip r:embed="rId2"/>
-          <a:srcRect l="799" t="4051" r="1472" b="5701"/>
-          <a:stretch/>
-        </p:blipFill>
-        <p:spPr>
-          <a:xfrm>
-            <a:off x="838200" y="3342444"/>
-            <a:ext cx="5133610" cy="843378"/>
-          </a:xfrm>
-          <a:prstGeom prst="rect">
-            <a:avLst/>
-          </a:prstGeom>
-        </p:spPr>
-      </p:pic>
-      <p:pic>
-        <p:nvPicPr>
-          <p:cNvPr id="5" name="圖片 4"/>
-          <p:cNvPicPr>
-            <a:picLocks noChangeAspect="1"/>
-          </p:cNvPicPr>
-          <p:nvPr/>
-        </p:nvPicPr>
-        <p:blipFill rotWithShape="1">
-          <a:blip r:embed="rId3"/>
-          <a:srcRect l="586" t="5419" r="1642" b="3662"/>
-          <a:stretch/>
-        </p:blipFill>
-        <p:spPr>
-          <a:xfrm>
-            <a:off x="6320901" y="3231473"/>
-            <a:ext cx="4927108" cy="1065320"/>
-          </a:xfrm>
-          <a:prstGeom prst="rect">
-            <a:avLst/>
-          </a:prstGeom>
-        </p:spPr>
-      </p:pic>
-    </p:spTree>
-    <p:extLst>
-      <p:ext uri="{BB962C8B-B14F-4D97-AF65-F5344CB8AC3E}">
-        <p14:creationId xmlns:p14="http://schemas.microsoft.com/office/powerpoint/2010/main" val="706653630"/>
       </p:ext>
     </p:extLst>
   </p:cSld>

--- a/Code Smell.pptx
+++ b/Code Smell.pptx
@@ -5,23 +5,27 @@
     <p:sldMasterId id="2147483648" r:id="rId1"/>
   </p:sldMasterIdLst>
   <p:notesMasterIdLst>
-    <p:notesMasterId r:id="rId16"/>
+    <p:notesMasterId r:id="rId20"/>
   </p:notesMasterIdLst>
   <p:sldIdLst>
-    <p:sldId id="256" r:id="rId2"/>
-    <p:sldId id="266" r:id="rId3"/>
-    <p:sldId id="257" r:id="rId4"/>
-    <p:sldId id="258" r:id="rId5"/>
-    <p:sldId id="268" r:id="rId6"/>
-    <p:sldId id="269" r:id="rId7"/>
-    <p:sldId id="259" r:id="rId8"/>
-    <p:sldId id="270" r:id="rId9"/>
-    <p:sldId id="260" r:id="rId10"/>
-    <p:sldId id="261" r:id="rId11"/>
-    <p:sldId id="262" r:id="rId12"/>
-    <p:sldId id="263" r:id="rId13"/>
-    <p:sldId id="265" r:id="rId14"/>
-    <p:sldId id="267" r:id="rId15"/>
+    <p:sldId id="271" r:id="rId2"/>
+    <p:sldId id="272" r:id="rId3"/>
+    <p:sldId id="273" r:id="rId4"/>
+    <p:sldId id="274" r:id="rId5"/>
+    <p:sldId id="256" r:id="rId6"/>
+    <p:sldId id="266" r:id="rId7"/>
+    <p:sldId id="257" r:id="rId8"/>
+    <p:sldId id="258" r:id="rId9"/>
+    <p:sldId id="268" r:id="rId10"/>
+    <p:sldId id="269" r:id="rId11"/>
+    <p:sldId id="259" r:id="rId12"/>
+    <p:sldId id="270" r:id="rId13"/>
+    <p:sldId id="260" r:id="rId14"/>
+    <p:sldId id="261" r:id="rId15"/>
+    <p:sldId id="262" r:id="rId16"/>
+    <p:sldId id="263" r:id="rId17"/>
+    <p:sldId id="265" r:id="rId18"/>
+    <p:sldId id="267" r:id="rId19"/>
   </p:sldIdLst>
   <p:sldSz cx="12192000" cy="6858000"/>
   <p:notesSz cx="6858000" cy="9144000"/>
@@ -570,7 +574,7 @@
           <a:p>
             <a:fld id="{7AB35483-DF51-4F66-A021-057FB6E8D2BA}" type="slidenum">
               <a:rPr lang="zh-TW" altLang="en-US" smtClean="0"/>
-              <a:t>2</a:t>
+              <a:t>6</a:t>
             </a:fld>
             <a:endParaRPr lang="zh-TW" altLang="en-US"/>
           </a:p>
@@ -664,7 +668,7 @@
           <a:p>
             <a:fld id="{7AB35483-DF51-4F66-A021-057FB6E8D2BA}" type="slidenum">
               <a:rPr lang="zh-TW" altLang="en-US" smtClean="0"/>
-              <a:t>4</a:t>
+              <a:t>8</a:t>
             </a:fld>
             <a:endParaRPr lang="zh-TW" altLang="en-US"/>
           </a:p>
@@ -758,7 +762,7 @@
           <a:p>
             <a:fld id="{7AB35483-DF51-4F66-A021-057FB6E8D2BA}" type="slidenum">
               <a:rPr lang="zh-TW" altLang="en-US" smtClean="0"/>
-              <a:t>5</a:t>
+              <a:t>9</a:t>
             </a:fld>
             <a:endParaRPr lang="zh-TW" altLang="en-US"/>
           </a:p>
@@ -852,7 +856,7 @@
           <a:p>
             <a:fld id="{7AB35483-DF51-4F66-A021-057FB6E8D2BA}" type="slidenum">
               <a:rPr lang="zh-TW" altLang="en-US" smtClean="0"/>
-              <a:t>6</a:t>
+              <a:t>10</a:t>
             </a:fld>
             <a:endParaRPr lang="zh-TW" altLang="en-US"/>
           </a:p>
@@ -936,7 +940,7 @@
           <a:p>
             <a:fld id="{7AB35483-DF51-4F66-A021-057FB6E8D2BA}" type="slidenum">
               <a:rPr lang="zh-TW" altLang="en-US" smtClean="0"/>
-              <a:t>7</a:t>
+              <a:t>11</a:t>
             </a:fld>
             <a:endParaRPr lang="zh-TW" altLang="en-US"/>
           </a:p>
@@ -1024,7 +1028,7 @@
           <a:p>
             <a:fld id="{7AB35483-DF51-4F66-A021-057FB6E8D2BA}" type="slidenum">
               <a:rPr lang="zh-TW" altLang="en-US" smtClean="0"/>
-              <a:t>9</a:t>
+              <a:t>13</a:t>
             </a:fld>
             <a:endParaRPr lang="zh-TW" altLang="en-US"/>
           </a:p>
@@ -3953,36 +3957,25 @@
           <a:lstStyle/>
           <a:p>
             <a:r>
-              <a:rPr lang="en-US" altLang="zh-TW" sz="8000" dirty="0" smtClean="0"/>
-              <a:t>Code Smell</a:t>
-            </a:r>
-            <a:endParaRPr lang="zh-TW" altLang="en-US" sz="8000" dirty="0"/>
-          </a:p>
-        </p:txBody>
-      </p:sp>
-      <p:sp>
-        <p:nvSpPr>
-          <p:cNvPr id="3" name="副標題 2"/>
-          <p:cNvSpPr>
-            <a:spLocks noGrp="1"/>
-          </p:cNvSpPr>
-          <p:nvPr>
-            <p:ph type="subTitle" idx="1"/>
-          </p:nvPr>
-        </p:nvSpPr>
-        <p:spPr/>
-        <p:txBody>
-          <a:bodyPr/>
-          <a:lstStyle/>
-          <a:p>
-            <a:endParaRPr lang="zh-TW" altLang="en-US"/>
+              <a:rPr lang="en-US" altLang="zh-TW" sz="8000" dirty="0" smtClean="0">
+                <a:solidFill>
+                  <a:srgbClr val="52F2EA"/>
+                </a:solidFill>
+              </a:rPr>
+              <a:t>Coding Standard</a:t>
+            </a:r>
+            <a:endParaRPr lang="zh-TW" altLang="en-US" sz="8000" dirty="0">
+              <a:solidFill>
+                <a:srgbClr val="52F2EA"/>
+              </a:solidFill>
+            </a:endParaRPr>
           </a:p>
         </p:txBody>
       </p:sp>
     </p:spTree>
     <p:extLst>
       <p:ext uri="{BB962C8B-B14F-4D97-AF65-F5344CB8AC3E}">
-        <p14:creationId xmlns:p14="http://schemas.microsoft.com/office/powerpoint/2010/main" val="3749562674"/>
+        <p14:creationId xmlns:p14="http://schemas.microsoft.com/office/powerpoint/2010/main" val="2373748662"/>
       </p:ext>
     </p:extLst>
   </p:cSld>
@@ -4000,6 +3993,500 @@
 </file>
 
 <file path=ppt/slides/slide10.xml><?xml version="1.0" encoding="utf-8"?>
+<p:sld xmlns:a="http://schemas.openxmlformats.org/drawingml/2006/main" xmlns:r="http://schemas.openxmlformats.org/officeDocument/2006/relationships" xmlns:p="http://schemas.openxmlformats.org/presentationml/2006/main">
+  <p:cSld>
+    <p:spTree>
+      <p:nvGrpSpPr>
+        <p:cNvPr id="1" name=""/>
+        <p:cNvGrpSpPr/>
+        <p:nvPr/>
+      </p:nvGrpSpPr>
+      <p:grpSpPr>
+        <a:xfrm>
+          <a:off x="0" y="0"/>
+          <a:ext cx="0" cy="0"/>
+          <a:chOff x="0" y="0"/>
+          <a:chExt cx="0" cy="0"/>
+        </a:xfrm>
+      </p:grpSpPr>
+      <p:sp>
+        <p:nvSpPr>
+          <p:cNvPr id="2" name="標題 1"/>
+          <p:cNvSpPr>
+            <a:spLocks noGrp="1"/>
+          </p:cNvSpPr>
+          <p:nvPr>
+            <p:ph type="title"/>
+          </p:nvPr>
+        </p:nvSpPr>
+        <p:spPr/>
+        <p:txBody>
+          <a:bodyPr/>
+          <a:lstStyle/>
+          <a:p>
+            <a:r>
+              <a:rPr lang="en-US" altLang="zh-TW" dirty="0" smtClean="0"/>
+              <a:t>Long Method</a:t>
+            </a:r>
+            <a:endParaRPr lang="zh-TW" altLang="en-US" dirty="0"/>
+          </a:p>
+        </p:txBody>
+      </p:sp>
+      <p:pic>
+        <p:nvPicPr>
+          <p:cNvPr id="3" name="圖片 2"/>
+          <p:cNvPicPr>
+            <a:picLocks noChangeAspect="1"/>
+          </p:cNvPicPr>
+          <p:nvPr/>
+        </p:nvPicPr>
+        <p:blipFill>
+          <a:blip r:embed="rId3"/>
+          <a:stretch>
+            <a:fillRect/>
+          </a:stretch>
+        </p:blipFill>
+        <p:spPr>
+          <a:xfrm>
+            <a:off x="384182" y="1323784"/>
+            <a:ext cx="10214791" cy="5385737"/>
+          </a:xfrm>
+          <a:prstGeom prst="rect">
+            <a:avLst/>
+          </a:prstGeom>
+        </p:spPr>
+      </p:pic>
+      <p:pic>
+        <p:nvPicPr>
+          <p:cNvPr id="5" name="圖片 4"/>
+          <p:cNvPicPr>
+            <a:picLocks noChangeAspect="1"/>
+          </p:cNvPicPr>
+          <p:nvPr/>
+        </p:nvPicPr>
+        <p:blipFill>
+          <a:blip r:embed="rId4"/>
+          <a:stretch>
+            <a:fillRect/>
+          </a:stretch>
+        </p:blipFill>
+        <p:spPr>
+          <a:xfrm>
+            <a:off x="5189410" y="1323784"/>
+            <a:ext cx="6789230" cy="2809875"/>
+          </a:xfrm>
+          <a:prstGeom prst="rect">
+            <a:avLst/>
+          </a:prstGeom>
+        </p:spPr>
+      </p:pic>
+    </p:spTree>
+    <p:extLst>
+      <p:ext uri="{BB962C8B-B14F-4D97-AF65-F5344CB8AC3E}">
+        <p14:creationId xmlns:p14="http://schemas.microsoft.com/office/powerpoint/2010/main" val="2431679402"/>
+      </p:ext>
+    </p:extLst>
+  </p:cSld>
+  <p:clrMapOvr>
+    <a:masterClrMapping/>
+  </p:clrMapOvr>
+  <p:timing>
+    <p:tnLst>
+      <p:par>
+        <p:cTn id="1" dur="indefinite" restart="never" nodeType="tmRoot"/>
+      </p:par>
+    </p:tnLst>
+  </p:timing>
+</p:sld>
+</file>
+
+<file path=ppt/slides/slide11.xml><?xml version="1.0" encoding="utf-8"?>
+<p:sld xmlns:a="http://schemas.openxmlformats.org/drawingml/2006/main" xmlns:r="http://schemas.openxmlformats.org/officeDocument/2006/relationships" xmlns:p="http://schemas.openxmlformats.org/presentationml/2006/main">
+  <p:cSld>
+    <p:spTree>
+      <p:nvGrpSpPr>
+        <p:cNvPr id="1" name=""/>
+        <p:cNvGrpSpPr/>
+        <p:nvPr/>
+      </p:nvGrpSpPr>
+      <p:grpSpPr>
+        <a:xfrm>
+          <a:off x="0" y="0"/>
+          <a:ext cx="0" cy="0"/>
+          <a:chOff x="0" y="0"/>
+          <a:chExt cx="0" cy="0"/>
+        </a:xfrm>
+      </p:grpSpPr>
+      <p:sp>
+        <p:nvSpPr>
+          <p:cNvPr id="2" name="標題 1"/>
+          <p:cNvSpPr>
+            <a:spLocks noGrp="1"/>
+          </p:cNvSpPr>
+          <p:nvPr>
+            <p:ph type="title"/>
+          </p:nvPr>
+        </p:nvSpPr>
+        <p:spPr/>
+        <p:txBody>
+          <a:bodyPr/>
+          <a:lstStyle/>
+          <a:p>
+            <a:r>
+              <a:rPr lang="en-US" altLang="zh-TW" dirty="0" smtClean="0"/>
+              <a:t>Large Class</a:t>
+            </a:r>
+            <a:endParaRPr lang="zh-TW" altLang="en-US" dirty="0"/>
+          </a:p>
+        </p:txBody>
+      </p:sp>
+      <p:sp>
+        <p:nvSpPr>
+          <p:cNvPr id="3" name="內容版面配置區 2"/>
+          <p:cNvSpPr>
+            <a:spLocks noGrp="1"/>
+          </p:cNvSpPr>
+          <p:nvPr>
+            <p:ph idx="1"/>
+          </p:nvPr>
+        </p:nvSpPr>
+        <p:spPr/>
+        <p:txBody>
+          <a:bodyPr/>
+          <a:lstStyle/>
+          <a:p>
+            <a:endParaRPr lang="zh-TW" altLang="en-US"/>
+          </a:p>
+        </p:txBody>
+      </p:sp>
+      <p:pic>
+        <p:nvPicPr>
+          <p:cNvPr id="4" name="圖片 3"/>
+          <p:cNvPicPr>
+            <a:picLocks noChangeAspect="1"/>
+          </p:cNvPicPr>
+          <p:nvPr/>
+        </p:nvPicPr>
+        <p:blipFill rotWithShape="1">
+          <a:blip r:embed="rId3"/>
+          <a:srcRect l="1166" t="1587" r="1391" b="1124"/>
+          <a:stretch/>
+        </p:blipFill>
+        <p:spPr>
+          <a:xfrm>
+            <a:off x="896645" y="1890944"/>
+            <a:ext cx="4882718" cy="4003830"/>
+          </a:xfrm>
+          <a:prstGeom prst="rect">
+            <a:avLst/>
+          </a:prstGeom>
+        </p:spPr>
+      </p:pic>
+      <p:pic>
+        <p:nvPicPr>
+          <p:cNvPr id="5" name="圖片 4"/>
+          <p:cNvPicPr>
+            <a:picLocks noChangeAspect="1"/>
+          </p:cNvPicPr>
+          <p:nvPr/>
+        </p:nvPicPr>
+        <p:blipFill rotWithShape="1">
+          <a:blip r:embed="rId4"/>
+          <a:srcRect l="1174" t="861" r="1999" b="735"/>
+          <a:stretch/>
+        </p:blipFill>
+        <p:spPr>
+          <a:xfrm>
+            <a:off x="6702640" y="1731146"/>
+            <a:ext cx="3959442" cy="4323426"/>
+          </a:xfrm>
+          <a:prstGeom prst="rect">
+            <a:avLst/>
+          </a:prstGeom>
+        </p:spPr>
+      </p:pic>
+    </p:spTree>
+    <p:extLst>
+      <p:ext uri="{BB962C8B-B14F-4D97-AF65-F5344CB8AC3E}">
+        <p14:creationId xmlns:p14="http://schemas.microsoft.com/office/powerpoint/2010/main" val="3218187690"/>
+      </p:ext>
+    </p:extLst>
+  </p:cSld>
+  <p:clrMapOvr>
+    <a:masterClrMapping/>
+  </p:clrMapOvr>
+  <p:timing>
+    <p:tnLst>
+      <p:par>
+        <p:cTn id="1" dur="indefinite" restart="never" nodeType="tmRoot"/>
+      </p:par>
+    </p:tnLst>
+  </p:timing>
+</p:sld>
+</file>
+
+<file path=ppt/slides/slide12.xml><?xml version="1.0" encoding="utf-8"?>
+<p:sld xmlns:a="http://schemas.openxmlformats.org/drawingml/2006/main" xmlns:r="http://schemas.openxmlformats.org/officeDocument/2006/relationships" xmlns:p="http://schemas.openxmlformats.org/presentationml/2006/main" show="0">
+  <p:cSld>
+    <p:spTree>
+      <p:nvGrpSpPr>
+        <p:cNvPr id="1" name=""/>
+        <p:cNvGrpSpPr/>
+        <p:nvPr/>
+      </p:nvGrpSpPr>
+      <p:grpSpPr>
+        <a:xfrm>
+          <a:off x="0" y="0"/>
+          <a:ext cx="0" cy="0"/>
+          <a:chOff x="0" y="0"/>
+          <a:chExt cx="0" cy="0"/>
+        </a:xfrm>
+      </p:grpSpPr>
+      <p:pic>
+        <p:nvPicPr>
+          <p:cNvPr id="9" name="圖片 8"/>
+          <p:cNvPicPr>
+            <a:picLocks noChangeAspect="1"/>
+          </p:cNvPicPr>
+          <p:nvPr/>
+        </p:nvPicPr>
+        <p:blipFill>
+          <a:blip r:embed="rId2">
+            <a:extLst>
+              <a:ext uri="{28A0092B-C50C-407E-A947-70E740481C1C}">
+                <a14:useLocalDpi xmlns:a14="http://schemas.microsoft.com/office/drawing/2010/main" val="0"/>
+              </a:ext>
+            </a:extLst>
+          </a:blip>
+          <a:stretch>
+            <a:fillRect/>
+          </a:stretch>
+        </p:blipFill>
+        <p:spPr>
+          <a:xfrm>
+            <a:off x="2366387" y="1604388"/>
+            <a:ext cx="7620000" cy="3810000"/>
+          </a:xfrm>
+          <a:prstGeom prst="rect">
+            <a:avLst/>
+          </a:prstGeom>
+        </p:spPr>
+      </p:pic>
+    </p:spTree>
+    <p:extLst>
+      <p:ext uri="{BB962C8B-B14F-4D97-AF65-F5344CB8AC3E}">
+        <p14:creationId xmlns:p14="http://schemas.microsoft.com/office/powerpoint/2010/main" val="4019935976"/>
+      </p:ext>
+    </p:extLst>
+  </p:cSld>
+  <p:clrMapOvr>
+    <a:masterClrMapping/>
+  </p:clrMapOvr>
+  <mc:AlternateContent xmlns:mc="http://schemas.openxmlformats.org/markup-compatibility/2006" xmlns:p14="http://schemas.microsoft.com/office/powerpoint/2010/main">
+    <mc:Choice Requires="p14">
+      <p:transition spd="slow" p14:dur="2000"/>
+    </mc:Choice>
+    <mc:Fallback xmlns="">
+      <p:transition spd="slow"/>
+    </mc:Fallback>
+  </mc:AlternateContent>
+  <p:timing>
+    <p:tnLst>
+      <p:par>
+        <p:cTn id="1" dur="indefinite" restart="never" nodeType="tmRoot"/>
+      </p:par>
+    </p:tnLst>
+  </p:timing>
+</p:sld>
+</file>
+
+<file path=ppt/slides/slide13.xml><?xml version="1.0" encoding="utf-8"?>
+<p:sld xmlns:a="http://schemas.openxmlformats.org/drawingml/2006/main" xmlns:r="http://schemas.openxmlformats.org/officeDocument/2006/relationships" xmlns:p="http://schemas.openxmlformats.org/presentationml/2006/main">
+  <p:cSld>
+    <p:spTree>
+      <p:nvGrpSpPr>
+        <p:cNvPr id="1" name=""/>
+        <p:cNvGrpSpPr/>
+        <p:nvPr/>
+      </p:nvGrpSpPr>
+      <p:grpSpPr>
+        <a:xfrm>
+          <a:off x="0" y="0"/>
+          <a:ext cx="0" cy="0"/>
+          <a:chOff x="0" y="0"/>
+          <a:chExt cx="0" cy="0"/>
+        </a:xfrm>
+      </p:grpSpPr>
+      <p:sp>
+        <p:nvSpPr>
+          <p:cNvPr id="2" name="標題 1"/>
+          <p:cNvSpPr>
+            <a:spLocks noGrp="1"/>
+          </p:cNvSpPr>
+          <p:nvPr>
+            <p:ph type="title"/>
+          </p:nvPr>
+        </p:nvSpPr>
+        <p:spPr/>
+        <p:txBody>
+          <a:bodyPr/>
+          <a:lstStyle/>
+          <a:p>
+            <a:r>
+              <a:rPr lang="en-US" altLang="zh-TW" dirty="0" smtClean="0"/>
+              <a:t>Long Parameter List(Data Clumps)</a:t>
+            </a:r>
+            <a:endParaRPr lang="zh-TW" altLang="en-US" dirty="0"/>
+          </a:p>
+        </p:txBody>
+      </p:sp>
+      <p:sp>
+        <p:nvSpPr>
+          <p:cNvPr id="3" name="內容版面配置區 2"/>
+          <p:cNvSpPr>
+            <a:spLocks noGrp="1"/>
+          </p:cNvSpPr>
+          <p:nvPr>
+            <p:ph idx="1"/>
+          </p:nvPr>
+        </p:nvSpPr>
+        <p:spPr/>
+        <p:txBody>
+          <a:bodyPr/>
+          <a:lstStyle/>
+          <a:p>
+            <a:endParaRPr lang="zh-TW" altLang="en-US" dirty="0"/>
+          </a:p>
+        </p:txBody>
+      </p:sp>
+      <p:pic>
+        <p:nvPicPr>
+          <p:cNvPr id="4" name="圖片 3"/>
+          <p:cNvPicPr>
+            <a:picLocks noChangeAspect="1"/>
+          </p:cNvPicPr>
+          <p:nvPr/>
+        </p:nvPicPr>
+        <p:blipFill rotWithShape="1">
+          <a:blip r:embed="rId3"/>
+          <a:srcRect l="711" t="1307" r="1" b="443"/>
+          <a:stretch/>
+        </p:blipFill>
+        <p:spPr>
+          <a:xfrm>
+            <a:off x="852256" y="2246050"/>
+            <a:ext cx="4958688" cy="3275861"/>
+          </a:xfrm>
+          <a:prstGeom prst="rect">
+            <a:avLst/>
+          </a:prstGeom>
+        </p:spPr>
+      </p:pic>
+      <p:grpSp>
+        <p:nvGrpSpPr>
+          <p:cNvPr id="7" name="群組 6"/>
+          <p:cNvGrpSpPr/>
+          <p:nvPr/>
+        </p:nvGrpSpPr>
+        <p:grpSpPr>
+          <a:xfrm>
+            <a:off x="6373427" y="2760955"/>
+            <a:ext cx="4882719" cy="2246050"/>
+            <a:chOff x="6418555" y="2743200"/>
+            <a:chExt cx="4882719" cy="2246050"/>
+          </a:xfrm>
+        </p:grpSpPr>
+        <p:pic>
+          <p:nvPicPr>
+            <p:cNvPr id="5" name="圖片 4"/>
+            <p:cNvPicPr>
+              <a:picLocks noChangeAspect="1"/>
+            </p:cNvPicPr>
+            <p:nvPr/>
+          </p:nvPicPr>
+          <p:blipFill rotWithShape="1">
+            <a:blip r:embed="rId4"/>
+            <a:srcRect l="1320" t="1936" r="1051" b="2222"/>
+            <a:stretch/>
+          </p:blipFill>
+          <p:spPr>
+            <a:xfrm>
+              <a:off x="6418555" y="2743200"/>
+              <a:ext cx="4882719" cy="2246050"/>
+            </a:xfrm>
+            <a:prstGeom prst="rect">
+              <a:avLst/>
+            </a:prstGeom>
+          </p:spPr>
+        </p:pic>
+        <p:sp>
+          <p:nvSpPr>
+            <p:cNvPr id="6" name="矩形 5"/>
+            <p:cNvSpPr/>
+            <p:nvPr/>
+          </p:nvSpPr>
+          <p:spPr>
+            <a:xfrm>
+              <a:off x="9171373" y="3506679"/>
+              <a:ext cx="2129901" cy="1482571"/>
+            </a:xfrm>
+            <a:prstGeom prst="rect">
+              <a:avLst/>
+            </a:prstGeom>
+            <a:solidFill>
+              <a:schemeClr val="tx1"/>
+            </a:solidFill>
+            <a:ln>
+              <a:noFill/>
+            </a:ln>
+          </p:spPr>
+          <p:style>
+            <a:lnRef idx="2">
+              <a:schemeClr val="accent1">
+                <a:shade val="50000"/>
+              </a:schemeClr>
+            </a:lnRef>
+            <a:fillRef idx="1">
+              <a:schemeClr val="accent1"/>
+            </a:fillRef>
+            <a:effectRef idx="0">
+              <a:schemeClr val="accent1"/>
+            </a:effectRef>
+            <a:fontRef idx="minor">
+              <a:schemeClr val="lt1"/>
+            </a:fontRef>
+          </p:style>
+          <p:txBody>
+            <a:bodyPr rtlCol="0" anchor="ctr"/>
+            <a:lstStyle/>
+            <a:p>
+              <a:pPr algn="ctr"/>
+              <a:endParaRPr lang="zh-TW" altLang="en-US"/>
+            </a:p>
+          </p:txBody>
+        </p:sp>
+      </p:grpSp>
+    </p:spTree>
+    <p:extLst>
+      <p:ext uri="{BB962C8B-B14F-4D97-AF65-F5344CB8AC3E}">
+        <p14:creationId xmlns:p14="http://schemas.microsoft.com/office/powerpoint/2010/main" val="3100645136"/>
+      </p:ext>
+    </p:extLst>
+  </p:cSld>
+  <p:clrMapOvr>
+    <a:masterClrMapping/>
+  </p:clrMapOvr>
+  <p:timing>
+    <p:tnLst>
+      <p:par>
+        <p:cTn id="1" dur="indefinite" restart="never" nodeType="tmRoot"/>
+      </p:par>
+    </p:tnLst>
+  </p:timing>
+</p:sld>
+</file>
+
+<file path=ppt/slides/slide14.xml><?xml version="1.0" encoding="utf-8"?>
 <p:sld xmlns:a="http://schemas.openxmlformats.org/drawingml/2006/main" xmlns:r="http://schemas.openxmlformats.org/officeDocument/2006/relationships" xmlns:p="http://schemas.openxmlformats.org/presentationml/2006/main">
   <p:cSld>
     <p:spTree>
@@ -4185,7 +4672,7 @@
 </p:sld>
 </file>
 
-<file path=ppt/slides/slide11.xml><?xml version="1.0" encoding="utf-8"?>
+<file path=ppt/slides/slide15.xml><?xml version="1.0" encoding="utf-8"?>
 <p:sld xmlns:a="http://schemas.openxmlformats.org/drawingml/2006/main" xmlns:r="http://schemas.openxmlformats.org/officeDocument/2006/relationships" xmlns:p="http://schemas.openxmlformats.org/presentationml/2006/main">
   <p:cSld>
     <p:spTree>
@@ -4376,7 +4863,7 @@
 </p:sld>
 </file>
 
-<file path=ppt/slides/slide12.xml><?xml version="1.0" encoding="utf-8"?>
+<file path=ppt/slides/slide16.xml><?xml version="1.0" encoding="utf-8"?>
 <p:sld xmlns:a="http://schemas.openxmlformats.org/drawingml/2006/main" xmlns:r="http://schemas.openxmlformats.org/officeDocument/2006/relationships" xmlns:p="http://schemas.openxmlformats.org/presentationml/2006/main">
   <p:cSld>
     <p:spTree>
@@ -4482,7 +4969,7 @@
 </p:sld>
 </file>
 
-<file path=ppt/slides/slide13.xml><?xml version="1.0" encoding="utf-8"?>
+<file path=ppt/slides/slide17.xml><?xml version="1.0" encoding="utf-8"?>
 <p:sld xmlns:a="http://schemas.openxmlformats.org/drawingml/2006/main" xmlns:r="http://schemas.openxmlformats.org/officeDocument/2006/relationships" xmlns:p="http://schemas.openxmlformats.org/presentationml/2006/main">
   <p:cSld>
     <p:spTree>
@@ -4649,7 +5136,7 @@
 </p:sld>
 </file>
 
-<file path=ppt/slides/slide14.xml><?xml version="1.0" encoding="utf-8"?>
+<file path=ppt/slides/slide18.xml><?xml version="1.0" encoding="utf-8"?>
 <p:sld xmlns:a="http://schemas.openxmlformats.org/drawingml/2006/main" xmlns:r="http://schemas.openxmlformats.org/officeDocument/2006/relationships" xmlns:p="http://schemas.openxmlformats.org/presentationml/2006/main">
   <p:cSld>
     <p:spTree>
@@ -5597,6 +6084,968 @@
       </p:grpSpPr>
       <p:sp>
         <p:nvSpPr>
+          <p:cNvPr id="2" name="標題 1"/>
+          <p:cNvSpPr>
+            <a:spLocks noGrp="1"/>
+          </p:cNvSpPr>
+          <p:nvPr>
+            <p:ph type="title"/>
+          </p:nvPr>
+        </p:nvSpPr>
+        <p:spPr/>
+        <p:txBody>
+          <a:bodyPr/>
+          <a:lstStyle/>
+          <a:p>
+            <a:r>
+              <a:rPr lang="zh-TW" altLang="en-US" dirty="0" smtClean="0">
+                <a:latin typeface="微軟正黑體" panose="020B0604030504040204" pitchFamily="34" charset="-120"/>
+                <a:ea typeface="微軟正黑體" panose="020B0604030504040204" pitchFamily="34" charset="-120"/>
+              </a:rPr>
+              <a:t>檔案</a:t>
+            </a:r>
+            <a:endParaRPr lang="zh-TW" altLang="en-US" dirty="0">
+              <a:latin typeface="微軟正黑體" panose="020B0604030504040204" pitchFamily="34" charset="-120"/>
+              <a:ea typeface="微軟正黑體" panose="020B0604030504040204" pitchFamily="34" charset="-120"/>
+            </a:endParaRPr>
+          </a:p>
+        </p:txBody>
+      </p:sp>
+      <p:sp>
+        <p:nvSpPr>
+          <p:cNvPr id="3" name="內容版面配置區 2"/>
+          <p:cNvSpPr>
+            <a:spLocks noGrp="1"/>
+          </p:cNvSpPr>
+          <p:nvPr>
+            <p:ph idx="1"/>
+          </p:nvPr>
+        </p:nvSpPr>
+        <p:spPr/>
+        <p:txBody>
+          <a:bodyPr/>
+          <a:lstStyle/>
+          <a:p>
+            <a:r>
+              <a:rPr lang="zh-TW" altLang="en-US" dirty="0" smtClean="0">
+                <a:latin typeface="微軟正黑體" panose="020B0604030504040204" pitchFamily="34" charset="-120"/>
+                <a:ea typeface="微軟正黑體" panose="020B0604030504040204" pitchFamily="34" charset="-120"/>
+              </a:rPr>
+              <a:t>一個檔案一個類別</a:t>
+            </a:r>
+            <a:endParaRPr lang="en-US" altLang="zh-TW" dirty="0" smtClean="0">
+              <a:latin typeface="微軟正黑體" panose="020B0604030504040204" pitchFamily="34" charset="-120"/>
+              <a:ea typeface="微軟正黑體" panose="020B0604030504040204" pitchFamily="34" charset="-120"/>
+            </a:endParaRPr>
+          </a:p>
+          <a:p>
+            <a:pPr lvl="1"/>
+            <a:r>
+              <a:rPr lang="en-US" altLang="zh-TW" dirty="0" smtClean="0">
+                <a:latin typeface="微軟正黑體" panose="020B0604030504040204" pitchFamily="34" charset="-120"/>
+                <a:ea typeface="微軟正黑體" panose="020B0604030504040204" pitchFamily="34" charset="-120"/>
+              </a:rPr>
+              <a:t>Header </a:t>
+            </a:r>
+            <a:r>
+              <a:rPr lang="en-US" altLang="zh-TW" dirty="0">
+                <a:latin typeface="微軟正黑體" panose="020B0604030504040204" pitchFamily="34" charset="-120"/>
+                <a:ea typeface="微軟正黑體" panose="020B0604030504040204" pitchFamily="34" charset="-120"/>
+              </a:rPr>
+              <a:t>file</a:t>
+            </a:r>
+            <a:r>
+              <a:rPr lang="zh-TW" altLang="en-US" dirty="0">
+                <a:latin typeface="微軟正黑體" panose="020B0604030504040204" pitchFamily="34" charset="-120"/>
+                <a:ea typeface="微軟正黑體" panose="020B0604030504040204" pitchFamily="34" charset="-120"/>
+              </a:rPr>
+              <a:t>，副檔名一律使用</a:t>
+            </a:r>
+            <a:r>
+              <a:rPr lang="en-US" altLang="zh-TW" dirty="0">
+                <a:latin typeface="微軟正黑體" panose="020B0604030504040204" pitchFamily="34" charset="-120"/>
+                <a:ea typeface="微軟正黑體" panose="020B0604030504040204" pitchFamily="34" charset="-120"/>
+              </a:rPr>
+              <a:t>.h (</a:t>
+            </a:r>
+            <a:r>
+              <a:rPr lang="zh-TW" altLang="en-US" dirty="0">
+                <a:latin typeface="微軟正黑體" panose="020B0604030504040204" pitchFamily="34" charset="-120"/>
+                <a:ea typeface="微軟正黑體" panose="020B0604030504040204" pitchFamily="34" charset="-120"/>
+              </a:rPr>
+              <a:t>例如</a:t>
+            </a:r>
+            <a:r>
+              <a:rPr lang="zh-TW" altLang="en-US" dirty="0" smtClean="0">
+                <a:latin typeface="微軟正黑體" panose="020B0604030504040204" pitchFamily="34" charset="-120"/>
+                <a:ea typeface="微軟正黑體" panose="020B0604030504040204" pitchFamily="34" charset="-120"/>
+              </a:rPr>
+              <a:t>：</a:t>
+            </a:r>
+            <a:r>
+              <a:rPr lang="en-US" altLang="zh-TW" dirty="0" err="1" smtClean="0">
+                <a:latin typeface="微軟正黑體" panose="020B0604030504040204" pitchFamily="34" charset="-120"/>
+                <a:ea typeface="微軟正黑體" panose="020B0604030504040204" pitchFamily="34" charset="-120"/>
+              </a:rPr>
+              <a:t>socket.h</a:t>
+            </a:r>
+            <a:r>
+              <a:rPr lang="en-US" altLang="zh-TW" dirty="0">
+                <a:latin typeface="微軟正黑體" panose="020B0604030504040204" pitchFamily="34" charset="-120"/>
+                <a:ea typeface="微軟正黑體" panose="020B0604030504040204" pitchFamily="34" charset="-120"/>
+              </a:rPr>
+              <a:t>)</a:t>
+            </a:r>
+            <a:r>
+              <a:rPr lang="zh-TW" altLang="en-US" dirty="0">
+                <a:latin typeface="微軟正黑體" panose="020B0604030504040204" pitchFamily="34" charset="-120"/>
+                <a:ea typeface="微軟正黑體" panose="020B0604030504040204" pitchFamily="34" charset="-120"/>
+              </a:rPr>
+              <a:t>。 </a:t>
+            </a:r>
+            <a:endParaRPr lang="en-US" altLang="zh-TW" dirty="0" smtClean="0">
+              <a:latin typeface="微軟正黑體" panose="020B0604030504040204" pitchFamily="34" charset="-120"/>
+              <a:ea typeface="微軟正黑體" panose="020B0604030504040204" pitchFamily="34" charset="-120"/>
+            </a:endParaRPr>
+          </a:p>
+          <a:p>
+            <a:pPr lvl="1"/>
+            <a:r>
+              <a:rPr lang="en-US" altLang="zh-TW" dirty="0" smtClean="0">
+                <a:latin typeface="微軟正黑體" panose="020B0604030504040204" pitchFamily="34" charset="-120"/>
+                <a:ea typeface="微軟正黑體" panose="020B0604030504040204" pitchFamily="34" charset="-120"/>
+              </a:rPr>
+              <a:t>Source </a:t>
+            </a:r>
+            <a:r>
+              <a:rPr lang="en-US" altLang="zh-TW" dirty="0">
+                <a:latin typeface="微軟正黑體" panose="020B0604030504040204" pitchFamily="34" charset="-120"/>
+                <a:ea typeface="微軟正黑體" panose="020B0604030504040204" pitchFamily="34" charset="-120"/>
+              </a:rPr>
+              <a:t>file</a:t>
+            </a:r>
+            <a:r>
+              <a:rPr lang="zh-TW" altLang="en-US" dirty="0">
+                <a:latin typeface="微軟正黑體" panose="020B0604030504040204" pitchFamily="34" charset="-120"/>
+                <a:ea typeface="微軟正黑體" panose="020B0604030504040204" pitchFamily="34" charset="-120"/>
+              </a:rPr>
+              <a:t>，副檔名一律使用</a:t>
+            </a:r>
+            <a:r>
+              <a:rPr lang="en-US" altLang="zh-TW" dirty="0">
+                <a:latin typeface="微軟正黑體" panose="020B0604030504040204" pitchFamily="34" charset="-120"/>
+                <a:ea typeface="微軟正黑體" panose="020B0604030504040204" pitchFamily="34" charset="-120"/>
+              </a:rPr>
+              <a:t>.</a:t>
+            </a:r>
+            <a:r>
+              <a:rPr lang="en-US" altLang="zh-TW" dirty="0" err="1">
+                <a:latin typeface="微軟正黑體" panose="020B0604030504040204" pitchFamily="34" charset="-120"/>
+                <a:ea typeface="微軟正黑體" panose="020B0604030504040204" pitchFamily="34" charset="-120"/>
+              </a:rPr>
+              <a:t>cpp</a:t>
+            </a:r>
+            <a:r>
+              <a:rPr lang="en-US" altLang="zh-TW" dirty="0">
+                <a:latin typeface="微軟正黑體" panose="020B0604030504040204" pitchFamily="34" charset="-120"/>
+                <a:ea typeface="微軟正黑體" panose="020B0604030504040204" pitchFamily="34" charset="-120"/>
+              </a:rPr>
+              <a:t> (</a:t>
+            </a:r>
+            <a:r>
+              <a:rPr lang="zh-TW" altLang="en-US" dirty="0">
+                <a:latin typeface="微軟正黑體" panose="020B0604030504040204" pitchFamily="34" charset="-120"/>
+                <a:ea typeface="微軟正黑體" panose="020B0604030504040204" pitchFamily="34" charset="-120"/>
+              </a:rPr>
+              <a:t>例如</a:t>
+            </a:r>
+            <a:r>
+              <a:rPr lang="zh-TW" altLang="en-US" dirty="0" smtClean="0">
+                <a:latin typeface="微軟正黑體" panose="020B0604030504040204" pitchFamily="34" charset="-120"/>
+                <a:ea typeface="微軟正黑體" panose="020B0604030504040204" pitchFamily="34" charset="-120"/>
+              </a:rPr>
+              <a:t>：</a:t>
+            </a:r>
+            <a:r>
+              <a:rPr lang="en-US" altLang="zh-TW" dirty="0" smtClean="0">
+                <a:latin typeface="微軟正黑體" panose="020B0604030504040204" pitchFamily="34" charset="-120"/>
+                <a:ea typeface="微軟正黑體" panose="020B0604030504040204" pitchFamily="34" charset="-120"/>
+              </a:rPr>
+              <a:t>socket.cpp)</a:t>
+            </a:r>
+            <a:r>
+              <a:rPr lang="zh-TW" altLang="en-US" dirty="0" smtClean="0">
+                <a:latin typeface="微軟正黑體" panose="020B0604030504040204" pitchFamily="34" charset="-120"/>
+                <a:ea typeface="微軟正黑體" panose="020B0604030504040204" pitchFamily="34" charset="-120"/>
+              </a:rPr>
+              <a:t>。 </a:t>
+            </a:r>
+            <a:endParaRPr lang="en-US" altLang="zh-TW" dirty="0" smtClean="0">
+              <a:latin typeface="微軟正黑體" panose="020B0604030504040204" pitchFamily="34" charset="-120"/>
+              <a:ea typeface="微軟正黑體" panose="020B0604030504040204" pitchFamily="34" charset="-120"/>
+            </a:endParaRPr>
+          </a:p>
+          <a:p>
+            <a:endParaRPr lang="en-US" altLang="zh-TW" dirty="0"/>
+          </a:p>
+          <a:p>
+            <a:endParaRPr lang="zh-TW" altLang="en-US" dirty="0"/>
+          </a:p>
+        </p:txBody>
+      </p:sp>
+    </p:spTree>
+    <p:extLst>
+      <p:ext uri="{BB962C8B-B14F-4D97-AF65-F5344CB8AC3E}">
+        <p14:creationId xmlns:p14="http://schemas.microsoft.com/office/powerpoint/2010/main" val="3795282892"/>
+      </p:ext>
+    </p:extLst>
+  </p:cSld>
+  <p:clrMapOvr>
+    <a:masterClrMapping/>
+  </p:clrMapOvr>
+  <p:timing>
+    <p:tnLst>
+      <p:par>
+        <p:cTn id="1" dur="indefinite" restart="never" nodeType="tmRoot"/>
+      </p:par>
+    </p:tnLst>
+  </p:timing>
+</p:sld>
+</file>
+
+<file path=ppt/slides/slide3.xml><?xml version="1.0" encoding="utf-8"?>
+<p:sld xmlns:a="http://schemas.openxmlformats.org/drawingml/2006/main" xmlns:r="http://schemas.openxmlformats.org/officeDocument/2006/relationships" xmlns:p="http://schemas.openxmlformats.org/presentationml/2006/main">
+  <p:cSld>
+    <p:spTree>
+      <p:nvGrpSpPr>
+        <p:cNvPr id="1" name=""/>
+        <p:cNvGrpSpPr/>
+        <p:nvPr/>
+      </p:nvGrpSpPr>
+      <p:grpSpPr>
+        <a:xfrm>
+          <a:off x="0" y="0"/>
+          <a:ext cx="0" cy="0"/>
+          <a:chOff x="0" y="0"/>
+          <a:chExt cx="0" cy="0"/>
+        </a:xfrm>
+      </p:grpSpPr>
+      <p:sp>
+        <p:nvSpPr>
+          <p:cNvPr id="2" name="標題 1"/>
+          <p:cNvSpPr>
+            <a:spLocks noGrp="1"/>
+          </p:cNvSpPr>
+          <p:nvPr>
+            <p:ph type="title"/>
+          </p:nvPr>
+        </p:nvSpPr>
+        <p:spPr/>
+        <p:txBody>
+          <a:bodyPr/>
+          <a:lstStyle/>
+          <a:p>
+            <a:r>
+              <a:rPr lang="zh-TW" altLang="en-US" dirty="0">
+                <a:latin typeface="微軟正黑體" panose="020B0604030504040204" pitchFamily="34" charset="-120"/>
+                <a:ea typeface="微軟正黑體" panose="020B0604030504040204" pitchFamily="34" charset="-120"/>
+              </a:rPr>
+              <a:t>變數</a:t>
+            </a:r>
+          </a:p>
+        </p:txBody>
+      </p:sp>
+      <p:sp>
+        <p:nvSpPr>
+          <p:cNvPr id="3" name="內容版面配置區 2"/>
+          <p:cNvSpPr>
+            <a:spLocks noGrp="1"/>
+          </p:cNvSpPr>
+          <p:nvPr>
+            <p:ph idx="1"/>
+          </p:nvPr>
+        </p:nvSpPr>
+        <p:spPr/>
+        <p:txBody>
+          <a:bodyPr/>
+          <a:lstStyle/>
+          <a:p>
+            <a:r>
+              <a:rPr lang="en-US" altLang="zh-TW" dirty="0">
+                <a:latin typeface="微軟正黑體" panose="020B0604030504040204" pitchFamily="34" charset="-120"/>
+                <a:ea typeface="微軟正黑體" panose="020B0604030504040204" pitchFamily="34" charset="-120"/>
+              </a:rPr>
+              <a:t>Class </a:t>
+            </a:r>
+            <a:r>
+              <a:rPr lang="zh-TW" altLang="en-US" dirty="0">
+                <a:latin typeface="微軟正黑體" panose="020B0604030504040204" pitchFamily="34" charset="-120"/>
+                <a:ea typeface="微軟正黑體" panose="020B0604030504040204" pitchFamily="34" charset="-120"/>
+              </a:rPr>
+              <a:t>成員變數以</a:t>
+            </a:r>
+            <a:r>
+              <a:rPr lang="zh-TW" altLang="en-US" dirty="0">
+                <a:solidFill>
+                  <a:srgbClr val="52F2EA"/>
+                </a:solidFill>
+                <a:latin typeface="微軟正黑體" panose="020B0604030504040204" pitchFamily="34" charset="-120"/>
+                <a:ea typeface="微軟正黑體" panose="020B0604030504040204" pitchFamily="34" charset="-120"/>
+              </a:rPr>
+              <a:t>底線開始</a:t>
+            </a:r>
+            <a:r>
+              <a:rPr lang="zh-TW" altLang="en-US" dirty="0">
+                <a:latin typeface="微軟正黑體" panose="020B0604030504040204" pitchFamily="34" charset="-120"/>
+                <a:ea typeface="微軟正黑體" panose="020B0604030504040204" pitchFamily="34" charset="-120"/>
+              </a:rPr>
+              <a:t>，底線後</a:t>
+            </a:r>
+            <a:r>
+              <a:rPr lang="zh-TW" altLang="en-US" dirty="0">
+                <a:solidFill>
+                  <a:srgbClr val="52F2EA"/>
+                </a:solidFill>
+                <a:latin typeface="微軟正黑體" panose="020B0604030504040204" pitchFamily="34" charset="-120"/>
+                <a:ea typeface="微軟正黑體" panose="020B0604030504040204" pitchFamily="34" charset="-120"/>
+              </a:rPr>
+              <a:t>第一個子母小寫</a:t>
+            </a:r>
+            <a:r>
+              <a:rPr lang="zh-TW" altLang="en-US" dirty="0">
+                <a:latin typeface="微軟正黑體" panose="020B0604030504040204" pitchFamily="34" charset="-120"/>
+                <a:ea typeface="微軟正黑體" panose="020B0604030504040204" pitchFamily="34" charset="-120"/>
+              </a:rPr>
+              <a:t>，若由多個單字組成，從第二個</a:t>
+            </a:r>
+            <a:r>
+              <a:rPr lang="zh-TW" altLang="en-US" dirty="0" smtClean="0">
+                <a:latin typeface="微軟正黑體" panose="020B0604030504040204" pitchFamily="34" charset="-120"/>
+                <a:ea typeface="微軟正黑體" panose="020B0604030504040204" pitchFamily="34" charset="-120"/>
+              </a:rPr>
+              <a:t>單字開始</a:t>
+            </a:r>
+            <a:r>
+              <a:rPr lang="zh-TW" altLang="en-US" dirty="0">
+                <a:latin typeface="微軟正黑體" panose="020B0604030504040204" pitchFamily="34" charset="-120"/>
+                <a:ea typeface="微軟正黑體" panose="020B0604030504040204" pitchFamily="34" charset="-120"/>
+              </a:rPr>
+              <a:t>，每個單字的第一個字母</a:t>
+            </a:r>
+            <a:r>
+              <a:rPr lang="zh-TW" altLang="en-US" dirty="0" smtClean="0">
+                <a:latin typeface="微軟正黑體" panose="020B0604030504040204" pitchFamily="34" charset="-120"/>
+                <a:ea typeface="微軟正黑體" panose="020B0604030504040204" pitchFamily="34" charset="-120"/>
+              </a:rPr>
+              <a:t>大寫。</a:t>
+            </a:r>
+            <a:endParaRPr lang="en-US" altLang="zh-TW" dirty="0" smtClean="0">
+              <a:latin typeface="微軟正黑體" panose="020B0604030504040204" pitchFamily="34" charset="-120"/>
+              <a:ea typeface="微軟正黑體" panose="020B0604030504040204" pitchFamily="34" charset="-120"/>
+            </a:endParaRPr>
+          </a:p>
+          <a:p>
+            <a:pPr lvl="1"/>
+            <a:r>
+              <a:rPr lang="en-US" altLang="zh-TW" dirty="0">
+                <a:latin typeface="微軟正黑體" panose="020B0604030504040204" pitchFamily="34" charset="-120"/>
+                <a:ea typeface="微軟正黑體" panose="020B0604030504040204" pitchFamily="34" charset="-120"/>
+              </a:rPr>
+              <a:t>b</a:t>
+            </a:r>
+            <a:r>
+              <a:rPr lang="en-US" altLang="zh-TW" dirty="0" smtClean="0">
+                <a:latin typeface="微軟正黑體" panose="020B0604030504040204" pitchFamily="34" charset="-120"/>
+                <a:ea typeface="微軟正黑體" panose="020B0604030504040204" pitchFamily="34" charset="-120"/>
+              </a:rPr>
+              <a:t>ool _isPermissionState</a:t>
+            </a:r>
+          </a:p>
+          <a:p>
+            <a:pPr marL="457200" lvl="1" indent="0">
+              <a:buNone/>
+            </a:pPr>
+            <a:endParaRPr lang="en-US" altLang="zh-TW" dirty="0" smtClean="0">
+              <a:latin typeface="微軟正黑體" panose="020B0604030504040204" pitchFamily="34" charset="-120"/>
+              <a:ea typeface="微軟正黑體" panose="020B0604030504040204" pitchFamily="34" charset="-120"/>
+            </a:endParaRPr>
+          </a:p>
+          <a:p>
+            <a:r>
+              <a:rPr lang="zh-TW" altLang="en-US" dirty="0">
+                <a:latin typeface="微軟正黑體" panose="020B0604030504040204" pitchFamily="34" charset="-120"/>
+                <a:ea typeface="微軟正黑體" panose="020B0604030504040204" pitchFamily="34" charset="-120"/>
+              </a:rPr>
+              <a:t>全域變數、區域變數及函式參數命名規格與 </a:t>
+            </a:r>
+            <a:r>
+              <a:rPr lang="en-US" altLang="zh-TW" dirty="0">
+                <a:latin typeface="微軟正黑體" panose="020B0604030504040204" pitchFamily="34" charset="-120"/>
+                <a:ea typeface="微軟正黑體" panose="020B0604030504040204" pitchFamily="34" charset="-120"/>
+              </a:rPr>
+              <a:t>class </a:t>
+            </a:r>
+            <a:r>
+              <a:rPr lang="zh-TW" altLang="en-US" dirty="0">
+                <a:latin typeface="微軟正黑體" panose="020B0604030504040204" pitchFamily="34" charset="-120"/>
+                <a:ea typeface="微軟正黑體" panose="020B0604030504040204" pitchFamily="34" charset="-120"/>
+              </a:rPr>
+              <a:t>成員變數相似，僅差</a:t>
+            </a:r>
+            <a:r>
+              <a:rPr lang="zh-TW" altLang="en-US" dirty="0">
+                <a:solidFill>
+                  <a:srgbClr val="52F2EA"/>
+                </a:solidFill>
+                <a:latin typeface="微軟正黑體" panose="020B0604030504040204" pitchFamily="34" charset="-120"/>
+                <a:ea typeface="微軟正黑體" panose="020B0604030504040204" pitchFamily="34" charset="-120"/>
+              </a:rPr>
+              <a:t>不以底線開始</a:t>
+            </a:r>
+            <a:r>
+              <a:rPr lang="zh-TW" altLang="en-US" dirty="0" smtClean="0">
+                <a:latin typeface="微軟正黑體" panose="020B0604030504040204" pitchFamily="34" charset="-120"/>
+                <a:ea typeface="微軟正黑體" panose="020B0604030504040204" pitchFamily="34" charset="-120"/>
+              </a:rPr>
+              <a:t>。</a:t>
+            </a:r>
+            <a:endParaRPr lang="en-US" altLang="zh-TW" dirty="0" smtClean="0">
+              <a:latin typeface="微軟正黑體" panose="020B0604030504040204" pitchFamily="34" charset="-120"/>
+              <a:ea typeface="微軟正黑體" panose="020B0604030504040204" pitchFamily="34" charset="-120"/>
+            </a:endParaRPr>
+          </a:p>
+          <a:p>
+            <a:pPr lvl="1"/>
+            <a:r>
+              <a:rPr lang="en-US" altLang="zh-TW" dirty="0">
+                <a:latin typeface="微軟正黑體" panose="020B0604030504040204" pitchFamily="34" charset="-120"/>
+                <a:ea typeface="微軟正黑體" panose="020B0604030504040204" pitchFamily="34" charset="-120"/>
+              </a:rPr>
+              <a:t>d</a:t>
+            </a:r>
+            <a:r>
+              <a:rPr lang="en-US" altLang="zh-TW" dirty="0" smtClean="0">
+                <a:latin typeface="微軟正黑體" panose="020B0604030504040204" pitchFamily="34" charset="-120"/>
+                <a:ea typeface="微軟正黑體" panose="020B0604030504040204" pitchFamily="34" charset="-120"/>
+              </a:rPr>
+              <a:t>ouble calculateArea()</a:t>
+            </a:r>
+          </a:p>
+          <a:p>
+            <a:pPr marL="457200" lvl="1" indent="0">
+              <a:buNone/>
+            </a:pPr>
+            <a:endParaRPr lang="en-US" altLang="zh-TW" dirty="0" smtClean="0">
+              <a:latin typeface="微軟正黑體" panose="020B0604030504040204" pitchFamily="34" charset="-120"/>
+              <a:ea typeface="微軟正黑體" panose="020B0604030504040204" pitchFamily="34" charset="-120"/>
+            </a:endParaRPr>
+          </a:p>
+          <a:p>
+            <a:r>
+              <a:rPr lang="zh-TW" altLang="en-US" dirty="0" smtClean="0">
+                <a:latin typeface="微軟正黑體" panose="020B0604030504040204" pitchFamily="34" charset="-120"/>
+                <a:ea typeface="微軟正黑體" panose="020B0604030504040204" pitchFamily="34" charset="-120"/>
+              </a:rPr>
+              <a:t>星號</a:t>
+            </a:r>
+            <a:r>
+              <a:rPr lang="en-US" altLang="zh-TW" dirty="0">
+                <a:latin typeface="微軟正黑體" panose="020B0604030504040204" pitchFamily="34" charset="-120"/>
+                <a:ea typeface="微軟正黑體" panose="020B0604030504040204" pitchFamily="34" charset="-120"/>
+              </a:rPr>
+              <a:t>(*)</a:t>
+            </a:r>
+            <a:r>
+              <a:rPr lang="zh-TW" altLang="en-US" dirty="0">
+                <a:latin typeface="微軟正黑體" panose="020B0604030504040204" pitchFamily="34" charset="-120"/>
+                <a:ea typeface="微軟正黑體" panose="020B0604030504040204" pitchFamily="34" charset="-120"/>
+              </a:rPr>
+              <a:t>及參考</a:t>
+            </a:r>
+            <a:r>
+              <a:rPr lang="en-US" altLang="zh-TW" dirty="0">
+                <a:latin typeface="微軟正黑體" panose="020B0604030504040204" pitchFamily="34" charset="-120"/>
+                <a:ea typeface="微軟正黑體" panose="020B0604030504040204" pitchFamily="34" charset="-120"/>
+              </a:rPr>
+              <a:t>(&amp;)</a:t>
+            </a:r>
+            <a:r>
+              <a:rPr lang="zh-TW" altLang="en-US" dirty="0">
+                <a:latin typeface="微軟正黑體" panose="020B0604030504040204" pitchFamily="34" charset="-120"/>
+                <a:ea typeface="微軟正黑體" panose="020B0604030504040204" pitchFamily="34" charset="-120"/>
+              </a:rPr>
+              <a:t>符號緊跟於</a:t>
+            </a:r>
+            <a:r>
+              <a:rPr lang="zh-TW" altLang="en-US" dirty="0">
+                <a:solidFill>
+                  <a:srgbClr val="52F2EA"/>
+                </a:solidFill>
+                <a:latin typeface="微軟正黑體" panose="020B0604030504040204" pitchFamily="34" charset="-120"/>
+                <a:ea typeface="微軟正黑體" panose="020B0604030504040204" pitchFamily="34" charset="-120"/>
+              </a:rPr>
+              <a:t>型態</a:t>
+            </a:r>
+            <a:r>
+              <a:rPr lang="zh-TW" altLang="en-US" dirty="0" smtClean="0">
+                <a:solidFill>
+                  <a:srgbClr val="52F2EA"/>
+                </a:solidFill>
+                <a:latin typeface="微軟正黑體" panose="020B0604030504040204" pitchFamily="34" charset="-120"/>
+                <a:ea typeface="微軟正黑體" panose="020B0604030504040204" pitchFamily="34" charset="-120"/>
+              </a:rPr>
+              <a:t>之後</a:t>
+            </a:r>
+            <a:r>
+              <a:rPr lang="zh-TW" altLang="en-US" dirty="0" smtClean="0">
+                <a:latin typeface="微軟正黑體" panose="020B0604030504040204" pitchFamily="34" charset="-120"/>
+                <a:ea typeface="微軟正黑體" panose="020B0604030504040204" pitchFamily="34" charset="-120"/>
+              </a:rPr>
+              <a:t>。</a:t>
+            </a:r>
+            <a:endParaRPr lang="en-US" altLang="zh-TW" dirty="0" smtClean="0">
+              <a:latin typeface="微軟正黑體" panose="020B0604030504040204" pitchFamily="34" charset="-120"/>
+              <a:ea typeface="微軟正黑體" panose="020B0604030504040204" pitchFamily="34" charset="-120"/>
+            </a:endParaRPr>
+          </a:p>
+          <a:p>
+            <a:pPr lvl="1"/>
+            <a:r>
+              <a:rPr lang="en-US" altLang="zh-TW" dirty="0" smtClean="0">
+                <a:latin typeface="微軟正黑體" panose="020B0604030504040204" pitchFamily="34" charset="-120"/>
+                <a:ea typeface="微軟正黑體" panose="020B0604030504040204" pitchFamily="34" charset="-120"/>
+              </a:rPr>
+              <a:t>double* _length</a:t>
+            </a:r>
+            <a:endParaRPr lang="zh-TW" altLang="en-US" dirty="0">
+              <a:latin typeface="微軟正黑體" panose="020B0604030504040204" pitchFamily="34" charset="-120"/>
+              <a:ea typeface="微軟正黑體" panose="020B0604030504040204" pitchFamily="34" charset="-120"/>
+            </a:endParaRPr>
+          </a:p>
+        </p:txBody>
+      </p:sp>
+    </p:spTree>
+    <p:extLst>
+      <p:ext uri="{BB962C8B-B14F-4D97-AF65-F5344CB8AC3E}">
+        <p14:creationId xmlns:p14="http://schemas.microsoft.com/office/powerpoint/2010/main" val="1157789552"/>
+      </p:ext>
+    </p:extLst>
+  </p:cSld>
+  <p:clrMapOvr>
+    <a:masterClrMapping/>
+  </p:clrMapOvr>
+</p:sld>
+</file>
+
+<file path=ppt/slides/slide4.xml><?xml version="1.0" encoding="utf-8"?>
+<p:sld xmlns:a="http://schemas.openxmlformats.org/drawingml/2006/main" xmlns:r="http://schemas.openxmlformats.org/officeDocument/2006/relationships" xmlns:p="http://schemas.openxmlformats.org/presentationml/2006/main">
+  <p:cSld>
+    <p:spTree>
+      <p:nvGrpSpPr>
+        <p:cNvPr id="1" name=""/>
+        <p:cNvGrpSpPr/>
+        <p:nvPr/>
+      </p:nvGrpSpPr>
+      <p:grpSpPr>
+        <a:xfrm>
+          <a:off x="0" y="0"/>
+          <a:ext cx="0" cy="0"/>
+          <a:chOff x="0" y="0"/>
+          <a:chExt cx="0" cy="0"/>
+        </a:xfrm>
+      </p:grpSpPr>
+      <p:sp>
+        <p:nvSpPr>
+          <p:cNvPr id="2" name="標題 1"/>
+          <p:cNvSpPr>
+            <a:spLocks noGrp="1"/>
+          </p:cNvSpPr>
+          <p:nvPr>
+            <p:ph type="title"/>
+          </p:nvPr>
+        </p:nvSpPr>
+        <p:spPr/>
+        <p:txBody>
+          <a:bodyPr/>
+          <a:lstStyle/>
+          <a:p>
+            <a:r>
+              <a:rPr lang="zh-TW" altLang="en-US" dirty="0">
+                <a:latin typeface="微軟正黑體" panose="020B0604030504040204" pitchFamily="34" charset="-120"/>
+                <a:ea typeface="微軟正黑體" panose="020B0604030504040204" pitchFamily="34" charset="-120"/>
+              </a:rPr>
+              <a:t>函式</a:t>
+            </a:r>
+          </a:p>
+        </p:txBody>
+      </p:sp>
+      <p:sp>
+        <p:nvSpPr>
+          <p:cNvPr id="3" name="內容版面配置區 2"/>
+          <p:cNvSpPr>
+            <a:spLocks noGrp="1"/>
+          </p:cNvSpPr>
+          <p:nvPr>
+            <p:ph idx="1"/>
+          </p:nvPr>
+        </p:nvSpPr>
+        <p:spPr/>
+        <p:txBody>
+          <a:bodyPr/>
+          <a:lstStyle/>
+          <a:p>
+            <a:r>
+              <a:rPr lang="zh-TW" altLang="en-US" dirty="0">
+                <a:latin typeface="微軟正黑體" panose="020B0604030504040204" pitchFamily="34" charset="-120"/>
+                <a:ea typeface="微軟正黑體" panose="020B0604030504040204" pitchFamily="34" charset="-120"/>
+              </a:rPr>
+              <a:t>每個函式</a:t>
+            </a:r>
+            <a:r>
+              <a:rPr lang="zh-TW" altLang="en-US" dirty="0">
+                <a:solidFill>
+                  <a:srgbClr val="52F2EA"/>
+                </a:solidFill>
+                <a:latin typeface="微軟正黑體" panose="020B0604030504040204" pitchFamily="34" charset="-120"/>
+                <a:ea typeface="微軟正黑體" panose="020B0604030504040204" pitchFamily="34" charset="-120"/>
+              </a:rPr>
+              <a:t>表示一種操作</a:t>
+            </a:r>
+            <a:r>
+              <a:rPr lang="zh-TW" altLang="en-US" dirty="0">
+                <a:latin typeface="微軟正黑體" panose="020B0604030504040204" pitchFamily="34" charset="-120"/>
+                <a:ea typeface="微軟正黑體" panose="020B0604030504040204" pitchFamily="34" charset="-120"/>
+              </a:rPr>
+              <a:t>，因此一律使用</a:t>
+            </a:r>
+            <a:r>
+              <a:rPr lang="zh-TW" altLang="en-US" dirty="0">
+                <a:solidFill>
+                  <a:srgbClr val="52F2EA"/>
+                </a:solidFill>
+                <a:latin typeface="微軟正黑體" panose="020B0604030504040204" pitchFamily="34" charset="-120"/>
+                <a:ea typeface="微軟正黑體" panose="020B0604030504040204" pitchFamily="34" charset="-120"/>
+              </a:rPr>
+              <a:t>動詞</a:t>
+            </a:r>
+            <a:r>
+              <a:rPr lang="zh-TW" altLang="en-US" dirty="0">
+                <a:latin typeface="微軟正黑體" panose="020B0604030504040204" pitchFamily="34" charset="-120"/>
+                <a:ea typeface="微軟正黑體" panose="020B0604030504040204" pitchFamily="34" charset="-120"/>
+              </a:rPr>
+              <a:t>作為第一個單字</a:t>
+            </a:r>
+            <a:r>
+              <a:rPr lang="zh-TW" altLang="en-US" dirty="0" smtClean="0">
+                <a:latin typeface="微軟正黑體" panose="020B0604030504040204" pitchFamily="34" charset="-120"/>
+                <a:ea typeface="微軟正黑體" panose="020B0604030504040204" pitchFamily="34" charset="-120"/>
+              </a:rPr>
+              <a:t>。</a:t>
+            </a:r>
+            <a:endParaRPr lang="en-US" altLang="zh-TW" dirty="0" smtClean="0">
+              <a:latin typeface="微軟正黑體" panose="020B0604030504040204" pitchFamily="34" charset="-120"/>
+              <a:ea typeface="微軟正黑體" panose="020B0604030504040204" pitchFamily="34" charset="-120"/>
+            </a:endParaRPr>
+          </a:p>
+          <a:p>
+            <a:pPr lvl="1"/>
+            <a:r>
+              <a:rPr lang="en-US" altLang="zh-TW" dirty="0" smtClean="0">
+                <a:latin typeface="微軟正黑體" panose="020B0604030504040204" pitchFamily="34" charset="-120"/>
+                <a:ea typeface="微軟正黑體" panose="020B0604030504040204" pitchFamily="34" charset="-120"/>
+              </a:rPr>
+              <a:t>int calculateCompanySize()</a:t>
+            </a:r>
+          </a:p>
+          <a:p>
+            <a:r>
+              <a:rPr lang="en-US" altLang="zh-TW" dirty="0">
+                <a:solidFill>
+                  <a:srgbClr val="52F2EA"/>
+                </a:solidFill>
+                <a:latin typeface="微軟正黑體" panose="020B0604030504040204" pitchFamily="34" charset="-120"/>
+                <a:ea typeface="微軟正黑體" panose="020B0604030504040204" pitchFamily="34" charset="-120"/>
+              </a:rPr>
+              <a:t>Getter</a:t>
+            </a:r>
+            <a:r>
+              <a:rPr lang="en-US" altLang="zh-TW" dirty="0">
+                <a:latin typeface="微軟正黑體" panose="020B0604030504040204" pitchFamily="34" charset="-120"/>
+                <a:ea typeface="微軟正黑體" panose="020B0604030504040204" pitchFamily="34" charset="-120"/>
+              </a:rPr>
+              <a:t> </a:t>
+            </a:r>
+            <a:r>
+              <a:rPr lang="zh-TW" altLang="en-US" dirty="0">
+                <a:latin typeface="微軟正黑體" panose="020B0604030504040204" pitchFamily="34" charset="-120"/>
+                <a:ea typeface="微軟正黑體" panose="020B0604030504040204" pitchFamily="34" charset="-120"/>
+              </a:rPr>
+              <a:t>除了取得 </a:t>
+            </a:r>
+            <a:r>
+              <a:rPr lang="en-US" altLang="zh-TW" dirty="0">
+                <a:solidFill>
+                  <a:srgbClr val="52F2EA"/>
+                </a:solidFill>
+                <a:latin typeface="微軟正黑體" panose="020B0604030504040204" pitchFamily="34" charset="-120"/>
+                <a:ea typeface="微軟正黑體" panose="020B0604030504040204" pitchFamily="34" charset="-120"/>
+              </a:rPr>
+              <a:t>bool </a:t>
+            </a:r>
+            <a:r>
+              <a:rPr lang="zh-TW" altLang="en-US" dirty="0">
+                <a:solidFill>
+                  <a:srgbClr val="52F2EA"/>
+                </a:solidFill>
+                <a:latin typeface="微軟正黑體" panose="020B0604030504040204" pitchFamily="34" charset="-120"/>
+                <a:ea typeface="微軟正黑體" panose="020B0604030504040204" pitchFamily="34" charset="-120"/>
+              </a:rPr>
+              <a:t>值</a:t>
+            </a:r>
+            <a:r>
+              <a:rPr lang="zh-TW" altLang="en-US" dirty="0">
+                <a:latin typeface="微軟正黑體" panose="020B0604030504040204" pitchFamily="34" charset="-120"/>
+                <a:ea typeface="微軟正黑體" panose="020B0604030504040204" pitchFamily="34" charset="-120"/>
+              </a:rPr>
+              <a:t>使用 </a:t>
+            </a:r>
+            <a:r>
+              <a:rPr lang="en-US" altLang="zh-TW" dirty="0">
+                <a:latin typeface="微軟正黑體" panose="020B0604030504040204" pitchFamily="34" charset="-120"/>
+                <a:ea typeface="微軟正黑體" panose="020B0604030504040204" pitchFamily="34" charset="-120"/>
+              </a:rPr>
+              <a:t>IsXXX()</a:t>
+            </a:r>
+            <a:r>
+              <a:rPr lang="zh-TW" altLang="en-US" dirty="0">
+                <a:latin typeface="微軟正黑體" panose="020B0604030504040204" pitchFamily="34" charset="-120"/>
+                <a:ea typeface="微軟正黑體" panose="020B0604030504040204" pitchFamily="34" charset="-120"/>
+              </a:rPr>
+              <a:t>之外，其餘一律使用 </a:t>
+            </a:r>
+            <a:r>
+              <a:rPr lang="en-US" altLang="zh-TW" dirty="0">
+                <a:latin typeface="微軟正黑體" panose="020B0604030504040204" pitchFamily="34" charset="-120"/>
+                <a:ea typeface="微軟正黑體" panose="020B0604030504040204" pitchFamily="34" charset="-120"/>
+              </a:rPr>
+              <a:t>GetXXX()</a:t>
+            </a:r>
+            <a:r>
+              <a:rPr lang="zh-TW" altLang="en-US" dirty="0" smtClean="0">
+                <a:latin typeface="微軟正黑體" panose="020B0604030504040204" pitchFamily="34" charset="-120"/>
+                <a:ea typeface="微軟正黑體" panose="020B0604030504040204" pitchFamily="34" charset="-120"/>
+              </a:rPr>
+              <a:t>。</a:t>
+            </a:r>
+            <a:endParaRPr lang="en-US" altLang="zh-TW" dirty="0" smtClean="0">
+              <a:latin typeface="微軟正黑體" panose="020B0604030504040204" pitchFamily="34" charset="-120"/>
+              <a:ea typeface="微軟正黑體" panose="020B0604030504040204" pitchFamily="34" charset="-120"/>
+            </a:endParaRPr>
+          </a:p>
+          <a:p>
+            <a:pPr lvl="1"/>
+            <a:r>
+              <a:rPr lang="en-US" altLang="zh-TW" dirty="0" smtClean="0">
+                <a:latin typeface="微軟正黑體" panose="020B0604030504040204" pitchFamily="34" charset="-120"/>
+                <a:ea typeface="微軟正黑體" panose="020B0604030504040204" pitchFamily="34" charset="-120"/>
+              </a:rPr>
+              <a:t>bool isPrimeNumber()</a:t>
+            </a:r>
+          </a:p>
+          <a:p>
+            <a:pPr lvl="1"/>
+            <a:r>
+              <a:rPr lang="en-US" altLang="zh-TW" dirty="0">
+                <a:latin typeface="微軟正黑體" panose="020B0604030504040204" pitchFamily="34" charset="-120"/>
+                <a:ea typeface="微軟正黑體" panose="020B0604030504040204" pitchFamily="34" charset="-120"/>
+              </a:rPr>
+              <a:t>i</a:t>
+            </a:r>
+            <a:r>
+              <a:rPr lang="en-US" altLang="zh-TW" dirty="0" smtClean="0">
+                <a:latin typeface="微軟正黑體" panose="020B0604030504040204" pitchFamily="34" charset="-120"/>
+                <a:ea typeface="微軟正黑體" panose="020B0604030504040204" pitchFamily="34" charset="-120"/>
+              </a:rPr>
+              <a:t>nt getCompanySize()</a:t>
+            </a:r>
+          </a:p>
+          <a:p>
+            <a:r>
+              <a:rPr lang="en-US" altLang="zh-TW" dirty="0">
+                <a:solidFill>
+                  <a:srgbClr val="52F2EA"/>
+                </a:solidFill>
+                <a:latin typeface="微軟正黑體" panose="020B0604030504040204" pitchFamily="34" charset="-120"/>
+                <a:ea typeface="微軟正黑體" panose="020B0604030504040204" pitchFamily="34" charset="-120"/>
+              </a:rPr>
+              <a:t>Setter</a:t>
+            </a:r>
+            <a:r>
+              <a:rPr lang="en-US" altLang="zh-TW" dirty="0">
+                <a:latin typeface="微軟正黑體" panose="020B0604030504040204" pitchFamily="34" charset="-120"/>
+                <a:ea typeface="微軟正黑體" panose="020B0604030504040204" pitchFamily="34" charset="-120"/>
+              </a:rPr>
+              <a:t> </a:t>
+            </a:r>
+            <a:r>
+              <a:rPr lang="zh-TW" altLang="en-US" dirty="0">
+                <a:latin typeface="微軟正黑體" panose="020B0604030504040204" pitchFamily="34" charset="-120"/>
+                <a:ea typeface="微軟正黑體" panose="020B0604030504040204" pitchFamily="34" charset="-120"/>
+              </a:rPr>
+              <a:t>一律使用 </a:t>
+            </a:r>
+            <a:r>
+              <a:rPr lang="en-US" altLang="zh-TW" dirty="0">
+                <a:latin typeface="微軟正黑體" panose="020B0604030504040204" pitchFamily="34" charset="-120"/>
+                <a:ea typeface="微軟正黑體" panose="020B0604030504040204" pitchFamily="34" charset="-120"/>
+              </a:rPr>
+              <a:t>SetXXX()</a:t>
+            </a:r>
+            <a:r>
+              <a:rPr lang="zh-TW" altLang="en-US" dirty="0" smtClean="0">
+                <a:latin typeface="微軟正黑體" panose="020B0604030504040204" pitchFamily="34" charset="-120"/>
+                <a:ea typeface="微軟正黑體" panose="020B0604030504040204" pitchFamily="34" charset="-120"/>
+              </a:rPr>
+              <a:t>。</a:t>
+            </a:r>
+            <a:endParaRPr lang="en-US" altLang="zh-TW" dirty="0" smtClean="0">
+              <a:latin typeface="微軟正黑體" panose="020B0604030504040204" pitchFamily="34" charset="-120"/>
+              <a:ea typeface="微軟正黑體" panose="020B0604030504040204" pitchFamily="34" charset="-120"/>
+            </a:endParaRPr>
+          </a:p>
+          <a:p>
+            <a:pPr lvl="1"/>
+            <a:r>
+              <a:rPr lang="en-US" altLang="zh-TW" dirty="0">
+                <a:latin typeface="微軟正黑體" panose="020B0604030504040204" pitchFamily="34" charset="-120"/>
+                <a:ea typeface="微軟正黑體" panose="020B0604030504040204" pitchFamily="34" charset="-120"/>
+              </a:rPr>
+              <a:t>v</a:t>
+            </a:r>
+            <a:r>
+              <a:rPr lang="en-US" altLang="zh-TW" dirty="0" smtClean="0">
+                <a:latin typeface="微軟正黑體" panose="020B0604030504040204" pitchFamily="34" charset="-120"/>
+                <a:ea typeface="微軟正黑體" panose="020B0604030504040204" pitchFamily="34" charset="-120"/>
+              </a:rPr>
+              <a:t>oid setCompanyName(String name)</a:t>
+            </a:r>
+          </a:p>
+        </p:txBody>
+      </p:sp>
+    </p:spTree>
+    <p:extLst>
+      <p:ext uri="{BB962C8B-B14F-4D97-AF65-F5344CB8AC3E}">
+        <p14:creationId xmlns:p14="http://schemas.microsoft.com/office/powerpoint/2010/main" val="1465661925"/>
+      </p:ext>
+    </p:extLst>
+  </p:cSld>
+  <p:clrMapOvr>
+    <a:masterClrMapping/>
+  </p:clrMapOvr>
+  <p:timing>
+    <p:tnLst>
+      <p:par>
+        <p:cTn id="1" dur="indefinite" restart="never" nodeType="tmRoot"/>
+      </p:par>
+    </p:tnLst>
+  </p:timing>
+</p:sld>
+</file>
+
+<file path=ppt/slides/slide5.xml><?xml version="1.0" encoding="utf-8"?>
+<p:sld xmlns:a="http://schemas.openxmlformats.org/drawingml/2006/main" xmlns:r="http://schemas.openxmlformats.org/officeDocument/2006/relationships" xmlns:p="http://schemas.openxmlformats.org/presentationml/2006/main">
+  <p:cSld>
+    <p:spTree>
+      <p:nvGrpSpPr>
+        <p:cNvPr id="1" name=""/>
+        <p:cNvGrpSpPr/>
+        <p:nvPr/>
+      </p:nvGrpSpPr>
+      <p:grpSpPr>
+        <a:xfrm>
+          <a:off x="0" y="0"/>
+          <a:ext cx="0" cy="0"/>
+          <a:chOff x="0" y="0"/>
+          <a:chExt cx="0" cy="0"/>
+        </a:xfrm>
+      </p:grpSpPr>
+      <p:sp>
+        <p:nvSpPr>
+          <p:cNvPr id="2" name="標題 1"/>
+          <p:cNvSpPr>
+            <a:spLocks noGrp="1"/>
+          </p:cNvSpPr>
+          <p:nvPr>
+            <p:ph type="ctrTitle"/>
+          </p:nvPr>
+        </p:nvSpPr>
+        <p:spPr>
+          <a:xfrm>
+            <a:off x="1524000" y="1530736"/>
+            <a:ext cx="9144000" cy="2387600"/>
+          </a:xfrm>
+        </p:spPr>
+        <p:txBody>
+          <a:bodyPr>
+            <a:normAutofit/>
+          </a:bodyPr>
+          <a:lstStyle/>
+          <a:p>
+            <a:r>
+              <a:rPr lang="en-US" altLang="zh-TW" sz="8000" dirty="0" smtClean="0">
+                <a:solidFill>
+                  <a:srgbClr val="52F2EA"/>
+                </a:solidFill>
+              </a:rPr>
+              <a:t>Code Smell</a:t>
+            </a:r>
+            <a:endParaRPr lang="zh-TW" altLang="en-US" sz="8000" dirty="0">
+              <a:solidFill>
+                <a:srgbClr val="52F2EA"/>
+              </a:solidFill>
+            </a:endParaRPr>
+          </a:p>
+        </p:txBody>
+      </p:sp>
+    </p:spTree>
+    <p:extLst>
+      <p:ext uri="{BB962C8B-B14F-4D97-AF65-F5344CB8AC3E}">
+        <p14:creationId xmlns:p14="http://schemas.microsoft.com/office/powerpoint/2010/main" val="3749562674"/>
+      </p:ext>
+    </p:extLst>
+  </p:cSld>
+  <p:clrMapOvr>
+    <a:masterClrMapping/>
+  </p:clrMapOvr>
+  <p:timing>
+    <p:tnLst>
+      <p:par>
+        <p:cTn id="1" dur="indefinite" restart="never" nodeType="tmRoot"/>
+      </p:par>
+    </p:tnLst>
+  </p:timing>
+</p:sld>
+</file>
+
+<file path=ppt/slides/slide6.xml><?xml version="1.0" encoding="utf-8"?>
+<p:sld xmlns:a="http://schemas.openxmlformats.org/drawingml/2006/main" xmlns:r="http://schemas.openxmlformats.org/officeDocument/2006/relationships" xmlns:p="http://schemas.openxmlformats.org/presentationml/2006/main">
+  <p:cSld>
+    <p:spTree>
+      <p:nvGrpSpPr>
+        <p:cNvPr id="1" name=""/>
+        <p:cNvGrpSpPr/>
+        <p:nvPr/>
+      </p:nvGrpSpPr>
+      <p:grpSpPr>
+        <a:xfrm>
+          <a:off x="0" y="0"/>
+          <a:ext cx="0" cy="0"/>
+          <a:chOff x="0" y="0"/>
+          <a:chExt cx="0" cy="0"/>
+        </a:xfrm>
+      </p:grpSpPr>
+      <p:sp>
+        <p:nvSpPr>
           <p:cNvPr id="4" name="矩形 3"/>
           <p:cNvSpPr/>
           <p:nvPr/>
@@ -5806,7 +7255,7 @@
 </p:sld>
 </file>
 
-<file path=ppt/slides/slide3.xml><?xml version="1.0" encoding="utf-8"?>
+<file path=ppt/slides/slide7.xml><?xml version="1.0" encoding="utf-8"?>
 <p:sld xmlns:a="http://schemas.openxmlformats.org/drawingml/2006/main" xmlns:r="http://schemas.openxmlformats.org/officeDocument/2006/relationships" xmlns:p="http://schemas.openxmlformats.org/presentationml/2006/main">
   <p:cSld>
     <p:spTree>
@@ -5919,7 +7368,7 @@
 </p:sld>
 </file>
 
-<file path=ppt/slides/slide4.xml><?xml version="1.0" encoding="utf-8"?>
+<file path=ppt/slides/slide8.xml><?xml version="1.0" encoding="utf-8"?>
 <p:sld xmlns:a="http://schemas.openxmlformats.org/drawingml/2006/main" xmlns:r="http://schemas.openxmlformats.org/officeDocument/2006/relationships" xmlns:p="http://schemas.openxmlformats.org/presentationml/2006/main">
   <p:cSld>
     <p:spTree>
@@ -6002,7 +7451,7 @@
 </p:sld>
 </file>
 
-<file path=ppt/slides/slide5.xml><?xml version="1.0" encoding="utf-8"?>
+<file path=ppt/slides/slide9.xml><?xml version="1.0" encoding="utf-8"?>
 <p:sld xmlns:a="http://schemas.openxmlformats.org/drawingml/2006/main" xmlns:r="http://schemas.openxmlformats.org/officeDocument/2006/relationships" xmlns:p="http://schemas.openxmlformats.org/presentationml/2006/main">
   <p:cSld>
     <p:spTree>
@@ -6320,576 +7769,6 @@
             </p:seq>
           </p:childTnLst>
         </p:cTn>
-      </p:par>
-    </p:tnLst>
-  </p:timing>
-</p:sld>
-</file>
-
-<file path=ppt/slides/slide6.xml><?xml version="1.0" encoding="utf-8"?>
-<p:sld xmlns:a="http://schemas.openxmlformats.org/drawingml/2006/main" xmlns:r="http://schemas.openxmlformats.org/officeDocument/2006/relationships" xmlns:p="http://schemas.openxmlformats.org/presentationml/2006/main">
-  <p:cSld>
-    <p:spTree>
-      <p:nvGrpSpPr>
-        <p:cNvPr id="1" name=""/>
-        <p:cNvGrpSpPr/>
-        <p:nvPr/>
-      </p:nvGrpSpPr>
-      <p:grpSpPr>
-        <a:xfrm>
-          <a:off x="0" y="0"/>
-          <a:ext cx="0" cy="0"/>
-          <a:chOff x="0" y="0"/>
-          <a:chExt cx="0" cy="0"/>
-        </a:xfrm>
-      </p:grpSpPr>
-      <p:sp>
-        <p:nvSpPr>
-          <p:cNvPr id="2" name="標題 1"/>
-          <p:cNvSpPr>
-            <a:spLocks noGrp="1"/>
-          </p:cNvSpPr>
-          <p:nvPr>
-            <p:ph type="title"/>
-          </p:nvPr>
-        </p:nvSpPr>
-        <p:spPr/>
-        <p:txBody>
-          <a:bodyPr/>
-          <a:lstStyle/>
-          <a:p>
-            <a:r>
-              <a:rPr lang="en-US" altLang="zh-TW" dirty="0" smtClean="0"/>
-              <a:t>Long Method</a:t>
-            </a:r>
-            <a:endParaRPr lang="zh-TW" altLang="en-US" dirty="0"/>
-          </a:p>
-        </p:txBody>
-      </p:sp>
-      <p:pic>
-        <p:nvPicPr>
-          <p:cNvPr id="3" name="圖片 2"/>
-          <p:cNvPicPr>
-            <a:picLocks noChangeAspect="1"/>
-          </p:cNvPicPr>
-          <p:nvPr/>
-        </p:nvPicPr>
-        <p:blipFill>
-          <a:blip r:embed="rId3"/>
-          <a:stretch>
-            <a:fillRect/>
-          </a:stretch>
-        </p:blipFill>
-        <p:spPr>
-          <a:xfrm>
-            <a:off x="465400" y="1323784"/>
-            <a:ext cx="10214791" cy="5385737"/>
-          </a:xfrm>
-          <a:prstGeom prst="rect">
-            <a:avLst/>
-          </a:prstGeom>
-        </p:spPr>
-      </p:pic>
-      <p:pic>
-        <p:nvPicPr>
-          <p:cNvPr id="5" name="圖片 4"/>
-          <p:cNvPicPr>
-            <a:picLocks noChangeAspect="1"/>
-          </p:cNvPicPr>
-          <p:nvPr/>
-        </p:nvPicPr>
-        <p:blipFill>
-          <a:blip r:embed="rId4"/>
-          <a:stretch>
-            <a:fillRect/>
-          </a:stretch>
-        </p:blipFill>
-        <p:spPr>
-          <a:xfrm>
-            <a:off x="5189410" y="1323784"/>
-            <a:ext cx="6789230" cy="2809875"/>
-          </a:xfrm>
-          <a:prstGeom prst="rect">
-            <a:avLst/>
-          </a:prstGeom>
-        </p:spPr>
-      </p:pic>
-    </p:spTree>
-    <p:extLst>
-      <p:ext uri="{BB962C8B-B14F-4D97-AF65-F5344CB8AC3E}">
-        <p14:creationId xmlns:p14="http://schemas.microsoft.com/office/powerpoint/2010/main" val="2431679402"/>
-      </p:ext>
-    </p:extLst>
-  </p:cSld>
-  <p:clrMapOvr>
-    <a:masterClrMapping/>
-  </p:clrMapOvr>
-  <p:timing>
-    <p:tnLst>
-      <p:par>
-        <p:cTn id="1" dur="indefinite" restart="never" nodeType="tmRoot">
-          <p:childTnLst>
-            <p:seq concurrent="1" nextAc="seek">
-              <p:cTn id="2" dur="indefinite" nodeType="mainSeq">
-                <p:childTnLst>
-                  <p:par>
-                    <p:cTn id="3" fill="hold">
-                      <p:stCondLst>
-                        <p:cond delay="indefinite"/>
-                      </p:stCondLst>
-                      <p:childTnLst>
-                        <p:par>
-                          <p:cTn id="4" fill="hold">
-                            <p:stCondLst>
-                              <p:cond delay="0"/>
-                            </p:stCondLst>
-                            <p:childTnLst>
-                              <p:par>
-                                <p:cTn id="5" presetID="10" presetClass="exit" presetSubtype="0" fill="hold" nodeType="clickEffect">
-                                  <p:stCondLst>
-                                    <p:cond delay="0"/>
-                                  </p:stCondLst>
-                                  <p:childTnLst>
-                                    <p:animEffect transition="out" filter="fade">
-                                      <p:cBhvr>
-                                        <p:cTn id="6" dur="500"/>
-                                        <p:tgtEl>
-                                          <p:spTgt spid="3"/>
-                                        </p:tgtEl>
-                                      </p:cBhvr>
-                                    </p:animEffect>
-                                    <p:set>
-                                      <p:cBhvr>
-                                        <p:cTn id="7" dur="1" fill="hold">
-                                          <p:stCondLst>
-                                            <p:cond delay="499"/>
-                                          </p:stCondLst>
-                                        </p:cTn>
-                                        <p:tgtEl>
-                                          <p:spTgt spid="3"/>
-                                        </p:tgtEl>
-                                        <p:attrNameLst>
-                                          <p:attrName>style.visibility</p:attrName>
-                                        </p:attrNameLst>
-                                      </p:cBhvr>
-                                      <p:to>
-                                        <p:strVal val="hidden"/>
-                                      </p:to>
-                                    </p:set>
-                                  </p:childTnLst>
-                                </p:cTn>
-                              </p:par>
-                            </p:childTnLst>
-                          </p:cTn>
-                        </p:par>
-                      </p:childTnLst>
-                    </p:cTn>
-                  </p:par>
-                </p:childTnLst>
-              </p:cTn>
-              <p:prevCondLst>
-                <p:cond evt="onPrev" delay="0">
-                  <p:tgtEl>
-                    <p:sldTgt/>
-                  </p:tgtEl>
-                </p:cond>
-              </p:prevCondLst>
-              <p:nextCondLst>
-                <p:cond evt="onNext" delay="0">
-                  <p:tgtEl>
-                    <p:sldTgt/>
-                  </p:tgtEl>
-                </p:cond>
-              </p:nextCondLst>
-            </p:seq>
-          </p:childTnLst>
-        </p:cTn>
-      </p:par>
-    </p:tnLst>
-  </p:timing>
-</p:sld>
-</file>
-
-<file path=ppt/slides/slide7.xml><?xml version="1.0" encoding="utf-8"?>
-<p:sld xmlns:a="http://schemas.openxmlformats.org/drawingml/2006/main" xmlns:r="http://schemas.openxmlformats.org/officeDocument/2006/relationships" xmlns:p="http://schemas.openxmlformats.org/presentationml/2006/main">
-  <p:cSld>
-    <p:spTree>
-      <p:nvGrpSpPr>
-        <p:cNvPr id="1" name=""/>
-        <p:cNvGrpSpPr/>
-        <p:nvPr/>
-      </p:nvGrpSpPr>
-      <p:grpSpPr>
-        <a:xfrm>
-          <a:off x="0" y="0"/>
-          <a:ext cx="0" cy="0"/>
-          <a:chOff x="0" y="0"/>
-          <a:chExt cx="0" cy="0"/>
-        </a:xfrm>
-      </p:grpSpPr>
-      <p:sp>
-        <p:nvSpPr>
-          <p:cNvPr id="2" name="標題 1"/>
-          <p:cNvSpPr>
-            <a:spLocks noGrp="1"/>
-          </p:cNvSpPr>
-          <p:nvPr>
-            <p:ph type="title"/>
-          </p:nvPr>
-        </p:nvSpPr>
-        <p:spPr/>
-        <p:txBody>
-          <a:bodyPr/>
-          <a:lstStyle/>
-          <a:p>
-            <a:r>
-              <a:rPr lang="en-US" altLang="zh-TW" dirty="0" smtClean="0"/>
-              <a:t>Large Class</a:t>
-            </a:r>
-            <a:endParaRPr lang="zh-TW" altLang="en-US" dirty="0"/>
-          </a:p>
-        </p:txBody>
-      </p:sp>
-      <p:sp>
-        <p:nvSpPr>
-          <p:cNvPr id="3" name="內容版面配置區 2"/>
-          <p:cNvSpPr>
-            <a:spLocks noGrp="1"/>
-          </p:cNvSpPr>
-          <p:nvPr>
-            <p:ph idx="1"/>
-          </p:nvPr>
-        </p:nvSpPr>
-        <p:spPr/>
-        <p:txBody>
-          <a:bodyPr/>
-          <a:lstStyle/>
-          <a:p>
-            <a:endParaRPr lang="zh-TW" altLang="en-US"/>
-          </a:p>
-        </p:txBody>
-      </p:sp>
-      <p:pic>
-        <p:nvPicPr>
-          <p:cNvPr id="4" name="圖片 3"/>
-          <p:cNvPicPr>
-            <a:picLocks noChangeAspect="1"/>
-          </p:cNvPicPr>
-          <p:nvPr/>
-        </p:nvPicPr>
-        <p:blipFill rotWithShape="1">
-          <a:blip r:embed="rId3"/>
-          <a:srcRect l="1166" t="1587" r="1391" b="1124"/>
-          <a:stretch/>
-        </p:blipFill>
-        <p:spPr>
-          <a:xfrm>
-            <a:off x="896645" y="1890944"/>
-            <a:ext cx="4882718" cy="4003830"/>
-          </a:xfrm>
-          <a:prstGeom prst="rect">
-            <a:avLst/>
-          </a:prstGeom>
-        </p:spPr>
-      </p:pic>
-      <p:pic>
-        <p:nvPicPr>
-          <p:cNvPr id="5" name="圖片 4"/>
-          <p:cNvPicPr>
-            <a:picLocks noChangeAspect="1"/>
-          </p:cNvPicPr>
-          <p:nvPr/>
-        </p:nvPicPr>
-        <p:blipFill rotWithShape="1">
-          <a:blip r:embed="rId4"/>
-          <a:srcRect l="1174" t="861" r="1999" b="735"/>
-          <a:stretch/>
-        </p:blipFill>
-        <p:spPr>
-          <a:xfrm>
-            <a:off x="6702640" y="1731146"/>
-            <a:ext cx="3959442" cy="4323426"/>
-          </a:xfrm>
-          <a:prstGeom prst="rect">
-            <a:avLst/>
-          </a:prstGeom>
-        </p:spPr>
-      </p:pic>
-    </p:spTree>
-    <p:extLst>
-      <p:ext uri="{BB962C8B-B14F-4D97-AF65-F5344CB8AC3E}">
-        <p14:creationId xmlns:p14="http://schemas.microsoft.com/office/powerpoint/2010/main" val="3218187690"/>
-      </p:ext>
-    </p:extLst>
-  </p:cSld>
-  <p:clrMapOvr>
-    <a:masterClrMapping/>
-  </p:clrMapOvr>
-  <p:timing>
-    <p:tnLst>
-      <p:par>
-        <p:cTn id="1" dur="indefinite" restart="never" nodeType="tmRoot"/>
-      </p:par>
-    </p:tnLst>
-  </p:timing>
-</p:sld>
-</file>
-
-<file path=ppt/slides/slide8.xml><?xml version="1.0" encoding="utf-8"?>
-<p:sld xmlns:a="http://schemas.openxmlformats.org/drawingml/2006/main" xmlns:r="http://schemas.openxmlformats.org/officeDocument/2006/relationships" xmlns:p="http://schemas.openxmlformats.org/presentationml/2006/main" show="0">
-  <p:cSld>
-    <p:spTree>
-      <p:nvGrpSpPr>
-        <p:cNvPr id="1" name=""/>
-        <p:cNvGrpSpPr/>
-        <p:nvPr/>
-      </p:nvGrpSpPr>
-      <p:grpSpPr>
-        <a:xfrm>
-          <a:off x="0" y="0"/>
-          <a:ext cx="0" cy="0"/>
-          <a:chOff x="0" y="0"/>
-          <a:chExt cx="0" cy="0"/>
-        </a:xfrm>
-      </p:grpSpPr>
-      <p:pic>
-        <p:nvPicPr>
-          <p:cNvPr id="9" name="圖片 8"/>
-          <p:cNvPicPr>
-            <a:picLocks noChangeAspect="1"/>
-          </p:cNvPicPr>
-          <p:nvPr/>
-        </p:nvPicPr>
-        <p:blipFill>
-          <a:blip r:embed="rId2">
-            <a:extLst>
-              <a:ext uri="{28A0092B-C50C-407E-A947-70E740481C1C}">
-                <a14:useLocalDpi xmlns:a14="http://schemas.microsoft.com/office/drawing/2010/main" val="0"/>
-              </a:ext>
-            </a:extLst>
-          </a:blip>
-          <a:stretch>
-            <a:fillRect/>
-          </a:stretch>
-        </p:blipFill>
-        <p:spPr>
-          <a:xfrm>
-            <a:off x="2366387" y="1604388"/>
-            <a:ext cx="7620000" cy="3810000"/>
-          </a:xfrm>
-          <a:prstGeom prst="rect">
-            <a:avLst/>
-          </a:prstGeom>
-        </p:spPr>
-      </p:pic>
-    </p:spTree>
-    <p:extLst>
-      <p:ext uri="{BB962C8B-B14F-4D97-AF65-F5344CB8AC3E}">
-        <p14:creationId xmlns:p14="http://schemas.microsoft.com/office/powerpoint/2010/main" val="4019935976"/>
-      </p:ext>
-    </p:extLst>
-  </p:cSld>
-  <p:clrMapOvr>
-    <a:masterClrMapping/>
-  </p:clrMapOvr>
-  <mc:AlternateContent xmlns:mc="http://schemas.openxmlformats.org/markup-compatibility/2006">
-    <mc:Choice xmlns:p14="http://schemas.microsoft.com/office/powerpoint/2010/main" Requires="p14">
-      <p:transition spd="slow" p14:dur="2000"/>
-    </mc:Choice>
-    <mc:Fallback>
-      <p:transition spd="slow"/>
-    </mc:Fallback>
-  </mc:AlternateContent>
-  <p:timing>
-    <p:tnLst>
-      <p:par>
-        <p:cTn id="1" dur="indefinite" restart="never" nodeType="tmRoot"/>
-      </p:par>
-    </p:tnLst>
-  </p:timing>
-</p:sld>
-</file>
-
-<file path=ppt/slides/slide9.xml><?xml version="1.0" encoding="utf-8"?>
-<p:sld xmlns:a="http://schemas.openxmlformats.org/drawingml/2006/main" xmlns:r="http://schemas.openxmlformats.org/officeDocument/2006/relationships" xmlns:p="http://schemas.openxmlformats.org/presentationml/2006/main">
-  <p:cSld>
-    <p:spTree>
-      <p:nvGrpSpPr>
-        <p:cNvPr id="1" name=""/>
-        <p:cNvGrpSpPr/>
-        <p:nvPr/>
-      </p:nvGrpSpPr>
-      <p:grpSpPr>
-        <a:xfrm>
-          <a:off x="0" y="0"/>
-          <a:ext cx="0" cy="0"/>
-          <a:chOff x="0" y="0"/>
-          <a:chExt cx="0" cy="0"/>
-        </a:xfrm>
-      </p:grpSpPr>
-      <p:sp>
-        <p:nvSpPr>
-          <p:cNvPr id="2" name="標題 1"/>
-          <p:cNvSpPr>
-            <a:spLocks noGrp="1"/>
-          </p:cNvSpPr>
-          <p:nvPr>
-            <p:ph type="title"/>
-          </p:nvPr>
-        </p:nvSpPr>
-        <p:spPr/>
-        <p:txBody>
-          <a:bodyPr/>
-          <a:lstStyle/>
-          <a:p>
-            <a:r>
-              <a:rPr lang="en-US" altLang="zh-TW" dirty="0" smtClean="0"/>
-              <a:t>Long Parameter List(Data Clumps)</a:t>
-            </a:r>
-            <a:endParaRPr lang="zh-TW" altLang="en-US" dirty="0"/>
-          </a:p>
-        </p:txBody>
-      </p:sp>
-      <p:sp>
-        <p:nvSpPr>
-          <p:cNvPr id="3" name="內容版面配置區 2"/>
-          <p:cNvSpPr>
-            <a:spLocks noGrp="1"/>
-          </p:cNvSpPr>
-          <p:nvPr>
-            <p:ph idx="1"/>
-          </p:nvPr>
-        </p:nvSpPr>
-        <p:spPr/>
-        <p:txBody>
-          <a:bodyPr/>
-          <a:lstStyle/>
-          <a:p>
-            <a:endParaRPr lang="zh-TW" altLang="en-US" dirty="0"/>
-          </a:p>
-        </p:txBody>
-      </p:sp>
-      <p:pic>
-        <p:nvPicPr>
-          <p:cNvPr id="4" name="圖片 3"/>
-          <p:cNvPicPr>
-            <a:picLocks noChangeAspect="1"/>
-          </p:cNvPicPr>
-          <p:nvPr/>
-        </p:nvPicPr>
-        <p:blipFill rotWithShape="1">
-          <a:blip r:embed="rId3"/>
-          <a:srcRect l="711" t="1307" r="1" b="443"/>
-          <a:stretch/>
-        </p:blipFill>
-        <p:spPr>
-          <a:xfrm>
-            <a:off x="852256" y="2246050"/>
-            <a:ext cx="4958688" cy="3275861"/>
-          </a:xfrm>
-          <a:prstGeom prst="rect">
-            <a:avLst/>
-          </a:prstGeom>
-        </p:spPr>
-      </p:pic>
-      <p:grpSp>
-        <p:nvGrpSpPr>
-          <p:cNvPr id="7" name="群組 6"/>
-          <p:cNvGrpSpPr/>
-          <p:nvPr/>
-        </p:nvGrpSpPr>
-        <p:grpSpPr>
-          <a:xfrm>
-            <a:off x="6373427" y="2760955"/>
-            <a:ext cx="4882719" cy="2246050"/>
-            <a:chOff x="6418555" y="2743200"/>
-            <a:chExt cx="4882719" cy="2246050"/>
-          </a:xfrm>
-        </p:grpSpPr>
-        <p:pic>
-          <p:nvPicPr>
-            <p:cNvPr id="5" name="圖片 4"/>
-            <p:cNvPicPr>
-              <a:picLocks noChangeAspect="1"/>
-            </p:cNvPicPr>
-            <p:nvPr/>
-          </p:nvPicPr>
-          <p:blipFill rotWithShape="1">
-            <a:blip r:embed="rId4"/>
-            <a:srcRect l="1320" t="1936" r="1051" b="2222"/>
-            <a:stretch/>
-          </p:blipFill>
-          <p:spPr>
-            <a:xfrm>
-              <a:off x="6418555" y="2743200"/>
-              <a:ext cx="4882719" cy="2246050"/>
-            </a:xfrm>
-            <a:prstGeom prst="rect">
-              <a:avLst/>
-            </a:prstGeom>
-          </p:spPr>
-        </p:pic>
-        <p:sp>
-          <p:nvSpPr>
-            <p:cNvPr id="6" name="矩形 5"/>
-            <p:cNvSpPr/>
-            <p:nvPr/>
-          </p:nvSpPr>
-          <p:spPr>
-            <a:xfrm>
-              <a:off x="9171373" y="3506679"/>
-              <a:ext cx="2129901" cy="1482571"/>
-            </a:xfrm>
-            <a:prstGeom prst="rect">
-              <a:avLst/>
-            </a:prstGeom>
-            <a:solidFill>
-              <a:schemeClr val="tx1"/>
-            </a:solidFill>
-            <a:ln>
-              <a:noFill/>
-            </a:ln>
-          </p:spPr>
-          <p:style>
-            <a:lnRef idx="2">
-              <a:schemeClr val="accent1">
-                <a:shade val="50000"/>
-              </a:schemeClr>
-            </a:lnRef>
-            <a:fillRef idx="1">
-              <a:schemeClr val="accent1"/>
-            </a:fillRef>
-            <a:effectRef idx="0">
-              <a:schemeClr val="accent1"/>
-            </a:effectRef>
-            <a:fontRef idx="minor">
-              <a:schemeClr val="lt1"/>
-            </a:fontRef>
-          </p:style>
-          <p:txBody>
-            <a:bodyPr rtlCol="0" anchor="ctr"/>
-            <a:lstStyle/>
-            <a:p>
-              <a:pPr algn="ctr"/>
-              <a:endParaRPr lang="zh-TW" altLang="en-US"/>
-            </a:p>
-          </p:txBody>
-        </p:sp>
-      </p:grpSp>
-    </p:spTree>
-    <p:extLst>
-      <p:ext uri="{BB962C8B-B14F-4D97-AF65-F5344CB8AC3E}">
-        <p14:creationId xmlns:p14="http://schemas.microsoft.com/office/powerpoint/2010/main" val="3100645136"/>
-      </p:ext>
-    </p:extLst>
-  </p:cSld>
-  <p:clrMapOvr>
-    <a:masterClrMapping/>
-  </p:clrMapOvr>
-  <p:timing>
-    <p:tnLst>
-      <p:par>
-        <p:cTn id="1" dur="indefinite" restart="never" nodeType="tmRoot"/>
       </p:par>
     </p:tnLst>
   </p:timing>

--- a/Code Smell.pptx
+++ b/Code Smell.pptx
@@ -5,7 +5,7 @@
     <p:sldMasterId id="2147483648" r:id="rId1"/>
   </p:sldMasterIdLst>
   <p:notesMasterIdLst>
-    <p:notesMasterId r:id="rId20"/>
+    <p:notesMasterId r:id="rId22"/>
   </p:notesMasterIdLst>
   <p:sldIdLst>
     <p:sldId id="271" r:id="rId2"/>
@@ -26,6 +26,8 @@
     <p:sldId id="263" r:id="rId17"/>
     <p:sldId id="265" r:id="rId18"/>
     <p:sldId id="267" r:id="rId19"/>
+    <p:sldId id="275" r:id="rId20"/>
+    <p:sldId id="276" r:id="rId21"/>
   </p:sldIdLst>
   <p:sldSz cx="12192000" cy="6858000"/>
   <p:notesSz cx="6858000" cy="9144000"/>
@@ -6065,6 +6067,205 @@
 </p:sld>
 </file>
 
+<file path=ppt/slides/slide19.xml><?xml version="1.0" encoding="utf-8"?>
+<p:sld xmlns:a="http://schemas.openxmlformats.org/drawingml/2006/main" xmlns:r="http://schemas.openxmlformats.org/officeDocument/2006/relationships" xmlns:p="http://schemas.openxmlformats.org/presentationml/2006/main" show="0">
+  <p:cSld>
+    <p:spTree>
+      <p:nvGrpSpPr>
+        <p:cNvPr id="1" name=""/>
+        <p:cNvGrpSpPr/>
+        <p:nvPr/>
+      </p:nvGrpSpPr>
+      <p:grpSpPr>
+        <a:xfrm>
+          <a:off x="0" y="0"/>
+          <a:ext cx="0" cy="0"/>
+          <a:chOff x="0" y="0"/>
+          <a:chExt cx="0" cy="0"/>
+        </a:xfrm>
+      </p:grpSpPr>
+      <p:sp>
+        <p:nvSpPr>
+          <p:cNvPr id="2" name="標題 1"/>
+          <p:cNvSpPr>
+            <a:spLocks noGrp="1"/>
+          </p:cNvSpPr>
+          <p:nvPr>
+            <p:ph type="title"/>
+          </p:nvPr>
+        </p:nvSpPr>
+        <p:spPr/>
+        <p:txBody>
+          <a:bodyPr/>
+          <a:lstStyle/>
+          <a:p>
+            <a:r>
+              <a:rPr lang="en-US" altLang="zh-TW" dirty="0" err="1"/>
+              <a:t>q</a:t>
+            </a:r>
+            <a:r>
+              <a:rPr lang="en-US" altLang="zh-TW" dirty="0" err="1" smtClean="0"/>
+              <a:t>uiz.h</a:t>
+            </a:r>
+            <a:endParaRPr lang="zh-TW" altLang="en-US" dirty="0"/>
+          </a:p>
+        </p:txBody>
+      </p:sp>
+      <p:sp>
+        <p:nvSpPr>
+          <p:cNvPr id="3" name="內容版面配置區 2"/>
+          <p:cNvSpPr>
+            <a:spLocks noGrp="1"/>
+          </p:cNvSpPr>
+          <p:nvPr>
+            <p:ph idx="1"/>
+          </p:nvPr>
+        </p:nvSpPr>
+        <p:spPr/>
+        <p:txBody>
+          <a:bodyPr/>
+          <a:lstStyle/>
+          <a:p>
+            <a:r>
+              <a:rPr lang="en-US" altLang="zh-TW" dirty="0" err="1" smtClean="0"/>
+              <a:t>questionVector</a:t>
+            </a:r>
+            <a:r>
+              <a:rPr lang="en-US" altLang="zh-TW" dirty="0" smtClean="0"/>
+              <a:t> </a:t>
+            </a:r>
+            <a:r>
+              <a:rPr lang="zh-TW" altLang="en-US" dirty="0" smtClean="0"/>
+              <a:t>應該為 </a:t>
+            </a:r>
+            <a:r>
+              <a:rPr lang="en-US" altLang="zh-TW" dirty="0" smtClean="0"/>
+              <a:t>questions</a:t>
+            </a:r>
+            <a:r>
+              <a:rPr lang="zh-TW" altLang="en-US" dirty="0" smtClean="0"/>
+              <a:t>，不應該出現型態</a:t>
+            </a:r>
+            <a:r>
+              <a:rPr lang="en-US" altLang="zh-TW" dirty="0" smtClean="0"/>
+              <a:t>.</a:t>
+            </a:r>
+          </a:p>
+          <a:p>
+            <a:r>
+              <a:rPr lang="en-US" altLang="zh-TW" dirty="0" err="1" smtClean="0"/>
+              <a:t>scoreCal</a:t>
+            </a:r>
+            <a:r>
+              <a:rPr lang="en-US" altLang="zh-TW" dirty="0" smtClean="0"/>
+              <a:t> </a:t>
+            </a:r>
+          </a:p>
+          <a:p>
+            <a:pPr lvl="1"/>
+            <a:r>
+              <a:rPr lang="en-US" altLang="zh-TW" dirty="0"/>
+              <a:t>t</a:t>
+            </a:r>
+            <a:r>
+              <a:rPr lang="en-US" altLang="zh-TW" dirty="0" smtClean="0"/>
+              <a:t>emp </a:t>
+            </a:r>
+            <a:r>
+              <a:rPr lang="zh-TW" altLang="en-US" dirty="0" smtClean="0"/>
+              <a:t>重複使用，應直接使用</a:t>
+            </a:r>
+            <a:r>
+              <a:rPr lang="en-US" altLang="zh-TW" dirty="0" err="1" smtClean="0"/>
+              <a:t>totalScore</a:t>
+            </a:r>
+            <a:r>
+              <a:rPr lang="zh-TW" altLang="en-US" dirty="0" smtClean="0"/>
+              <a:t>加總</a:t>
+            </a:r>
+            <a:endParaRPr lang="en-US" altLang="zh-TW" dirty="0" smtClean="0"/>
+          </a:p>
+          <a:p>
+            <a:pPr lvl="1"/>
+            <a:r>
+              <a:rPr lang="en-US" altLang="zh-TW" dirty="0" smtClean="0"/>
+              <a:t>19</a:t>
+            </a:r>
+            <a:r>
+              <a:rPr lang="zh-TW" altLang="en-US" dirty="0" smtClean="0"/>
+              <a:t>行，</a:t>
+            </a:r>
+            <a:r>
+              <a:rPr lang="en-US" altLang="zh-TW" dirty="0" smtClean="0"/>
+              <a:t>2.5</a:t>
+            </a:r>
+            <a:r>
+              <a:rPr lang="zh-TW" altLang="en-US" dirty="0" smtClean="0"/>
+              <a:t>為常數，應宣告為常數。</a:t>
+            </a:r>
+            <a:endParaRPr lang="en-US" altLang="zh-TW" dirty="0" smtClean="0"/>
+          </a:p>
+          <a:p>
+            <a:r>
+              <a:rPr lang="en-US" altLang="zh-TW" dirty="0" err="1" smtClean="0"/>
+              <a:t>changeQuestionScore</a:t>
+            </a:r>
+            <a:endParaRPr lang="en-US" altLang="zh-TW" dirty="0" smtClean="0"/>
+          </a:p>
+          <a:p>
+            <a:pPr lvl="1"/>
+            <a:r>
+              <a:rPr lang="zh-TW" altLang="en-US" dirty="0" smtClean="0"/>
+              <a:t>參數</a:t>
+            </a:r>
+            <a:r>
+              <a:rPr lang="en-US" altLang="zh-TW" dirty="0" smtClean="0"/>
+              <a:t>q</a:t>
+            </a:r>
+            <a:r>
+              <a:rPr lang="zh-TW" altLang="en-US" dirty="0" smtClean="0"/>
+              <a:t>，應為</a:t>
+            </a:r>
+            <a:r>
+              <a:rPr lang="en-US" altLang="zh-TW" dirty="0" smtClean="0"/>
+              <a:t>question</a:t>
+            </a:r>
+          </a:p>
+          <a:p>
+            <a:pPr lvl="1"/>
+            <a:r>
+              <a:rPr lang="zh-TW" altLang="en-US" dirty="0" smtClean="0"/>
+              <a:t>這個函式應移到</a:t>
+            </a:r>
+            <a:r>
+              <a:rPr lang="en-US" altLang="zh-TW" dirty="0" err="1" smtClean="0"/>
+              <a:t>question.h</a:t>
+            </a:r>
+            <a:endParaRPr lang="en-US" altLang="zh-TW" dirty="0"/>
+          </a:p>
+        </p:txBody>
+      </p:sp>
+    </p:spTree>
+    <p:extLst>
+      <p:ext uri="{BB962C8B-B14F-4D97-AF65-F5344CB8AC3E}">
+        <p14:creationId xmlns:p14="http://schemas.microsoft.com/office/powerpoint/2010/main" val="966248900"/>
+      </p:ext>
+    </p:extLst>
+  </p:cSld>
+  <p:clrMapOvr>
+    <a:masterClrMapping/>
+  </p:clrMapOvr>
+  <mc:AlternateContent xmlns:mc="http://schemas.openxmlformats.org/markup-compatibility/2006">
+    <mc:Choice xmlns:p14="http://schemas.microsoft.com/office/powerpoint/2010/main" Requires="p14">
+      <p:transition spd="slow" p14:dur="2000"/>
+    </mc:Choice>
+    <mc:Fallback>
+      <p:transition spd="slow"/>
+    </mc:Fallback>
+  </mc:AlternateContent>
+</p:sld>
+</file>
+
 <file path=ppt/slides/slide2.xml><?xml version="1.0" encoding="utf-8"?>
 <p:sld xmlns:a="http://schemas.openxmlformats.org/drawingml/2006/main" xmlns:r="http://schemas.openxmlformats.org/officeDocument/2006/relationships" xmlns:p="http://schemas.openxmlformats.org/presentationml/2006/main">
   <p:cSld>
@@ -6310,6 +6511,138 @@
       </p:par>
     </p:tnLst>
   </p:timing>
+</p:sld>
+</file>
+
+<file path=ppt/slides/slide20.xml><?xml version="1.0" encoding="utf-8"?>
+<p:sld xmlns:a="http://schemas.openxmlformats.org/drawingml/2006/main" xmlns:r="http://schemas.openxmlformats.org/officeDocument/2006/relationships" xmlns:p="http://schemas.openxmlformats.org/presentationml/2006/main" show="0">
+  <p:cSld>
+    <p:spTree>
+      <p:nvGrpSpPr>
+        <p:cNvPr id="1" name=""/>
+        <p:cNvGrpSpPr/>
+        <p:nvPr/>
+      </p:nvGrpSpPr>
+      <p:grpSpPr>
+        <a:xfrm>
+          <a:off x="0" y="0"/>
+          <a:ext cx="0" cy="0"/>
+          <a:chOff x="0" y="0"/>
+          <a:chExt cx="0" cy="0"/>
+        </a:xfrm>
+      </p:grpSpPr>
+      <p:sp>
+        <p:nvSpPr>
+          <p:cNvPr id="2" name="標題 1"/>
+          <p:cNvSpPr>
+            <a:spLocks noGrp="1"/>
+          </p:cNvSpPr>
+          <p:nvPr>
+            <p:ph type="title"/>
+          </p:nvPr>
+        </p:nvSpPr>
+        <p:spPr/>
+        <p:txBody>
+          <a:bodyPr/>
+          <a:lstStyle/>
+          <a:p>
+            <a:r>
+              <a:rPr lang="en-US" altLang="zh-TW" dirty="0" err="1" smtClean="0"/>
+              <a:t>questions.h</a:t>
+            </a:r>
+            <a:endParaRPr lang="zh-TW" altLang="en-US" dirty="0"/>
+          </a:p>
+        </p:txBody>
+      </p:sp>
+      <p:sp>
+        <p:nvSpPr>
+          <p:cNvPr id="3" name="內容版面配置區 2"/>
+          <p:cNvSpPr>
+            <a:spLocks noGrp="1"/>
+          </p:cNvSpPr>
+          <p:nvPr>
+            <p:ph idx="1"/>
+          </p:nvPr>
+        </p:nvSpPr>
+        <p:spPr/>
+        <p:txBody>
+          <a:bodyPr/>
+          <a:lstStyle/>
+          <a:p>
+            <a:r>
+              <a:rPr lang="en-US" altLang="zh-TW" dirty="0" smtClean="0"/>
+              <a:t>Constructor</a:t>
+            </a:r>
+            <a:r>
+              <a:rPr lang="zh-TW" altLang="en-US" dirty="0" smtClean="0"/>
+              <a:t>為</a:t>
+            </a:r>
+            <a:r>
+              <a:rPr lang="en-US" altLang="zh-TW" dirty="0" smtClean="0"/>
+              <a:t>long parameter</a:t>
+            </a:r>
+          </a:p>
+          <a:p>
+            <a:r>
+              <a:rPr lang="en-US" altLang="zh-TW" dirty="0" smtClean="0"/>
+              <a:t>Private</a:t>
+            </a:r>
+            <a:r>
+              <a:rPr lang="zh-TW" altLang="en-US" dirty="0" smtClean="0"/>
+              <a:t> 的變數命名應為 </a:t>
+            </a:r>
+            <a:r>
+              <a:rPr lang="en-US" altLang="zh-TW" dirty="0" smtClean="0"/>
+              <a:t>question, answer</a:t>
+            </a:r>
+          </a:p>
+          <a:p>
+            <a:r>
+              <a:rPr lang="en-US" altLang="zh-TW" dirty="0" smtClean="0"/>
+              <a:t>Index</a:t>
+            </a:r>
+            <a:r>
+              <a:rPr lang="zh-TW" altLang="en-US" dirty="0" smtClean="0"/>
+              <a:t>應為</a:t>
+            </a:r>
+            <a:r>
+              <a:rPr lang="en-US" altLang="zh-TW" dirty="0" smtClean="0"/>
+              <a:t>private</a:t>
+            </a:r>
+            <a:r>
+              <a:rPr lang="zh-TW" altLang="en-US" dirty="0" smtClean="0"/>
+              <a:t>，不可被</a:t>
+            </a:r>
+            <a:r>
+              <a:rPr lang="en-US" altLang="zh-TW" dirty="0" err="1" smtClean="0"/>
+              <a:t>quiz.h</a:t>
+            </a:r>
+            <a:r>
+              <a:rPr lang="zh-TW" altLang="en-US" dirty="0" smtClean="0"/>
+              <a:t>直接使用</a:t>
+            </a:r>
+            <a:endParaRPr lang="zh-TW" altLang="en-US" dirty="0"/>
+          </a:p>
+        </p:txBody>
+      </p:sp>
+    </p:spTree>
+    <p:extLst>
+      <p:ext uri="{BB962C8B-B14F-4D97-AF65-F5344CB8AC3E}">
+        <p14:creationId xmlns:p14="http://schemas.microsoft.com/office/powerpoint/2010/main" val="1668470761"/>
+      </p:ext>
+    </p:extLst>
+  </p:cSld>
+  <p:clrMapOvr>
+    <a:masterClrMapping/>
+  </p:clrMapOvr>
+  <mc:AlternateContent xmlns:mc="http://schemas.openxmlformats.org/markup-compatibility/2006">
+    <mc:Choice xmlns:p14="http://schemas.microsoft.com/office/powerpoint/2010/main" Requires="p14">
+      <p:transition spd="slow" p14:dur="2000"/>
+    </mc:Choice>
+    <mc:Fallback>
+      <p:transition spd="slow"/>
+    </mc:Fallback>
+  </mc:AlternateContent>
 </p:sld>
 </file>
 

--- a/Code Smell.pptx
+++ b/Code Smell.pptx
@@ -5,29 +5,31 @@
     <p:sldMasterId id="2147483648" r:id="rId1"/>
   </p:sldMasterIdLst>
   <p:notesMasterIdLst>
-    <p:notesMasterId r:id="rId22"/>
+    <p:notesMasterId r:id="rId24"/>
   </p:notesMasterIdLst>
   <p:sldIdLst>
-    <p:sldId id="271" r:id="rId2"/>
-    <p:sldId id="272" r:id="rId3"/>
-    <p:sldId id="273" r:id="rId4"/>
-    <p:sldId id="274" r:id="rId5"/>
-    <p:sldId id="256" r:id="rId6"/>
-    <p:sldId id="266" r:id="rId7"/>
-    <p:sldId id="257" r:id="rId8"/>
-    <p:sldId id="258" r:id="rId9"/>
-    <p:sldId id="268" r:id="rId10"/>
-    <p:sldId id="269" r:id="rId11"/>
-    <p:sldId id="259" r:id="rId12"/>
-    <p:sldId id="270" r:id="rId13"/>
-    <p:sldId id="260" r:id="rId14"/>
-    <p:sldId id="261" r:id="rId15"/>
-    <p:sldId id="262" r:id="rId16"/>
-    <p:sldId id="263" r:id="rId17"/>
-    <p:sldId id="265" r:id="rId18"/>
-    <p:sldId id="267" r:id="rId19"/>
-    <p:sldId id="275" r:id="rId20"/>
-    <p:sldId id="276" r:id="rId21"/>
+    <p:sldId id="278" r:id="rId2"/>
+    <p:sldId id="279" r:id="rId3"/>
+    <p:sldId id="271" r:id="rId4"/>
+    <p:sldId id="272" r:id="rId5"/>
+    <p:sldId id="273" r:id="rId6"/>
+    <p:sldId id="274" r:id="rId7"/>
+    <p:sldId id="256" r:id="rId8"/>
+    <p:sldId id="257" r:id="rId9"/>
+    <p:sldId id="258" r:id="rId10"/>
+    <p:sldId id="268" r:id="rId11"/>
+    <p:sldId id="269" r:id="rId12"/>
+    <p:sldId id="259" r:id="rId13"/>
+    <p:sldId id="280" r:id="rId14"/>
+    <p:sldId id="260" r:id="rId15"/>
+    <p:sldId id="261" r:id="rId16"/>
+    <p:sldId id="262" r:id="rId17"/>
+    <p:sldId id="263" r:id="rId18"/>
+    <p:sldId id="265" r:id="rId19"/>
+    <p:sldId id="267" r:id="rId20"/>
+    <p:sldId id="277" r:id="rId21"/>
+    <p:sldId id="275" r:id="rId22"/>
+    <p:sldId id="276" r:id="rId23"/>
   </p:sldIdLst>
   <p:sldSz cx="12192000" cy="6858000"/>
   <p:notesSz cx="6858000" cy="9144000"/>
@@ -216,7 +218,7 @@
           <a:p>
             <a:fld id="{E548DB74-2314-4E87-853B-A0EF234CA4E0}" type="datetimeFigureOut">
               <a:rPr lang="zh-TW" altLang="en-US" smtClean="0"/>
-              <a:t>2019/8/23</a:t>
+              <a:t>2019/8/25</a:t>
             </a:fld>
             <a:endParaRPr lang="zh-TW" altLang="en-US"/>
           </a:p>
@@ -547,12 +549,81 @@
             </a:pPr>
             <a:r>
               <a:rPr lang="zh-TW" altLang="en-US" dirty="0" smtClean="0"/>
-              <a:t>任何傻瓜都能寫出電腦能懂的程式碼。而只有好的程 式設計師才能寫出人能懂的程式碼 </a:t>
+              <a:t>為什麼 我們會一起上課 因為我們都是 軟體工程實驗室 </a:t>
             </a:r>
             <a:r>
               <a:rPr lang="en-US" altLang="zh-TW" dirty="0" smtClean="0"/>
-              <a:t>- Martin Fowler.</a:t>
-            </a:r>
+              <a:t>–</a:t>
+            </a:r>
+            <a:r>
+              <a:rPr lang="zh-TW" altLang="en-US" dirty="0" smtClean="0"/>
+              <a:t>軟體工程 不是追求最新技術的一們學問 而是一個講求步驟，作對的軟體，嚴謹的一門學問 他是一門工程，工程就跟蓋房子一樣 亂蓋的房子你敢住嗎 </a:t>
+            </a:r>
+            <a:r>
+              <a:rPr lang="en-US" altLang="zh-TW" dirty="0" smtClean="0"/>
+              <a:t>?</a:t>
+            </a:r>
+            <a:r>
+              <a:rPr lang="zh-TW" altLang="en-US" dirty="0" smtClean="0"/>
+              <a:t> </a:t>
+            </a:r>
+            <a:endParaRPr lang="en-US" altLang="zh-TW" dirty="0" smtClean="0"/>
+          </a:p>
+          <a:p>
+            <a:pPr marL="0" marR="0" indent="0" algn="l" defTabSz="914400" rtl="0" eaLnBrk="1" fontAlgn="auto" latinLnBrk="0" hangingPunct="1">
+              <a:lnSpc>
+                <a:spcPct val="100000"/>
+              </a:lnSpc>
+              <a:spcBef>
+                <a:spcPts val="0"/>
+              </a:spcBef>
+              <a:spcAft>
+                <a:spcPts val="0"/>
+              </a:spcAft>
+              <a:buClrTx/>
+              <a:buSzTx/>
+              <a:buFontTx/>
+              <a:buNone/>
+              <a:tabLst/>
+              <a:defRPr/>
+            </a:pPr>
+            <a:r>
+              <a:rPr lang="zh-TW" altLang="en-US" dirty="0" smtClean="0"/>
+              <a:t>你有看過</a:t>
+            </a:r>
+            <a:r>
+              <a:rPr lang="en-US" altLang="zh-TW" dirty="0" smtClean="0"/>
+              <a:t>101</a:t>
+            </a:r>
+            <a:r>
+              <a:rPr lang="zh-TW" altLang="en-US" dirty="0" smtClean="0"/>
+              <a:t>再蓋最後幾層 因為</a:t>
+            </a:r>
+            <a:r>
+              <a:rPr lang="en-US" altLang="zh-TW" dirty="0" smtClean="0"/>
+              <a:t>deadline </a:t>
+            </a:r>
+            <a:r>
+              <a:rPr lang="zh-TW" altLang="en-US" dirty="0" smtClean="0"/>
+              <a:t>快到了所以最後幾層是歪的嗎 </a:t>
+            </a:r>
+            <a:r>
+              <a:rPr lang="en-US" altLang="zh-TW" dirty="0" smtClean="0"/>
+              <a:t>?</a:t>
+            </a:r>
+            <a:r>
+              <a:rPr lang="zh-TW" altLang="en-US" dirty="0" smtClean="0"/>
+              <a:t> 沒有  所以 品質不是在繳卷的時候 才來顧慮 而是要落實在你寫的每一行</a:t>
+            </a:r>
+            <a:r>
+              <a:rPr lang="en-US" altLang="zh-TW" dirty="0" smtClean="0"/>
+              <a:t>CODD</a:t>
+            </a:r>
+            <a:r>
+              <a:rPr lang="zh-TW" altLang="en-US" dirty="0" smtClean="0"/>
+              <a:t>，把追求品質變成一種習慣</a:t>
+            </a:r>
+            <a:endParaRPr lang="en-US" altLang="zh-TW" dirty="0" smtClean="0"/>
           </a:p>
           <a:p>
             <a:endParaRPr lang="zh-TW" altLang="en-US" dirty="0"/>
@@ -576,7 +647,7 @@
           <a:p>
             <a:fld id="{7AB35483-DF51-4F66-A021-057FB6E8D2BA}" type="slidenum">
               <a:rPr lang="zh-TW" altLang="en-US" smtClean="0"/>
-              <a:t>6</a:t>
+              <a:t>1</a:t>
             </a:fld>
             <a:endParaRPr lang="zh-TW" altLang="en-US"/>
           </a:p>
@@ -585,7 +656,366 @@
     </p:spTree>
     <p:extLst>
       <p:ext uri="{BB962C8B-B14F-4D97-AF65-F5344CB8AC3E}">
-        <p14:creationId xmlns:p14="http://schemas.microsoft.com/office/powerpoint/2010/main" val="2203915009"/>
+        <p14:creationId xmlns:p14="http://schemas.microsoft.com/office/powerpoint/2010/main" val="3655673451"/>
+      </p:ext>
+    </p:extLst>
+  </p:cSld>
+  <p:clrMapOvr>
+    <a:masterClrMapping/>
+  </p:clrMapOvr>
+</p:notes>
+</file>
+
+<file path=ppt/notesSlides/notesSlide10.xml><?xml version="1.0" encoding="utf-8"?>
+<p:notes xmlns:a="http://schemas.openxmlformats.org/drawingml/2006/main" xmlns:r="http://schemas.openxmlformats.org/officeDocument/2006/relationships" xmlns:p="http://schemas.openxmlformats.org/presentationml/2006/main">
+  <p:cSld>
+    <p:spTree>
+      <p:nvGrpSpPr>
+        <p:cNvPr id="1" name=""/>
+        <p:cNvGrpSpPr/>
+        <p:nvPr/>
+      </p:nvGrpSpPr>
+      <p:grpSpPr>
+        <a:xfrm>
+          <a:off x="0" y="0"/>
+          <a:ext cx="0" cy="0"/>
+          <a:chOff x="0" y="0"/>
+          <a:chExt cx="0" cy="0"/>
+        </a:xfrm>
+      </p:grpSpPr>
+      <p:sp>
+        <p:nvSpPr>
+          <p:cNvPr id="2" name="投影片圖像版面配置區 1"/>
+          <p:cNvSpPr>
+            <a:spLocks noGrp="1" noRot="1" noChangeAspect="1"/>
+          </p:cNvSpPr>
+          <p:nvPr>
+            <p:ph type="sldImg"/>
+          </p:nvPr>
+        </p:nvSpPr>
+        <p:spPr/>
+      </p:sp>
+      <p:sp>
+        <p:nvSpPr>
+          <p:cNvPr id="3" name="備忘稿版面配置區 2"/>
+          <p:cNvSpPr>
+            <a:spLocks noGrp="1"/>
+          </p:cNvSpPr>
+          <p:nvPr>
+            <p:ph type="body" idx="1"/>
+          </p:nvPr>
+        </p:nvSpPr>
+        <p:spPr/>
+        <p:txBody>
+          <a:bodyPr/>
+          <a:lstStyle/>
+          <a:p>
+            <a:r>
+              <a:rPr lang="zh-TW" altLang="en-US" dirty="0" smtClean="0"/>
+              <a:t>三次法則 第一次做某件事你就單純去做他  第二次作類似的事會產生反感 但還是做了 第三次在做類似的事 你就應該要重購</a:t>
+            </a:r>
+            <a:endParaRPr lang="zh-TW" altLang="en-US" dirty="0"/>
+          </a:p>
+        </p:txBody>
+      </p:sp>
+      <p:sp>
+        <p:nvSpPr>
+          <p:cNvPr id="4" name="投影片編號版面配置區 3"/>
+          <p:cNvSpPr>
+            <a:spLocks noGrp="1"/>
+          </p:cNvSpPr>
+          <p:nvPr>
+            <p:ph type="sldNum" sz="quarter" idx="10"/>
+          </p:nvPr>
+        </p:nvSpPr>
+        <p:spPr/>
+        <p:txBody>
+          <a:bodyPr/>
+          <a:lstStyle/>
+          <a:p>
+            <a:fld id="{7AB35483-DF51-4F66-A021-057FB6E8D2BA}" type="slidenum">
+              <a:rPr lang="zh-TW" altLang="en-US" smtClean="0"/>
+              <a:t>14</a:t>
+            </a:fld>
+            <a:endParaRPr lang="zh-TW" altLang="en-US"/>
+          </a:p>
+        </p:txBody>
+      </p:sp>
+    </p:spTree>
+    <p:extLst>
+      <p:ext uri="{BB962C8B-B14F-4D97-AF65-F5344CB8AC3E}">
+        <p14:creationId xmlns:p14="http://schemas.microsoft.com/office/powerpoint/2010/main" val="2764117087"/>
+      </p:ext>
+    </p:extLst>
+  </p:cSld>
+  <p:clrMapOvr>
+    <a:masterClrMapping/>
+  </p:clrMapOvr>
+</p:notes>
+</file>
+
+<file path=ppt/notesSlides/notesSlide11.xml><?xml version="1.0" encoding="utf-8"?>
+<p:notes xmlns:a="http://schemas.openxmlformats.org/drawingml/2006/main" xmlns:r="http://schemas.openxmlformats.org/officeDocument/2006/relationships" xmlns:p="http://schemas.openxmlformats.org/presentationml/2006/main">
+  <p:cSld>
+    <p:spTree>
+      <p:nvGrpSpPr>
+        <p:cNvPr id="1" name=""/>
+        <p:cNvGrpSpPr/>
+        <p:nvPr/>
+      </p:nvGrpSpPr>
+      <p:grpSpPr>
+        <a:xfrm>
+          <a:off x="0" y="0"/>
+          <a:ext cx="0" cy="0"/>
+          <a:chOff x="0" y="0"/>
+          <a:chExt cx="0" cy="0"/>
+        </a:xfrm>
+      </p:grpSpPr>
+      <p:sp>
+        <p:nvSpPr>
+          <p:cNvPr id="2" name="投影片圖像版面配置區 1"/>
+          <p:cNvSpPr>
+            <a:spLocks noGrp="1" noRot="1" noChangeAspect="1"/>
+          </p:cNvSpPr>
+          <p:nvPr>
+            <p:ph type="sldImg"/>
+          </p:nvPr>
+        </p:nvSpPr>
+        <p:spPr/>
+      </p:sp>
+      <p:sp>
+        <p:nvSpPr>
+          <p:cNvPr id="3" name="備忘稿版面配置區 2"/>
+          <p:cNvSpPr>
+            <a:spLocks noGrp="1"/>
+          </p:cNvSpPr>
+          <p:nvPr>
+            <p:ph type="body" idx="1"/>
+          </p:nvPr>
+        </p:nvSpPr>
+        <p:spPr/>
+        <p:txBody>
+          <a:bodyPr/>
+          <a:lstStyle/>
+          <a:p>
+            <a:r>
+              <a:rPr lang="zh-TW" altLang="en-US" dirty="0" smtClean="0"/>
+              <a:t>依戀情結</a:t>
+            </a:r>
+            <a:endParaRPr lang="zh-TW" altLang="en-US" dirty="0"/>
+          </a:p>
+        </p:txBody>
+      </p:sp>
+      <p:sp>
+        <p:nvSpPr>
+          <p:cNvPr id="4" name="投影片編號版面配置區 3"/>
+          <p:cNvSpPr>
+            <a:spLocks noGrp="1"/>
+          </p:cNvSpPr>
+          <p:nvPr>
+            <p:ph type="sldNum" sz="quarter" idx="10"/>
+          </p:nvPr>
+        </p:nvSpPr>
+        <p:spPr/>
+        <p:txBody>
+          <a:bodyPr/>
+          <a:lstStyle/>
+          <a:p>
+            <a:fld id="{7AB35483-DF51-4F66-A021-057FB6E8D2BA}" type="slidenum">
+              <a:rPr lang="zh-TW" altLang="en-US" smtClean="0"/>
+              <a:t>15</a:t>
+            </a:fld>
+            <a:endParaRPr lang="zh-TW" altLang="en-US"/>
+          </a:p>
+        </p:txBody>
+      </p:sp>
+    </p:spTree>
+    <p:extLst>
+      <p:ext uri="{BB962C8B-B14F-4D97-AF65-F5344CB8AC3E}">
+        <p14:creationId xmlns:p14="http://schemas.microsoft.com/office/powerpoint/2010/main" val="3616943926"/>
+      </p:ext>
+    </p:extLst>
+  </p:cSld>
+  <p:clrMapOvr>
+    <a:masterClrMapping/>
+  </p:clrMapOvr>
+</p:notes>
+</file>
+
+<file path=ppt/notesSlides/notesSlide12.xml><?xml version="1.0" encoding="utf-8"?>
+<p:notes xmlns:a="http://schemas.openxmlformats.org/drawingml/2006/main" xmlns:r="http://schemas.openxmlformats.org/officeDocument/2006/relationships" xmlns:p="http://schemas.openxmlformats.org/presentationml/2006/main">
+  <p:cSld>
+    <p:spTree>
+      <p:nvGrpSpPr>
+        <p:cNvPr id="1" name=""/>
+        <p:cNvGrpSpPr/>
+        <p:nvPr/>
+      </p:nvGrpSpPr>
+      <p:grpSpPr>
+        <a:xfrm>
+          <a:off x="0" y="0"/>
+          <a:ext cx="0" cy="0"/>
+          <a:chOff x="0" y="0"/>
+          <a:chExt cx="0" cy="0"/>
+        </a:xfrm>
+      </p:grpSpPr>
+      <p:sp>
+        <p:nvSpPr>
+          <p:cNvPr id="2" name="投影片圖像版面配置區 1"/>
+          <p:cNvSpPr>
+            <a:spLocks noGrp="1" noRot="1" noChangeAspect="1"/>
+          </p:cNvSpPr>
+          <p:nvPr>
+            <p:ph type="sldImg"/>
+          </p:nvPr>
+        </p:nvSpPr>
+        <p:spPr/>
+      </p:sp>
+      <p:sp>
+        <p:nvSpPr>
+          <p:cNvPr id="3" name="備忘稿版面配置區 2"/>
+          <p:cNvSpPr>
+            <a:spLocks noGrp="1"/>
+          </p:cNvSpPr>
+          <p:nvPr>
+            <p:ph type="body" idx="1"/>
+          </p:nvPr>
+        </p:nvSpPr>
+        <p:spPr/>
+        <p:txBody>
+          <a:bodyPr/>
+          <a:lstStyle/>
+          <a:p>
+            <a:r>
+              <a:rPr lang="zh-TW" altLang="en-US" dirty="0" smtClean="0"/>
+              <a:t>過度耦合的訊息鏈</a:t>
+            </a:r>
+            <a:endParaRPr lang="en-US" altLang="zh-TW" dirty="0" smtClean="0"/>
+          </a:p>
+          <a:p>
+            <a:r>
+              <a:rPr lang="zh-TW" altLang="en-US" dirty="0" smtClean="0"/>
+              <a:t>一旦物件之間的關係發生變化，客戶端就不得不作出相應修改</a:t>
+            </a:r>
+            <a:endParaRPr lang="zh-TW" altLang="en-US" dirty="0"/>
+          </a:p>
+        </p:txBody>
+      </p:sp>
+      <p:sp>
+        <p:nvSpPr>
+          <p:cNvPr id="4" name="投影片編號版面配置區 3"/>
+          <p:cNvSpPr>
+            <a:spLocks noGrp="1"/>
+          </p:cNvSpPr>
+          <p:nvPr>
+            <p:ph type="sldNum" sz="quarter" idx="10"/>
+          </p:nvPr>
+        </p:nvSpPr>
+        <p:spPr/>
+        <p:txBody>
+          <a:bodyPr/>
+          <a:lstStyle/>
+          <a:p>
+            <a:fld id="{7AB35483-DF51-4F66-A021-057FB6E8D2BA}" type="slidenum">
+              <a:rPr lang="zh-TW" altLang="en-US" smtClean="0"/>
+              <a:t>18</a:t>
+            </a:fld>
+            <a:endParaRPr lang="zh-TW" altLang="en-US"/>
+          </a:p>
+        </p:txBody>
+      </p:sp>
+    </p:spTree>
+    <p:extLst>
+      <p:ext uri="{BB962C8B-B14F-4D97-AF65-F5344CB8AC3E}">
+        <p14:creationId xmlns:p14="http://schemas.microsoft.com/office/powerpoint/2010/main" val="753701777"/>
+      </p:ext>
+    </p:extLst>
+  </p:cSld>
+  <p:clrMapOvr>
+    <a:masterClrMapping/>
+  </p:clrMapOvr>
+</p:notes>
+</file>
+
+<file path=ppt/notesSlides/notesSlide13.xml><?xml version="1.0" encoding="utf-8"?>
+<p:notes xmlns:a="http://schemas.openxmlformats.org/drawingml/2006/main" xmlns:r="http://schemas.openxmlformats.org/officeDocument/2006/relationships" xmlns:p="http://schemas.openxmlformats.org/presentationml/2006/main">
+  <p:cSld>
+    <p:spTree>
+      <p:nvGrpSpPr>
+        <p:cNvPr id="1" name=""/>
+        <p:cNvGrpSpPr/>
+        <p:nvPr/>
+      </p:nvGrpSpPr>
+      <p:grpSpPr>
+        <a:xfrm>
+          <a:off x="0" y="0"/>
+          <a:ext cx="0" cy="0"/>
+          <a:chOff x="0" y="0"/>
+          <a:chExt cx="0" cy="0"/>
+        </a:xfrm>
+      </p:grpSpPr>
+      <p:sp>
+        <p:nvSpPr>
+          <p:cNvPr id="2" name="投影片圖像版面配置區 1"/>
+          <p:cNvSpPr>
+            <a:spLocks noGrp="1" noRot="1" noChangeAspect="1"/>
+          </p:cNvSpPr>
+          <p:nvPr>
+            <p:ph type="sldImg"/>
+          </p:nvPr>
+        </p:nvSpPr>
+        <p:spPr/>
+      </p:sp>
+      <p:sp>
+        <p:nvSpPr>
+          <p:cNvPr id="3" name="備忘稿版面配置區 2"/>
+          <p:cNvSpPr>
+            <a:spLocks noGrp="1"/>
+          </p:cNvSpPr>
+          <p:nvPr>
+            <p:ph type="body" idx="1"/>
+          </p:nvPr>
+        </p:nvSpPr>
+        <p:spPr/>
+        <p:txBody>
+          <a:bodyPr/>
+          <a:lstStyle/>
+          <a:p>
+            <a:r>
+              <a:rPr lang="zh-TW" altLang="en-US" dirty="0" smtClean="0"/>
+              <a:t>暫時欄位</a:t>
+            </a:r>
+            <a:endParaRPr lang="zh-TW" altLang="en-US" dirty="0"/>
+          </a:p>
+        </p:txBody>
+      </p:sp>
+      <p:sp>
+        <p:nvSpPr>
+          <p:cNvPr id="4" name="投影片編號版面配置區 3"/>
+          <p:cNvSpPr>
+            <a:spLocks noGrp="1"/>
+          </p:cNvSpPr>
+          <p:nvPr>
+            <p:ph type="sldNum" sz="quarter" idx="10"/>
+          </p:nvPr>
+        </p:nvSpPr>
+        <p:spPr/>
+        <p:txBody>
+          <a:bodyPr/>
+          <a:lstStyle/>
+          <a:p>
+            <a:fld id="{7AB35483-DF51-4F66-A021-057FB6E8D2BA}" type="slidenum">
+              <a:rPr lang="zh-TW" altLang="en-US" smtClean="0"/>
+              <a:t>19</a:t>
+            </a:fld>
+            <a:endParaRPr lang="zh-TW" altLang="en-US"/>
+          </a:p>
+        </p:txBody>
+      </p:sp>
+    </p:spTree>
+    <p:extLst>
+      <p:ext uri="{BB962C8B-B14F-4D97-AF65-F5344CB8AC3E}">
+        <p14:creationId xmlns:p14="http://schemas.microsoft.com/office/powerpoint/2010/main" val="2964727826"/>
       </p:ext>
     </p:extLst>
   </p:cSld>
@@ -639,14 +1069,96 @@
           <a:bodyPr/>
           <a:lstStyle/>
           <a:p>
+            <a:pPr marL="0" marR="0" indent="0" algn="l" defTabSz="914400" rtl="0" eaLnBrk="1" fontAlgn="auto" latinLnBrk="0" hangingPunct="1">
+              <a:lnSpc>
+                <a:spcPct val="100000"/>
+              </a:lnSpc>
+              <a:spcBef>
+                <a:spcPts val="0"/>
+              </a:spcBef>
+              <a:spcAft>
+                <a:spcPts val="0"/>
+              </a:spcAft>
+              <a:buClrTx/>
+              <a:buSzTx/>
+              <a:buFontTx/>
+              <a:buNone/>
+              <a:tabLst/>
+              <a:defRPr/>
+            </a:pPr>
+            <a:endParaRPr lang="en-US" altLang="zh-TW" dirty="0" smtClean="0"/>
+          </a:p>
+          <a:p>
+            <a:pPr marL="0" marR="0" indent="0" algn="l" defTabSz="914400" rtl="0" eaLnBrk="1" fontAlgn="auto" latinLnBrk="0" hangingPunct="1">
+              <a:lnSpc>
+                <a:spcPct val="100000"/>
+              </a:lnSpc>
+              <a:spcBef>
+                <a:spcPts val="0"/>
+              </a:spcBef>
+              <a:spcAft>
+                <a:spcPts val="0"/>
+              </a:spcAft>
+              <a:buClrTx/>
+              <a:buSzTx/>
+              <a:buFontTx/>
+              <a:buNone/>
+              <a:tabLst/>
+              <a:defRPr/>
+            </a:pPr>
             <a:r>
               <a:rPr lang="zh-TW" altLang="en-US" dirty="0" smtClean="0"/>
-              <a:t>重寫</a:t>
+              <a:t>任何傻瓜都能寫出電腦能懂的程式碼。而只有好的程式設計師才能寫出人能懂的程式碼 </a:t>
             </a:r>
             <a:r>
               <a:rPr lang="en-US" altLang="zh-TW" dirty="0" smtClean="0"/>
-              <a:t>!</a:t>
-            </a:r>
+              <a:t>- Martin Fowler.</a:t>
+            </a:r>
+            <a:r>
+              <a:rPr lang="zh-TW" altLang="en-US" dirty="0" smtClean="0"/>
+              <a:t> </a:t>
+            </a:r>
+            <a:endParaRPr lang="en-US" altLang="zh-TW" dirty="0" smtClean="0"/>
+          </a:p>
+          <a:p>
+            <a:pPr marL="0" marR="0" indent="0" algn="l" defTabSz="914400" rtl="0" eaLnBrk="1" fontAlgn="auto" latinLnBrk="0" hangingPunct="1">
+              <a:lnSpc>
+                <a:spcPct val="100000"/>
+              </a:lnSpc>
+              <a:spcBef>
+                <a:spcPts val="0"/>
+              </a:spcBef>
+              <a:spcAft>
+                <a:spcPts val="0"/>
+              </a:spcAft>
+              <a:buClrTx/>
+              <a:buSzTx/>
+              <a:buFontTx/>
+              <a:buNone/>
+              <a:tabLst/>
+              <a:defRPr/>
+            </a:pPr>
+            <a:r>
+              <a:rPr lang="zh-TW" altLang="en-US" dirty="0" smtClean="0"/>
+              <a:t>你曾經 有沒有洋洋灑灑寫過幾百行的</a:t>
+            </a:r>
+            <a:r>
+              <a:rPr lang="en-US" altLang="zh-TW" dirty="0" smtClean="0"/>
+              <a:t>CODE</a:t>
+            </a:r>
+            <a:r>
+              <a:rPr lang="zh-TW" altLang="en-US" dirty="0" smtClean="0"/>
+              <a:t> 然後執行下去 功能對了 就非常得意但是過三個月後 卻看不懂自己寫的</a:t>
+            </a:r>
+            <a:r>
+              <a:rPr lang="en-US" altLang="zh-TW" dirty="0" smtClean="0"/>
+              <a:t>CODE</a:t>
+            </a:r>
+            <a:r>
+              <a:rPr lang="zh-TW" altLang="en-US" dirty="0" smtClean="0"/>
+              <a:t> 的經驗，如果你現在還停留在這種階段，請改變你的觀念，不是花越少行數越快做完是就是越厲害的</a:t>
+            </a:r>
+            <a:endParaRPr lang="en-US" altLang="zh-TW" dirty="0" smtClean="0"/>
           </a:p>
           <a:p>
             <a:endParaRPr lang="zh-TW" altLang="en-US" dirty="0"/>
@@ -670,7 +1182,7 @@
           <a:p>
             <a:fld id="{7AB35483-DF51-4F66-A021-057FB6E8D2BA}" type="slidenum">
               <a:rPr lang="zh-TW" altLang="en-US" smtClean="0"/>
-              <a:t>8</a:t>
+              <a:t>2</a:t>
             </a:fld>
             <a:endParaRPr lang="zh-TW" altLang="en-US"/>
           </a:p>
@@ -679,7 +1191,7 @@
     </p:spTree>
     <p:extLst>
       <p:ext uri="{BB962C8B-B14F-4D97-AF65-F5344CB8AC3E}">
-        <p14:creationId xmlns:p14="http://schemas.microsoft.com/office/powerpoint/2010/main" val="1283656173"/>
+        <p14:creationId xmlns:p14="http://schemas.microsoft.com/office/powerpoint/2010/main" val="561280874"/>
       </p:ext>
     </p:extLst>
   </p:cSld>
@@ -735,14 +1247,20 @@
           <a:p>
             <a:r>
               <a:rPr lang="zh-TW" altLang="en-US" dirty="0" smtClean="0"/>
-              <a:t>重寫</a:t>
+              <a:t>儘量不要使用全域變數</a:t>
             </a:r>
             <a:r>
               <a:rPr lang="en-US" altLang="zh-TW" dirty="0" smtClean="0"/>
-              <a:t>!</a:t>
-            </a:r>
-          </a:p>
-          <a:p>
+              <a:t>(global</a:t>
+            </a:r>
+            <a:r>
+              <a:rPr lang="en-US" altLang="zh-TW" baseline="0" dirty="0" smtClean="0"/>
+              <a:t> variable</a:t>
+            </a:r>
+            <a:r>
+              <a:rPr lang="en-US" altLang="zh-TW" dirty="0" smtClean="0"/>
+              <a:t>)</a:t>
+            </a:r>
             <a:endParaRPr lang="zh-TW" altLang="en-US" dirty="0"/>
           </a:p>
         </p:txBody>
@@ -764,7 +1282,7 @@
           <a:p>
             <a:fld id="{7AB35483-DF51-4F66-A021-057FB6E8D2BA}" type="slidenum">
               <a:rPr lang="zh-TW" altLang="en-US" smtClean="0"/>
-              <a:t>9</a:t>
+              <a:t>5</a:t>
             </a:fld>
             <a:endParaRPr lang="zh-TW" altLang="en-US"/>
           </a:p>
@@ -773,7 +1291,7 @@
     </p:spTree>
     <p:extLst>
       <p:ext uri="{BB962C8B-B14F-4D97-AF65-F5344CB8AC3E}">
-        <p14:creationId xmlns:p14="http://schemas.microsoft.com/office/powerpoint/2010/main" val="4026885348"/>
+        <p14:creationId xmlns:p14="http://schemas.microsoft.com/office/powerpoint/2010/main" val="3840363498"/>
       </p:ext>
     </p:extLst>
   </p:cSld>
@@ -827,14 +1345,40 @@
           <a:bodyPr/>
           <a:lstStyle/>
           <a:p>
+            <a:pPr marL="0" marR="0" indent="0" algn="l" defTabSz="914400" rtl="0" eaLnBrk="1" fontAlgn="auto" latinLnBrk="0" hangingPunct="1">
+              <a:lnSpc>
+                <a:spcPct val="100000"/>
+              </a:lnSpc>
+              <a:spcBef>
+                <a:spcPts val="0"/>
+              </a:spcBef>
+              <a:spcAft>
+                <a:spcPts val="0"/>
+              </a:spcAft>
+              <a:buClrTx/>
+              <a:buSzTx/>
+              <a:buFontTx/>
+              <a:buNone/>
+              <a:tabLst/>
+              <a:defRPr/>
+            </a:pPr>
             <a:r>
               <a:rPr lang="zh-TW" altLang="en-US" dirty="0" smtClean="0"/>
-              <a:t>重寫</a:t>
+              <a:t>物件導向最重要的用途是甚麼  </a:t>
             </a:r>
             <a:r>
               <a:rPr lang="en-US" altLang="zh-TW" dirty="0" smtClean="0"/>
-              <a:t>!</a:t>
-            </a:r>
+              <a:t>?</a:t>
+            </a:r>
+            <a:r>
+              <a:rPr lang="zh-TW" altLang="en-US" dirty="0" smtClean="0"/>
+              <a:t> </a:t>
+            </a:r>
+            <a:r>
+              <a:rPr lang="en-US" altLang="zh-TW" dirty="0" smtClean="0"/>
+              <a:t>Reuse </a:t>
+            </a:r>
+            <a:endParaRPr lang="zh-TW" altLang="en-US" dirty="0" smtClean="0"/>
           </a:p>
           <a:p>
             <a:endParaRPr lang="zh-TW" altLang="en-US" dirty="0"/>
@@ -858,7 +1402,7 @@
           <a:p>
             <a:fld id="{7AB35483-DF51-4F66-A021-057FB6E8D2BA}" type="slidenum">
               <a:rPr lang="zh-TW" altLang="en-US" smtClean="0"/>
-              <a:t>10</a:t>
+              <a:t>8</a:t>
             </a:fld>
             <a:endParaRPr lang="zh-TW" altLang="en-US"/>
           </a:p>
@@ -867,7 +1411,7 @@
     </p:spTree>
     <p:extLst>
       <p:ext uri="{BB962C8B-B14F-4D97-AF65-F5344CB8AC3E}">
-        <p14:creationId xmlns:p14="http://schemas.microsoft.com/office/powerpoint/2010/main" val="4226180343"/>
+        <p14:creationId xmlns:p14="http://schemas.microsoft.com/office/powerpoint/2010/main" val="3745324300"/>
       </p:ext>
     </p:extLst>
   </p:cSld>
@@ -921,6 +1465,16 @@
           <a:bodyPr/>
           <a:lstStyle/>
           <a:p>
+            <a:r>
+              <a:rPr lang="zh-TW" altLang="en-US" dirty="0" smtClean="0"/>
+              <a:t>重寫</a:t>
+            </a:r>
+            <a:r>
+              <a:rPr lang="en-US" altLang="zh-TW" dirty="0" smtClean="0"/>
+              <a:t>!</a:t>
+            </a:r>
+          </a:p>
+          <a:p>
             <a:endParaRPr lang="zh-TW" altLang="en-US" dirty="0"/>
           </a:p>
         </p:txBody>
@@ -942,7 +1496,7 @@
           <a:p>
             <a:fld id="{7AB35483-DF51-4F66-A021-057FB6E8D2BA}" type="slidenum">
               <a:rPr lang="zh-TW" altLang="en-US" smtClean="0"/>
-              <a:t>11</a:t>
+              <a:t>9</a:t>
             </a:fld>
             <a:endParaRPr lang="zh-TW" altLang="en-US"/>
           </a:p>
@@ -951,7 +1505,7 @@
     </p:spTree>
     <p:extLst>
       <p:ext uri="{BB962C8B-B14F-4D97-AF65-F5344CB8AC3E}">
-        <p14:creationId xmlns:p14="http://schemas.microsoft.com/office/powerpoint/2010/main" val="1847344687"/>
+        <p14:creationId xmlns:p14="http://schemas.microsoft.com/office/powerpoint/2010/main" val="1283656173"/>
       </p:ext>
     </p:extLst>
   </p:cSld>
@@ -1007,7 +1561,339 @@
           <a:p>
             <a:r>
               <a:rPr lang="zh-TW" altLang="en-US" dirty="0" smtClean="0"/>
+              <a:t>重寫</a:t>
+            </a:r>
+            <a:r>
+              <a:rPr lang="en-US" altLang="zh-TW" dirty="0" smtClean="0"/>
+              <a:t>!</a:t>
+            </a:r>
+          </a:p>
+          <a:p>
+            <a:endParaRPr lang="zh-TW" altLang="en-US" dirty="0"/>
+          </a:p>
+        </p:txBody>
+      </p:sp>
+      <p:sp>
+        <p:nvSpPr>
+          <p:cNvPr id="4" name="投影片編號版面配置區 3"/>
+          <p:cNvSpPr>
+            <a:spLocks noGrp="1"/>
+          </p:cNvSpPr>
+          <p:nvPr>
+            <p:ph type="sldNum" sz="quarter" idx="10"/>
+          </p:nvPr>
+        </p:nvSpPr>
+        <p:spPr/>
+        <p:txBody>
+          <a:bodyPr/>
+          <a:lstStyle/>
+          <a:p>
+            <a:fld id="{7AB35483-DF51-4F66-A021-057FB6E8D2BA}" type="slidenum">
+              <a:rPr lang="zh-TW" altLang="en-US" smtClean="0"/>
+              <a:t>10</a:t>
+            </a:fld>
+            <a:endParaRPr lang="zh-TW" altLang="en-US"/>
+          </a:p>
+        </p:txBody>
+      </p:sp>
+    </p:spTree>
+    <p:extLst>
+      <p:ext uri="{BB962C8B-B14F-4D97-AF65-F5344CB8AC3E}">
+        <p14:creationId xmlns:p14="http://schemas.microsoft.com/office/powerpoint/2010/main" val="4026885348"/>
+      </p:ext>
+    </p:extLst>
+  </p:cSld>
+  <p:clrMapOvr>
+    <a:masterClrMapping/>
+  </p:clrMapOvr>
+</p:notes>
+</file>
+
+<file path=ppt/notesSlides/notesSlide7.xml><?xml version="1.0" encoding="utf-8"?>
+<p:notes xmlns:a="http://schemas.openxmlformats.org/drawingml/2006/main" xmlns:r="http://schemas.openxmlformats.org/officeDocument/2006/relationships" xmlns:p="http://schemas.openxmlformats.org/presentationml/2006/main">
+  <p:cSld>
+    <p:spTree>
+      <p:nvGrpSpPr>
+        <p:cNvPr id="1" name=""/>
+        <p:cNvGrpSpPr/>
+        <p:nvPr/>
+      </p:nvGrpSpPr>
+      <p:grpSpPr>
+        <a:xfrm>
+          <a:off x="0" y="0"/>
+          <a:ext cx="0" cy="0"/>
+          <a:chOff x="0" y="0"/>
+          <a:chExt cx="0" cy="0"/>
+        </a:xfrm>
+      </p:grpSpPr>
+      <p:sp>
+        <p:nvSpPr>
+          <p:cNvPr id="2" name="投影片圖像版面配置區 1"/>
+          <p:cNvSpPr>
+            <a:spLocks noGrp="1" noRot="1" noChangeAspect="1"/>
+          </p:cNvSpPr>
+          <p:nvPr>
+            <p:ph type="sldImg"/>
+          </p:nvPr>
+        </p:nvSpPr>
+        <p:spPr/>
+      </p:sp>
+      <p:sp>
+        <p:nvSpPr>
+          <p:cNvPr id="3" name="備忘稿版面配置區 2"/>
+          <p:cNvSpPr>
+            <a:spLocks noGrp="1"/>
+          </p:cNvSpPr>
+          <p:nvPr>
+            <p:ph type="body" idx="1"/>
+          </p:nvPr>
+        </p:nvSpPr>
+        <p:spPr/>
+        <p:txBody>
+          <a:bodyPr/>
+          <a:lstStyle/>
+          <a:p>
+            <a:r>
+              <a:rPr lang="zh-TW" altLang="en-US" dirty="0" smtClean="0"/>
+              <a:t>重寫</a:t>
+            </a:r>
+            <a:r>
+              <a:rPr lang="en-US" altLang="zh-TW" dirty="0" smtClean="0"/>
+              <a:t>!</a:t>
+            </a:r>
+          </a:p>
+          <a:p>
+            <a:endParaRPr lang="zh-TW" altLang="en-US" dirty="0"/>
+          </a:p>
+        </p:txBody>
+      </p:sp>
+      <p:sp>
+        <p:nvSpPr>
+          <p:cNvPr id="4" name="投影片編號版面配置區 3"/>
+          <p:cNvSpPr>
+            <a:spLocks noGrp="1"/>
+          </p:cNvSpPr>
+          <p:nvPr>
+            <p:ph type="sldNum" sz="quarter" idx="10"/>
+          </p:nvPr>
+        </p:nvSpPr>
+        <p:spPr/>
+        <p:txBody>
+          <a:bodyPr/>
+          <a:lstStyle/>
+          <a:p>
+            <a:fld id="{7AB35483-DF51-4F66-A021-057FB6E8D2BA}" type="slidenum">
+              <a:rPr lang="zh-TW" altLang="en-US" smtClean="0"/>
+              <a:t>11</a:t>
+            </a:fld>
+            <a:endParaRPr lang="zh-TW" altLang="en-US"/>
+          </a:p>
+        </p:txBody>
+      </p:sp>
+    </p:spTree>
+    <p:extLst>
+      <p:ext uri="{BB962C8B-B14F-4D97-AF65-F5344CB8AC3E}">
+        <p14:creationId xmlns:p14="http://schemas.microsoft.com/office/powerpoint/2010/main" val="4226180343"/>
+      </p:ext>
+    </p:extLst>
+  </p:cSld>
+  <p:clrMapOvr>
+    <a:masterClrMapping/>
+  </p:clrMapOvr>
+</p:notes>
+</file>
+
+<file path=ppt/notesSlides/notesSlide8.xml><?xml version="1.0" encoding="utf-8"?>
+<p:notes xmlns:a="http://schemas.openxmlformats.org/drawingml/2006/main" xmlns:r="http://schemas.openxmlformats.org/officeDocument/2006/relationships" xmlns:p="http://schemas.openxmlformats.org/presentationml/2006/main">
+  <p:cSld>
+    <p:spTree>
+      <p:nvGrpSpPr>
+        <p:cNvPr id="1" name=""/>
+        <p:cNvGrpSpPr/>
+        <p:nvPr/>
+      </p:nvGrpSpPr>
+      <p:grpSpPr>
+        <a:xfrm>
+          <a:off x="0" y="0"/>
+          <a:ext cx="0" cy="0"/>
+          <a:chOff x="0" y="0"/>
+          <a:chExt cx="0" cy="0"/>
+        </a:xfrm>
+      </p:grpSpPr>
+      <p:sp>
+        <p:nvSpPr>
+          <p:cNvPr id="2" name="投影片圖像版面配置區 1"/>
+          <p:cNvSpPr>
+            <a:spLocks noGrp="1" noRot="1" noChangeAspect="1"/>
+          </p:cNvSpPr>
+          <p:nvPr>
+            <p:ph type="sldImg"/>
+          </p:nvPr>
+        </p:nvSpPr>
+        <p:spPr/>
+      </p:sp>
+      <p:sp>
+        <p:nvSpPr>
+          <p:cNvPr id="3" name="備忘稿版面配置區 2"/>
+          <p:cNvSpPr>
+            <a:spLocks noGrp="1"/>
+          </p:cNvSpPr>
+          <p:nvPr>
+            <p:ph type="body" idx="1"/>
+          </p:nvPr>
+        </p:nvSpPr>
+        <p:spPr/>
+        <p:txBody>
+          <a:bodyPr/>
+          <a:lstStyle/>
+          <a:p>
+            <a:pPr marL="0" marR="0" indent="0" algn="l" defTabSz="914400" rtl="0" eaLnBrk="1" fontAlgn="auto" latinLnBrk="0" hangingPunct="1">
+              <a:lnSpc>
+                <a:spcPct val="100000"/>
+              </a:lnSpc>
+              <a:spcBef>
+                <a:spcPts val="0"/>
+              </a:spcBef>
+              <a:spcAft>
+                <a:spcPts val="0"/>
+              </a:spcAft>
+              <a:buClrTx/>
+              <a:buSzTx/>
+              <a:buFontTx/>
+              <a:buNone/>
+              <a:tabLst/>
+              <a:defRPr/>
+            </a:pPr>
+            <a:r>
+              <a:rPr lang="zh-TW" altLang="en-US" dirty="0" smtClean="0"/>
+              <a:t>物件太大就代表掌管責任越多 細節越多  物件導向  把每個物件都當作是人   責任 歸屬 你有看過校長 他在處理工讀生的事嗎 沒有 他一定是指派給下一層的人去做</a:t>
+            </a:r>
+          </a:p>
+          <a:p>
+            <a:endParaRPr lang="zh-TW" altLang="en-US" dirty="0"/>
+          </a:p>
+        </p:txBody>
+      </p:sp>
+      <p:sp>
+        <p:nvSpPr>
+          <p:cNvPr id="4" name="投影片編號版面配置區 3"/>
+          <p:cNvSpPr>
+            <a:spLocks noGrp="1"/>
+          </p:cNvSpPr>
+          <p:nvPr>
+            <p:ph type="sldNum" sz="quarter" idx="10"/>
+          </p:nvPr>
+        </p:nvSpPr>
+        <p:spPr/>
+        <p:txBody>
+          <a:bodyPr/>
+          <a:lstStyle/>
+          <a:p>
+            <a:fld id="{7AB35483-DF51-4F66-A021-057FB6E8D2BA}" type="slidenum">
+              <a:rPr lang="zh-TW" altLang="en-US" smtClean="0"/>
+              <a:t>12</a:t>
+            </a:fld>
+            <a:endParaRPr lang="zh-TW" altLang="en-US"/>
+          </a:p>
+        </p:txBody>
+      </p:sp>
+    </p:spTree>
+    <p:extLst>
+      <p:ext uri="{BB962C8B-B14F-4D97-AF65-F5344CB8AC3E}">
+        <p14:creationId xmlns:p14="http://schemas.microsoft.com/office/powerpoint/2010/main" val="1847344687"/>
+      </p:ext>
+    </p:extLst>
+  </p:cSld>
+  <p:clrMapOvr>
+    <a:masterClrMapping/>
+  </p:clrMapOvr>
+</p:notes>
+</file>
+
+<file path=ppt/notesSlides/notesSlide9.xml><?xml version="1.0" encoding="utf-8"?>
+<p:notes xmlns:a="http://schemas.openxmlformats.org/drawingml/2006/main" xmlns:r="http://schemas.openxmlformats.org/officeDocument/2006/relationships" xmlns:p="http://schemas.openxmlformats.org/presentationml/2006/main">
+  <p:cSld>
+    <p:spTree>
+      <p:nvGrpSpPr>
+        <p:cNvPr id="1" name=""/>
+        <p:cNvGrpSpPr/>
+        <p:nvPr/>
+      </p:nvGrpSpPr>
+      <p:grpSpPr>
+        <a:xfrm>
+          <a:off x="0" y="0"/>
+          <a:ext cx="0" cy="0"/>
+          <a:chOff x="0" y="0"/>
+          <a:chExt cx="0" cy="0"/>
+        </a:xfrm>
+      </p:grpSpPr>
+      <p:sp>
+        <p:nvSpPr>
+          <p:cNvPr id="2" name="投影片圖像版面配置區 1"/>
+          <p:cNvSpPr>
+            <a:spLocks noGrp="1" noRot="1" noChangeAspect="1"/>
+          </p:cNvSpPr>
+          <p:nvPr>
+            <p:ph type="sldImg"/>
+          </p:nvPr>
+        </p:nvSpPr>
+        <p:spPr/>
+      </p:sp>
+      <p:sp>
+        <p:nvSpPr>
+          <p:cNvPr id="3" name="備忘稿版面配置區 2"/>
+          <p:cNvSpPr>
+            <a:spLocks noGrp="1"/>
+          </p:cNvSpPr>
+          <p:nvPr>
+            <p:ph type="body" idx="1"/>
+          </p:nvPr>
+        </p:nvSpPr>
+        <p:spPr/>
+        <p:txBody>
+          <a:bodyPr/>
+          <a:lstStyle/>
+          <a:p>
+            <a:endParaRPr lang="en-US" altLang="zh-TW" dirty="0" smtClean="0"/>
+          </a:p>
+          <a:p>
+            <a:pPr marL="0" marR="0" indent="0" algn="l" defTabSz="914400" rtl="0" eaLnBrk="1" fontAlgn="auto" latinLnBrk="0" hangingPunct="1">
+              <a:lnSpc>
+                <a:spcPct val="100000"/>
+              </a:lnSpc>
+              <a:spcBef>
+                <a:spcPts val="0"/>
+              </a:spcBef>
+              <a:spcAft>
+                <a:spcPts val="0"/>
+              </a:spcAft>
+              <a:buClrTx/>
+              <a:buSzTx/>
+              <a:buFontTx/>
+              <a:buNone/>
+              <a:tabLst/>
+              <a:defRPr/>
+            </a:pPr>
+            <a:r>
+              <a:rPr lang="zh-TW" altLang="en-US" dirty="0" smtClean="0"/>
               <a:t>三次法則 第一次做某件事你就單純去做他  第二次作類似的事會產生反感 但還是做了 第三次在做類似的事 你就應該要重購</a:t>
+            </a:r>
+          </a:p>
+          <a:p>
+            <a:endParaRPr lang="en-US" altLang="zh-TW" dirty="0" smtClean="0"/>
+          </a:p>
+          <a:p>
+            <a:r>
+              <a:rPr lang="zh-TW" altLang="en-US" dirty="0" smtClean="0"/>
+              <a:t>我們在寫</a:t>
+            </a:r>
+            <a:r>
+              <a:rPr lang="en-US" altLang="zh-TW" dirty="0" smtClean="0"/>
+              <a:t>CODE</a:t>
+            </a:r>
+            <a:r>
+              <a:rPr lang="zh-TW" altLang="en-US" dirty="0" smtClean="0"/>
+              <a:t>　沒有一次就是完美的　　一次完美的ＣＯＤＥ　是不存在　是要重購</a:t>
             </a:r>
             <a:endParaRPr lang="zh-TW" altLang="en-US" dirty="0"/>
           </a:p>
@@ -1039,7 +1925,7 @@
     </p:spTree>
     <p:extLst>
       <p:ext uri="{BB962C8B-B14F-4D97-AF65-F5344CB8AC3E}">
-        <p14:creationId xmlns:p14="http://schemas.microsoft.com/office/powerpoint/2010/main" val="2764117087"/>
+        <p14:creationId xmlns:p14="http://schemas.microsoft.com/office/powerpoint/2010/main" val="1758308545"/>
       </p:ext>
     </p:extLst>
   </p:cSld>
@@ -1185,7 +2071,7 @@
           <a:p>
             <a:fld id="{5477C6D2-20F5-4E0D-B8A6-636396ED1FD7}" type="datetimeFigureOut">
               <a:rPr lang="zh-TW" altLang="en-US" smtClean="0"/>
-              <a:t>2019/8/23</a:t>
+              <a:t>2019/8/25</a:t>
             </a:fld>
             <a:endParaRPr lang="zh-TW" altLang="en-US"/>
           </a:p>
@@ -1355,7 +2241,7 @@
           <a:p>
             <a:fld id="{5477C6D2-20F5-4E0D-B8A6-636396ED1FD7}" type="datetimeFigureOut">
               <a:rPr lang="zh-TW" altLang="en-US" smtClean="0"/>
-              <a:t>2019/8/23</a:t>
+              <a:t>2019/8/25</a:t>
             </a:fld>
             <a:endParaRPr lang="zh-TW" altLang="en-US"/>
           </a:p>
@@ -1535,7 +2421,7 @@
           <a:p>
             <a:fld id="{5477C6D2-20F5-4E0D-B8A6-636396ED1FD7}" type="datetimeFigureOut">
               <a:rPr lang="zh-TW" altLang="en-US" smtClean="0"/>
-              <a:t>2019/8/23</a:t>
+              <a:t>2019/8/25</a:t>
             </a:fld>
             <a:endParaRPr lang="zh-TW" altLang="en-US"/>
           </a:p>
@@ -1710,7 +2596,7 @@
           <a:p>
             <a:fld id="{5477C6D2-20F5-4E0D-B8A6-636396ED1FD7}" type="datetimeFigureOut">
               <a:rPr lang="zh-TW" altLang="en-US" smtClean="0"/>
-              <a:t>2019/8/23</a:t>
+              <a:t>2019/8/25</a:t>
             </a:fld>
             <a:endParaRPr lang="zh-TW" altLang="en-US"/>
           </a:p>
@@ -1961,7 +2847,7 @@
           <a:p>
             <a:fld id="{5477C6D2-20F5-4E0D-B8A6-636396ED1FD7}" type="datetimeFigureOut">
               <a:rPr lang="zh-TW" altLang="en-US" smtClean="0"/>
-              <a:t>2019/8/23</a:t>
+              <a:t>2019/8/25</a:t>
             </a:fld>
             <a:endParaRPr lang="zh-TW" altLang="en-US"/>
           </a:p>
@@ -2198,7 +3084,7 @@
           <a:p>
             <a:fld id="{5477C6D2-20F5-4E0D-B8A6-636396ED1FD7}" type="datetimeFigureOut">
               <a:rPr lang="zh-TW" altLang="en-US" smtClean="0"/>
-              <a:t>2019/8/23</a:t>
+              <a:t>2019/8/25</a:t>
             </a:fld>
             <a:endParaRPr lang="zh-TW" altLang="en-US"/>
           </a:p>
@@ -2570,7 +3456,7 @@
           <a:p>
             <a:fld id="{5477C6D2-20F5-4E0D-B8A6-636396ED1FD7}" type="datetimeFigureOut">
               <a:rPr lang="zh-TW" altLang="en-US" smtClean="0"/>
-              <a:t>2019/8/23</a:t>
+              <a:t>2019/8/25</a:t>
             </a:fld>
             <a:endParaRPr lang="zh-TW" altLang="en-US"/>
           </a:p>
@@ -2693,7 +3579,7 @@
           <a:p>
             <a:fld id="{5477C6D2-20F5-4E0D-B8A6-636396ED1FD7}" type="datetimeFigureOut">
               <a:rPr lang="zh-TW" altLang="en-US" smtClean="0"/>
-              <a:t>2019/8/23</a:t>
+              <a:t>2019/8/25</a:t>
             </a:fld>
             <a:endParaRPr lang="zh-TW" altLang="en-US"/>
           </a:p>
@@ -2788,7 +3674,7 @@
           <a:p>
             <a:fld id="{5477C6D2-20F5-4E0D-B8A6-636396ED1FD7}" type="datetimeFigureOut">
               <a:rPr lang="zh-TW" altLang="en-US" smtClean="0"/>
-              <a:t>2019/8/23</a:t>
+              <a:t>2019/8/25</a:t>
             </a:fld>
             <a:endParaRPr lang="zh-TW" altLang="en-US"/>
           </a:p>
@@ -3065,7 +3951,7 @@
           <a:p>
             <a:fld id="{5477C6D2-20F5-4E0D-B8A6-636396ED1FD7}" type="datetimeFigureOut">
               <a:rPr lang="zh-TW" altLang="en-US" smtClean="0"/>
-              <a:t>2019/8/23</a:t>
+              <a:t>2019/8/25</a:t>
             </a:fld>
             <a:endParaRPr lang="zh-TW" altLang="en-US"/>
           </a:p>
@@ -3318,7 +4204,7 @@
           <a:p>
             <a:fld id="{5477C6D2-20F5-4E0D-B8A6-636396ED1FD7}" type="datetimeFigureOut">
               <a:rPr lang="zh-TW" altLang="en-US" smtClean="0"/>
-              <a:t>2019/8/23</a:t>
+              <a:t>2019/8/25</a:t>
             </a:fld>
             <a:endParaRPr lang="zh-TW" altLang="en-US"/>
           </a:p>
@@ -3531,7 +4417,7 @@
           <a:p>
             <a:fld id="{5477C6D2-20F5-4E0D-B8A6-636396ED1FD7}" type="datetimeFigureOut">
               <a:rPr lang="zh-TW" altLang="en-US" smtClean="0"/>
-              <a:t>2019/8/23</a:t>
+              <a:t>2019/8/25</a:t>
             </a:fld>
             <a:endParaRPr lang="zh-TW" altLang="en-US"/>
           </a:p>
@@ -3938,38 +4824,36 @@
       </p:grpSpPr>
       <p:sp>
         <p:nvSpPr>
-          <p:cNvPr id="2" name="標題 1"/>
-          <p:cNvSpPr>
-            <a:spLocks noGrp="1"/>
-          </p:cNvSpPr>
-          <p:nvPr>
-            <p:ph type="ctrTitle"/>
-          </p:nvPr>
+          <p:cNvPr id="4" name="文字方塊 3"/>
+          <p:cNvSpPr txBox="1"/>
+          <p:nvPr/>
         </p:nvSpPr>
         <p:spPr>
           <a:xfrm>
-            <a:off x="1524000" y="1530736"/>
-            <a:ext cx="9144000" cy="2387600"/>
+            <a:off x="2655888" y="2921881"/>
+            <a:ext cx="8265111" cy="830997"/>
           </a:xfrm>
+          <a:prstGeom prst="rect">
+            <a:avLst/>
+          </a:prstGeom>
+          <a:noFill/>
         </p:spPr>
         <p:txBody>
-          <a:bodyPr>
-            <a:normAutofit/>
+          <a:bodyPr wrap="square" rtlCol="0">
+            <a:spAutoFit/>
           </a:bodyPr>
           <a:lstStyle/>
           <a:p>
             <a:r>
-              <a:rPr lang="en-US" altLang="zh-TW" sz="8000" dirty="0" smtClean="0">
-                <a:solidFill>
-                  <a:srgbClr val="52F2EA"/>
-                </a:solidFill>
+              <a:rPr lang="zh-TW" altLang="en-US" sz="4800" b="1" dirty="0" smtClean="0">
+                <a:latin typeface="微軟正黑體" panose="020B0604030504040204" pitchFamily="34" charset="-120"/>
+                <a:ea typeface="微軟正黑體" panose="020B0604030504040204" pitchFamily="34" charset="-120"/>
               </a:rPr>
-              <a:t>Coding Standard</a:t>
-            </a:r>
-            <a:endParaRPr lang="zh-TW" altLang="en-US" sz="8000" dirty="0">
-              <a:solidFill>
-                <a:srgbClr val="52F2EA"/>
-              </a:solidFill>
+              <a:t>品質不是動作，是一種習慣</a:t>
+            </a:r>
+            <a:endParaRPr lang="zh-TW" altLang="en-US" sz="4800" b="1" dirty="0">
+              <a:latin typeface="微軟正黑體" panose="020B0604030504040204" pitchFamily="34" charset="-120"/>
+              <a:ea typeface="微軟正黑體" panose="020B0604030504040204" pitchFamily="34" charset="-120"/>
             </a:endParaRPr>
           </a:p>
         </p:txBody>
@@ -3977,7 +4861,195 @@
     </p:spTree>
     <p:extLst>
       <p:ext uri="{BB962C8B-B14F-4D97-AF65-F5344CB8AC3E}">
-        <p14:creationId xmlns:p14="http://schemas.microsoft.com/office/powerpoint/2010/main" val="2373748662"/>
+        <p14:creationId xmlns:p14="http://schemas.microsoft.com/office/powerpoint/2010/main" val="711337685"/>
+      </p:ext>
+    </p:extLst>
+  </p:cSld>
+  <p:clrMapOvr>
+    <a:masterClrMapping/>
+  </p:clrMapOvr>
+</p:sld>
+</file>
+
+<file path=ppt/slides/slide10.xml><?xml version="1.0" encoding="utf-8"?>
+<p:sld xmlns:a="http://schemas.openxmlformats.org/drawingml/2006/main" xmlns:r="http://schemas.openxmlformats.org/officeDocument/2006/relationships" xmlns:p="http://schemas.openxmlformats.org/presentationml/2006/main">
+  <p:cSld>
+    <p:spTree>
+      <p:nvGrpSpPr>
+        <p:cNvPr id="1" name=""/>
+        <p:cNvGrpSpPr/>
+        <p:nvPr/>
+      </p:nvGrpSpPr>
+      <p:grpSpPr>
+        <a:xfrm>
+          <a:off x="0" y="0"/>
+          <a:ext cx="0" cy="0"/>
+          <a:chOff x="0" y="0"/>
+          <a:chExt cx="0" cy="0"/>
+        </a:xfrm>
+      </p:grpSpPr>
+      <p:sp>
+        <p:nvSpPr>
+          <p:cNvPr id="2" name="標題 1"/>
+          <p:cNvSpPr>
+            <a:spLocks noGrp="1"/>
+          </p:cNvSpPr>
+          <p:nvPr>
+            <p:ph type="title"/>
+          </p:nvPr>
+        </p:nvSpPr>
+        <p:spPr/>
+        <p:txBody>
+          <a:bodyPr/>
+          <a:lstStyle/>
+          <a:p>
+            <a:r>
+              <a:rPr lang="en-US" altLang="zh-TW" dirty="0" smtClean="0"/>
+              <a:t>Long Method</a:t>
+            </a:r>
+            <a:endParaRPr lang="zh-TW" altLang="en-US" dirty="0"/>
+          </a:p>
+        </p:txBody>
+      </p:sp>
+      <p:pic>
+        <p:nvPicPr>
+          <p:cNvPr id="3" name="圖片 2"/>
+          <p:cNvPicPr>
+            <a:picLocks noChangeAspect="1"/>
+          </p:cNvPicPr>
+          <p:nvPr/>
+        </p:nvPicPr>
+        <p:blipFill>
+          <a:blip r:embed="rId3"/>
+          <a:stretch>
+            <a:fillRect/>
+          </a:stretch>
+        </p:blipFill>
+        <p:spPr>
+          <a:xfrm>
+            <a:off x="465400" y="1323784"/>
+            <a:ext cx="10214791" cy="5385737"/>
+          </a:xfrm>
+          <a:prstGeom prst="rect">
+            <a:avLst/>
+          </a:prstGeom>
+        </p:spPr>
+      </p:pic>
+      <p:grpSp>
+        <p:nvGrpSpPr>
+          <p:cNvPr id="10" name="群組 9"/>
+          <p:cNvGrpSpPr/>
+          <p:nvPr/>
+        </p:nvGrpSpPr>
+        <p:grpSpPr>
+          <a:xfrm>
+            <a:off x="1386840" y="365125"/>
+            <a:ext cx="10518648" cy="6476634"/>
+            <a:chOff x="1386840" y="365125"/>
+            <a:chExt cx="10518648" cy="6476634"/>
+          </a:xfrm>
+        </p:grpSpPr>
+        <p:pic>
+          <p:nvPicPr>
+            <p:cNvPr id="5" name="圖片 4"/>
+            <p:cNvPicPr>
+              <a:picLocks noChangeAspect="1"/>
+            </p:cNvPicPr>
+            <p:nvPr/>
+          </p:nvPicPr>
+          <p:blipFill>
+            <a:blip r:embed="rId4"/>
+            <a:stretch>
+              <a:fillRect/>
+            </a:stretch>
+          </p:blipFill>
+          <p:spPr>
+            <a:xfrm>
+              <a:off x="5116258" y="365125"/>
+              <a:ext cx="6789230" cy="2809875"/>
+            </a:xfrm>
+            <a:prstGeom prst="rect">
+              <a:avLst/>
+            </a:prstGeom>
+          </p:spPr>
+        </p:pic>
+        <p:pic>
+          <p:nvPicPr>
+            <p:cNvPr id="6" name="圖片 5"/>
+            <p:cNvPicPr>
+              <a:picLocks noChangeAspect="1"/>
+            </p:cNvPicPr>
+            <p:nvPr/>
+          </p:nvPicPr>
+          <p:blipFill>
+            <a:blip r:embed="rId5"/>
+            <a:stretch>
+              <a:fillRect/>
+            </a:stretch>
+          </p:blipFill>
+          <p:spPr>
+            <a:xfrm>
+              <a:off x="1386840" y="3142980"/>
+              <a:ext cx="5505450" cy="1181100"/>
+            </a:xfrm>
+            <a:prstGeom prst="rect">
+              <a:avLst/>
+            </a:prstGeom>
+          </p:spPr>
+        </p:pic>
+        <p:pic>
+          <p:nvPicPr>
+            <p:cNvPr id="8" name="圖片 7"/>
+            <p:cNvPicPr>
+              <a:picLocks noChangeAspect="1"/>
+            </p:cNvPicPr>
+            <p:nvPr/>
+          </p:nvPicPr>
+          <p:blipFill>
+            <a:blip r:embed="rId6"/>
+            <a:stretch>
+              <a:fillRect/>
+            </a:stretch>
+          </p:blipFill>
+          <p:spPr>
+            <a:xfrm>
+              <a:off x="1386840" y="4324080"/>
+              <a:ext cx="6981825" cy="742950"/>
+            </a:xfrm>
+            <a:prstGeom prst="rect">
+              <a:avLst/>
+            </a:prstGeom>
+          </p:spPr>
+        </p:pic>
+        <p:pic>
+          <p:nvPicPr>
+            <p:cNvPr id="9" name="圖片 8"/>
+            <p:cNvPicPr>
+              <a:picLocks noChangeAspect="1"/>
+            </p:cNvPicPr>
+            <p:nvPr/>
+          </p:nvPicPr>
+          <p:blipFill>
+            <a:blip r:embed="rId7"/>
+            <a:stretch>
+              <a:fillRect/>
+            </a:stretch>
+          </p:blipFill>
+          <p:spPr>
+            <a:xfrm>
+              <a:off x="1386840" y="5174884"/>
+              <a:ext cx="9906000" cy="1666875"/>
+            </a:xfrm>
+            <a:prstGeom prst="rect">
+              <a:avLst/>
+            </a:prstGeom>
+          </p:spPr>
+        </p:pic>
+      </p:grpSp>
+    </p:spTree>
+    <p:extLst>
+      <p:ext uri="{BB962C8B-B14F-4D97-AF65-F5344CB8AC3E}">
+        <p14:creationId xmlns:p14="http://schemas.microsoft.com/office/powerpoint/2010/main" val="3200127777"/>
       </p:ext>
     </p:extLst>
   </p:cSld>
@@ -3987,14 +5059,143 @@
   <p:timing>
     <p:tnLst>
       <p:par>
-        <p:cTn id="1" dur="indefinite" restart="never" nodeType="tmRoot"/>
+        <p:cTn id="1" dur="indefinite" restart="never" nodeType="tmRoot">
+          <p:childTnLst>
+            <p:seq concurrent="1" nextAc="seek">
+              <p:cTn id="2" dur="indefinite" nodeType="mainSeq">
+                <p:childTnLst>
+                  <p:par>
+                    <p:cTn id="3" fill="hold">
+                      <p:stCondLst>
+                        <p:cond delay="indefinite"/>
+                      </p:stCondLst>
+                      <p:childTnLst>
+                        <p:par>
+                          <p:cTn id="4" fill="hold">
+                            <p:stCondLst>
+                              <p:cond delay="0"/>
+                            </p:stCondLst>
+                            <p:childTnLst>
+                              <p:par>
+                                <p:cTn id="5" presetID="10" presetClass="exit" presetSubtype="0" fill="hold" nodeType="clickEffect">
+                                  <p:stCondLst>
+                                    <p:cond delay="0"/>
+                                  </p:stCondLst>
+                                  <p:childTnLst>
+                                    <p:animEffect transition="out" filter="fade">
+                                      <p:cBhvr>
+                                        <p:cTn id="6" dur="500"/>
+                                        <p:tgtEl>
+                                          <p:spTgt spid="3"/>
+                                        </p:tgtEl>
+                                      </p:cBhvr>
+                                    </p:animEffect>
+                                    <p:set>
+                                      <p:cBhvr>
+                                        <p:cTn id="7" dur="1" fill="hold">
+                                          <p:stCondLst>
+                                            <p:cond delay="499"/>
+                                          </p:stCondLst>
+                                        </p:cTn>
+                                        <p:tgtEl>
+                                          <p:spTgt spid="3"/>
+                                        </p:tgtEl>
+                                        <p:attrNameLst>
+                                          <p:attrName>style.visibility</p:attrName>
+                                        </p:attrNameLst>
+                                      </p:cBhvr>
+                                      <p:to>
+                                        <p:strVal val="hidden"/>
+                                      </p:to>
+                                    </p:set>
+                                  </p:childTnLst>
+                                </p:cTn>
+                              </p:par>
+                            </p:childTnLst>
+                          </p:cTn>
+                        </p:par>
+                      </p:childTnLst>
+                    </p:cTn>
+                  </p:par>
+                  <p:par>
+                    <p:cTn id="8" fill="hold">
+                      <p:stCondLst>
+                        <p:cond delay="indefinite"/>
+                      </p:stCondLst>
+                      <p:childTnLst>
+                        <p:par>
+                          <p:cTn id="9" fill="hold">
+                            <p:stCondLst>
+                              <p:cond delay="0"/>
+                            </p:stCondLst>
+                            <p:childTnLst>
+                              <p:par>
+                                <p:cTn id="10" presetID="10" presetClass="entr" presetSubtype="0" fill="hold" nodeType="clickEffect">
+                                  <p:stCondLst>
+                                    <p:cond delay="0"/>
+                                  </p:stCondLst>
+                                  <p:childTnLst>
+                                    <p:set>
+                                      <p:cBhvr>
+                                        <p:cTn id="11" dur="1" fill="hold">
+                                          <p:stCondLst>
+                                            <p:cond delay="0"/>
+                                          </p:stCondLst>
+                                        </p:cTn>
+                                        <p:tgtEl>
+                                          <p:spTgt spid="10"/>
+                                        </p:tgtEl>
+                                        <p:attrNameLst>
+                                          <p:attrName>style.visibility</p:attrName>
+                                        </p:attrNameLst>
+                                      </p:cBhvr>
+                                      <p:to>
+                                        <p:strVal val="visible"/>
+                                      </p:to>
+                                    </p:set>
+                                    <p:animEffect transition="in" filter="fade">
+                                      <p:cBhvr>
+                                        <p:cTn id="12" dur="500"/>
+                                        <p:tgtEl>
+                                          <p:spTgt spid="10"/>
+                                        </p:tgtEl>
+                                      </p:cBhvr>
+                                    </p:animEffect>
+                                  </p:childTnLst>
+                                </p:cTn>
+                              </p:par>
+                            </p:childTnLst>
+                          </p:cTn>
+                        </p:par>
+                      </p:childTnLst>
+                    </p:cTn>
+                  </p:par>
+                </p:childTnLst>
+              </p:cTn>
+              <p:prevCondLst>
+                <p:cond evt="onPrev" delay="0">
+                  <p:tgtEl>
+                    <p:sldTgt/>
+                  </p:tgtEl>
+                </p:cond>
+              </p:prevCondLst>
+              <p:nextCondLst>
+                <p:cond evt="onNext" delay="0">
+                  <p:tgtEl>
+                    <p:sldTgt/>
+                  </p:tgtEl>
+                </p:cond>
+              </p:nextCondLst>
+            </p:seq>
+          </p:childTnLst>
+        </p:cTn>
       </p:par>
     </p:tnLst>
   </p:timing>
 </p:sld>
 </file>
 
-<file path=ppt/slides/slide10.xml><?xml version="1.0" encoding="utf-8"?>
+<file path=ppt/slides/slide11.xml><?xml version="1.0" encoding="utf-8"?>
 <p:sld xmlns:a="http://schemas.openxmlformats.org/drawingml/2006/main" xmlns:r="http://schemas.openxmlformats.org/officeDocument/2006/relationships" xmlns:p="http://schemas.openxmlformats.org/presentationml/2006/main">
   <p:cSld>
     <p:spTree>
@@ -4102,7 +5303,7 @@
 </p:sld>
 </file>
 
-<file path=ppt/slides/slide11.xml><?xml version="1.0" encoding="utf-8"?>
+<file path=ppt/slides/slide12.xml><?xml version="1.0" encoding="utf-8"?>
 <p:sld xmlns:a="http://schemas.openxmlformats.org/drawingml/2006/main" xmlns:r="http://schemas.openxmlformats.org/officeDocument/2006/relationships" xmlns:p="http://schemas.openxmlformats.org/presentationml/2006/main">
   <p:cSld>
     <p:spTree>
@@ -4227,7 +5428,7 @@
 </p:sld>
 </file>
 
-<file path=ppt/slides/slide12.xml><?xml version="1.0" encoding="utf-8"?>
+<file path=ppt/slides/slide13.xml><?xml version="1.0" encoding="utf-8"?>
 <p:sld xmlns:a="http://schemas.openxmlformats.org/drawingml/2006/main" xmlns:r="http://schemas.openxmlformats.org/officeDocument/2006/relationships" xmlns:p="http://schemas.openxmlformats.org/presentationml/2006/main" show="0">
   <p:cSld>
     <p:spTree>
@@ -4253,7 +5454,7 @@
           <p:nvPr/>
         </p:nvPicPr>
         <p:blipFill>
-          <a:blip r:embed="rId2">
+          <a:blip r:embed="rId3">
             <a:extLst>
               <a:ext uri="{28A0092B-C50C-407E-A947-70E740481C1C}">
                 <a14:useLocalDpi xmlns:a14="http://schemas.microsoft.com/office/drawing/2010/main" val="0"/>
@@ -4274,10 +5475,49 @@
           </a:prstGeom>
         </p:spPr>
       </p:pic>
+      <p:pic>
+        <p:nvPicPr>
+          <p:cNvPr id="2" name="圖片 1"/>
+          <p:cNvPicPr>
+            <a:picLocks noChangeAspect="1"/>
+          </p:cNvPicPr>
+          <p:nvPr/>
+        </p:nvPicPr>
+        <p:blipFill>
+          <a:blip r:embed="rId4">
+            <a:extLst>
+              <a:ext uri="{BEBA8EAE-BF5A-486C-A8C5-ECC9F3942E4B}">
+                <a14:imgProps xmlns:a14="http://schemas.microsoft.com/office/drawing/2010/main">
+                  <a14:imgLayer r:embed="rId5">
+                    <a14:imgEffect>
+                      <a14:colorTemperature colorTemp="5300"/>
+                    </a14:imgEffect>
+                  </a14:imgLayer>
+                </a14:imgProps>
+              </a:ext>
+              <a:ext uri="{28A0092B-C50C-407E-A947-70E740481C1C}">
+                <a14:useLocalDpi xmlns:a14="http://schemas.microsoft.com/office/drawing/2010/main" val="0"/>
+              </a:ext>
+            </a:extLst>
+          </a:blip>
+          <a:stretch>
+            <a:fillRect/>
+          </a:stretch>
+        </p:blipFill>
+        <p:spPr>
+          <a:xfrm>
+            <a:off x="1897359" y="1698171"/>
+            <a:ext cx="2734093" cy="2734093"/>
+          </a:xfrm>
+          <a:prstGeom prst="rect">
+            <a:avLst/>
+          </a:prstGeom>
+        </p:spPr>
+      </p:pic>
     </p:spTree>
     <p:extLst>
       <p:ext uri="{BB962C8B-B14F-4D97-AF65-F5344CB8AC3E}">
-        <p14:creationId xmlns:p14="http://schemas.microsoft.com/office/powerpoint/2010/main" val="4019935976"/>
+        <p14:creationId xmlns:p14="http://schemas.microsoft.com/office/powerpoint/2010/main" val="1730901157"/>
       </p:ext>
     </p:extLst>
   </p:cSld>
@@ -4302,7 +5542,7 @@
 </p:sld>
 </file>
 
-<file path=ppt/slides/slide13.xml><?xml version="1.0" encoding="utf-8"?>
+<file path=ppt/slides/slide14.xml><?xml version="1.0" encoding="utf-8"?>
 <p:sld xmlns:a="http://schemas.openxmlformats.org/drawingml/2006/main" xmlns:r="http://schemas.openxmlformats.org/officeDocument/2006/relationships" xmlns:p="http://schemas.openxmlformats.org/presentationml/2006/main">
   <p:cSld>
     <p:spTree>
@@ -4488,7 +5728,7 @@
 </p:sld>
 </file>
 
-<file path=ppt/slides/slide14.xml><?xml version="1.0" encoding="utf-8"?>
+<file path=ppt/slides/slide15.xml><?xml version="1.0" encoding="utf-8"?>
 <p:sld xmlns:a="http://schemas.openxmlformats.org/drawingml/2006/main" xmlns:r="http://schemas.openxmlformats.org/officeDocument/2006/relationships" xmlns:p="http://schemas.openxmlformats.org/presentationml/2006/main">
   <p:cSld>
     <p:spTree>
@@ -4556,7 +5796,7 @@
           <p:nvPr/>
         </p:nvPicPr>
         <p:blipFill rotWithShape="1">
-          <a:blip r:embed="rId2"/>
+          <a:blip r:embed="rId3"/>
           <a:srcRect l="997" t="1886" r="1160" b="1944"/>
           <a:stretch/>
         </p:blipFill>
@@ -4593,7 +5833,7 @@
             <p:nvPr/>
           </p:nvPicPr>
           <p:blipFill rotWithShape="1">
-            <a:blip r:embed="rId3"/>
+            <a:blip r:embed="rId4"/>
             <a:srcRect l="1184" t="14570" r="1778" b="3253"/>
             <a:stretch/>
           </p:blipFill>
@@ -4674,7 +5914,7 @@
 </p:sld>
 </file>
 
-<file path=ppt/slides/slide15.xml><?xml version="1.0" encoding="utf-8"?>
+<file path=ppt/slides/slide16.xml><?xml version="1.0" encoding="utf-8"?>
 <p:sld xmlns:a="http://schemas.openxmlformats.org/drawingml/2006/main" xmlns:r="http://schemas.openxmlformats.org/officeDocument/2006/relationships" xmlns:p="http://schemas.openxmlformats.org/presentationml/2006/main">
   <p:cSld>
     <p:spTree>
@@ -4865,7 +6105,7 @@
 </p:sld>
 </file>
 
-<file path=ppt/slides/slide16.xml><?xml version="1.0" encoding="utf-8"?>
+<file path=ppt/slides/slide17.xml><?xml version="1.0" encoding="utf-8"?>
 <p:sld xmlns:a="http://schemas.openxmlformats.org/drawingml/2006/main" xmlns:r="http://schemas.openxmlformats.org/officeDocument/2006/relationships" xmlns:p="http://schemas.openxmlformats.org/presentationml/2006/main">
   <p:cSld>
     <p:spTree>
@@ -4971,7 +6211,7 @@
 </p:sld>
 </file>
 
-<file path=ppt/slides/slide17.xml><?xml version="1.0" encoding="utf-8"?>
+<file path=ppt/slides/slide18.xml><?xml version="1.0" encoding="utf-8"?>
 <p:sld xmlns:a="http://schemas.openxmlformats.org/drawingml/2006/main" xmlns:r="http://schemas.openxmlformats.org/officeDocument/2006/relationships" xmlns:p="http://schemas.openxmlformats.org/presentationml/2006/main">
   <p:cSld>
     <p:spTree>
@@ -5020,7 +6260,7 @@
           <p:nvPr/>
         </p:nvPicPr>
         <p:blipFill rotWithShape="1">
-          <a:blip r:embed="rId2"/>
+          <a:blip r:embed="rId3"/>
           <a:srcRect l="632" t="2283"/>
           <a:stretch/>
         </p:blipFill>
@@ -5043,7 +6283,7 @@
           <p:nvPr/>
         </p:nvPicPr>
         <p:blipFill rotWithShape="1">
-          <a:blip r:embed="rId3"/>
+          <a:blip r:embed="rId4"/>
           <a:srcRect l="951" t="2472" r="1233" b="2046"/>
           <a:stretch/>
         </p:blipFill>
@@ -5080,7 +6320,7 @@
             <p:nvPr/>
           </p:nvPicPr>
           <p:blipFill rotWithShape="1">
-            <a:blip r:embed="rId4"/>
+            <a:blip r:embed="rId5"/>
             <a:srcRect l="596" t="3074"/>
             <a:stretch/>
           </p:blipFill>
@@ -5103,7 +6343,7 @@
             <p:nvPr/>
           </p:nvPicPr>
           <p:blipFill rotWithShape="1">
-            <a:blip r:embed="rId5"/>
+            <a:blip r:embed="rId6"/>
             <a:srcRect t="3870"/>
             <a:stretch/>
           </p:blipFill>
@@ -5138,7 +6378,7 @@
 </p:sld>
 </file>
 
-<file path=ppt/slides/slide18.xml><?xml version="1.0" encoding="utf-8"?>
+<file path=ppt/slides/slide19.xml><?xml version="1.0" encoding="utf-8"?>
 <p:sld xmlns:a="http://schemas.openxmlformats.org/drawingml/2006/main" xmlns:r="http://schemas.openxmlformats.org/officeDocument/2006/relationships" xmlns:p="http://schemas.openxmlformats.org/presentationml/2006/main">
   <p:cSld>
     <p:spTree>
@@ -6067,1300 +7307,7 @@
 </p:sld>
 </file>
 
-<file path=ppt/slides/slide19.xml><?xml version="1.0" encoding="utf-8"?>
-<p:sld xmlns:a="http://schemas.openxmlformats.org/drawingml/2006/main" xmlns:r="http://schemas.openxmlformats.org/officeDocument/2006/relationships" xmlns:p="http://schemas.openxmlformats.org/presentationml/2006/main" show="0">
-  <p:cSld>
-    <p:spTree>
-      <p:nvGrpSpPr>
-        <p:cNvPr id="1" name=""/>
-        <p:cNvGrpSpPr/>
-        <p:nvPr/>
-      </p:nvGrpSpPr>
-      <p:grpSpPr>
-        <a:xfrm>
-          <a:off x="0" y="0"/>
-          <a:ext cx="0" cy="0"/>
-          <a:chOff x="0" y="0"/>
-          <a:chExt cx="0" cy="0"/>
-        </a:xfrm>
-      </p:grpSpPr>
-      <p:sp>
-        <p:nvSpPr>
-          <p:cNvPr id="2" name="標題 1"/>
-          <p:cNvSpPr>
-            <a:spLocks noGrp="1"/>
-          </p:cNvSpPr>
-          <p:nvPr>
-            <p:ph type="title"/>
-          </p:nvPr>
-        </p:nvSpPr>
-        <p:spPr/>
-        <p:txBody>
-          <a:bodyPr/>
-          <a:lstStyle/>
-          <a:p>
-            <a:r>
-              <a:rPr lang="en-US" altLang="zh-TW" dirty="0" err="1"/>
-              <a:t>q</a:t>
-            </a:r>
-            <a:r>
-              <a:rPr lang="en-US" altLang="zh-TW" dirty="0" err="1" smtClean="0"/>
-              <a:t>uiz.h</a:t>
-            </a:r>
-            <a:endParaRPr lang="zh-TW" altLang="en-US" dirty="0"/>
-          </a:p>
-        </p:txBody>
-      </p:sp>
-      <p:sp>
-        <p:nvSpPr>
-          <p:cNvPr id="3" name="內容版面配置區 2"/>
-          <p:cNvSpPr>
-            <a:spLocks noGrp="1"/>
-          </p:cNvSpPr>
-          <p:nvPr>
-            <p:ph idx="1"/>
-          </p:nvPr>
-        </p:nvSpPr>
-        <p:spPr/>
-        <p:txBody>
-          <a:bodyPr/>
-          <a:lstStyle/>
-          <a:p>
-            <a:r>
-              <a:rPr lang="en-US" altLang="zh-TW" dirty="0" err="1" smtClean="0"/>
-              <a:t>questionVector</a:t>
-            </a:r>
-            <a:r>
-              <a:rPr lang="en-US" altLang="zh-TW" dirty="0" smtClean="0"/>
-              <a:t> </a:t>
-            </a:r>
-            <a:r>
-              <a:rPr lang="zh-TW" altLang="en-US" dirty="0" smtClean="0"/>
-              <a:t>應該為 </a:t>
-            </a:r>
-            <a:r>
-              <a:rPr lang="en-US" altLang="zh-TW" dirty="0" smtClean="0"/>
-              <a:t>questions</a:t>
-            </a:r>
-            <a:r>
-              <a:rPr lang="zh-TW" altLang="en-US" dirty="0" smtClean="0"/>
-              <a:t>，不應該出現型態</a:t>
-            </a:r>
-            <a:r>
-              <a:rPr lang="en-US" altLang="zh-TW" dirty="0" smtClean="0"/>
-              <a:t>.</a:t>
-            </a:r>
-          </a:p>
-          <a:p>
-            <a:r>
-              <a:rPr lang="en-US" altLang="zh-TW" dirty="0" err="1" smtClean="0"/>
-              <a:t>scoreCal</a:t>
-            </a:r>
-            <a:r>
-              <a:rPr lang="en-US" altLang="zh-TW" dirty="0" smtClean="0"/>
-              <a:t> </a:t>
-            </a:r>
-          </a:p>
-          <a:p>
-            <a:pPr lvl="1"/>
-            <a:r>
-              <a:rPr lang="en-US" altLang="zh-TW" dirty="0"/>
-              <a:t>t</a:t>
-            </a:r>
-            <a:r>
-              <a:rPr lang="en-US" altLang="zh-TW" dirty="0" smtClean="0"/>
-              <a:t>emp </a:t>
-            </a:r>
-            <a:r>
-              <a:rPr lang="zh-TW" altLang="en-US" dirty="0" smtClean="0"/>
-              <a:t>重複使用，應直接使用</a:t>
-            </a:r>
-            <a:r>
-              <a:rPr lang="en-US" altLang="zh-TW" dirty="0" err="1" smtClean="0"/>
-              <a:t>totalScore</a:t>
-            </a:r>
-            <a:r>
-              <a:rPr lang="zh-TW" altLang="en-US" dirty="0" smtClean="0"/>
-              <a:t>加總</a:t>
-            </a:r>
-            <a:endParaRPr lang="en-US" altLang="zh-TW" dirty="0" smtClean="0"/>
-          </a:p>
-          <a:p>
-            <a:pPr lvl="1"/>
-            <a:r>
-              <a:rPr lang="en-US" altLang="zh-TW" dirty="0" smtClean="0"/>
-              <a:t>19</a:t>
-            </a:r>
-            <a:r>
-              <a:rPr lang="zh-TW" altLang="en-US" dirty="0" smtClean="0"/>
-              <a:t>行，</a:t>
-            </a:r>
-            <a:r>
-              <a:rPr lang="en-US" altLang="zh-TW" dirty="0" smtClean="0"/>
-              <a:t>2.5</a:t>
-            </a:r>
-            <a:r>
-              <a:rPr lang="zh-TW" altLang="en-US" dirty="0" smtClean="0"/>
-              <a:t>為常數，應宣告為常數。</a:t>
-            </a:r>
-            <a:endParaRPr lang="en-US" altLang="zh-TW" dirty="0" smtClean="0"/>
-          </a:p>
-          <a:p>
-            <a:r>
-              <a:rPr lang="en-US" altLang="zh-TW" dirty="0" err="1" smtClean="0"/>
-              <a:t>changeQuestionScore</a:t>
-            </a:r>
-            <a:endParaRPr lang="en-US" altLang="zh-TW" dirty="0" smtClean="0"/>
-          </a:p>
-          <a:p>
-            <a:pPr lvl="1"/>
-            <a:r>
-              <a:rPr lang="zh-TW" altLang="en-US" dirty="0" smtClean="0"/>
-              <a:t>參數</a:t>
-            </a:r>
-            <a:r>
-              <a:rPr lang="en-US" altLang="zh-TW" dirty="0" smtClean="0"/>
-              <a:t>q</a:t>
-            </a:r>
-            <a:r>
-              <a:rPr lang="zh-TW" altLang="en-US" dirty="0" smtClean="0"/>
-              <a:t>，應為</a:t>
-            </a:r>
-            <a:r>
-              <a:rPr lang="en-US" altLang="zh-TW" dirty="0" smtClean="0"/>
-              <a:t>question</a:t>
-            </a:r>
-          </a:p>
-          <a:p>
-            <a:pPr lvl="1"/>
-            <a:r>
-              <a:rPr lang="zh-TW" altLang="en-US" dirty="0" smtClean="0"/>
-              <a:t>這個函式應移到</a:t>
-            </a:r>
-            <a:r>
-              <a:rPr lang="en-US" altLang="zh-TW" dirty="0" err="1" smtClean="0"/>
-              <a:t>question.h</a:t>
-            </a:r>
-            <a:endParaRPr lang="en-US" altLang="zh-TW" dirty="0"/>
-          </a:p>
-        </p:txBody>
-      </p:sp>
-    </p:spTree>
-    <p:extLst>
-      <p:ext uri="{BB962C8B-B14F-4D97-AF65-F5344CB8AC3E}">
-        <p14:creationId xmlns:p14="http://schemas.microsoft.com/office/powerpoint/2010/main" val="966248900"/>
-      </p:ext>
-    </p:extLst>
-  </p:cSld>
-  <p:clrMapOvr>
-    <a:masterClrMapping/>
-  </p:clrMapOvr>
-  <mc:AlternateContent xmlns:mc="http://schemas.openxmlformats.org/markup-compatibility/2006">
-    <mc:Choice xmlns:p14="http://schemas.microsoft.com/office/powerpoint/2010/main" Requires="p14">
-      <p:transition spd="slow" p14:dur="2000"/>
-    </mc:Choice>
-    <mc:Fallback>
-      <p:transition spd="slow"/>
-    </mc:Fallback>
-  </mc:AlternateContent>
-</p:sld>
-</file>
-
 <file path=ppt/slides/slide2.xml><?xml version="1.0" encoding="utf-8"?>
-<p:sld xmlns:a="http://schemas.openxmlformats.org/drawingml/2006/main" xmlns:r="http://schemas.openxmlformats.org/officeDocument/2006/relationships" xmlns:p="http://schemas.openxmlformats.org/presentationml/2006/main">
-  <p:cSld>
-    <p:spTree>
-      <p:nvGrpSpPr>
-        <p:cNvPr id="1" name=""/>
-        <p:cNvGrpSpPr/>
-        <p:nvPr/>
-      </p:nvGrpSpPr>
-      <p:grpSpPr>
-        <a:xfrm>
-          <a:off x="0" y="0"/>
-          <a:ext cx="0" cy="0"/>
-          <a:chOff x="0" y="0"/>
-          <a:chExt cx="0" cy="0"/>
-        </a:xfrm>
-      </p:grpSpPr>
-      <p:sp>
-        <p:nvSpPr>
-          <p:cNvPr id="2" name="標題 1"/>
-          <p:cNvSpPr>
-            <a:spLocks noGrp="1"/>
-          </p:cNvSpPr>
-          <p:nvPr>
-            <p:ph type="title"/>
-          </p:nvPr>
-        </p:nvSpPr>
-        <p:spPr/>
-        <p:txBody>
-          <a:bodyPr/>
-          <a:lstStyle/>
-          <a:p>
-            <a:r>
-              <a:rPr lang="zh-TW" altLang="en-US" dirty="0" smtClean="0">
-                <a:latin typeface="微軟正黑體" panose="020B0604030504040204" pitchFamily="34" charset="-120"/>
-                <a:ea typeface="微軟正黑體" panose="020B0604030504040204" pitchFamily="34" charset="-120"/>
-              </a:rPr>
-              <a:t>檔案</a:t>
-            </a:r>
-            <a:endParaRPr lang="zh-TW" altLang="en-US" dirty="0">
-              <a:latin typeface="微軟正黑體" panose="020B0604030504040204" pitchFamily="34" charset="-120"/>
-              <a:ea typeface="微軟正黑體" panose="020B0604030504040204" pitchFamily="34" charset="-120"/>
-            </a:endParaRPr>
-          </a:p>
-        </p:txBody>
-      </p:sp>
-      <p:sp>
-        <p:nvSpPr>
-          <p:cNvPr id="3" name="內容版面配置區 2"/>
-          <p:cNvSpPr>
-            <a:spLocks noGrp="1"/>
-          </p:cNvSpPr>
-          <p:nvPr>
-            <p:ph idx="1"/>
-          </p:nvPr>
-        </p:nvSpPr>
-        <p:spPr/>
-        <p:txBody>
-          <a:bodyPr/>
-          <a:lstStyle/>
-          <a:p>
-            <a:r>
-              <a:rPr lang="zh-TW" altLang="en-US" dirty="0" smtClean="0">
-                <a:latin typeface="微軟正黑體" panose="020B0604030504040204" pitchFamily="34" charset="-120"/>
-                <a:ea typeface="微軟正黑體" panose="020B0604030504040204" pitchFamily="34" charset="-120"/>
-              </a:rPr>
-              <a:t>一個檔案一個類別</a:t>
-            </a:r>
-            <a:endParaRPr lang="en-US" altLang="zh-TW" dirty="0" smtClean="0">
-              <a:latin typeface="微軟正黑體" panose="020B0604030504040204" pitchFamily="34" charset="-120"/>
-              <a:ea typeface="微軟正黑體" panose="020B0604030504040204" pitchFamily="34" charset="-120"/>
-            </a:endParaRPr>
-          </a:p>
-          <a:p>
-            <a:pPr lvl="1"/>
-            <a:r>
-              <a:rPr lang="en-US" altLang="zh-TW" dirty="0" smtClean="0">
-                <a:latin typeface="微軟正黑體" panose="020B0604030504040204" pitchFamily="34" charset="-120"/>
-                <a:ea typeface="微軟正黑體" panose="020B0604030504040204" pitchFamily="34" charset="-120"/>
-              </a:rPr>
-              <a:t>Header </a:t>
-            </a:r>
-            <a:r>
-              <a:rPr lang="en-US" altLang="zh-TW" dirty="0">
-                <a:latin typeface="微軟正黑體" panose="020B0604030504040204" pitchFamily="34" charset="-120"/>
-                <a:ea typeface="微軟正黑體" panose="020B0604030504040204" pitchFamily="34" charset="-120"/>
-              </a:rPr>
-              <a:t>file</a:t>
-            </a:r>
-            <a:r>
-              <a:rPr lang="zh-TW" altLang="en-US" dirty="0">
-                <a:latin typeface="微軟正黑體" panose="020B0604030504040204" pitchFamily="34" charset="-120"/>
-                <a:ea typeface="微軟正黑體" panose="020B0604030504040204" pitchFamily="34" charset="-120"/>
-              </a:rPr>
-              <a:t>，副檔名一律使用</a:t>
-            </a:r>
-            <a:r>
-              <a:rPr lang="en-US" altLang="zh-TW" dirty="0">
-                <a:latin typeface="微軟正黑體" panose="020B0604030504040204" pitchFamily="34" charset="-120"/>
-                <a:ea typeface="微軟正黑體" panose="020B0604030504040204" pitchFamily="34" charset="-120"/>
-              </a:rPr>
-              <a:t>.h (</a:t>
-            </a:r>
-            <a:r>
-              <a:rPr lang="zh-TW" altLang="en-US" dirty="0">
-                <a:latin typeface="微軟正黑體" panose="020B0604030504040204" pitchFamily="34" charset="-120"/>
-                <a:ea typeface="微軟正黑體" panose="020B0604030504040204" pitchFamily="34" charset="-120"/>
-              </a:rPr>
-              <a:t>例如</a:t>
-            </a:r>
-            <a:r>
-              <a:rPr lang="zh-TW" altLang="en-US" dirty="0" smtClean="0">
-                <a:latin typeface="微軟正黑體" panose="020B0604030504040204" pitchFamily="34" charset="-120"/>
-                <a:ea typeface="微軟正黑體" panose="020B0604030504040204" pitchFamily="34" charset="-120"/>
-              </a:rPr>
-              <a:t>：</a:t>
-            </a:r>
-            <a:r>
-              <a:rPr lang="en-US" altLang="zh-TW" dirty="0" err="1" smtClean="0">
-                <a:latin typeface="微軟正黑體" panose="020B0604030504040204" pitchFamily="34" charset="-120"/>
-                <a:ea typeface="微軟正黑體" panose="020B0604030504040204" pitchFamily="34" charset="-120"/>
-              </a:rPr>
-              <a:t>socket.h</a:t>
-            </a:r>
-            <a:r>
-              <a:rPr lang="en-US" altLang="zh-TW" dirty="0">
-                <a:latin typeface="微軟正黑體" panose="020B0604030504040204" pitchFamily="34" charset="-120"/>
-                <a:ea typeface="微軟正黑體" panose="020B0604030504040204" pitchFamily="34" charset="-120"/>
-              </a:rPr>
-              <a:t>)</a:t>
-            </a:r>
-            <a:r>
-              <a:rPr lang="zh-TW" altLang="en-US" dirty="0">
-                <a:latin typeface="微軟正黑體" panose="020B0604030504040204" pitchFamily="34" charset="-120"/>
-                <a:ea typeface="微軟正黑體" panose="020B0604030504040204" pitchFamily="34" charset="-120"/>
-              </a:rPr>
-              <a:t>。 </a:t>
-            </a:r>
-            <a:endParaRPr lang="en-US" altLang="zh-TW" dirty="0" smtClean="0">
-              <a:latin typeface="微軟正黑體" panose="020B0604030504040204" pitchFamily="34" charset="-120"/>
-              <a:ea typeface="微軟正黑體" panose="020B0604030504040204" pitchFamily="34" charset="-120"/>
-            </a:endParaRPr>
-          </a:p>
-          <a:p>
-            <a:pPr lvl="1"/>
-            <a:r>
-              <a:rPr lang="en-US" altLang="zh-TW" dirty="0" smtClean="0">
-                <a:latin typeface="微軟正黑體" panose="020B0604030504040204" pitchFamily="34" charset="-120"/>
-                <a:ea typeface="微軟正黑體" panose="020B0604030504040204" pitchFamily="34" charset="-120"/>
-              </a:rPr>
-              <a:t>Source </a:t>
-            </a:r>
-            <a:r>
-              <a:rPr lang="en-US" altLang="zh-TW" dirty="0">
-                <a:latin typeface="微軟正黑體" panose="020B0604030504040204" pitchFamily="34" charset="-120"/>
-                <a:ea typeface="微軟正黑體" panose="020B0604030504040204" pitchFamily="34" charset="-120"/>
-              </a:rPr>
-              <a:t>file</a:t>
-            </a:r>
-            <a:r>
-              <a:rPr lang="zh-TW" altLang="en-US" dirty="0">
-                <a:latin typeface="微軟正黑體" panose="020B0604030504040204" pitchFamily="34" charset="-120"/>
-                <a:ea typeface="微軟正黑體" panose="020B0604030504040204" pitchFamily="34" charset="-120"/>
-              </a:rPr>
-              <a:t>，副檔名一律使用</a:t>
-            </a:r>
-            <a:r>
-              <a:rPr lang="en-US" altLang="zh-TW" dirty="0">
-                <a:latin typeface="微軟正黑體" panose="020B0604030504040204" pitchFamily="34" charset="-120"/>
-                <a:ea typeface="微軟正黑體" panose="020B0604030504040204" pitchFamily="34" charset="-120"/>
-              </a:rPr>
-              <a:t>.</a:t>
-            </a:r>
-            <a:r>
-              <a:rPr lang="en-US" altLang="zh-TW" dirty="0" err="1">
-                <a:latin typeface="微軟正黑體" panose="020B0604030504040204" pitchFamily="34" charset="-120"/>
-                <a:ea typeface="微軟正黑體" panose="020B0604030504040204" pitchFamily="34" charset="-120"/>
-              </a:rPr>
-              <a:t>cpp</a:t>
-            </a:r>
-            <a:r>
-              <a:rPr lang="en-US" altLang="zh-TW" dirty="0">
-                <a:latin typeface="微軟正黑體" panose="020B0604030504040204" pitchFamily="34" charset="-120"/>
-                <a:ea typeface="微軟正黑體" panose="020B0604030504040204" pitchFamily="34" charset="-120"/>
-              </a:rPr>
-              <a:t> (</a:t>
-            </a:r>
-            <a:r>
-              <a:rPr lang="zh-TW" altLang="en-US" dirty="0">
-                <a:latin typeface="微軟正黑體" panose="020B0604030504040204" pitchFamily="34" charset="-120"/>
-                <a:ea typeface="微軟正黑體" panose="020B0604030504040204" pitchFamily="34" charset="-120"/>
-              </a:rPr>
-              <a:t>例如</a:t>
-            </a:r>
-            <a:r>
-              <a:rPr lang="zh-TW" altLang="en-US" dirty="0" smtClean="0">
-                <a:latin typeface="微軟正黑體" panose="020B0604030504040204" pitchFamily="34" charset="-120"/>
-                <a:ea typeface="微軟正黑體" panose="020B0604030504040204" pitchFamily="34" charset="-120"/>
-              </a:rPr>
-              <a:t>：</a:t>
-            </a:r>
-            <a:r>
-              <a:rPr lang="en-US" altLang="zh-TW" dirty="0" smtClean="0">
-                <a:latin typeface="微軟正黑體" panose="020B0604030504040204" pitchFamily="34" charset="-120"/>
-                <a:ea typeface="微軟正黑體" panose="020B0604030504040204" pitchFamily="34" charset="-120"/>
-              </a:rPr>
-              <a:t>socket.cpp)</a:t>
-            </a:r>
-            <a:r>
-              <a:rPr lang="zh-TW" altLang="en-US" dirty="0" smtClean="0">
-                <a:latin typeface="微軟正黑體" panose="020B0604030504040204" pitchFamily="34" charset="-120"/>
-                <a:ea typeface="微軟正黑體" panose="020B0604030504040204" pitchFamily="34" charset="-120"/>
-              </a:rPr>
-              <a:t>。 </a:t>
-            </a:r>
-            <a:endParaRPr lang="en-US" altLang="zh-TW" dirty="0" smtClean="0">
-              <a:latin typeface="微軟正黑體" panose="020B0604030504040204" pitchFamily="34" charset="-120"/>
-              <a:ea typeface="微軟正黑體" panose="020B0604030504040204" pitchFamily="34" charset="-120"/>
-            </a:endParaRPr>
-          </a:p>
-          <a:p>
-            <a:endParaRPr lang="en-US" altLang="zh-TW" dirty="0"/>
-          </a:p>
-          <a:p>
-            <a:endParaRPr lang="zh-TW" altLang="en-US" dirty="0"/>
-          </a:p>
-        </p:txBody>
-      </p:sp>
-    </p:spTree>
-    <p:extLst>
-      <p:ext uri="{BB962C8B-B14F-4D97-AF65-F5344CB8AC3E}">
-        <p14:creationId xmlns:p14="http://schemas.microsoft.com/office/powerpoint/2010/main" val="3795282892"/>
-      </p:ext>
-    </p:extLst>
-  </p:cSld>
-  <p:clrMapOvr>
-    <a:masterClrMapping/>
-  </p:clrMapOvr>
-  <p:timing>
-    <p:tnLst>
-      <p:par>
-        <p:cTn id="1" dur="indefinite" restart="never" nodeType="tmRoot"/>
-      </p:par>
-    </p:tnLst>
-  </p:timing>
-</p:sld>
-</file>
-
-<file path=ppt/slides/slide20.xml><?xml version="1.0" encoding="utf-8"?>
-<p:sld xmlns:a="http://schemas.openxmlformats.org/drawingml/2006/main" xmlns:r="http://schemas.openxmlformats.org/officeDocument/2006/relationships" xmlns:p="http://schemas.openxmlformats.org/presentationml/2006/main" show="0">
-  <p:cSld>
-    <p:spTree>
-      <p:nvGrpSpPr>
-        <p:cNvPr id="1" name=""/>
-        <p:cNvGrpSpPr/>
-        <p:nvPr/>
-      </p:nvGrpSpPr>
-      <p:grpSpPr>
-        <a:xfrm>
-          <a:off x="0" y="0"/>
-          <a:ext cx="0" cy="0"/>
-          <a:chOff x="0" y="0"/>
-          <a:chExt cx="0" cy="0"/>
-        </a:xfrm>
-      </p:grpSpPr>
-      <p:sp>
-        <p:nvSpPr>
-          <p:cNvPr id="2" name="標題 1"/>
-          <p:cNvSpPr>
-            <a:spLocks noGrp="1"/>
-          </p:cNvSpPr>
-          <p:nvPr>
-            <p:ph type="title"/>
-          </p:nvPr>
-        </p:nvSpPr>
-        <p:spPr/>
-        <p:txBody>
-          <a:bodyPr/>
-          <a:lstStyle/>
-          <a:p>
-            <a:r>
-              <a:rPr lang="en-US" altLang="zh-TW" dirty="0" err="1" smtClean="0"/>
-              <a:t>questions.h</a:t>
-            </a:r>
-            <a:endParaRPr lang="zh-TW" altLang="en-US" dirty="0"/>
-          </a:p>
-        </p:txBody>
-      </p:sp>
-      <p:sp>
-        <p:nvSpPr>
-          <p:cNvPr id="3" name="內容版面配置區 2"/>
-          <p:cNvSpPr>
-            <a:spLocks noGrp="1"/>
-          </p:cNvSpPr>
-          <p:nvPr>
-            <p:ph idx="1"/>
-          </p:nvPr>
-        </p:nvSpPr>
-        <p:spPr/>
-        <p:txBody>
-          <a:bodyPr/>
-          <a:lstStyle/>
-          <a:p>
-            <a:r>
-              <a:rPr lang="en-US" altLang="zh-TW" dirty="0" smtClean="0"/>
-              <a:t>Constructor</a:t>
-            </a:r>
-            <a:r>
-              <a:rPr lang="zh-TW" altLang="en-US" dirty="0" smtClean="0"/>
-              <a:t>為</a:t>
-            </a:r>
-            <a:r>
-              <a:rPr lang="en-US" altLang="zh-TW" dirty="0" smtClean="0"/>
-              <a:t>long parameter</a:t>
-            </a:r>
-          </a:p>
-          <a:p>
-            <a:r>
-              <a:rPr lang="en-US" altLang="zh-TW" dirty="0" smtClean="0"/>
-              <a:t>Private</a:t>
-            </a:r>
-            <a:r>
-              <a:rPr lang="zh-TW" altLang="en-US" dirty="0" smtClean="0"/>
-              <a:t> 的變數命名應為 </a:t>
-            </a:r>
-            <a:r>
-              <a:rPr lang="en-US" altLang="zh-TW" dirty="0" smtClean="0"/>
-              <a:t>question, answer</a:t>
-            </a:r>
-          </a:p>
-          <a:p>
-            <a:r>
-              <a:rPr lang="en-US" altLang="zh-TW" dirty="0" smtClean="0"/>
-              <a:t>Index</a:t>
-            </a:r>
-            <a:r>
-              <a:rPr lang="zh-TW" altLang="en-US" dirty="0" smtClean="0"/>
-              <a:t>應為</a:t>
-            </a:r>
-            <a:r>
-              <a:rPr lang="en-US" altLang="zh-TW" dirty="0" smtClean="0"/>
-              <a:t>private</a:t>
-            </a:r>
-            <a:r>
-              <a:rPr lang="zh-TW" altLang="en-US" dirty="0" smtClean="0"/>
-              <a:t>，不可被</a:t>
-            </a:r>
-            <a:r>
-              <a:rPr lang="en-US" altLang="zh-TW" dirty="0" err="1" smtClean="0"/>
-              <a:t>quiz.h</a:t>
-            </a:r>
-            <a:r>
-              <a:rPr lang="zh-TW" altLang="en-US" dirty="0" smtClean="0"/>
-              <a:t>直接使用</a:t>
-            </a:r>
-            <a:endParaRPr lang="zh-TW" altLang="en-US" dirty="0"/>
-          </a:p>
-        </p:txBody>
-      </p:sp>
-    </p:spTree>
-    <p:extLst>
-      <p:ext uri="{BB962C8B-B14F-4D97-AF65-F5344CB8AC3E}">
-        <p14:creationId xmlns:p14="http://schemas.microsoft.com/office/powerpoint/2010/main" val="1668470761"/>
-      </p:ext>
-    </p:extLst>
-  </p:cSld>
-  <p:clrMapOvr>
-    <a:masterClrMapping/>
-  </p:clrMapOvr>
-  <mc:AlternateContent xmlns:mc="http://schemas.openxmlformats.org/markup-compatibility/2006">
-    <mc:Choice xmlns:p14="http://schemas.microsoft.com/office/powerpoint/2010/main" Requires="p14">
-      <p:transition spd="slow" p14:dur="2000"/>
-    </mc:Choice>
-    <mc:Fallback>
-      <p:transition spd="slow"/>
-    </mc:Fallback>
-  </mc:AlternateContent>
-</p:sld>
-</file>
-
-<file path=ppt/slides/slide3.xml><?xml version="1.0" encoding="utf-8"?>
-<p:sld xmlns:a="http://schemas.openxmlformats.org/drawingml/2006/main" xmlns:r="http://schemas.openxmlformats.org/officeDocument/2006/relationships" xmlns:p="http://schemas.openxmlformats.org/presentationml/2006/main">
-  <p:cSld>
-    <p:spTree>
-      <p:nvGrpSpPr>
-        <p:cNvPr id="1" name=""/>
-        <p:cNvGrpSpPr/>
-        <p:nvPr/>
-      </p:nvGrpSpPr>
-      <p:grpSpPr>
-        <a:xfrm>
-          <a:off x="0" y="0"/>
-          <a:ext cx="0" cy="0"/>
-          <a:chOff x="0" y="0"/>
-          <a:chExt cx="0" cy="0"/>
-        </a:xfrm>
-      </p:grpSpPr>
-      <p:sp>
-        <p:nvSpPr>
-          <p:cNvPr id="2" name="標題 1"/>
-          <p:cNvSpPr>
-            <a:spLocks noGrp="1"/>
-          </p:cNvSpPr>
-          <p:nvPr>
-            <p:ph type="title"/>
-          </p:nvPr>
-        </p:nvSpPr>
-        <p:spPr/>
-        <p:txBody>
-          <a:bodyPr/>
-          <a:lstStyle/>
-          <a:p>
-            <a:r>
-              <a:rPr lang="zh-TW" altLang="en-US" dirty="0">
-                <a:latin typeface="微軟正黑體" panose="020B0604030504040204" pitchFamily="34" charset="-120"/>
-                <a:ea typeface="微軟正黑體" panose="020B0604030504040204" pitchFamily="34" charset="-120"/>
-              </a:rPr>
-              <a:t>變數</a:t>
-            </a:r>
-          </a:p>
-        </p:txBody>
-      </p:sp>
-      <p:sp>
-        <p:nvSpPr>
-          <p:cNvPr id="3" name="內容版面配置區 2"/>
-          <p:cNvSpPr>
-            <a:spLocks noGrp="1"/>
-          </p:cNvSpPr>
-          <p:nvPr>
-            <p:ph idx="1"/>
-          </p:nvPr>
-        </p:nvSpPr>
-        <p:spPr/>
-        <p:txBody>
-          <a:bodyPr/>
-          <a:lstStyle/>
-          <a:p>
-            <a:r>
-              <a:rPr lang="en-US" altLang="zh-TW" dirty="0">
-                <a:latin typeface="微軟正黑體" panose="020B0604030504040204" pitchFamily="34" charset="-120"/>
-                <a:ea typeface="微軟正黑體" panose="020B0604030504040204" pitchFamily="34" charset="-120"/>
-              </a:rPr>
-              <a:t>Class </a:t>
-            </a:r>
-            <a:r>
-              <a:rPr lang="zh-TW" altLang="en-US" dirty="0">
-                <a:latin typeface="微軟正黑體" panose="020B0604030504040204" pitchFamily="34" charset="-120"/>
-                <a:ea typeface="微軟正黑體" panose="020B0604030504040204" pitchFamily="34" charset="-120"/>
-              </a:rPr>
-              <a:t>成員變數以</a:t>
-            </a:r>
-            <a:r>
-              <a:rPr lang="zh-TW" altLang="en-US" dirty="0">
-                <a:solidFill>
-                  <a:srgbClr val="52F2EA"/>
-                </a:solidFill>
-                <a:latin typeface="微軟正黑體" panose="020B0604030504040204" pitchFamily="34" charset="-120"/>
-                <a:ea typeface="微軟正黑體" panose="020B0604030504040204" pitchFamily="34" charset="-120"/>
-              </a:rPr>
-              <a:t>底線開始</a:t>
-            </a:r>
-            <a:r>
-              <a:rPr lang="zh-TW" altLang="en-US" dirty="0">
-                <a:latin typeface="微軟正黑體" panose="020B0604030504040204" pitchFamily="34" charset="-120"/>
-                <a:ea typeface="微軟正黑體" panose="020B0604030504040204" pitchFamily="34" charset="-120"/>
-              </a:rPr>
-              <a:t>，底線後</a:t>
-            </a:r>
-            <a:r>
-              <a:rPr lang="zh-TW" altLang="en-US" dirty="0">
-                <a:solidFill>
-                  <a:srgbClr val="52F2EA"/>
-                </a:solidFill>
-                <a:latin typeface="微軟正黑體" panose="020B0604030504040204" pitchFamily="34" charset="-120"/>
-                <a:ea typeface="微軟正黑體" panose="020B0604030504040204" pitchFamily="34" charset="-120"/>
-              </a:rPr>
-              <a:t>第一個子母小寫</a:t>
-            </a:r>
-            <a:r>
-              <a:rPr lang="zh-TW" altLang="en-US" dirty="0">
-                <a:latin typeface="微軟正黑體" panose="020B0604030504040204" pitchFamily="34" charset="-120"/>
-                <a:ea typeface="微軟正黑體" panose="020B0604030504040204" pitchFamily="34" charset="-120"/>
-              </a:rPr>
-              <a:t>，若由多個單字組成，從第二個</a:t>
-            </a:r>
-            <a:r>
-              <a:rPr lang="zh-TW" altLang="en-US" dirty="0" smtClean="0">
-                <a:latin typeface="微軟正黑體" panose="020B0604030504040204" pitchFamily="34" charset="-120"/>
-                <a:ea typeface="微軟正黑體" panose="020B0604030504040204" pitchFamily="34" charset="-120"/>
-              </a:rPr>
-              <a:t>單字開始</a:t>
-            </a:r>
-            <a:r>
-              <a:rPr lang="zh-TW" altLang="en-US" dirty="0">
-                <a:latin typeface="微軟正黑體" panose="020B0604030504040204" pitchFamily="34" charset="-120"/>
-                <a:ea typeface="微軟正黑體" panose="020B0604030504040204" pitchFamily="34" charset="-120"/>
-              </a:rPr>
-              <a:t>，每個單字的第一個字母</a:t>
-            </a:r>
-            <a:r>
-              <a:rPr lang="zh-TW" altLang="en-US" dirty="0" smtClean="0">
-                <a:latin typeface="微軟正黑體" panose="020B0604030504040204" pitchFamily="34" charset="-120"/>
-                <a:ea typeface="微軟正黑體" panose="020B0604030504040204" pitchFamily="34" charset="-120"/>
-              </a:rPr>
-              <a:t>大寫。</a:t>
-            </a:r>
-            <a:endParaRPr lang="en-US" altLang="zh-TW" dirty="0" smtClean="0">
-              <a:latin typeface="微軟正黑體" panose="020B0604030504040204" pitchFamily="34" charset="-120"/>
-              <a:ea typeface="微軟正黑體" panose="020B0604030504040204" pitchFamily="34" charset="-120"/>
-            </a:endParaRPr>
-          </a:p>
-          <a:p>
-            <a:pPr lvl="1"/>
-            <a:r>
-              <a:rPr lang="en-US" altLang="zh-TW" dirty="0">
-                <a:latin typeface="微軟正黑體" panose="020B0604030504040204" pitchFamily="34" charset="-120"/>
-                <a:ea typeface="微軟正黑體" panose="020B0604030504040204" pitchFamily="34" charset="-120"/>
-              </a:rPr>
-              <a:t>b</a:t>
-            </a:r>
-            <a:r>
-              <a:rPr lang="en-US" altLang="zh-TW" dirty="0" smtClean="0">
-                <a:latin typeface="微軟正黑體" panose="020B0604030504040204" pitchFamily="34" charset="-120"/>
-                <a:ea typeface="微軟正黑體" panose="020B0604030504040204" pitchFamily="34" charset="-120"/>
-              </a:rPr>
-              <a:t>ool _isPermissionState</a:t>
-            </a:r>
-          </a:p>
-          <a:p>
-            <a:pPr marL="457200" lvl="1" indent="0">
-              <a:buNone/>
-            </a:pPr>
-            <a:endParaRPr lang="en-US" altLang="zh-TW" dirty="0" smtClean="0">
-              <a:latin typeface="微軟正黑體" panose="020B0604030504040204" pitchFamily="34" charset="-120"/>
-              <a:ea typeface="微軟正黑體" panose="020B0604030504040204" pitchFamily="34" charset="-120"/>
-            </a:endParaRPr>
-          </a:p>
-          <a:p>
-            <a:r>
-              <a:rPr lang="zh-TW" altLang="en-US" dirty="0">
-                <a:latin typeface="微軟正黑體" panose="020B0604030504040204" pitchFamily="34" charset="-120"/>
-                <a:ea typeface="微軟正黑體" panose="020B0604030504040204" pitchFamily="34" charset="-120"/>
-              </a:rPr>
-              <a:t>全域變數、區域變數及函式參數命名規格與 </a:t>
-            </a:r>
-            <a:r>
-              <a:rPr lang="en-US" altLang="zh-TW" dirty="0">
-                <a:latin typeface="微軟正黑體" panose="020B0604030504040204" pitchFamily="34" charset="-120"/>
-                <a:ea typeface="微軟正黑體" panose="020B0604030504040204" pitchFamily="34" charset="-120"/>
-              </a:rPr>
-              <a:t>class </a:t>
-            </a:r>
-            <a:r>
-              <a:rPr lang="zh-TW" altLang="en-US" dirty="0">
-                <a:latin typeface="微軟正黑體" panose="020B0604030504040204" pitchFamily="34" charset="-120"/>
-                <a:ea typeface="微軟正黑體" panose="020B0604030504040204" pitchFamily="34" charset="-120"/>
-              </a:rPr>
-              <a:t>成員變數相似，僅差</a:t>
-            </a:r>
-            <a:r>
-              <a:rPr lang="zh-TW" altLang="en-US" dirty="0">
-                <a:solidFill>
-                  <a:srgbClr val="52F2EA"/>
-                </a:solidFill>
-                <a:latin typeface="微軟正黑體" panose="020B0604030504040204" pitchFamily="34" charset="-120"/>
-                <a:ea typeface="微軟正黑體" panose="020B0604030504040204" pitchFamily="34" charset="-120"/>
-              </a:rPr>
-              <a:t>不以底線開始</a:t>
-            </a:r>
-            <a:r>
-              <a:rPr lang="zh-TW" altLang="en-US" dirty="0" smtClean="0">
-                <a:latin typeface="微軟正黑體" panose="020B0604030504040204" pitchFamily="34" charset="-120"/>
-                <a:ea typeface="微軟正黑體" panose="020B0604030504040204" pitchFamily="34" charset="-120"/>
-              </a:rPr>
-              <a:t>。</a:t>
-            </a:r>
-            <a:endParaRPr lang="en-US" altLang="zh-TW" dirty="0" smtClean="0">
-              <a:latin typeface="微軟正黑體" panose="020B0604030504040204" pitchFamily="34" charset="-120"/>
-              <a:ea typeface="微軟正黑體" panose="020B0604030504040204" pitchFamily="34" charset="-120"/>
-            </a:endParaRPr>
-          </a:p>
-          <a:p>
-            <a:pPr lvl="1"/>
-            <a:r>
-              <a:rPr lang="en-US" altLang="zh-TW" dirty="0">
-                <a:latin typeface="微軟正黑體" panose="020B0604030504040204" pitchFamily="34" charset="-120"/>
-                <a:ea typeface="微軟正黑體" panose="020B0604030504040204" pitchFamily="34" charset="-120"/>
-              </a:rPr>
-              <a:t>d</a:t>
-            </a:r>
-            <a:r>
-              <a:rPr lang="en-US" altLang="zh-TW" dirty="0" smtClean="0">
-                <a:latin typeface="微軟正黑體" panose="020B0604030504040204" pitchFamily="34" charset="-120"/>
-                <a:ea typeface="微軟正黑體" panose="020B0604030504040204" pitchFamily="34" charset="-120"/>
-              </a:rPr>
-              <a:t>ouble calculateArea()</a:t>
-            </a:r>
-          </a:p>
-          <a:p>
-            <a:pPr marL="457200" lvl="1" indent="0">
-              <a:buNone/>
-            </a:pPr>
-            <a:endParaRPr lang="en-US" altLang="zh-TW" dirty="0" smtClean="0">
-              <a:latin typeface="微軟正黑體" panose="020B0604030504040204" pitchFamily="34" charset="-120"/>
-              <a:ea typeface="微軟正黑體" panose="020B0604030504040204" pitchFamily="34" charset="-120"/>
-            </a:endParaRPr>
-          </a:p>
-          <a:p>
-            <a:r>
-              <a:rPr lang="zh-TW" altLang="en-US" dirty="0" smtClean="0">
-                <a:latin typeface="微軟正黑體" panose="020B0604030504040204" pitchFamily="34" charset="-120"/>
-                <a:ea typeface="微軟正黑體" panose="020B0604030504040204" pitchFamily="34" charset="-120"/>
-              </a:rPr>
-              <a:t>星號</a:t>
-            </a:r>
-            <a:r>
-              <a:rPr lang="en-US" altLang="zh-TW" dirty="0">
-                <a:latin typeface="微軟正黑體" panose="020B0604030504040204" pitchFamily="34" charset="-120"/>
-                <a:ea typeface="微軟正黑體" panose="020B0604030504040204" pitchFamily="34" charset="-120"/>
-              </a:rPr>
-              <a:t>(*)</a:t>
-            </a:r>
-            <a:r>
-              <a:rPr lang="zh-TW" altLang="en-US" dirty="0">
-                <a:latin typeface="微軟正黑體" panose="020B0604030504040204" pitchFamily="34" charset="-120"/>
-                <a:ea typeface="微軟正黑體" panose="020B0604030504040204" pitchFamily="34" charset="-120"/>
-              </a:rPr>
-              <a:t>及參考</a:t>
-            </a:r>
-            <a:r>
-              <a:rPr lang="en-US" altLang="zh-TW" dirty="0">
-                <a:latin typeface="微軟正黑體" panose="020B0604030504040204" pitchFamily="34" charset="-120"/>
-                <a:ea typeface="微軟正黑體" panose="020B0604030504040204" pitchFamily="34" charset="-120"/>
-              </a:rPr>
-              <a:t>(&amp;)</a:t>
-            </a:r>
-            <a:r>
-              <a:rPr lang="zh-TW" altLang="en-US" dirty="0">
-                <a:latin typeface="微軟正黑體" panose="020B0604030504040204" pitchFamily="34" charset="-120"/>
-                <a:ea typeface="微軟正黑體" panose="020B0604030504040204" pitchFamily="34" charset="-120"/>
-              </a:rPr>
-              <a:t>符號緊跟於</a:t>
-            </a:r>
-            <a:r>
-              <a:rPr lang="zh-TW" altLang="en-US" dirty="0">
-                <a:solidFill>
-                  <a:srgbClr val="52F2EA"/>
-                </a:solidFill>
-                <a:latin typeface="微軟正黑體" panose="020B0604030504040204" pitchFamily="34" charset="-120"/>
-                <a:ea typeface="微軟正黑體" panose="020B0604030504040204" pitchFamily="34" charset="-120"/>
-              </a:rPr>
-              <a:t>型態</a:t>
-            </a:r>
-            <a:r>
-              <a:rPr lang="zh-TW" altLang="en-US" dirty="0" smtClean="0">
-                <a:solidFill>
-                  <a:srgbClr val="52F2EA"/>
-                </a:solidFill>
-                <a:latin typeface="微軟正黑體" panose="020B0604030504040204" pitchFamily="34" charset="-120"/>
-                <a:ea typeface="微軟正黑體" panose="020B0604030504040204" pitchFamily="34" charset="-120"/>
-              </a:rPr>
-              <a:t>之後</a:t>
-            </a:r>
-            <a:r>
-              <a:rPr lang="zh-TW" altLang="en-US" dirty="0" smtClean="0">
-                <a:latin typeface="微軟正黑體" panose="020B0604030504040204" pitchFamily="34" charset="-120"/>
-                <a:ea typeface="微軟正黑體" panose="020B0604030504040204" pitchFamily="34" charset="-120"/>
-              </a:rPr>
-              <a:t>。</a:t>
-            </a:r>
-            <a:endParaRPr lang="en-US" altLang="zh-TW" dirty="0" smtClean="0">
-              <a:latin typeface="微軟正黑體" panose="020B0604030504040204" pitchFamily="34" charset="-120"/>
-              <a:ea typeface="微軟正黑體" panose="020B0604030504040204" pitchFamily="34" charset="-120"/>
-            </a:endParaRPr>
-          </a:p>
-          <a:p>
-            <a:pPr lvl="1"/>
-            <a:r>
-              <a:rPr lang="en-US" altLang="zh-TW" dirty="0" smtClean="0">
-                <a:latin typeface="微軟正黑體" panose="020B0604030504040204" pitchFamily="34" charset="-120"/>
-                <a:ea typeface="微軟正黑體" panose="020B0604030504040204" pitchFamily="34" charset="-120"/>
-              </a:rPr>
-              <a:t>double* _length</a:t>
-            </a:r>
-            <a:endParaRPr lang="zh-TW" altLang="en-US" dirty="0">
-              <a:latin typeface="微軟正黑體" panose="020B0604030504040204" pitchFamily="34" charset="-120"/>
-              <a:ea typeface="微軟正黑體" panose="020B0604030504040204" pitchFamily="34" charset="-120"/>
-            </a:endParaRPr>
-          </a:p>
-        </p:txBody>
-      </p:sp>
-    </p:spTree>
-    <p:extLst>
-      <p:ext uri="{BB962C8B-B14F-4D97-AF65-F5344CB8AC3E}">
-        <p14:creationId xmlns:p14="http://schemas.microsoft.com/office/powerpoint/2010/main" val="1157789552"/>
-      </p:ext>
-    </p:extLst>
-  </p:cSld>
-  <p:clrMapOvr>
-    <a:masterClrMapping/>
-  </p:clrMapOvr>
-</p:sld>
-</file>
-
-<file path=ppt/slides/slide4.xml><?xml version="1.0" encoding="utf-8"?>
-<p:sld xmlns:a="http://schemas.openxmlformats.org/drawingml/2006/main" xmlns:r="http://schemas.openxmlformats.org/officeDocument/2006/relationships" xmlns:p="http://schemas.openxmlformats.org/presentationml/2006/main">
-  <p:cSld>
-    <p:spTree>
-      <p:nvGrpSpPr>
-        <p:cNvPr id="1" name=""/>
-        <p:cNvGrpSpPr/>
-        <p:nvPr/>
-      </p:nvGrpSpPr>
-      <p:grpSpPr>
-        <a:xfrm>
-          <a:off x="0" y="0"/>
-          <a:ext cx="0" cy="0"/>
-          <a:chOff x="0" y="0"/>
-          <a:chExt cx="0" cy="0"/>
-        </a:xfrm>
-      </p:grpSpPr>
-      <p:sp>
-        <p:nvSpPr>
-          <p:cNvPr id="2" name="標題 1"/>
-          <p:cNvSpPr>
-            <a:spLocks noGrp="1"/>
-          </p:cNvSpPr>
-          <p:nvPr>
-            <p:ph type="title"/>
-          </p:nvPr>
-        </p:nvSpPr>
-        <p:spPr/>
-        <p:txBody>
-          <a:bodyPr/>
-          <a:lstStyle/>
-          <a:p>
-            <a:r>
-              <a:rPr lang="zh-TW" altLang="en-US" dirty="0">
-                <a:latin typeface="微軟正黑體" panose="020B0604030504040204" pitchFamily="34" charset="-120"/>
-                <a:ea typeface="微軟正黑體" panose="020B0604030504040204" pitchFamily="34" charset="-120"/>
-              </a:rPr>
-              <a:t>函式</a:t>
-            </a:r>
-          </a:p>
-        </p:txBody>
-      </p:sp>
-      <p:sp>
-        <p:nvSpPr>
-          <p:cNvPr id="3" name="內容版面配置區 2"/>
-          <p:cNvSpPr>
-            <a:spLocks noGrp="1"/>
-          </p:cNvSpPr>
-          <p:nvPr>
-            <p:ph idx="1"/>
-          </p:nvPr>
-        </p:nvSpPr>
-        <p:spPr/>
-        <p:txBody>
-          <a:bodyPr/>
-          <a:lstStyle/>
-          <a:p>
-            <a:r>
-              <a:rPr lang="zh-TW" altLang="en-US" dirty="0">
-                <a:latin typeface="微軟正黑體" panose="020B0604030504040204" pitchFamily="34" charset="-120"/>
-                <a:ea typeface="微軟正黑體" panose="020B0604030504040204" pitchFamily="34" charset="-120"/>
-              </a:rPr>
-              <a:t>每個函式</a:t>
-            </a:r>
-            <a:r>
-              <a:rPr lang="zh-TW" altLang="en-US" dirty="0">
-                <a:solidFill>
-                  <a:srgbClr val="52F2EA"/>
-                </a:solidFill>
-                <a:latin typeface="微軟正黑體" panose="020B0604030504040204" pitchFamily="34" charset="-120"/>
-                <a:ea typeface="微軟正黑體" panose="020B0604030504040204" pitchFamily="34" charset="-120"/>
-              </a:rPr>
-              <a:t>表示一種操作</a:t>
-            </a:r>
-            <a:r>
-              <a:rPr lang="zh-TW" altLang="en-US" dirty="0">
-                <a:latin typeface="微軟正黑體" panose="020B0604030504040204" pitchFamily="34" charset="-120"/>
-                <a:ea typeface="微軟正黑體" panose="020B0604030504040204" pitchFamily="34" charset="-120"/>
-              </a:rPr>
-              <a:t>，因此一律使用</a:t>
-            </a:r>
-            <a:r>
-              <a:rPr lang="zh-TW" altLang="en-US" dirty="0">
-                <a:solidFill>
-                  <a:srgbClr val="52F2EA"/>
-                </a:solidFill>
-                <a:latin typeface="微軟正黑體" panose="020B0604030504040204" pitchFamily="34" charset="-120"/>
-                <a:ea typeface="微軟正黑體" panose="020B0604030504040204" pitchFamily="34" charset="-120"/>
-              </a:rPr>
-              <a:t>動詞</a:t>
-            </a:r>
-            <a:r>
-              <a:rPr lang="zh-TW" altLang="en-US" dirty="0">
-                <a:latin typeface="微軟正黑體" panose="020B0604030504040204" pitchFamily="34" charset="-120"/>
-                <a:ea typeface="微軟正黑體" panose="020B0604030504040204" pitchFamily="34" charset="-120"/>
-              </a:rPr>
-              <a:t>作為第一個單字</a:t>
-            </a:r>
-            <a:r>
-              <a:rPr lang="zh-TW" altLang="en-US" dirty="0" smtClean="0">
-                <a:latin typeface="微軟正黑體" panose="020B0604030504040204" pitchFamily="34" charset="-120"/>
-                <a:ea typeface="微軟正黑體" panose="020B0604030504040204" pitchFamily="34" charset="-120"/>
-              </a:rPr>
-              <a:t>。</a:t>
-            </a:r>
-            <a:endParaRPr lang="en-US" altLang="zh-TW" dirty="0" smtClean="0">
-              <a:latin typeface="微軟正黑體" panose="020B0604030504040204" pitchFamily="34" charset="-120"/>
-              <a:ea typeface="微軟正黑體" panose="020B0604030504040204" pitchFamily="34" charset="-120"/>
-            </a:endParaRPr>
-          </a:p>
-          <a:p>
-            <a:pPr lvl="1"/>
-            <a:r>
-              <a:rPr lang="en-US" altLang="zh-TW" dirty="0" smtClean="0">
-                <a:latin typeface="微軟正黑體" panose="020B0604030504040204" pitchFamily="34" charset="-120"/>
-                <a:ea typeface="微軟正黑體" panose="020B0604030504040204" pitchFamily="34" charset="-120"/>
-              </a:rPr>
-              <a:t>int calculateCompanySize()</a:t>
-            </a:r>
-          </a:p>
-          <a:p>
-            <a:r>
-              <a:rPr lang="en-US" altLang="zh-TW" dirty="0">
-                <a:solidFill>
-                  <a:srgbClr val="52F2EA"/>
-                </a:solidFill>
-                <a:latin typeface="微軟正黑體" panose="020B0604030504040204" pitchFamily="34" charset="-120"/>
-                <a:ea typeface="微軟正黑體" panose="020B0604030504040204" pitchFamily="34" charset="-120"/>
-              </a:rPr>
-              <a:t>Getter</a:t>
-            </a:r>
-            <a:r>
-              <a:rPr lang="en-US" altLang="zh-TW" dirty="0">
-                <a:latin typeface="微軟正黑體" panose="020B0604030504040204" pitchFamily="34" charset="-120"/>
-                <a:ea typeface="微軟正黑體" panose="020B0604030504040204" pitchFamily="34" charset="-120"/>
-              </a:rPr>
-              <a:t> </a:t>
-            </a:r>
-            <a:r>
-              <a:rPr lang="zh-TW" altLang="en-US" dirty="0">
-                <a:latin typeface="微軟正黑體" panose="020B0604030504040204" pitchFamily="34" charset="-120"/>
-                <a:ea typeface="微軟正黑體" panose="020B0604030504040204" pitchFamily="34" charset="-120"/>
-              </a:rPr>
-              <a:t>除了取得 </a:t>
-            </a:r>
-            <a:r>
-              <a:rPr lang="en-US" altLang="zh-TW" dirty="0">
-                <a:solidFill>
-                  <a:srgbClr val="52F2EA"/>
-                </a:solidFill>
-                <a:latin typeface="微軟正黑體" panose="020B0604030504040204" pitchFamily="34" charset="-120"/>
-                <a:ea typeface="微軟正黑體" panose="020B0604030504040204" pitchFamily="34" charset="-120"/>
-              </a:rPr>
-              <a:t>bool </a:t>
-            </a:r>
-            <a:r>
-              <a:rPr lang="zh-TW" altLang="en-US" dirty="0">
-                <a:solidFill>
-                  <a:srgbClr val="52F2EA"/>
-                </a:solidFill>
-                <a:latin typeface="微軟正黑體" panose="020B0604030504040204" pitchFamily="34" charset="-120"/>
-                <a:ea typeface="微軟正黑體" panose="020B0604030504040204" pitchFamily="34" charset="-120"/>
-              </a:rPr>
-              <a:t>值</a:t>
-            </a:r>
-            <a:r>
-              <a:rPr lang="zh-TW" altLang="en-US" dirty="0">
-                <a:latin typeface="微軟正黑體" panose="020B0604030504040204" pitchFamily="34" charset="-120"/>
-                <a:ea typeface="微軟正黑體" panose="020B0604030504040204" pitchFamily="34" charset="-120"/>
-              </a:rPr>
-              <a:t>使用 </a:t>
-            </a:r>
-            <a:r>
-              <a:rPr lang="en-US" altLang="zh-TW" dirty="0">
-                <a:latin typeface="微軟正黑體" panose="020B0604030504040204" pitchFamily="34" charset="-120"/>
-                <a:ea typeface="微軟正黑體" panose="020B0604030504040204" pitchFamily="34" charset="-120"/>
-              </a:rPr>
-              <a:t>IsXXX()</a:t>
-            </a:r>
-            <a:r>
-              <a:rPr lang="zh-TW" altLang="en-US" dirty="0">
-                <a:latin typeface="微軟正黑體" panose="020B0604030504040204" pitchFamily="34" charset="-120"/>
-                <a:ea typeface="微軟正黑體" panose="020B0604030504040204" pitchFamily="34" charset="-120"/>
-              </a:rPr>
-              <a:t>之外，其餘一律使用 </a:t>
-            </a:r>
-            <a:r>
-              <a:rPr lang="en-US" altLang="zh-TW" dirty="0">
-                <a:latin typeface="微軟正黑體" panose="020B0604030504040204" pitchFamily="34" charset="-120"/>
-                <a:ea typeface="微軟正黑體" panose="020B0604030504040204" pitchFamily="34" charset="-120"/>
-              </a:rPr>
-              <a:t>GetXXX()</a:t>
-            </a:r>
-            <a:r>
-              <a:rPr lang="zh-TW" altLang="en-US" dirty="0" smtClean="0">
-                <a:latin typeface="微軟正黑體" panose="020B0604030504040204" pitchFamily="34" charset="-120"/>
-                <a:ea typeface="微軟正黑體" panose="020B0604030504040204" pitchFamily="34" charset="-120"/>
-              </a:rPr>
-              <a:t>。</a:t>
-            </a:r>
-            <a:endParaRPr lang="en-US" altLang="zh-TW" dirty="0" smtClean="0">
-              <a:latin typeface="微軟正黑體" panose="020B0604030504040204" pitchFamily="34" charset="-120"/>
-              <a:ea typeface="微軟正黑體" panose="020B0604030504040204" pitchFamily="34" charset="-120"/>
-            </a:endParaRPr>
-          </a:p>
-          <a:p>
-            <a:pPr lvl="1"/>
-            <a:r>
-              <a:rPr lang="en-US" altLang="zh-TW" dirty="0" smtClean="0">
-                <a:latin typeface="微軟正黑體" panose="020B0604030504040204" pitchFamily="34" charset="-120"/>
-                <a:ea typeface="微軟正黑體" panose="020B0604030504040204" pitchFamily="34" charset="-120"/>
-              </a:rPr>
-              <a:t>bool isPrimeNumber()</a:t>
-            </a:r>
-          </a:p>
-          <a:p>
-            <a:pPr lvl="1"/>
-            <a:r>
-              <a:rPr lang="en-US" altLang="zh-TW" dirty="0">
-                <a:latin typeface="微軟正黑體" panose="020B0604030504040204" pitchFamily="34" charset="-120"/>
-                <a:ea typeface="微軟正黑體" panose="020B0604030504040204" pitchFamily="34" charset="-120"/>
-              </a:rPr>
-              <a:t>i</a:t>
-            </a:r>
-            <a:r>
-              <a:rPr lang="en-US" altLang="zh-TW" dirty="0" smtClean="0">
-                <a:latin typeface="微軟正黑體" panose="020B0604030504040204" pitchFamily="34" charset="-120"/>
-                <a:ea typeface="微軟正黑體" panose="020B0604030504040204" pitchFamily="34" charset="-120"/>
-              </a:rPr>
-              <a:t>nt getCompanySize()</a:t>
-            </a:r>
-          </a:p>
-          <a:p>
-            <a:r>
-              <a:rPr lang="en-US" altLang="zh-TW" dirty="0">
-                <a:solidFill>
-                  <a:srgbClr val="52F2EA"/>
-                </a:solidFill>
-                <a:latin typeface="微軟正黑體" panose="020B0604030504040204" pitchFamily="34" charset="-120"/>
-                <a:ea typeface="微軟正黑體" panose="020B0604030504040204" pitchFamily="34" charset="-120"/>
-              </a:rPr>
-              <a:t>Setter</a:t>
-            </a:r>
-            <a:r>
-              <a:rPr lang="en-US" altLang="zh-TW" dirty="0">
-                <a:latin typeface="微軟正黑體" panose="020B0604030504040204" pitchFamily="34" charset="-120"/>
-                <a:ea typeface="微軟正黑體" panose="020B0604030504040204" pitchFamily="34" charset="-120"/>
-              </a:rPr>
-              <a:t> </a:t>
-            </a:r>
-            <a:r>
-              <a:rPr lang="zh-TW" altLang="en-US" dirty="0">
-                <a:latin typeface="微軟正黑體" panose="020B0604030504040204" pitchFamily="34" charset="-120"/>
-                <a:ea typeface="微軟正黑體" panose="020B0604030504040204" pitchFamily="34" charset="-120"/>
-              </a:rPr>
-              <a:t>一律使用 </a:t>
-            </a:r>
-            <a:r>
-              <a:rPr lang="en-US" altLang="zh-TW" dirty="0">
-                <a:latin typeface="微軟正黑體" panose="020B0604030504040204" pitchFamily="34" charset="-120"/>
-                <a:ea typeface="微軟正黑體" panose="020B0604030504040204" pitchFamily="34" charset="-120"/>
-              </a:rPr>
-              <a:t>SetXXX()</a:t>
-            </a:r>
-            <a:r>
-              <a:rPr lang="zh-TW" altLang="en-US" dirty="0" smtClean="0">
-                <a:latin typeface="微軟正黑體" panose="020B0604030504040204" pitchFamily="34" charset="-120"/>
-                <a:ea typeface="微軟正黑體" panose="020B0604030504040204" pitchFamily="34" charset="-120"/>
-              </a:rPr>
-              <a:t>。</a:t>
-            </a:r>
-            <a:endParaRPr lang="en-US" altLang="zh-TW" dirty="0" smtClean="0">
-              <a:latin typeface="微軟正黑體" panose="020B0604030504040204" pitchFamily="34" charset="-120"/>
-              <a:ea typeface="微軟正黑體" panose="020B0604030504040204" pitchFamily="34" charset="-120"/>
-            </a:endParaRPr>
-          </a:p>
-          <a:p>
-            <a:pPr lvl="1"/>
-            <a:r>
-              <a:rPr lang="en-US" altLang="zh-TW" dirty="0">
-                <a:latin typeface="微軟正黑體" panose="020B0604030504040204" pitchFamily="34" charset="-120"/>
-                <a:ea typeface="微軟正黑體" panose="020B0604030504040204" pitchFamily="34" charset="-120"/>
-              </a:rPr>
-              <a:t>v</a:t>
-            </a:r>
-            <a:r>
-              <a:rPr lang="en-US" altLang="zh-TW" dirty="0" smtClean="0">
-                <a:latin typeface="微軟正黑體" panose="020B0604030504040204" pitchFamily="34" charset="-120"/>
-                <a:ea typeface="微軟正黑體" panose="020B0604030504040204" pitchFamily="34" charset="-120"/>
-              </a:rPr>
-              <a:t>oid setCompanyName(String name)</a:t>
-            </a:r>
-          </a:p>
-        </p:txBody>
-      </p:sp>
-    </p:spTree>
-    <p:extLst>
-      <p:ext uri="{BB962C8B-B14F-4D97-AF65-F5344CB8AC3E}">
-        <p14:creationId xmlns:p14="http://schemas.microsoft.com/office/powerpoint/2010/main" val="1465661925"/>
-      </p:ext>
-    </p:extLst>
-  </p:cSld>
-  <p:clrMapOvr>
-    <a:masterClrMapping/>
-  </p:clrMapOvr>
-  <p:timing>
-    <p:tnLst>
-      <p:par>
-        <p:cTn id="1" dur="indefinite" restart="never" nodeType="tmRoot"/>
-      </p:par>
-    </p:tnLst>
-  </p:timing>
-</p:sld>
-</file>
-
-<file path=ppt/slides/slide5.xml><?xml version="1.0" encoding="utf-8"?>
-<p:sld xmlns:a="http://schemas.openxmlformats.org/drawingml/2006/main" xmlns:r="http://schemas.openxmlformats.org/officeDocument/2006/relationships" xmlns:p="http://schemas.openxmlformats.org/presentationml/2006/main">
-  <p:cSld>
-    <p:spTree>
-      <p:nvGrpSpPr>
-        <p:cNvPr id="1" name=""/>
-        <p:cNvGrpSpPr/>
-        <p:nvPr/>
-      </p:nvGrpSpPr>
-      <p:grpSpPr>
-        <a:xfrm>
-          <a:off x="0" y="0"/>
-          <a:ext cx="0" cy="0"/>
-          <a:chOff x="0" y="0"/>
-          <a:chExt cx="0" cy="0"/>
-        </a:xfrm>
-      </p:grpSpPr>
-      <p:sp>
-        <p:nvSpPr>
-          <p:cNvPr id="2" name="標題 1"/>
-          <p:cNvSpPr>
-            <a:spLocks noGrp="1"/>
-          </p:cNvSpPr>
-          <p:nvPr>
-            <p:ph type="ctrTitle"/>
-          </p:nvPr>
-        </p:nvSpPr>
-        <p:spPr>
-          <a:xfrm>
-            <a:off x="1524000" y="1530736"/>
-            <a:ext cx="9144000" cy="2387600"/>
-          </a:xfrm>
-        </p:spPr>
-        <p:txBody>
-          <a:bodyPr>
-            <a:normAutofit/>
-          </a:bodyPr>
-          <a:lstStyle/>
-          <a:p>
-            <a:r>
-              <a:rPr lang="en-US" altLang="zh-TW" sz="8000" dirty="0" smtClean="0">
-                <a:solidFill>
-                  <a:srgbClr val="52F2EA"/>
-                </a:solidFill>
-              </a:rPr>
-              <a:t>Code Smell</a:t>
-            </a:r>
-            <a:endParaRPr lang="zh-TW" altLang="en-US" sz="8000" dirty="0">
-              <a:solidFill>
-                <a:srgbClr val="52F2EA"/>
-              </a:solidFill>
-            </a:endParaRPr>
-          </a:p>
-        </p:txBody>
-      </p:sp>
-    </p:spTree>
-    <p:extLst>
-      <p:ext uri="{BB962C8B-B14F-4D97-AF65-F5344CB8AC3E}">
-        <p14:creationId xmlns:p14="http://schemas.microsoft.com/office/powerpoint/2010/main" val="3749562674"/>
-      </p:ext>
-    </p:extLst>
-  </p:cSld>
-  <p:clrMapOvr>
-    <a:masterClrMapping/>
-  </p:clrMapOvr>
-  <p:timing>
-    <p:tnLst>
-      <p:par>
-        <p:cTn id="1" dur="indefinite" restart="never" nodeType="tmRoot"/>
-      </p:par>
-    </p:tnLst>
-  </p:timing>
-</p:sld>
-</file>
-
-<file path=ppt/slides/slide6.xml><?xml version="1.0" encoding="utf-8"?>
 <p:sld xmlns:a="http://schemas.openxmlformats.org/drawingml/2006/main" xmlns:r="http://schemas.openxmlformats.org/officeDocument/2006/relationships" xmlns:p="http://schemas.openxmlformats.org/presentationml/2006/main">
   <p:cSld>
     <p:spTree>
@@ -7532,46 +7479,1441 @@
           </a:extLst>
         </p:spPr>
       </p:pic>
-      <p:sp>
-        <p:nvSpPr>
-          <p:cNvPr id="6" name="文字方塊 5"/>
-          <p:cNvSpPr txBox="1"/>
+    </p:spTree>
+    <p:extLst>
+      <p:ext uri="{BB962C8B-B14F-4D97-AF65-F5344CB8AC3E}">
+        <p14:creationId xmlns:p14="http://schemas.microsoft.com/office/powerpoint/2010/main" val="1826394284"/>
+      </p:ext>
+    </p:extLst>
+  </p:cSld>
+  <p:clrMapOvr>
+    <a:masterClrMapping/>
+  </p:clrMapOvr>
+  <p:timing>
+    <p:tnLst>
+      <p:par>
+        <p:cTn id="1" dur="indefinite" restart="never" nodeType="tmRoot"/>
+      </p:par>
+    </p:tnLst>
+  </p:timing>
+</p:sld>
+</file>
+
+<file path=ppt/slides/slide20.xml><?xml version="1.0" encoding="utf-8"?>
+<p:sld xmlns:a="http://schemas.openxmlformats.org/drawingml/2006/main" xmlns:r="http://schemas.openxmlformats.org/officeDocument/2006/relationships" xmlns:p="http://schemas.openxmlformats.org/presentationml/2006/main" show="0">
+  <p:cSld>
+    <p:spTree>
+      <p:nvGrpSpPr>
+        <p:cNvPr id="1" name=""/>
+        <p:cNvGrpSpPr/>
+        <p:nvPr/>
+      </p:nvGrpSpPr>
+      <p:grpSpPr>
+        <a:xfrm>
+          <a:off x="0" y="0"/>
+          <a:ext cx="0" cy="0"/>
+          <a:chOff x="0" y="0"/>
+          <a:chExt cx="0" cy="0"/>
+        </a:xfrm>
+      </p:grpSpPr>
+      <p:sp>
+        <p:nvSpPr>
+          <p:cNvPr id="2" name="標題 1"/>
+          <p:cNvSpPr>
+            <a:spLocks noGrp="1"/>
+          </p:cNvSpPr>
+          <p:nvPr>
+            <p:ph type="title"/>
+          </p:nvPr>
+        </p:nvSpPr>
+        <p:spPr/>
+        <p:txBody>
+          <a:bodyPr/>
+          <a:lstStyle/>
+          <a:p>
+            <a:endParaRPr lang="zh-TW" altLang="en-US"/>
+          </a:p>
+        </p:txBody>
+      </p:sp>
+      <p:sp>
+        <p:nvSpPr>
+          <p:cNvPr id="3" name="內容版面配置區 2"/>
+          <p:cNvSpPr>
+            <a:spLocks noGrp="1"/>
+          </p:cNvSpPr>
+          <p:nvPr>
+            <p:ph idx="1"/>
+          </p:nvPr>
+        </p:nvSpPr>
+        <p:spPr/>
+        <p:txBody>
+          <a:bodyPr/>
+          <a:lstStyle/>
+          <a:p>
+            <a:endParaRPr lang="zh-TW" altLang="en-US"/>
+          </a:p>
+        </p:txBody>
+      </p:sp>
+      <p:pic>
+        <p:nvPicPr>
+          <p:cNvPr id="4" name="圖片 3"/>
+          <p:cNvPicPr>
+            <a:picLocks noChangeAspect="1"/>
+          </p:cNvPicPr>
           <p:nvPr/>
-        </p:nvSpPr>
+        </p:nvPicPr>
+        <p:blipFill>
+          <a:blip r:embed="rId2"/>
+          <a:stretch>
+            <a:fillRect/>
+          </a:stretch>
+        </p:blipFill>
         <p:spPr>
           <a:xfrm>
-            <a:off x="2414727" y="811727"/>
-            <a:ext cx="8265111" cy="830997"/>
+            <a:off x="6725853" y="226478"/>
+            <a:ext cx="4627947" cy="6631088"/>
           </a:xfrm>
           <a:prstGeom prst="rect">
             <a:avLst/>
           </a:prstGeom>
-          <a:noFill/>
         </p:spPr>
-        <p:txBody>
-          <a:bodyPr wrap="square" rtlCol="0">
-            <a:spAutoFit/>
+      </p:pic>
+      <p:pic>
+        <p:nvPicPr>
+          <p:cNvPr id="5" name="圖片 4"/>
+          <p:cNvPicPr>
+            <a:picLocks noChangeAspect="1"/>
+          </p:cNvPicPr>
+          <p:nvPr/>
+        </p:nvPicPr>
+        <p:blipFill>
+          <a:blip r:embed="rId3"/>
+          <a:stretch>
+            <a:fillRect/>
+          </a:stretch>
+        </p:blipFill>
+        <p:spPr>
+          <a:xfrm>
+            <a:off x="838200" y="226478"/>
+            <a:ext cx="5472165" cy="6631522"/>
+          </a:xfrm>
+          <a:prstGeom prst="rect">
+            <a:avLst/>
+          </a:prstGeom>
+        </p:spPr>
+      </p:pic>
+    </p:spTree>
+    <p:extLst>
+      <p:ext uri="{BB962C8B-B14F-4D97-AF65-F5344CB8AC3E}">
+        <p14:creationId xmlns:p14="http://schemas.microsoft.com/office/powerpoint/2010/main" val="1864150070"/>
+      </p:ext>
+    </p:extLst>
+  </p:cSld>
+  <p:clrMapOvr>
+    <a:masterClrMapping/>
+  </p:clrMapOvr>
+  <mc:AlternateContent xmlns:mc="http://schemas.openxmlformats.org/markup-compatibility/2006">
+    <mc:Choice xmlns:p14="http://schemas.microsoft.com/office/powerpoint/2010/main" Requires="p14">
+      <p:transition spd="slow" p14:dur="2000"/>
+    </mc:Choice>
+    <mc:Fallback>
+      <p:transition spd="slow"/>
+    </mc:Fallback>
+  </mc:AlternateContent>
+  <p:timing>
+    <p:tnLst>
+      <p:par>
+        <p:cTn id="1" dur="indefinite" restart="never" nodeType="tmRoot"/>
+      </p:par>
+    </p:tnLst>
+  </p:timing>
+</p:sld>
+</file>
+
+<file path=ppt/slides/slide21.xml><?xml version="1.0" encoding="utf-8"?>
+<p:sld xmlns:a="http://schemas.openxmlformats.org/drawingml/2006/main" xmlns:r="http://schemas.openxmlformats.org/officeDocument/2006/relationships" xmlns:p="http://schemas.openxmlformats.org/presentationml/2006/main" show="0">
+  <p:cSld>
+    <p:spTree>
+      <p:nvGrpSpPr>
+        <p:cNvPr id="1" name=""/>
+        <p:cNvGrpSpPr/>
+        <p:nvPr/>
+      </p:nvGrpSpPr>
+      <p:grpSpPr>
+        <a:xfrm>
+          <a:off x="0" y="0"/>
+          <a:ext cx="0" cy="0"/>
+          <a:chOff x="0" y="0"/>
+          <a:chExt cx="0" cy="0"/>
+        </a:xfrm>
+      </p:grpSpPr>
+      <p:sp>
+        <p:nvSpPr>
+          <p:cNvPr id="2" name="標題 1"/>
+          <p:cNvSpPr>
+            <a:spLocks noGrp="1"/>
+          </p:cNvSpPr>
+          <p:nvPr>
+            <p:ph type="title"/>
+          </p:nvPr>
+        </p:nvSpPr>
+        <p:spPr/>
+        <p:txBody>
+          <a:bodyPr/>
+          <a:lstStyle/>
+          <a:p>
+            <a:r>
+              <a:rPr lang="en-US" altLang="zh-TW" dirty="0" err="1"/>
+              <a:t>q</a:t>
+            </a:r>
+            <a:r>
+              <a:rPr lang="en-US" altLang="zh-TW" dirty="0" err="1" smtClean="0"/>
+              <a:t>uiz.h</a:t>
+            </a:r>
+            <a:endParaRPr lang="zh-TW" altLang="en-US" dirty="0"/>
+          </a:p>
+        </p:txBody>
+      </p:sp>
+      <p:sp>
+        <p:nvSpPr>
+          <p:cNvPr id="3" name="內容版面配置區 2"/>
+          <p:cNvSpPr>
+            <a:spLocks noGrp="1"/>
+          </p:cNvSpPr>
+          <p:nvPr>
+            <p:ph idx="1"/>
+          </p:nvPr>
+        </p:nvSpPr>
+        <p:spPr/>
+        <p:txBody>
+          <a:bodyPr/>
+          <a:lstStyle/>
+          <a:p>
+            <a:r>
+              <a:rPr lang="en-US" altLang="zh-TW" dirty="0" err="1" smtClean="0"/>
+              <a:t>questionVector</a:t>
+            </a:r>
+            <a:r>
+              <a:rPr lang="en-US" altLang="zh-TW" dirty="0" smtClean="0"/>
+              <a:t> </a:t>
+            </a:r>
+            <a:r>
+              <a:rPr lang="zh-TW" altLang="en-US" dirty="0" smtClean="0"/>
+              <a:t>應該為 </a:t>
+            </a:r>
+            <a:r>
+              <a:rPr lang="en-US" altLang="zh-TW" dirty="0" smtClean="0"/>
+              <a:t>questions</a:t>
+            </a:r>
+            <a:r>
+              <a:rPr lang="zh-TW" altLang="en-US" dirty="0" smtClean="0"/>
+              <a:t>，不應該出現型態</a:t>
+            </a:r>
+            <a:r>
+              <a:rPr lang="en-US" altLang="zh-TW" dirty="0" smtClean="0"/>
+              <a:t>.</a:t>
+            </a:r>
+          </a:p>
+          <a:p>
+            <a:r>
+              <a:rPr lang="en-US" altLang="zh-TW" dirty="0" err="1" smtClean="0"/>
+              <a:t>scoreCal</a:t>
+            </a:r>
+            <a:r>
+              <a:rPr lang="en-US" altLang="zh-TW" dirty="0" smtClean="0"/>
+              <a:t> </a:t>
+            </a:r>
+          </a:p>
+          <a:p>
+            <a:pPr lvl="1"/>
+            <a:r>
+              <a:rPr lang="en-US" altLang="zh-TW" dirty="0"/>
+              <a:t>t</a:t>
+            </a:r>
+            <a:r>
+              <a:rPr lang="en-US" altLang="zh-TW" dirty="0" smtClean="0"/>
+              <a:t>emp </a:t>
+            </a:r>
+            <a:r>
+              <a:rPr lang="zh-TW" altLang="en-US" dirty="0" smtClean="0"/>
+              <a:t>重複使用，應直接使用</a:t>
+            </a:r>
+            <a:r>
+              <a:rPr lang="en-US" altLang="zh-TW" dirty="0" err="1" smtClean="0"/>
+              <a:t>totalScore</a:t>
+            </a:r>
+            <a:r>
+              <a:rPr lang="zh-TW" altLang="en-US" dirty="0" smtClean="0"/>
+              <a:t>加總</a:t>
+            </a:r>
+            <a:endParaRPr lang="en-US" altLang="zh-TW" dirty="0" smtClean="0"/>
+          </a:p>
+          <a:p>
+            <a:pPr lvl="1"/>
+            <a:r>
+              <a:rPr lang="en-US" altLang="zh-TW" dirty="0" smtClean="0"/>
+              <a:t>19</a:t>
+            </a:r>
+            <a:r>
+              <a:rPr lang="zh-TW" altLang="en-US" dirty="0" smtClean="0"/>
+              <a:t>行，</a:t>
+            </a:r>
+            <a:r>
+              <a:rPr lang="en-US" altLang="zh-TW" dirty="0" smtClean="0"/>
+              <a:t>2.5</a:t>
+            </a:r>
+            <a:r>
+              <a:rPr lang="zh-TW" altLang="en-US" dirty="0" smtClean="0"/>
+              <a:t>為常數，應宣告為常數。</a:t>
+            </a:r>
+            <a:endParaRPr lang="en-US" altLang="zh-TW" dirty="0" smtClean="0"/>
+          </a:p>
+          <a:p>
+            <a:r>
+              <a:rPr lang="en-US" altLang="zh-TW" dirty="0" err="1" smtClean="0"/>
+              <a:t>changeQuestionScore</a:t>
+            </a:r>
+            <a:endParaRPr lang="en-US" altLang="zh-TW" dirty="0" smtClean="0"/>
+          </a:p>
+          <a:p>
+            <a:pPr lvl="1"/>
+            <a:r>
+              <a:rPr lang="zh-TW" altLang="en-US" dirty="0" smtClean="0"/>
+              <a:t>參數</a:t>
+            </a:r>
+            <a:r>
+              <a:rPr lang="en-US" altLang="zh-TW" dirty="0" smtClean="0"/>
+              <a:t>q</a:t>
+            </a:r>
+            <a:r>
+              <a:rPr lang="zh-TW" altLang="en-US" dirty="0" smtClean="0"/>
+              <a:t>，應為</a:t>
+            </a:r>
+            <a:r>
+              <a:rPr lang="en-US" altLang="zh-TW" dirty="0" smtClean="0"/>
+              <a:t>question</a:t>
+            </a:r>
+          </a:p>
+          <a:p>
+            <a:pPr lvl="1"/>
+            <a:r>
+              <a:rPr lang="zh-TW" altLang="en-US" dirty="0" smtClean="0"/>
+              <a:t>這個函式應移到</a:t>
+            </a:r>
+            <a:r>
+              <a:rPr lang="en-US" altLang="zh-TW" dirty="0" err="1" smtClean="0"/>
+              <a:t>question.h</a:t>
+            </a:r>
+            <a:endParaRPr lang="en-US" altLang="zh-TW" dirty="0"/>
+          </a:p>
+        </p:txBody>
+      </p:sp>
+    </p:spTree>
+    <p:extLst>
+      <p:ext uri="{BB962C8B-B14F-4D97-AF65-F5344CB8AC3E}">
+        <p14:creationId xmlns:p14="http://schemas.microsoft.com/office/powerpoint/2010/main" val="966248900"/>
+      </p:ext>
+    </p:extLst>
+  </p:cSld>
+  <p:clrMapOvr>
+    <a:masterClrMapping/>
+  </p:clrMapOvr>
+  <mc:AlternateContent xmlns:mc="http://schemas.openxmlformats.org/markup-compatibility/2006" xmlns:p14="http://schemas.microsoft.com/office/powerpoint/2010/main">
+    <mc:Choice Requires="p14">
+      <p:transition spd="slow" p14:dur="2000"/>
+    </mc:Choice>
+    <mc:Fallback xmlns="">
+      <p:transition spd="slow"/>
+    </mc:Fallback>
+  </mc:AlternateContent>
+</p:sld>
+</file>
+
+<file path=ppt/slides/slide22.xml><?xml version="1.0" encoding="utf-8"?>
+<p:sld xmlns:a="http://schemas.openxmlformats.org/drawingml/2006/main" xmlns:r="http://schemas.openxmlformats.org/officeDocument/2006/relationships" xmlns:p="http://schemas.openxmlformats.org/presentationml/2006/main" show="0">
+  <p:cSld>
+    <p:spTree>
+      <p:nvGrpSpPr>
+        <p:cNvPr id="1" name=""/>
+        <p:cNvGrpSpPr/>
+        <p:nvPr/>
+      </p:nvGrpSpPr>
+      <p:grpSpPr>
+        <a:xfrm>
+          <a:off x="0" y="0"/>
+          <a:ext cx="0" cy="0"/>
+          <a:chOff x="0" y="0"/>
+          <a:chExt cx="0" cy="0"/>
+        </a:xfrm>
+      </p:grpSpPr>
+      <p:sp>
+        <p:nvSpPr>
+          <p:cNvPr id="2" name="標題 1"/>
+          <p:cNvSpPr>
+            <a:spLocks noGrp="1"/>
+          </p:cNvSpPr>
+          <p:nvPr>
+            <p:ph type="title"/>
+          </p:nvPr>
+        </p:nvSpPr>
+        <p:spPr/>
+        <p:txBody>
+          <a:bodyPr/>
+          <a:lstStyle/>
+          <a:p>
+            <a:r>
+              <a:rPr lang="en-US" altLang="zh-TW" dirty="0" err="1" smtClean="0"/>
+              <a:t>questions.h</a:t>
+            </a:r>
+            <a:endParaRPr lang="zh-TW" altLang="en-US" dirty="0"/>
+          </a:p>
+        </p:txBody>
+      </p:sp>
+      <p:sp>
+        <p:nvSpPr>
+          <p:cNvPr id="3" name="內容版面配置區 2"/>
+          <p:cNvSpPr>
+            <a:spLocks noGrp="1"/>
+          </p:cNvSpPr>
+          <p:nvPr>
+            <p:ph idx="1"/>
+          </p:nvPr>
+        </p:nvSpPr>
+        <p:spPr/>
+        <p:txBody>
+          <a:bodyPr/>
+          <a:lstStyle/>
+          <a:p>
+            <a:r>
+              <a:rPr lang="en-US" altLang="zh-TW" dirty="0" smtClean="0"/>
+              <a:t>Constructor</a:t>
+            </a:r>
+            <a:r>
+              <a:rPr lang="zh-TW" altLang="en-US" dirty="0" smtClean="0"/>
+              <a:t>為</a:t>
+            </a:r>
+            <a:r>
+              <a:rPr lang="en-US" altLang="zh-TW" dirty="0" smtClean="0"/>
+              <a:t>long parameter</a:t>
+            </a:r>
+          </a:p>
+          <a:p>
+            <a:r>
+              <a:rPr lang="en-US" altLang="zh-TW" dirty="0" smtClean="0"/>
+              <a:t>Private</a:t>
+            </a:r>
+            <a:r>
+              <a:rPr lang="zh-TW" altLang="en-US" dirty="0" smtClean="0"/>
+              <a:t> 的變數命名應為 </a:t>
+            </a:r>
+            <a:r>
+              <a:rPr lang="en-US" altLang="zh-TW" dirty="0" smtClean="0"/>
+              <a:t>question, answer</a:t>
+            </a:r>
+          </a:p>
+          <a:p>
+            <a:r>
+              <a:rPr lang="en-US" altLang="zh-TW" dirty="0" smtClean="0"/>
+              <a:t>Index</a:t>
+            </a:r>
+            <a:r>
+              <a:rPr lang="zh-TW" altLang="en-US" dirty="0" smtClean="0"/>
+              <a:t>應為</a:t>
+            </a:r>
+            <a:r>
+              <a:rPr lang="en-US" altLang="zh-TW" dirty="0" smtClean="0"/>
+              <a:t>private</a:t>
+            </a:r>
+            <a:r>
+              <a:rPr lang="zh-TW" altLang="en-US" dirty="0" smtClean="0"/>
+              <a:t>，不可被</a:t>
+            </a:r>
+            <a:r>
+              <a:rPr lang="en-US" altLang="zh-TW" dirty="0" err="1" smtClean="0"/>
+              <a:t>quiz.h</a:t>
+            </a:r>
+            <a:r>
+              <a:rPr lang="zh-TW" altLang="en-US" dirty="0" smtClean="0"/>
+              <a:t>直接使用</a:t>
+            </a:r>
+            <a:endParaRPr lang="zh-TW" altLang="en-US" dirty="0"/>
+          </a:p>
+        </p:txBody>
+      </p:sp>
+    </p:spTree>
+    <p:extLst>
+      <p:ext uri="{BB962C8B-B14F-4D97-AF65-F5344CB8AC3E}">
+        <p14:creationId xmlns:p14="http://schemas.microsoft.com/office/powerpoint/2010/main" val="1668470761"/>
+      </p:ext>
+    </p:extLst>
+  </p:cSld>
+  <p:clrMapOvr>
+    <a:masterClrMapping/>
+  </p:clrMapOvr>
+  <mc:AlternateContent xmlns:mc="http://schemas.openxmlformats.org/markup-compatibility/2006" xmlns:p14="http://schemas.microsoft.com/office/powerpoint/2010/main">
+    <mc:Choice Requires="p14">
+      <p:transition spd="slow" p14:dur="2000"/>
+    </mc:Choice>
+    <mc:Fallback xmlns="">
+      <p:transition spd="slow"/>
+    </mc:Fallback>
+  </mc:AlternateContent>
+</p:sld>
+</file>
+
+<file path=ppt/slides/slide3.xml><?xml version="1.0" encoding="utf-8"?>
+<p:sld xmlns:a="http://schemas.openxmlformats.org/drawingml/2006/main" xmlns:r="http://schemas.openxmlformats.org/officeDocument/2006/relationships" xmlns:p="http://schemas.openxmlformats.org/presentationml/2006/main">
+  <p:cSld>
+    <p:spTree>
+      <p:nvGrpSpPr>
+        <p:cNvPr id="1" name=""/>
+        <p:cNvGrpSpPr/>
+        <p:nvPr/>
+      </p:nvGrpSpPr>
+      <p:grpSpPr>
+        <a:xfrm>
+          <a:off x="0" y="0"/>
+          <a:ext cx="0" cy="0"/>
+          <a:chOff x="0" y="0"/>
+          <a:chExt cx="0" cy="0"/>
+        </a:xfrm>
+      </p:grpSpPr>
+      <p:sp>
+        <p:nvSpPr>
+          <p:cNvPr id="2" name="標題 1"/>
+          <p:cNvSpPr>
+            <a:spLocks noGrp="1"/>
+          </p:cNvSpPr>
+          <p:nvPr>
+            <p:ph type="ctrTitle"/>
+          </p:nvPr>
+        </p:nvSpPr>
+        <p:spPr>
+          <a:xfrm>
+            <a:off x="1524000" y="1530736"/>
+            <a:ext cx="9144000" cy="2387600"/>
+          </a:xfrm>
+        </p:spPr>
+        <p:txBody>
+          <a:bodyPr>
+            <a:normAutofit/>
           </a:bodyPr>
           <a:lstStyle/>
           <a:p>
             <a:r>
-              <a:rPr lang="zh-TW" altLang="en-US" sz="4800" b="1" dirty="0" smtClean="0">
+              <a:rPr lang="en-US" altLang="zh-TW" sz="8000" dirty="0" smtClean="0">
+                <a:solidFill>
+                  <a:srgbClr val="52F2EA"/>
+                </a:solidFill>
+              </a:rPr>
+              <a:t>Coding Standard</a:t>
+            </a:r>
+            <a:endParaRPr lang="zh-TW" altLang="en-US" sz="8000" dirty="0">
+              <a:solidFill>
+                <a:srgbClr val="52F2EA"/>
+              </a:solidFill>
+            </a:endParaRPr>
+          </a:p>
+        </p:txBody>
+      </p:sp>
+    </p:spTree>
+    <p:extLst>
+      <p:ext uri="{BB962C8B-B14F-4D97-AF65-F5344CB8AC3E}">
+        <p14:creationId xmlns:p14="http://schemas.microsoft.com/office/powerpoint/2010/main" val="2373748662"/>
+      </p:ext>
+    </p:extLst>
+  </p:cSld>
+  <p:clrMapOvr>
+    <a:masterClrMapping/>
+  </p:clrMapOvr>
+  <p:timing>
+    <p:tnLst>
+      <p:par>
+        <p:cTn id="1" dur="indefinite" restart="never" nodeType="tmRoot"/>
+      </p:par>
+    </p:tnLst>
+  </p:timing>
+</p:sld>
+</file>
+
+<file path=ppt/slides/slide4.xml><?xml version="1.0" encoding="utf-8"?>
+<p:sld xmlns:a="http://schemas.openxmlformats.org/drawingml/2006/main" xmlns:r="http://schemas.openxmlformats.org/officeDocument/2006/relationships" xmlns:p="http://schemas.openxmlformats.org/presentationml/2006/main">
+  <p:cSld>
+    <p:spTree>
+      <p:nvGrpSpPr>
+        <p:cNvPr id="1" name=""/>
+        <p:cNvGrpSpPr/>
+        <p:nvPr/>
+      </p:nvGrpSpPr>
+      <p:grpSpPr>
+        <a:xfrm>
+          <a:off x="0" y="0"/>
+          <a:ext cx="0" cy="0"/>
+          <a:chOff x="0" y="0"/>
+          <a:chExt cx="0" cy="0"/>
+        </a:xfrm>
+      </p:grpSpPr>
+      <p:sp>
+        <p:nvSpPr>
+          <p:cNvPr id="2" name="標題 1"/>
+          <p:cNvSpPr>
+            <a:spLocks noGrp="1"/>
+          </p:cNvSpPr>
+          <p:nvPr>
+            <p:ph type="title"/>
+          </p:nvPr>
+        </p:nvSpPr>
+        <p:spPr/>
+        <p:txBody>
+          <a:bodyPr/>
+          <a:lstStyle/>
+          <a:p>
+            <a:r>
+              <a:rPr lang="zh-TW" altLang="en-US" dirty="0" smtClean="0">
                 <a:latin typeface="微軟正黑體" panose="020B0604030504040204" pitchFamily="34" charset="-120"/>
                 <a:ea typeface="微軟正黑體" panose="020B0604030504040204" pitchFamily="34" charset="-120"/>
               </a:rPr>
-              <a:t>品質不是動作，是一種習慣</a:t>
-            </a:r>
-            <a:endParaRPr lang="zh-TW" altLang="en-US" sz="4800" b="1" dirty="0">
+              <a:t>檔案</a:t>
+            </a:r>
+            <a:endParaRPr lang="zh-TW" altLang="en-US" dirty="0">
               <a:latin typeface="微軟正黑體" panose="020B0604030504040204" pitchFamily="34" charset="-120"/>
               <a:ea typeface="微軟正黑體" panose="020B0604030504040204" pitchFamily="34" charset="-120"/>
             </a:endParaRPr>
           </a:p>
         </p:txBody>
       </p:sp>
+      <p:sp>
+        <p:nvSpPr>
+          <p:cNvPr id="3" name="內容版面配置區 2"/>
+          <p:cNvSpPr>
+            <a:spLocks noGrp="1"/>
+          </p:cNvSpPr>
+          <p:nvPr>
+            <p:ph idx="1"/>
+          </p:nvPr>
+        </p:nvSpPr>
+        <p:spPr/>
+        <p:txBody>
+          <a:bodyPr/>
+          <a:lstStyle/>
+          <a:p>
+            <a:r>
+              <a:rPr lang="zh-TW" altLang="en-US" dirty="0" smtClean="0">
+                <a:latin typeface="微軟正黑體" panose="020B0604030504040204" pitchFamily="34" charset="-120"/>
+                <a:ea typeface="微軟正黑體" panose="020B0604030504040204" pitchFamily="34" charset="-120"/>
+              </a:rPr>
+              <a:t>一個檔案一個類別</a:t>
+            </a:r>
+            <a:endParaRPr lang="en-US" altLang="zh-TW" dirty="0" smtClean="0">
+              <a:latin typeface="微軟正黑體" panose="020B0604030504040204" pitchFamily="34" charset="-120"/>
+              <a:ea typeface="微軟正黑體" panose="020B0604030504040204" pitchFamily="34" charset="-120"/>
+            </a:endParaRPr>
+          </a:p>
+          <a:p>
+            <a:pPr lvl="1"/>
+            <a:r>
+              <a:rPr lang="en-US" altLang="zh-TW" dirty="0" smtClean="0">
+                <a:latin typeface="微軟正黑體" panose="020B0604030504040204" pitchFamily="34" charset="-120"/>
+                <a:ea typeface="微軟正黑體" panose="020B0604030504040204" pitchFamily="34" charset="-120"/>
+              </a:rPr>
+              <a:t>Header </a:t>
+            </a:r>
+            <a:r>
+              <a:rPr lang="en-US" altLang="zh-TW" dirty="0">
+                <a:latin typeface="微軟正黑體" panose="020B0604030504040204" pitchFamily="34" charset="-120"/>
+                <a:ea typeface="微軟正黑體" panose="020B0604030504040204" pitchFamily="34" charset="-120"/>
+              </a:rPr>
+              <a:t>file</a:t>
+            </a:r>
+            <a:r>
+              <a:rPr lang="zh-TW" altLang="en-US" dirty="0">
+                <a:latin typeface="微軟正黑體" panose="020B0604030504040204" pitchFamily="34" charset="-120"/>
+                <a:ea typeface="微軟正黑體" panose="020B0604030504040204" pitchFamily="34" charset="-120"/>
+              </a:rPr>
+              <a:t>，副檔名一律使用</a:t>
+            </a:r>
+            <a:r>
+              <a:rPr lang="en-US" altLang="zh-TW" dirty="0">
+                <a:latin typeface="微軟正黑體" panose="020B0604030504040204" pitchFamily="34" charset="-120"/>
+                <a:ea typeface="微軟正黑體" panose="020B0604030504040204" pitchFamily="34" charset="-120"/>
+              </a:rPr>
+              <a:t>.h (</a:t>
+            </a:r>
+            <a:r>
+              <a:rPr lang="zh-TW" altLang="en-US" dirty="0">
+                <a:latin typeface="微軟正黑體" panose="020B0604030504040204" pitchFamily="34" charset="-120"/>
+                <a:ea typeface="微軟正黑體" panose="020B0604030504040204" pitchFamily="34" charset="-120"/>
+              </a:rPr>
+              <a:t>例如</a:t>
+            </a:r>
+            <a:r>
+              <a:rPr lang="zh-TW" altLang="en-US" dirty="0" smtClean="0">
+                <a:latin typeface="微軟正黑體" panose="020B0604030504040204" pitchFamily="34" charset="-120"/>
+                <a:ea typeface="微軟正黑體" panose="020B0604030504040204" pitchFamily="34" charset="-120"/>
+              </a:rPr>
+              <a:t>：</a:t>
+            </a:r>
+            <a:r>
+              <a:rPr lang="en-US" altLang="zh-TW" dirty="0" err="1" smtClean="0">
+                <a:latin typeface="微軟正黑體" panose="020B0604030504040204" pitchFamily="34" charset="-120"/>
+                <a:ea typeface="微軟正黑體" panose="020B0604030504040204" pitchFamily="34" charset="-120"/>
+              </a:rPr>
+              <a:t>socket.h</a:t>
+            </a:r>
+            <a:r>
+              <a:rPr lang="en-US" altLang="zh-TW" dirty="0">
+                <a:latin typeface="微軟正黑體" panose="020B0604030504040204" pitchFamily="34" charset="-120"/>
+                <a:ea typeface="微軟正黑體" panose="020B0604030504040204" pitchFamily="34" charset="-120"/>
+              </a:rPr>
+              <a:t>)</a:t>
+            </a:r>
+            <a:r>
+              <a:rPr lang="zh-TW" altLang="en-US" dirty="0">
+                <a:latin typeface="微軟正黑體" panose="020B0604030504040204" pitchFamily="34" charset="-120"/>
+                <a:ea typeface="微軟正黑體" panose="020B0604030504040204" pitchFamily="34" charset="-120"/>
+              </a:rPr>
+              <a:t>。 </a:t>
+            </a:r>
+            <a:endParaRPr lang="en-US" altLang="zh-TW" dirty="0" smtClean="0">
+              <a:latin typeface="微軟正黑體" panose="020B0604030504040204" pitchFamily="34" charset="-120"/>
+              <a:ea typeface="微軟正黑體" panose="020B0604030504040204" pitchFamily="34" charset="-120"/>
+            </a:endParaRPr>
+          </a:p>
+          <a:p>
+            <a:pPr lvl="1"/>
+            <a:r>
+              <a:rPr lang="en-US" altLang="zh-TW" dirty="0" smtClean="0">
+                <a:latin typeface="微軟正黑體" panose="020B0604030504040204" pitchFamily="34" charset="-120"/>
+                <a:ea typeface="微軟正黑體" panose="020B0604030504040204" pitchFamily="34" charset="-120"/>
+              </a:rPr>
+              <a:t>Source </a:t>
+            </a:r>
+            <a:r>
+              <a:rPr lang="en-US" altLang="zh-TW" dirty="0">
+                <a:latin typeface="微軟正黑體" panose="020B0604030504040204" pitchFamily="34" charset="-120"/>
+                <a:ea typeface="微軟正黑體" panose="020B0604030504040204" pitchFamily="34" charset="-120"/>
+              </a:rPr>
+              <a:t>file</a:t>
+            </a:r>
+            <a:r>
+              <a:rPr lang="zh-TW" altLang="en-US" dirty="0">
+                <a:latin typeface="微軟正黑體" panose="020B0604030504040204" pitchFamily="34" charset="-120"/>
+                <a:ea typeface="微軟正黑體" panose="020B0604030504040204" pitchFamily="34" charset="-120"/>
+              </a:rPr>
+              <a:t>，副檔名一律使用</a:t>
+            </a:r>
+            <a:r>
+              <a:rPr lang="en-US" altLang="zh-TW" dirty="0">
+                <a:latin typeface="微軟正黑體" panose="020B0604030504040204" pitchFamily="34" charset="-120"/>
+                <a:ea typeface="微軟正黑體" panose="020B0604030504040204" pitchFamily="34" charset="-120"/>
+              </a:rPr>
+              <a:t>.</a:t>
+            </a:r>
+            <a:r>
+              <a:rPr lang="en-US" altLang="zh-TW" dirty="0" err="1">
+                <a:latin typeface="微軟正黑體" panose="020B0604030504040204" pitchFamily="34" charset="-120"/>
+                <a:ea typeface="微軟正黑體" panose="020B0604030504040204" pitchFamily="34" charset="-120"/>
+              </a:rPr>
+              <a:t>cpp</a:t>
+            </a:r>
+            <a:r>
+              <a:rPr lang="en-US" altLang="zh-TW" dirty="0">
+                <a:latin typeface="微軟正黑體" panose="020B0604030504040204" pitchFamily="34" charset="-120"/>
+                <a:ea typeface="微軟正黑體" panose="020B0604030504040204" pitchFamily="34" charset="-120"/>
+              </a:rPr>
+              <a:t> (</a:t>
+            </a:r>
+            <a:r>
+              <a:rPr lang="zh-TW" altLang="en-US" dirty="0">
+                <a:latin typeface="微軟正黑體" panose="020B0604030504040204" pitchFamily="34" charset="-120"/>
+                <a:ea typeface="微軟正黑體" panose="020B0604030504040204" pitchFamily="34" charset="-120"/>
+              </a:rPr>
+              <a:t>例如</a:t>
+            </a:r>
+            <a:r>
+              <a:rPr lang="zh-TW" altLang="en-US" dirty="0" smtClean="0">
+                <a:latin typeface="微軟正黑體" panose="020B0604030504040204" pitchFamily="34" charset="-120"/>
+                <a:ea typeface="微軟正黑體" panose="020B0604030504040204" pitchFamily="34" charset="-120"/>
+              </a:rPr>
+              <a:t>：</a:t>
+            </a:r>
+            <a:r>
+              <a:rPr lang="en-US" altLang="zh-TW" dirty="0" smtClean="0">
+                <a:latin typeface="微軟正黑體" panose="020B0604030504040204" pitchFamily="34" charset="-120"/>
+                <a:ea typeface="微軟正黑體" panose="020B0604030504040204" pitchFamily="34" charset="-120"/>
+              </a:rPr>
+              <a:t>socket.cpp)</a:t>
+            </a:r>
+            <a:r>
+              <a:rPr lang="zh-TW" altLang="en-US" dirty="0" smtClean="0">
+                <a:latin typeface="微軟正黑體" panose="020B0604030504040204" pitchFamily="34" charset="-120"/>
+                <a:ea typeface="微軟正黑體" panose="020B0604030504040204" pitchFamily="34" charset="-120"/>
+              </a:rPr>
+              <a:t>。 </a:t>
+            </a:r>
+            <a:endParaRPr lang="en-US" altLang="zh-TW" dirty="0" smtClean="0">
+              <a:latin typeface="微軟正黑體" panose="020B0604030504040204" pitchFamily="34" charset="-120"/>
+              <a:ea typeface="微軟正黑體" panose="020B0604030504040204" pitchFamily="34" charset="-120"/>
+            </a:endParaRPr>
+          </a:p>
+          <a:p>
+            <a:endParaRPr lang="en-US" altLang="zh-TW" dirty="0"/>
+          </a:p>
+          <a:p>
+            <a:endParaRPr lang="zh-TW" altLang="en-US" dirty="0"/>
+          </a:p>
+        </p:txBody>
+      </p:sp>
     </p:spTree>
     <p:extLst>
       <p:ext uri="{BB962C8B-B14F-4D97-AF65-F5344CB8AC3E}">
-        <p14:creationId xmlns:p14="http://schemas.microsoft.com/office/powerpoint/2010/main" val="4048526966"/>
+        <p14:creationId xmlns:p14="http://schemas.microsoft.com/office/powerpoint/2010/main" val="3795282892"/>
+      </p:ext>
+    </p:extLst>
+  </p:cSld>
+  <p:clrMapOvr>
+    <a:masterClrMapping/>
+  </p:clrMapOvr>
+  <p:timing>
+    <p:tnLst>
+      <p:par>
+        <p:cTn id="1" dur="indefinite" restart="never" nodeType="tmRoot"/>
+      </p:par>
+    </p:tnLst>
+  </p:timing>
+</p:sld>
+</file>
+
+<file path=ppt/slides/slide5.xml><?xml version="1.0" encoding="utf-8"?>
+<p:sld xmlns:a="http://schemas.openxmlformats.org/drawingml/2006/main" xmlns:r="http://schemas.openxmlformats.org/officeDocument/2006/relationships" xmlns:p="http://schemas.openxmlformats.org/presentationml/2006/main">
+  <p:cSld>
+    <p:spTree>
+      <p:nvGrpSpPr>
+        <p:cNvPr id="1" name=""/>
+        <p:cNvGrpSpPr/>
+        <p:nvPr/>
+      </p:nvGrpSpPr>
+      <p:grpSpPr>
+        <a:xfrm>
+          <a:off x="0" y="0"/>
+          <a:ext cx="0" cy="0"/>
+          <a:chOff x="0" y="0"/>
+          <a:chExt cx="0" cy="0"/>
+        </a:xfrm>
+      </p:grpSpPr>
+      <p:sp>
+        <p:nvSpPr>
+          <p:cNvPr id="2" name="標題 1"/>
+          <p:cNvSpPr>
+            <a:spLocks noGrp="1"/>
+          </p:cNvSpPr>
+          <p:nvPr>
+            <p:ph type="title"/>
+          </p:nvPr>
+        </p:nvSpPr>
+        <p:spPr/>
+        <p:txBody>
+          <a:bodyPr/>
+          <a:lstStyle/>
+          <a:p>
+            <a:r>
+              <a:rPr lang="zh-TW" altLang="en-US" dirty="0">
+                <a:latin typeface="微軟正黑體" panose="020B0604030504040204" pitchFamily="34" charset="-120"/>
+                <a:ea typeface="微軟正黑體" panose="020B0604030504040204" pitchFamily="34" charset="-120"/>
+              </a:rPr>
+              <a:t>變數</a:t>
+            </a:r>
+          </a:p>
+        </p:txBody>
+      </p:sp>
+      <p:sp>
+        <p:nvSpPr>
+          <p:cNvPr id="3" name="內容版面配置區 2"/>
+          <p:cNvSpPr>
+            <a:spLocks noGrp="1"/>
+          </p:cNvSpPr>
+          <p:nvPr>
+            <p:ph idx="1"/>
+          </p:nvPr>
+        </p:nvSpPr>
+        <p:spPr/>
+        <p:txBody>
+          <a:bodyPr/>
+          <a:lstStyle/>
+          <a:p>
+            <a:r>
+              <a:rPr lang="en-US" altLang="zh-TW" dirty="0">
+                <a:latin typeface="微軟正黑體" panose="020B0604030504040204" pitchFamily="34" charset="-120"/>
+                <a:ea typeface="微軟正黑體" panose="020B0604030504040204" pitchFamily="34" charset="-120"/>
+              </a:rPr>
+              <a:t>Class </a:t>
+            </a:r>
+            <a:r>
+              <a:rPr lang="zh-TW" altLang="en-US" dirty="0">
+                <a:latin typeface="微軟正黑體" panose="020B0604030504040204" pitchFamily="34" charset="-120"/>
+                <a:ea typeface="微軟正黑體" panose="020B0604030504040204" pitchFamily="34" charset="-120"/>
+              </a:rPr>
+              <a:t>成員變數以</a:t>
+            </a:r>
+            <a:r>
+              <a:rPr lang="zh-TW" altLang="en-US" dirty="0">
+                <a:solidFill>
+                  <a:srgbClr val="52F2EA"/>
+                </a:solidFill>
+                <a:latin typeface="微軟正黑體" panose="020B0604030504040204" pitchFamily="34" charset="-120"/>
+                <a:ea typeface="微軟正黑體" panose="020B0604030504040204" pitchFamily="34" charset="-120"/>
+              </a:rPr>
+              <a:t>底線開始</a:t>
+            </a:r>
+            <a:r>
+              <a:rPr lang="zh-TW" altLang="en-US" dirty="0">
+                <a:latin typeface="微軟正黑體" panose="020B0604030504040204" pitchFamily="34" charset="-120"/>
+                <a:ea typeface="微軟正黑體" panose="020B0604030504040204" pitchFamily="34" charset="-120"/>
+              </a:rPr>
+              <a:t>，底線後</a:t>
+            </a:r>
+            <a:r>
+              <a:rPr lang="zh-TW" altLang="en-US" dirty="0">
+                <a:solidFill>
+                  <a:srgbClr val="52F2EA"/>
+                </a:solidFill>
+                <a:latin typeface="微軟正黑體" panose="020B0604030504040204" pitchFamily="34" charset="-120"/>
+                <a:ea typeface="微軟正黑體" panose="020B0604030504040204" pitchFamily="34" charset="-120"/>
+              </a:rPr>
+              <a:t>第一個子母小寫</a:t>
+            </a:r>
+            <a:r>
+              <a:rPr lang="zh-TW" altLang="en-US" dirty="0">
+                <a:latin typeface="微軟正黑體" panose="020B0604030504040204" pitchFamily="34" charset="-120"/>
+                <a:ea typeface="微軟正黑體" panose="020B0604030504040204" pitchFamily="34" charset="-120"/>
+              </a:rPr>
+              <a:t>，若由多個單字組成，從第二個</a:t>
+            </a:r>
+            <a:r>
+              <a:rPr lang="zh-TW" altLang="en-US" dirty="0" smtClean="0">
+                <a:latin typeface="微軟正黑體" panose="020B0604030504040204" pitchFamily="34" charset="-120"/>
+                <a:ea typeface="微軟正黑體" panose="020B0604030504040204" pitchFamily="34" charset="-120"/>
+              </a:rPr>
+              <a:t>單字開始</a:t>
+            </a:r>
+            <a:r>
+              <a:rPr lang="zh-TW" altLang="en-US" dirty="0">
+                <a:latin typeface="微軟正黑體" panose="020B0604030504040204" pitchFamily="34" charset="-120"/>
+                <a:ea typeface="微軟正黑體" panose="020B0604030504040204" pitchFamily="34" charset="-120"/>
+              </a:rPr>
+              <a:t>，每個單字的第一個字母</a:t>
+            </a:r>
+            <a:r>
+              <a:rPr lang="zh-TW" altLang="en-US" dirty="0" smtClean="0">
+                <a:latin typeface="微軟正黑體" panose="020B0604030504040204" pitchFamily="34" charset="-120"/>
+                <a:ea typeface="微軟正黑體" panose="020B0604030504040204" pitchFamily="34" charset="-120"/>
+              </a:rPr>
+              <a:t>大寫。</a:t>
+            </a:r>
+            <a:endParaRPr lang="en-US" altLang="zh-TW" dirty="0" smtClean="0">
+              <a:latin typeface="微軟正黑體" panose="020B0604030504040204" pitchFamily="34" charset="-120"/>
+              <a:ea typeface="微軟正黑體" panose="020B0604030504040204" pitchFamily="34" charset="-120"/>
+            </a:endParaRPr>
+          </a:p>
+          <a:p>
+            <a:pPr lvl="1"/>
+            <a:r>
+              <a:rPr lang="en-US" altLang="zh-TW" dirty="0">
+                <a:latin typeface="微軟正黑體" panose="020B0604030504040204" pitchFamily="34" charset="-120"/>
+                <a:ea typeface="微軟正黑體" panose="020B0604030504040204" pitchFamily="34" charset="-120"/>
+              </a:rPr>
+              <a:t>b</a:t>
+            </a:r>
+            <a:r>
+              <a:rPr lang="en-US" altLang="zh-TW" dirty="0" smtClean="0">
+                <a:latin typeface="微軟正黑體" panose="020B0604030504040204" pitchFamily="34" charset="-120"/>
+                <a:ea typeface="微軟正黑體" panose="020B0604030504040204" pitchFamily="34" charset="-120"/>
+              </a:rPr>
+              <a:t>ool _isPermissionState</a:t>
+            </a:r>
+          </a:p>
+          <a:p>
+            <a:pPr marL="457200" lvl="1" indent="0">
+              <a:buNone/>
+            </a:pPr>
+            <a:endParaRPr lang="en-US" altLang="zh-TW" dirty="0" smtClean="0">
+              <a:latin typeface="微軟正黑體" panose="020B0604030504040204" pitchFamily="34" charset="-120"/>
+              <a:ea typeface="微軟正黑體" panose="020B0604030504040204" pitchFamily="34" charset="-120"/>
+            </a:endParaRPr>
+          </a:p>
+          <a:p>
+            <a:r>
+              <a:rPr lang="zh-TW" altLang="en-US" dirty="0">
+                <a:latin typeface="微軟正黑體" panose="020B0604030504040204" pitchFamily="34" charset="-120"/>
+                <a:ea typeface="微軟正黑體" panose="020B0604030504040204" pitchFamily="34" charset="-120"/>
+              </a:rPr>
+              <a:t>全域變數、區域變數及函式參數命名規格與 </a:t>
+            </a:r>
+            <a:r>
+              <a:rPr lang="en-US" altLang="zh-TW" dirty="0">
+                <a:latin typeface="微軟正黑體" panose="020B0604030504040204" pitchFamily="34" charset="-120"/>
+                <a:ea typeface="微軟正黑體" panose="020B0604030504040204" pitchFamily="34" charset="-120"/>
+              </a:rPr>
+              <a:t>class </a:t>
+            </a:r>
+            <a:r>
+              <a:rPr lang="zh-TW" altLang="en-US" dirty="0">
+                <a:latin typeface="微軟正黑體" panose="020B0604030504040204" pitchFamily="34" charset="-120"/>
+                <a:ea typeface="微軟正黑體" panose="020B0604030504040204" pitchFamily="34" charset="-120"/>
+              </a:rPr>
+              <a:t>成員變數相似，僅差</a:t>
+            </a:r>
+            <a:r>
+              <a:rPr lang="zh-TW" altLang="en-US" dirty="0">
+                <a:solidFill>
+                  <a:srgbClr val="52F2EA"/>
+                </a:solidFill>
+                <a:latin typeface="微軟正黑體" panose="020B0604030504040204" pitchFamily="34" charset="-120"/>
+                <a:ea typeface="微軟正黑體" panose="020B0604030504040204" pitchFamily="34" charset="-120"/>
+              </a:rPr>
+              <a:t>不以底線開始</a:t>
+            </a:r>
+            <a:r>
+              <a:rPr lang="zh-TW" altLang="en-US" dirty="0" smtClean="0">
+                <a:latin typeface="微軟正黑體" panose="020B0604030504040204" pitchFamily="34" charset="-120"/>
+                <a:ea typeface="微軟正黑體" panose="020B0604030504040204" pitchFamily="34" charset="-120"/>
+              </a:rPr>
+              <a:t>。</a:t>
+            </a:r>
+            <a:endParaRPr lang="en-US" altLang="zh-TW" dirty="0" smtClean="0">
+              <a:latin typeface="微軟正黑體" panose="020B0604030504040204" pitchFamily="34" charset="-120"/>
+              <a:ea typeface="微軟正黑體" panose="020B0604030504040204" pitchFamily="34" charset="-120"/>
+            </a:endParaRPr>
+          </a:p>
+          <a:p>
+            <a:pPr lvl="1"/>
+            <a:r>
+              <a:rPr lang="en-US" altLang="zh-TW" dirty="0">
+                <a:latin typeface="微軟正黑體" panose="020B0604030504040204" pitchFamily="34" charset="-120"/>
+                <a:ea typeface="微軟正黑體" panose="020B0604030504040204" pitchFamily="34" charset="-120"/>
+              </a:rPr>
+              <a:t>d</a:t>
+            </a:r>
+            <a:r>
+              <a:rPr lang="en-US" altLang="zh-TW" dirty="0" smtClean="0">
+                <a:latin typeface="微軟正黑體" panose="020B0604030504040204" pitchFamily="34" charset="-120"/>
+                <a:ea typeface="微軟正黑體" panose="020B0604030504040204" pitchFamily="34" charset="-120"/>
+              </a:rPr>
+              <a:t>ouble calculateArea()</a:t>
+            </a:r>
+          </a:p>
+          <a:p>
+            <a:pPr marL="457200" lvl="1" indent="0">
+              <a:buNone/>
+            </a:pPr>
+            <a:endParaRPr lang="en-US" altLang="zh-TW" dirty="0" smtClean="0">
+              <a:latin typeface="微軟正黑體" panose="020B0604030504040204" pitchFamily="34" charset="-120"/>
+              <a:ea typeface="微軟正黑體" panose="020B0604030504040204" pitchFamily="34" charset="-120"/>
+            </a:endParaRPr>
+          </a:p>
+          <a:p>
+            <a:r>
+              <a:rPr lang="zh-TW" altLang="en-US" dirty="0" smtClean="0">
+                <a:latin typeface="微軟正黑體" panose="020B0604030504040204" pitchFamily="34" charset="-120"/>
+                <a:ea typeface="微軟正黑體" panose="020B0604030504040204" pitchFamily="34" charset="-120"/>
+              </a:rPr>
+              <a:t>星號</a:t>
+            </a:r>
+            <a:r>
+              <a:rPr lang="en-US" altLang="zh-TW" dirty="0">
+                <a:latin typeface="微軟正黑體" panose="020B0604030504040204" pitchFamily="34" charset="-120"/>
+                <a:ea typeface="微軟正黑體" panose="020B0604030504040204" pitchFamily="34" charset="-120"/>
+              </a:rPr>
+              <a:t>(*)</a:t>
+            </a:r>
+            <a:r>
+              <a:rPr lang="zh-TW" altLang="en-US" dirty="0">
+                <a:latin typeface="微軟正黑體" panose="020B0604030504040204" pitchFamily="34" charset="-120"/>
+                <a:ea typeface="微軟正黑體" panose="020B0604030504040204" pitchFamily="34" charset="-120"/>
+              </a:rPr>
+              <a:t>及參考</a:t>
+            </a:r>
+            <a:r>
+              <a:rPr lang="en-US" altLang="zh-TW" dirty="0">
+                <a:latin typeface="微軟正黑體" panose="020B0604030504040204" pitchFamily="34" charset="-120"/>
+                <a:ea typeface="微軟正黑體" panose="020B0604030504040204" pitchFamily="34" charset="-120"/>
+              </a:rPr>
+              <a:t>(&amp;)</a:t>
+            </a:r>
+            <a:r>
+              <a:rPr lang="zh-TW" altLang="en-US" dirty="0">
+                <a:latin typeface="微軟正黑體" panose="020B0604030504040204" pitchFamily="34" charset="-120"/>
+                <a:ea typeface="微軟正黑體" panose="020B0604030504040204" pitchFamily="34" charset="-120"/>
+              </a:rPr>
+              <a:t>符號緊跟於</a:t>
+            </a:r>
+            <a:r>
+              <a:rPr lang="zh-TW" altLang="en-US" dirty="0">
+                <a:solidFill>
+                  <a:srgbClr val="52F2EA"/>
+                </a:solidFill>
+                <a:latin typeface="微軟正黑體" panose="020B0604030504040204" pitchFamily="34" charset="-120"/>
+                <a:ea typeface="微軟正黑體" panose="020B0604030504040204" pitchFamily="34" charset="-120"/>
+              </a:rPr>
+              <a:t>型態</a:t>
+            </a:r>
+            <a:r>
+              <a:rPr lang="zh-TW" altLang="en-US" dirty="0" smtClean="0">
+                <a:solidFill>
+                  <a:srgbClr val="52F2EA"/>
+                </a:solidFill>
+                <a:latin typeface="微軟正黑體" panose="020B0604030504040204" pitchFamily="34" charset="-120"/>
+                <a:ea typeface="微軟正黑體" panose="020B0604030504040204" pitchFamily="34" charset="-120"/>
+              </a:rPr>
+              <a:t>之後</a:t>
+            </a:r>
+            <a:r>
+              <a:rPr lang="zh-TW" altLang="en-US" dirty="0" smtClean="0">
+                <a:latin typeface="微軟正黑體" panose="020B0604030504040204" pitchFamily="34" charset="-120"/>
+                <a:ea typeface="微軟正黑體" panose="020B0604030504040204" pitchFamily="34" charset="-120"/>
+              </a:rPr>
+              <a:t>。</a:t>
+            </a:r>
+            <a:endParaRPr lang="en-US" altLang="zh-TW" dirty="0" smtClean="0">
+              <a:latin typeface="微軟正黑體" panose="020B0604030504040204" pitchFamily="34" charset="-120"/>
+              <a:ea typeface="微軟正黑體" panose="020B0604030504040204" pitchFamily="34" charset="-120"/>
+            </a:endParaRPr>
+          </a:p>
+          <a:p>
+            <a:pPr lvl="1"/>
+            <a:r>
+              <a:rPr lang="en-US" altLang="zh-TW" dirty="0" smtClean="0">
+                <a:latin typeface="微軟正黑體" panose="020B0604030504040204" pitchFamily="34" charset="-120"/>
+                <a:ea typeface="微軟正黑體" panose="020B0604030504040204" pitchFamily="34" charset="-120"/>
+              </a:rPr>
+              <a:t>double* _length</a:t>
+            </a:r>
+            <a:endParaRPr lang="zh-TW" altLang="en-US" dirty="0">
+              <a:latin typeface="微軟正黑體" panose="020B0604030504040204" pitchFamily="34" charset="-120"/>
+              <a:ea typeface="微軟正黑體" panose="020B0604030504040204" pitchFamily="34" charset="-120"/>
+            </a:endParaRPr>
+          </a:p>
+        </p:txBody>
+      </p:sp>
+    </p:spTree>
+    <p:extLst>
+      <p:ext uri="{BB962C8B-B14F-4D97-AF65-F5344CB8AC3E}">
+        <p14:creationId xmlns:p14="http://schemas.microsoft.com/office/powerpoint/2010/main" val="1157789552"/>
+      </p:ext>
+    </p:extLst>
+  </p:cSld>
+  <p:clrMapOvr>
+    <a:masterClrMapping/>
+  </p:clrMapOvr>
+  <p:timing>
+    <p:tnLst>
+      <p:par>
+        <p:cTn id="1" dur="indefinite" restart="never" nodeType="tmRoot"/>
+      </p:par>
+    </p:tnLst>
+  </p:timing>
+</p:sld>
+</file>
+
+<file path=ppt/slides/slide6.xml><?xml version="1.0" encoding="utf-8"?>
+<p:sld xmlns:a="http://schemas.openxmlformats.org/drawingml/2006/main" xmlns:r="http://schemas.openxmlformats.org/officeDocument/2006/relationships" xmlns:p="http://schemas.openxmlformats.org/presentationml/2006/main">
+  <p:cSld>
+    <p:spTree>
+      <p:nvGrpSpPr>
+        <p:cNvPr id="1" name=""/>
+        <p:cNvGrpSpPr/>
+        <p:nvPr/>
+      </p:nvGrpSpPr>
+      <p:grpSpPr>
+        <a:xfrm>
+          <a:off x="0" y="0"/>
+          <a:ext cx="0" cy="0"/>
+          <a:chOff x="0" y="0"/>
+          <a:chExt cx="0" cy="0"/>
+        </a:xfrm>
+      </p:grpSpPr>
+      <p:sp>
+        <p:nvSpPr>
+          <p:cNvPr id="2" name="標題 1"/>
+          <p:cNvSpPr>
+            <a:spLocks noGrp="1"/>
+          </p:cNvSpPr>
+          <p:nvPr>
+            <p:ph type="title"/>
+          </p:nvPr>
+        </p:nvSpPr>
+        <p:spPr/>
+        <p:txBody>
+          <a:bodyPr/>
+          <a:lstStyle/>
+          <a:p>
+            <a:r>
+              <a:rPr lang="zh-TW" altLang="en-US" dirty="0">
+                <a:latin typeface="微軟正黑體" panose="020B0604030504040204" pitchFamily="34" charset="-120"/>
+                <a:ea typeface="微軟正黑體" panose="020B0604030504040204" pitchFamily="34" charset="-120"/>
+              </a:rPr>
+              <a:t>函式</a:t>
+            </a:r>
+          </a:p>
+        </p:txBody>
+      </p:sp>
+      <p:sp>
+        <p:nvSpPr>
+          <p:cNvPr id="3" name="內容版面配置區 2"/>
+          <p:cNvSpPr>
+            <a:spLocks noGrp="1"/>
+          </p:cNvSpPr>
+          <p:nvPr>
+            <p:ph idx="1"/>
+          </p:nvPr>
+        </p:nvSpPr>
+        <p:spPr/>
+        <p:txBody>
+          <a:bodyPr/>
+          <a:lstStyle/>
+          <a:p>
+            <a:r>
+              <a:rPr lang="zh-TW" altLang="en-US" dirty="0">
+                <a:latin typeface="微軟正黑體" panose="020B0604030504040204" pitchFamily="34" charset="-120"/>
+                <a:ea typeface="微軟正黑體" panose="020B0604030504040204" pitchFamily="34" charset="-120"/>
+              </a:rPr>
+              <a:t>每個函式</a:t>
+            </a:r>
+            <a:r>
+              <a:rPr lang="zh-TW" altLang="en-US" dirty="0">
+                <a:solidFill>
+                  <a:srgbClr val="52F2EA"/>
+                </a:solidFill>
+                <a:latin typeface="微軟正黑體" panose="020B0604030504040204" pitchFamily="34" charset="-120"/>
+                <a:ea typeface="微軟正黑體" panose="020B0604030504040204" pitchFamily="34" charset="-120"/>
+              </a:rPr>
+              <a:t>表示一種操作</a:t>
+            </a:r>
+            <a:r>
+              <a:rPr lang="zh-TW" altLang="en-US" dirty="0">
+                <a:latin typeface="微軟正黑體" panose="020B0604030504040204" pitchFamily="34" charset="-120"/>
+                <a:ea typeface="微軟正黑體" panose="020B0604030504040204" pitchFamily="34" charset="-120"/>
+              </a:rPr>
+              <a:t>，因此一律使用</a:t>
+            </a:r>
+            <a:r>
+              <a:rPr lang="zh-TW" altLang="en-US" dirty="0">
+                <a:solidFill>
+                  <a:srgbClr val="52F2EA"/>
+                </a:solidFill>
+                <a:latin typeface="微軟正黑體" panose="020B0604030504040204" pitchFamily="34" charset="-120"/>
+                <a:ea typeface="微軟正黑體" panose="020B0604030504040204" pitchFamily="34" charset="-120"/>
+              </a:rPr>
+              <a:t>動詞</a:t>
+            </a:r>
+            <a:r>
+              <a:rPr lang="zh-TW" altLang="en-US" dirty="0">
+                <a:latin typeface="微軟正黑體" panose="020B0604030504040204" pitchFamily="34" charset="-120"/>
+                <a:ea typeface="微軟正黑體" panose="020B0604030504040204" pitchFamily="34" charset="-120"/>
+              </a:rPr>
+              <a:t>作為第一個單字</a:t>
+            </a:r>
+            <a:r>
+              <a:rPr lang="zh-TW" altLang="en-US" dirty="0" smtClean="0">
+                <a:latin typeface="微軟正黑體" panose="020B0604030504040204" pitchFamily="34" charset="-120"/>
+                <a:ea typeface="微軟正黑體" panose="020B0604030504040204" pitchFamily="34" charset="-120"/>
+              </a:rPr>
+              <a:t>。</a:t>
+            </a:r>
+            <a:endParaRPr lang="en-US" altLang="zh-TW" dirty="0" smtClean="0">
+              <a:latin typeface="微軟正黑體" panose="020B0604030504040204" pitchFamily="34" charset="-120"/>
+              <a:ea typeface="微軟正黑體" panose="020B0604030504040204" pitchFamily="34" charset="-120"/>
+            </a:endParaRPr>
+          </a:p>
+          <a:p>
+            <a:pPr lvl="1"/>
+            <a:r>
+              <a:rPr lang="en-US" altLang="zh-TW" dirty="0" smtClean="0">
+                <a:latin typeface="微軟正黑體" panose="020B0604030504040204" pitchFamily="34" charset="-120"/>
+                <a:ea typeface="微軟正黑體" panose="020B0604030504040204" pitchFamily="34" charset="-120"/>
+              </a:rPr>
+              <a:t>int calculateCompanySize()</a:t>
+            </a:r>
+          </a:p>
+          <a:p>
+            <a:r>
+              <a:rPr lang="en-US" altLang="zh-TW" dirty="0">
+                <a:solidFill>
+                  <a:srgbClr val="52F2EA"/>
+                </a:solidFill>
+                <a:latin typeface="微軟正黑體" panose="020B0604030504040204" pitchFamily="34" charset="-120"/>
+                <a:ea typeface="微軟正黑體" panose="020B0604030504040204" pitchFamily="34" charset="-120"/>
+              </a:rPr>
+              <a:t>Getter</a:t>
+            </a:r>
+            <a:r>
+              <a:rPr lang="en-US" altLang="zh-TW" dirty="0">
+                <a:latin typeface="微軟正黑體" panose="020B0604030504040204" pitchFamily="34" charset="-120"/>
+                <a:ea typeface="微軟正黑體" panose="020B0604030504040204" pitchFamily="34" charset="-120"/>
+              </a:rPr>
+              <a:t> </a:t>
+            </a:r>
+            <a:r>
+              <a:rPr lang="zh-TW" altLang="en-US" dirty="0">
+                <a:latin typeface="微軟正黑體" panose="020B0604030504040204" pitchFamily="34" charset="-120"/>
+                <a:ea typeface="微軟正黑體" panose="020B0604030504040204" pitchFamily="34" charset="-120"/>
+              </a:rPr>
+              <a:t>除了取得 </a:t>
+            </a:r>
+            <a:r>
+              <a:rPr lang="en-US" altLang="zh-TW" dirty="0">
+                <a:solidFill>
+                  <a:srgbClr val="52F2EA"/>
+                </a:solidFill>
+                <a:latin typeface="微軟正黑體" panose="020B0604030504040204" pitchFamily="34" charset="-120"/>
+                <a:ea typeface="微軟正黑體" panose="020B0604030504040204" pitchFamily="34" charset="-120"/>
+              </a:rPr>
+              <a:t>bool </a:t>
+            </a:r>
+            <a:r>
+              <a:rPr lang="zh-TW" altLang="en-US" dirty="0">
+                <a:solidFill>
+                  <a:srgbClr val="52F2EA"/>
+                </a:solidFill>
+                <a:latin typeface="微軟正黑體" panose="020B0604030504040204" pitchFamily="34" charset="-120"/>
+                <a:ea typeface="微軟正黑體" panose="020B0604030504040204" pitchFamily="34" charset="-120"/>
+              </a:rPr>
+              <a:t>值</a:t>
+            </a:r>
+            <a:r>
+              <a:rPr lang="zh-TW" altLang="en-US" dirty="0">
+                <a:latin typeface="微軟正黑體" panose="020B0604030504040204" pitchFamily="34" charset="-120"/>
+                <a:ea typeface="微軟正黑體" panose="020B0604030504040204" pitchFamily="34" charset="-120"/>
+              </a:rPr>
+              <a:t>使用 </a:t>
+            </a:r>
+            <a:r>
+              <a:rPr lang="en-US" altLang="zh-TW" dirty="0">
+                <a:latin typeface="微軟正黑體" panose="020B0604030504040204" pitchFamily="34" charset="-120"/>
+                <a:ea typeface="微軟正黑體" panose="020B0604030504040204" pitchFamily="34" charset="-120"/>
+              </a:rPr>
+              <a:t>IsXXX()</a:t>
+            </a:r>
+            <a:r>
+              <a:rPr lang="zh-TW" altLang="en-US" dirty="0">
+                <a:latin typeface="微軟正黑體" panose="020B0604030504040204" pitchFamily="34" charset="-120"/>
+                <a:ea typeface="微軟正黑體" panose="020B0604030504040204" pitchFamily="34" charset="-120"/>
+              </a:rPr>
+              <a:t>之外，其餘一律使用 </a:t>
+            </a:r>
+            <a:r>
+              <a:rPr lang="en-US" altLang="zh-TW" dirty="0">
+                <a:latin typeface="微軟正黑體" panose="020B0604030504040204" pitchFamily="34" charset="-120"/>
+                <a:ea typeface="微軟正黑體" panose="020B0604030504040204" pitchFamily="34" charset="-120"/>
+              </a:rPr>
+              <a:t>GetXXX()</a:t>
+            </a:r>
+            <a:r>
+              <a:rPr lang="zh-TW" altLang="en-US" dirty="0" smtClean="0">
+                <a:latin typeface="微軟正黑體" panose="020B0604030504040204" pitchFamily="34" charset="-120"/>
+                <a:ea typeface="微軟正黑體" panose="020B0604030504040204" pitchFamily="34" charset="-120"/>
+              </a:rPr>
+              <a:t>。</a:t>
+            </a:r>
+            <a:endParaRPr lang="en-US" altLang="zh-TW" dirty="0" smtClean="0">
+              <a:latin typeface="微軟正黑體" panose="020B0604030504040204" pitchFamily="34" charset="-120"/>
+              <a:ea typeface="微軟正黑體" panose="020B0604030504040204" pitchFamily="34" charset="-120"/>
+            </a:endParaRPr>
+          </a:p>
+          <a:p>
+            <a:pPr lvl="1"/>
+            <a:r>
+              <a:rPr lang="en-US" altLang="zh-TW" dirty="0" smtClean="0">
+                <a:latin typeface="微軟正黑體" panose="020B0604030504040204" pitchFamily="34" charset="-120"/>
+                <a:ea typeface="微軟正黑體" panose="020B0604030504040204" pitchFamily="34" charset="-120"/>
+              </a:rPr>
+              <a:t>bool isPrimeNumber()</a:t>
+            </a:r>
+          </a:p>
+          <a:p>
+            <a:pPr lvl="1"/>
+            <a:r>
+              <a:rPr lang="en-US" altLang="zh-TW" dirty="0">
+                <a:latin typeface="微軟正黑體" panose="020B0604030504040204" pitchFamily="34" charset="-120"/>
+                <a:ea typeface="微軟正黑體" panose="020B0604030504040204" pitchFamily="34" charset="-120"/>
+              </a:rPr>
+              <a:t>i</a:t>
+            </a:r>
+            <a:r>
+              <a:rPr lang="en-US" altLang="zh-TW" dirty="0" smtClean="0">
+                <a:latin typeface="微軟正黑體" panose="020B0604030504040204" pitchFamily="34" charset="-120"/>
+                <a:ea typeface="微軟正黑體" panose="020B0604030504040204" pitchFamily="34" charset="-120"/>
+              </a:rPr>
+              <a:t>nt getCompanySize()</a:t>
+            </a:r>
+          </a:p>
+          <a:p>
+            <a:r>
+              <a:rPr lang="en-US" altLang="zh-TW" dirty="0">
+                <a:solidFill>
+                  <a:srgbClr val="52F2EA"/>
+                </a:solidFill>
+                <a:latin typeface="微軟正黑體" panose="020B0604030504040204" pitchFamily="34" charset="-120"/>
+                <a:ea typeface="微軟正黑體" panose="020B0604030504040204" pitchFamily="34" charset="-120"/>
+              </a:rPr>
+              <a:t>Setter</a:t>
+            </a:r>
+            <a:r>
+              <a:rPr lang="en-US" altLang="zh-TW" dirty="0">
+                <a:latin typeface="微軟正黑體" panose="020B0604030504040204" pitchFamily="34" charset="-120"/>
+                <a:ea typeface="微軟正黑體" panose="020B0604030504040204" pitchFamily="34" charset="-120"/>
+              </a:rPr>
+              <a:t> </a:t>
+            </a:r>
+            <a:r>
+              <a:rPr lang="zh-TW" altLang="en-US" dirty="0">
+                <a:latin typeface="微軟正黑體" panose="020B0604030504040204" pitchFamily="34" charset="-120"/>
+                <a:ea typeface="微軟正黑體" panose="020B0604030504040204" pitchFamily="34" charset="-120"/>
+              </a:rPr>
+              <a:t>一律使用 </a:t>
+            </a:r>
+            <a:r>
+              <a:rPr lang="en-US" altLang="zh-TW" dirty="0">
+                <a:latin typeface="微軟正黑體" panose="020B0604030504040204" pitchFamily="34" charset="-120"/>
+                <a:ea typeface="微軟正黑體" panose="020B0604030504040204" pitchFamily="34" charset="-120"/>
+              </a:rPr>
+              <a:t>SetXXX()</a:t>
+            </a:r>
+            <a:r>
+              <a:rPr lang="zh-TW" altLang="en-US" dirty="0" smtClean="0">
+                <a:latin typeface="微軟正黑體" panose="020B0604030504040204" pitchFamily="34" charset="-120"/>
+                <a:ea typeface="微軟正黑體" panose="020B0604030504040204" pitchFamily="34" charset="-120"/>
+              </a:rPr>
+              <a:t>。</a:t>
+            </a:r>
+            <a:endParaRPr lang="en-US" altLang="zh-TW" dirty="0" smtClean="0">
+              <a:latin typeface="微軟正黑體" panose="020B0604030504040204" pitchFamily="34" charset="-120"/>
+              <a:ea typeface="微軟正黑體" panose="020B0604030504040204" pitchFamily="34" charset="-120"/>
+            </a:endParaRPr>
+          </a:p>
+          <a:p>
+            <a:pPr lvl="1"/>
+            <a:r>
+              <a:rPr lang="en-US" altLang="zh-TW" dirty="0">
+                <a:latin typeface="微軟正黑體" panose="020B0604030504040204" pitchFamily="34" charset="-120"/>
+                <a:ea typeface="微軟正黑體" panose="020B0604030504040204" pitchFamily="34" charset="-120"/>
+              </a:rPr>
+              <a:t>v</a:t>
+            </a:r>
+            <a:r>
+              <a:rPr lang="en-US" altLang="zh-TW" dirty="0" smtClean="0">
+                <a:latin typeface="微軟正黑體" panose="020B0604030504040204" pitchFamily="34" charset="-120"/>
+                <a:ea typeface="微軟正黑體" panose="020B0604030504040204" pitchFamily="34" charset="-120"/>
+              </a:rPr>
+              <a:t>oid setCompanyName(String name)</a:t>
+            </a:r>
+          </a:p>
+        </p:txBody>
+      </p:sp>
+    </p:spTree>
+    <p:extLst>
+      <p:ext uri="{BB962C8B-B14F-4D97-AF65-F5344CB8AC3E}">
+        <p14:creationId xmlns:p14="http://schemas.microsoft.com/office/powerpoint/2010/main" val="1465661925"/>
       </p:ext>
     </p:extLst>
   </p:cSld>
@@ -7612,6 +8954,81 @@
             <a:spLocks noGrp="1"/>
           </p:cNvSpPr>
           <p:nvPr>
+            <p:ph type="ctrTitle"/>
+          </p:nvPr>
+        </p:nvSpPr>
+        <p:spPr>
+          <a:xfrm>
+            <a:off x="1524000" y="1530736"/>
+            <a:ext cx="9144000" cy="2387600"/>
+          </a:xfrm>
+        </p:spPr>
+        <p:txBody>
+          <a:bodyPr>
+            <a:normAutofit/>
+          </a:bodyPr>
+          <a:lstStyle/>
+          <a:p>
+            <a:r>
+              <a:rPr lang="en-US" altLang="zh-TW" sz="8000" dirty="0" smtClean="0">
+                <a:solidFill>
+                  <a:srgbClr val="52F2EA"/>
+                </a:solidFill>
+              </a:rPr>
+              <a:t>Code Smell</a:t>
+            </a:r>
+            <a:endParaRPr lang="zh-TW" altLang="en-US" sz="8000" dirty="0">
+              <a:solidFill>
+                <a:srgbClr val="52F2EA"/>
+              </a:solidFill>
+            </a:endParaRPr>
+          </a:p>
+        </p:txBody>
+      </p:sp>
+    </p:spTree>
+    <p:extLst>
+      <p:ext uri="{BB962C8B-B14F-4D97-AF65-F5344CB8AC3E}">
+        <p14:creationId xmlns:p14="http://schemas.microsoft.com/office/powerpoint/2010/main" val="3749562674"/>
+      </p:ext>
+    </p:extLst>
+  </p:cSld>
+  <p:clrMapOvr>
+    <a:masterClrMapping/>
+  </p:clrMapOvr>
+  <p:timing>
+    <p:tnLst>
+      <p:par>
+        <p:cTn id="1" dur="indefinite" restart="never" nodeType="tmRoot"/>
+      </p:par>
+    </p:tnLst>
+  </p:timing>
+</p:sld>
+</file>
+
+<file path=ppt/slides/slide8.xml><?xml version="1.0" encoding="utf-8"?>
+<p:sld xmlns:a="http://schemas.openxmlformats.org/drawingml/2006/main" xmlns:r="http://schemas.openxmlformats.org/officeDocument/2006/relationships" xmlns:p="http://schemas.openxmlformats.org/presentationml/2006/main">
+  <p:cSld>
+    <p:spTree>
+      <p:nvGrpSpPr>
+        <p:cNvPr id="1" name=""/>
+        <p:cNvGrpSpPr/>
+        <p:nvPr/>
+      </p:nvGrpSpPr>
+      <p:grpSpPr>
+        <a:xfrm>
+          <a:off x="0" y="0"/>
+          <a:ext cx="0" cy="0"/>
+          <a:chOff x="0" y="0"/>
+          <a:chExt cx="0" cy="0"/>
+        </a:xfrm>
+      </p:grpSpPr>
+      <p:sp>
+        <p:nvSpPr>
+          <p:cNvPr id="2" name="標題 1"/>
+          <p:cNvSpPr>
+            <a:spLocks noGrp="1"/>
+          </p:cNvSpPr>
+          <p:nvPr>
             <p:ph type="title"/>
           </p:nvPr>
         </p:nvSpPr>
@@ -7644,7 +9061,7 @@
           </p:nvPr>
         </p:nvPicPr>
         <p:blipFill rotWithShape="1">
-          <a:blip r:embed="rId2"/>
+          <a:blip r:embed="rId3"/>
           <a:srcRect t="2124" r="1764" b="1588"/>
           <a:stretch/>
         </p:blipFill>
@@ -7667,7 +9084,7 @@
           <p:nvPr/>
         </p:nvPicPr>
         <p:blipFill rotWithShape="1">
-          <a:blip r:embed="rId3"/>
+          <a:blip r:embed="rId4"/>
           <a:srcRect l="660" t="441" r="870"/>
           <a:stretch/>
         </p:blipFill>
@@ -7701,7 +9118,7 @@
 </p:sld>
 </file>
 
-<file path=ppt/slides/slide8.xml><?xml version="1.0" encoding="utf-8"?>
+<file path=ppt/slides/slide9.xml><?xml version="1.0" encoding="utf-8"?>
 <p:sld xmlns:a="http://schemas.openxmlformats.org/drawingml/2006/main" xmlns:r="http://schemas.openxmlformats.org/officeDocument/2006/relationships" xmlns:p="http://schemas.openxmlformats.org/presentationml/2006/main">
   <p:cSld>
     <p:spTree>
@@ -7778,330 +9195,6 @@
     <p:tnLst>
       <p:par>
         <p:cTn id="1" dur="indefinite" restart="never" nodeType="tmRoot"/>
-      </p:par>
-    </p:tnLst>
-  </p:timing>
-</p:sld>
-</file>
-
-<file path=ppt/slides/slide9.xml><?xml version="1.0" encoding="utf-8"?>
-<p:sld xmlns:a="http://schemas.openxmlformats.org/drawingml/2006/main" xmlns:r="http://schemas.openxmlformats.org/officeDocument/2006/relationships" xmlns:p="http://schemas.openxmlformats.org/presentationml/2006/main">
-  <p:cSld>
-    <p:spTree>
-      <p:nvGrpSpPr>
-        <p:cNvPr id="1" name=""/>
-        <p:cNvGrpSpPr/>
-        <p:nvPr/>
-      </p:nvGrpSpPr>
-      <p:grpSpPr>
-        <a:xfrm>
-          <a:off x="0" y="0"/>
-          <a:ext cx="0" cy="0"/>
-          <a:chOff x="0" y="0"/>
-          <a:chExt cx="0" cy="0"/>
-        </a:xfrm>
-      </p:grpSpPr>
-      <p:sp>
-        <p:nvSpPr>
-          <p:cNvPr id="2" name="標題 1"/>
-          <p:cNvSpPr>
-            <a:spLocks noGrp="1"/>
-          </p:cNvSpPr>
-          <p:nvPr>
-            <p:ph type="title"/>
-          </p:nvPr>
-        </p:nvSpPr>
-        <p:spPr/>
-        <p:txBody>
-          <a:bodyPr/>
-          <a:lstStyle/>
-          <a:p>
-            <a:r>
-              <a:rPr lang="en-US" altLang="zh-TW" dirty="0" smtClean="0"/>
-              <a:t>Long Method</a:t>
-            </a:r>
-            <a:endParaRPr lang="zh-TW" altLang="en-US" dirty="0"/>
-          </a:p>
-        </p:txBody>
-      </p:sp>
-      <p:pic>
-        <p:nvPicPr>
-          <p:cNvPr id="3" name="圖片 2"/>
-          <p:cNvPicPr>
-            <a:picLocks noChangeAspect="1"/>
-          </p:cNvPicPr>
-          <p:nvPr/>
-        </p:nvPicPr>
-        <p:blipFill>
-          <a:blip r:embed="rId3"/>
-          <a:stretch>
-            <a:fillRect/>
-          </a:stretch>
-        </p:blipFill>
-        <p:spPr>
-          <a:xfrm>
-            <a:off x="465400" y="1323784"/>
-            <a:ext cx="10214791" cy="5385737"/>
-          </a:xfrm>
-          <a:prstGeom prst="rect">
-            <a:avLst/>
-          </a:prstGeom>
-        </p:spPr>
-      </p:pic>
-      <p:grpSp>
-        <p:nvGrpSpPr>
-          <p:cNvPr id="10" name="群組 9"/>
-          <p:cNvGrpSpPr/>
-          <p:nvPr/>
-        </p:nvGrpSpPr>
-        <p:grpSpPr>
-          <a:xfrm>
-            <a:off x="1386840" y="365125"/>
-            <a:ext cx="10518648" cy="6476634"/>
-            <a:chOff x="1386840" y="365125"/>
-            <a:chExt cx="10518648" cy="6476634"/>
-          </a:xfrm>
-        </p:grpSpPr>
-        <p:pic>
-          <p:nvPicPr>
-            <p:cNvPr id="5" name="圖片 4"/>
-            <p:cNvPicPr>
-              <a:picLocks noChangeAspect="1"/>
-            </p:cNvPicPr>
-            <p:nvPr/>
-          </p:nvPicPr>
-          <p:blipFill>
-            <a:blip r:embed="rId4"/>
-            <a:stretch>
-              <a:fillRect/>
-            </a:stretch>
-          </p:blipFill>
-          <p:spPr>
-            <a:xfrm>
-              <a:off x="5116258" y="365125"/>
-              <a:ext cx="6789230" cy="2809875"/>
-            </a:xfrm>
-            <a:prstGeom prst="rect">
-              <a:avLst/>
-            </a:prstGeom>
-          </p:spPr>
-        </p:pic>
-        <p:pic>
-          <p:nvPicPr>
-            <p:cNvPr id="6" name="圖片 5"/>
-            <p:cNvPicPr>
-              <a:picLocks noChangeAspect="1"/>
-            </p:cNvPicPr>
-            <p:nvPr/>
-          </p:nvPicPr>
-          <p:blipFill>
-            <a:blip r:embed="rId5"/>
-            <a:stretch>
-              <a:fillRect/>
-            </a:stretch>
-          </p:blipFill>
-          <p:spPr>
-            <a:xfrm>
-              <a:off x="1386840" y="3142980"/>
-              <a:ext cx="5505450" cy="1181100"/>
-            </a:xfrm>
-            <a:prstGeom prst="rect">
-              <a:avLst/>
-            </a:prstGeom>
-          </p:spPr>
-        </p:pic>
-        <p:pic>
-          <p:nvPicPr>
-            <p:cNvPr id="8" name="圖片 7"/>
-            <p:cNvPicPr>
-              <a:picLocks noChangeAspect="1"/>
-            </p:cNvPicPr>
-            <p:nvPr/>
-          </p:nvPicPr>
-          <p:blipFill>
-            <a:blip r:embed="rId6"/>
-            <a:stretch>
-              <a:fillRect/>
-            </a:stretch>
-          </p:blipFill>
-          <p:spPr>
-            <a:xfrm>
-              <a:off x="1386840" y="4324080"/>
-              <a:ext cx="6981825" cy="742950"/>
-            </a:xfrm>
-            <a:prstGeom prst="rect">
-              <a:avLst/>
-            </a:prstGeom>
-          </p:spPr>
-        </p:pic>
-        <p:pic>
-          <p:nvPicPr>
-            <p:cNvPr id="9" name="圖片 8"/>
-            <p:cNvPicPr>
-              <a:picLocks noChangeAspect="1"/>
-            </p:cNvPicPr>
-            <p:nvPr/>
-          </p:nvPicPr>
-          <p:blipFill>
-            <a:blip r:embed="rId7"/>
-            <a:stretch>
-              <a:fillRect/>
-            </a:stretch>
-          </p:blipFill>
-          <p:spPr>
-            <a:xfrm>
-              <a:off x="1386840" y="5174884"/>
-              <a:ext cx="9906000" cy="1666875"/>
-            </a:xfrm>
-            <a:prstGeom prst="rect">
-              <a:avLst/>
-            </a:prstGeom>
-          </p:spPr>
-        </p:pic>
-      </p:grpSp>
-    </p:spTree>
-    <p:extLst>
-      <p:ext uri="{BB962C8B-B14F-4D97-AF65-F5344CB8AC3E}">
-        <p14:creationId xmlns:p14="http://schemas.microsoft.com/office/powerpoint/2010/main" val="3200127777"/>
-      </p:ext>
-    </p:extLst>
-  </p:cSld>
-  <p:clrMapOvr>
-    <a:masterClrMapping/>
-  </p:clrMapOvr>
-  <p:timing>
-    <p:tnLst>
-      <p:par>
-        <p:cTn id="1" dur="indefinite" restart="never" nodeType="tmRoot">
-          <p:childTnLst>
-            <p:seq concurrent="1" nextAc="seek">
-              <p:cTn id="2" dur="indefinite" nodeType="mainSeq">
-                <p:childTnLst>
-                  <p:par>
-                    <p:cTn id="3" fill="hold">
-                      <p:stCondLst>
-                        <p:cond delay="indefinite"/>
-                      </p:stCondLst>
-                      <p:childTnLst>
-                        <p:par>
-                          <p:cTn id="4" fill="hold">
-                            <p:stCondLst>
-                              <p:cond delay="0"/>
-                            </p:stCondLst>
-                            <p:childTnLst>
-                              <p:par>
-                                <p:cTn id="5" presetID="10" presetClass="exit" presetSubtype="0" fill="hold" nodeType="clickEffect">
-                                  <p:stCondLst>
-                                    <p:cond delay="0"/>
-                                  </p:stCondLst>
-                                  <p:childTnLst>
-                                    <p:animEffect transition="out" filter="fade">
-                                      <p:cBhvr>
-                                        <p:cTn id="6" dur="500"/>
-                                        <p:tgtEl>
-                                          <p:spTgt spid="3"/>
-                                        </p:tgtEl>
-                                      </p:cBhvr>
-                                    </p:animEffect>
-                                    <p:set>
-                                      <p:cBhvr>
-                                        <p:cTn id="7" dur="1" fill="hold">
-                                          <p:stCondLst>
-                                            <p:cond delay="499"/>
-                                          </p:stCondLst>
-                                        </p:cTn>
-                                        <p:tgtEl>
-                                          <p:spTgt spid="3"/>
-                                        </p:tgtEl>
-                                        <p:attrNameLst>
-                                          <p:attrName>style.visibility</p:attrName>
-                                        </p:attrNameLst>
-                                      </p:cBhvr>
-                                      <p:to>
-                                        <p:strVal val="hidden"/>
-                                      </p:to>
-                                    </p:set>
-                                  </p:childTnLst>
-                                </p:cTn>
-                              </p:par>
-                            </p:childTnLst>
-                          </p:cTn>
-                        </p:par>
-                      </p:childTnLst>
-                    </p:cTn>
-                  </p:par>
-                  <p:par>
-                    <p:cTn id="8" fill="hold">
-                      <p:stCondLst>
-                        <p:cond delay="indefinite"/>
-                      </p:stCondLst>
-                      <p:childTnLst>
-                        <p:par>
-                          <p:cTn id="9" fill="hold">
-                            <p:stCondLst>
-                              <p:cond delay="0"/>
-                            </p:stCondLst>
-                            <p:childTnLst>
-                              <p:par>
-                                <p:cTn id="10" presetID="10" presetClass="entr" presetSubtype="0" fill="hold" nodeType="clickEffect">
-                                  <p:stCondLst>
-                                    <p:cond delay="0"/>
-                                  </p:stCondLst>
-                                  <p:childTnLst>
-                                    <p:set>
-                                      <p:cBhvr>
-                                        <p:cTn id="11" dur="1" fill="hold">
-                                          <p:stCondLst>
-                                            <p:cond delay="0"/>
-                                          </p:stCondLst>
-                                        </p:cTn>
-                                        <p:tgtEl>
-                                          <p:spTgt spid="10"/>
-                                        </p:tgtEl>
-                                        <p:attrNameLst>
-                                          <p:attrName>style.visibility</p:attrName>
-                                        </p:attrNameLst>
-                                      </p:cBhvr>
-                                      <p:to>
-                                        <p:strVal val="visible"/>
-                                      </p:to>
-                                    </p:set>
-                                    <p:animEffect transition="in" filter="fade">
-                                      <p:cBhvr>
-                                        <p:cTn id="12" dur="500"/>
-                                        <p:tgtEl>
-                                          <p:spTgt spid="10"/>
-                                        </p:tgtEl>
-                                      </p:cBhvr>
-                                    </p:animEffect>
-                                  </p:childTnLst>
-                                </p:cTn>
-                              </p:par>
-                            </p:childTnLst>
-                          </p:cTn>
-                        </p:par>
-                      </p:childTnLst>
-                    </p:cTn>
-                  </p:par>
-                </p:childTnLst>
-              </p:cTn>
-              <p:prevCondLst>
-                <p:cond evt="onPrev" delay="0">
-                  <p:tgtEl>
-                    <p:sldTgt/>
-                  </p:tgtEl>
-                </p:cond>
-              </p:prevCondLst>
-              <p:nextCondLst>
-                <p:cond evt="onNext" delay="0">
-                  <p:tgtEl>
-                    <p:sldTgt/>
-                  </p:tgtEl>
-                </p:cond>
-              </p:nextCondLst>
-            </p:seq>
-          </p:childTnLst>
-        </p:cTn>
       </p:par>
     </p:tnLst>
   </p:timing>
